--- a/U_DEV_Journées_Java_Formation-v2.pptx
+++ b/U_DEV_Journées_Java_Formation-v2.pptx
@@ -5,10 +5,10 @@
     <p:sldMasterId id="2147483648" r:id="rId5"/>
   </p:sldMasterIdLst>
   <p:notesMasterIdLst>
-    <p:notesMasterId r:id="rId31"/>
+    <p:notesMasterId r:id="rId33"/>
   </p:notesMasterIdLst>
   <p:handoutMasterIdLst>
-    <p:handoutMasterId r:id="rId32"/>
+    <p:handoutMasterId r:id="rId34"/>
   </p:handoutMasterIdLst>
   <p:sldIdLst>
     <p:sldId id="257" r:id="rId6"/>
@@ -35,7 +35,9 @@
     <p:sldId id="270" r:id="rId27"/>
     <p:sldId id="299" r:id="rId28"/>
     <p:sldId id="298" r:id="rId29"/>
-    <p:sldId id="294" r:id="rId30"/>
+    <p:sldId id="300" r:id="rId30"/>
+    <p:sldId id="301" r:id="rId31"/>
+    <p:sldId id="294" r:id="rId32"/>
   </p:sldIdLst>
   <p:sldSz cx="12192000" cy="6858000"/>
   <p:notesSz cx="6858000" cy="9144000"/>
@@ -24520,11 +24522,13 @@
         </p:nvSpPr>
         <p:spPr/>
         <p:txBody>
-          <a:bodyPr/>
+          <a:bodyPr>
+            <a:normAutofit/>
+          </a:bodyPr>
           <a:lstStyle/>
           <a:p>
             <a:r>
-              <a:rPr lang="en-US" dirty="0"/>
+              <a:rPr lang="en-US" sz="4000" dirty="0"/>
               <a:t>Java days</a:t>
             </a:r>
           </a:p>
@@ -24549,23 +24553,54 @@
         <p:spPr>
           <a:xfrm>
             <a:off x="5448300" y="3401485"/>
-            <a:ext cx="6193970" cy="1035627"/>
+            <a:ext cx="6193970" cy="1467675"/>
           </a:xfrm>
         </p:spPr>
         <p:txBody>
-          <a:bodyPr/>
+          <a:bodyPr>
+            <a:noAutofit/>
+          </a:bodyPr>
           <a:lstStyle/>
           <a:p>
             <a:r>
-              <a:rPr lang="en-US" dirty="0"/>
+              <a:rPr lang="en-US" sz="1800" dirty="0" smtClean="0"/>
               <a:t>Spring</a:t>
             </a:r>
           </a:p>
           <a:p>
-            <a:r>
-              <a:rPr lang="en-US" dirty="0"/>
-              <a:t>Spring Boot</a:t>
-            </a:r>
+            <a:endParaRPr lang="en-US" sz="1800" dirty="0"/>
+          </a:p>
+          <a:p>
+            <a:r>
+              <a:rPr lang="en-US" sz="1800" dirty="0"/>
+              <a:t>Spring </a:t>
+            </a:r>
+            <a:r>
+              <a:rPr lang="en-US" sz="1800" dirty="0" smtClean="0"/>
+              <a:t>Boot</a:t>
+            </a:r>
+          </a:p>
+          <a:p>
+            <a:endParaRPr lang="en-US" sz="1800" dirty="0" smtClean="0"/>
+          </a:p>
+          <a:p>
+            <a:r>
+              <a:rPr lang="en-US" sz="1800" dirty="0" smtClean="0"/>
+              <a:t>REST </a:t>
+            </a:r>
+            <a:r>
+              <a:rPr lang="en-US" sz="1800" dirty="0" err="1"/>
+              <a:t>A</a:t>
+            </a:r>
+            <a:r>
+              <a:rPr lang="en-US" sz="1800" dirty="0" err="1" smtClean="0"/>
+              <a:t>pi</a:t>
+            </a:r>
+            <a:r>
+              <a:rPr lang="en-US" sz="1800" dirty="0" smtClean="0"/>
+              <a:t> introduction</a:t>
+            </a:r>
+            <a:endParaRPr lang="en-US" sz="1800" dirty="0"/>
           </a:p>
         </p:txBody>
       </p:sp>
@@ -24612,6 +24647,13 @@
   <p:transition>
     <p:fade/>
   </p:transition>
+  <p:timing>
+    <p:tnLst>
+      <p:par>
+        <p:cTn id="1" dur="indefinite" restart="never" nodeType="tmRoot"/>
+      </p:par>
+    </p:tnLst>
+  </p:timing>
 </p:sld>
 </file>
 
@@ -24654,6 +24696,13 @@
           <a:prstGeom prst="rect">
             <a:avLst/>
           </a:prstGeom>
+          <a:effectLst>
+            <a:outerShdw blurRad="50800" dist="38100" dir="2700000" algn="tl" rotWithShape="0">
+              <a:prstClr val="black">
+                <a:alpha val="40000"/>
+              </a:prstClr>
+            </a:outerShdw>
+          </a:effectLst>
         </p:spPr>
       </p:pic>
       <p:sp>
@@ -25293,6 +25342,13 @@
           <a:prstGeom prst="rect">
             <a:avLst/>
           </a:prstGeom>
+          <a:effectLst>
+            <a:outerShdw blurRad="50800" dist="38100" dir="2700000" algn="tl" rotWithShape="0">
+              <a:prstClr val="black">
+                <a:alpha val="40000"/>
+              </a:prstClr>
+            </a:outerShdw>
+          </a:effectLst>
         </p:spPr>
       </p:pic>
     </p:spTree>
@@ -25513,6 +25569,13 @@
           <a:prstGeom prst="rect">
             <a:avLst/>
           </a:prstGeom>
+          <a:effectLst>
+            <a:outerShdw blurRad="50800" dist="38100" dir="2700000" algn="tl" rotWithShape="0">
+              <a:prstClr val="black">
+                <a:alpha val="40000"/>
+              </a:prstClr>
+            </a:outerShdw>
+          </a:effectLst>
         </p:spPr>
       </p:pic>
       <p:sp>
@@ -25663,6 +25726,13 @@
           <a:prstGeom prst="rect">
             <a:avLst/>
           </a:prstGeom>
+          <a:effectLst>
+            <a:outerShdw blurRad="50800" dist="38100" dir="2700000" algn="tl" rotWithShape="0">
+              <a:prstClr val="black">
+                <a:alpha val="40000"/>
+              </a:prstClr>
+            </a:outerShdw>
+          </a:effectLst>
         </p:spPr>
       </p:pic>
       <p:pic>
@@ -25693,6 +25763,13 @@
           <a:prstGeom prst="rect">
             <a:avLst/>
           </a:prstGeom>
+          <a:effectLst>
+            <a:outerShdw blurRad="50800" dist="38100" dir="2700000" algn="tl" rotWithShape="0">
+              <a:prstClr val="black">
+                <a:alpha val="40000"/>
+              </a:prstClr>
+            </a:outerShdw>
+          </a:effectLst>
         </p:spPr>
       </p:pic>
       <p:sp>
@@ -26851,6 +26928,13 @@
           <a:prstGeom prst="rect">
             <a:avLst/>
           </a:prstGeom>
+          <a:effectLst>
+            <a:outerShdw blurRad="50800" dist="38100" dir="2700000" algn="tl" rotWithShape="0">
+              <a:prstClr val="black">
+                <a:alpha val="40000"/>
+              </a:prstClr>
+            </a:outerShdw>
+          </a:effectLst>
         </p:spPr>
       </p:pic>
     </p:spTree>
@@ -27199,6 +27283,13 @@
           <a:prstGeom prst="rect">
             <a:avLst/>
           </a:prstGeom>
+          <a:effectLst>
+            <a:outerShdw blurRad="50800" dist="38100" dir="2700000" algn="tl" rotWithShape="0">
+              <a:prstClr val="black">
+                <a:alpha val="40000"/>
+              </a:prstClr>
+            </a:outerShdw>
+          </a:effectLst>
         </p:spPr>
       </p:pic>
     </p:spTree>
@@ -27713,6 +27804,13 @@
           <a:prstGeom prst="rect">
             <a:avLst/>
           </a:prstGeom>
+          <a:effectLst>
+            <a:outerShdw blurRad="50800" dist="38100" dir="2700000" algn="tl" rotWithShape="0">
+              <a:prstClr val="black">
+                <a:alpha val="40000"/>
+              </a:prstClr>
+            </a:outerShdw>
+          </a:effectLst>
         </p:spPr>
       </p:pic>
       <p:pic>
@@ -27745,6 +27843,13 @@
           <a:prstGeom prst="rect">
             <a:avLst/>
           </a:prstGeom>
+          <a:effectLst>
+            <a:outerShdw blurRad="50800" dist="38100" dir="2700000" algn="tl" rotWithShape="0">
+              <a:prstClr val="black">
+                <a:alpha val="40000"/>
+              </a:prstClr>
+            </a:outerShdw>
+          </a:effectLst>
         </p:spPr>
       </p:pic>
       <p:pic>
@@ -27775,6 +27880,13 @@
           <a:prstGeom prst="rect">
             <a:avLst/>
           </a:prstGeom>
+          <a:effectLst>
+            <a:outerShdw blurRad="50800" dist="38100" dir="2700000" algn="tl" rotWithShape="0">
+              <a:prstClr val="black">
+                <a:alpha val="40000"/>
+              </a:prstClr>
+            </a:outerShdw>
+          </a:effectLst>
         </p:spPr>
       </p:pic>
       <p:pic>
@@ -27805,6 +27917,13 @@
           <a:prstGeom prst="rect">
             <a:avLst/>
           </a:prstGeom>
+          <a:effectLst>
+            <a:outerShdw blurRad="50800" dist="38100" dir="2700000" algn="tl" rotWithShape="0">
+              <a:prstClr val="black">
+                <a:alpha val="40000"/>
+              </a:prstClr>
+            </a:outerShdw>
+          </a:effectLst>
         </p:spPr>
       </p:pic>
       <p:sp>
@@ -28451,6 +28570,13 @@
   <p:clrMapOvr>
     <a:masterClrMapping/>
   </p:clrMapOvr>
+  <p:timing>
+    <p:tnLst>
+      <p:par>
+        <p:cTn id="1" dur="indefinite" restart="never" nodeType="tmRoot"/>
+      </p:par>
+    </p:tnLst>
+  </p:timing>
 </p:sld>
 </file>
 
@@ -28716,6 +28842,13 @@
   <p:clrMapOvr>
     <a:masterClrMapping/>
   </p:clrMapOvr>
+  <p:timing>
+    <p:tnLst>
+      <p:par>
+        <p:cTn id="1" dur="indefinite" restart="never" nodeType="tmRoot"/>
+      </p:par>
+    </p:tnLst>
+  </p:timing>
 </p:sld>
 </file>
 
@@ -28933,6 +29066,13 @@
           <a:prstGeom prst="rect">
             <a:avLst/>
           </a:prstGeom>
+          <a:effectLst>
+            <a:outerShdw blurRad="50800" dist="38100" dir="2700000" algn="tl" rotWithShape="0">
+              <a:prstClr val="black">
+                <a:alpha val="40000"/>
+              </a:prstClr>
+            </a:outerShdw>
+          </a:effectLst>
         </p:spPr>
       </p:pic>
     </p:spTree>
@@ -28945,6 +29085,13 @@
   <p:clrMapOvr>
     <a:masterClrMapping/>
   </p:clrMapOvr>
+  <p:timing>
+    <p:tnLst>
+      <p:par>
+        <p:cTn id="1" dur="indefinite" restart="never" nodeType="tmRoot"/>
+      </p:par>
+    </p:tnLst>
+  </p:timing>
 </p:sld>
 </file>
 
@@ -29386,6 +29533,13 @@
           <a:prstGeom prst="rect">
             <a:avLst/>
           </a:prstGeom>
+          <a:effectLst>
+            <a:outerShdw blurRad="50800" dist="38100" dir="2700000" algn="tl" rotWithShape="0">
+              <a:prstClr val="black">
+                <a:alpha val="40000"/>
+              </a:prstClr>
+            </a:outerShdw>
+          </a:effectLst>
         </p:spPr>
       </p:pic>
     </p:spTree>
@@ -29398,6 +29552,13 @@
   <p:clrMapOvr>
     <a:masterClrMapping/>
   </p:clrMapOvr>
+  <p:timing>
+    <p:tnLst>
+      <p:par>
+        <p:cTn id="1" dur="indefinite" restart="never" nodeType="tmRoot"/>
+      </p:par>
+    </p:tnLst>
+  </p:timing>
 </p:sld>
 </file>
 
@@ -29871,6 +30032,13 @@
             <a:avLst/>
           </a:prstGeom>
           <a:noFill/>
+          <a:effectLst>
+            <a:outerShdw blurRad="50800" dist="38100" dir="2700000" algn="tl" rotWithShape="0">
+              <a:prstClr val="black">
+                <a:alpha val="40000"/>
+              </a:prstClr>
+            </a:outerShdw>
+          </a:effectLst>
           <a:extLst>
             <a:ext uri="{909E8E84-426E-40DD-AFC4-6F175D3DCCD1}">
               <a14:hiddenFill xmlns:a14="http://schemas.microsoft.com/office/drawing/2010/main">
@@ -29892,10 +30060,310 @@
   <p:clrMapOvr>
     <a:masterClrMapping/>
   </p:clrMapOvr>
+  <p:timing>
+    <p:tnLst>
+      <p:par>
+        <p:cTn id="1" dur="indefinite" restart="never" nodeType="tmRoot"/>
+      </p:par>
+    </p:tnLst>
+  </p:timing>
 </p:sld>
 </file>
 
 <file path=ppt/slides/slide25.xml><?xml version="1.0" encoding="utf-8"?>
+<p:sld xmlns:a="http://schemas.openxmlformats.org/drawingml/2006/main" xmlns:r="http://schemas.openxmlformats.org/officeDocument/2006/relationships" xmlns:p="http://schemas.openxmlformats.org/presentationml/2006/main">
+  <p:cSld>
+    <p:spTree>
+      <p:nvGrpSpPr>
+        <p:cNvPr id="1" name=""/>
+        <p:cNvGrpSpPr/>
+        <p:nvPr/>
+      </p:nvGrpSpPr>
+      <p:grpSpPr>
+        <a:xfrm>
+          <a:off x="0" y="0"/>
+          <a:ext cx="0" cy="0"/>
+          <a:chOff x="0" y="0"/>
+          <a:chExt cx="0" cy="0"/>
+        </a:xfrm>
+      </p:grpSpPr>
+      <p:sp>
+        <p:nvSpPr>
+          <p:cNvPr id="2" name="Titre 1"/>
+          <p:cNvSpPr>
+            <a:spLocks noGrp="1"/>
+          </p:cNvSpPr>
+          <p:nvPr>
+            <p:ph type="title"/>
+          </p:nvPr>
+        </p:nvSpPr>
+        <p:spPr/>
+        <p:txBody>
+          <a:bodyPr/>
+          <a:lstStyle/>
+          <a:p>
+            <a:r>
+              <a:rPr lang="fr-FR" dirty="0" smtClean="0"/>
+              <a:t>Un mot sur Docker</a:t>
+            </a:r>
+            <a:endParaRPr lang="fr-FR" dirty="0"/>
+          </a:p>
+        </p:txBody>
+      </p:sp>
+      <p:sp>
+        <p:nvSpPr>
+          <p:cNvPr id="4" name="Espace réservé du numéro de diapositive 3"/>
+          <p:cNvSpPr>
+            <a:spLocks noGrp="1"/>
+          </p:cNvSpPr>
+          <p:nvPr>
+            <p:ph type="sldNum" sz="quarter" idx="4"/>
+          </p:nvPr>
+        </p:nvSpPr>
+        <p:spPr/>
+        <p:txBody>
+          <a:bodyPr/>
+          <a:lstStyle/>
+          <a:p>
+            <a:fld id="{525A3C56-E491-49B2-93F3-63532DF516BC}" type="slidenum">
+              <a:rPr lang="en-US" smtClean="0"/>
+              <a:pPr/>
+              <a:t>25</a:t>
+            </a:fld>
+            <a:endParaRPr lang="en-US"/>
+          </a:p>
+        </p:txBody>
+      </p:sp>
+      <p:pic>
+        <p:nvPicPr>
+          <p:cNvPr id="1026" name="Picture 2" descr="Résultat de recherche d'images pour &quot;docker&quot;&quot;"/>
+          <p:cNvPicPr>
+            <a:picLocks noChangeAspect="1" noChangeArrowheads="1"/>
+          </p:cNvPicPr>
+          <p:nvPr/>
+        </p:nvPicPr>
+        <p:blipFill>
+          <a:blip r:embed="rId2">
+            <a:extLst>
+              <a:ext uri="{28A0092B-C50C-407E-A947-70E740481C1C}">
+                <a14:useLocalDpi xmlns:a14="http://schemas.microsoft.com/office/drawing/2010/main" val="0"/>
+              </a:ext>
+            </a:extLst>
+          </a:blip>
+          <a:srcRect/>
+          <a:stretch>
+            <a:fillRect/>
+          </a:stretch>
+        </p:blipFill>
+        <p:spPr bwMode="auto">
+          <a:xfrm>
+            <a:off x="2855640" y="1484784"/>
+            <a:ext cx="5904656" cy="4814566"/>
+          </a:xfrm>
+          <a:prstGeom prst="rect">
+            <a:avLst/>
+          </a:prstGeom>
+          <a:noFill/>
+          <a:extLst>
+            <a:ext uri="{909E8E84-426E-40DD-AFC4-6F175D3DCCD1}">
+              <a14:hiddenFill xmlns:a14="http://schemas.microsoft.com/office/drawing/2010/main">
+                <a:solidFill>
+                  <a:srgbClr val="FFFFFF"/>
+                </a:solidFill>
+              </a14:hiddenFill>
+            </a:ext>
+          </a:extLst>
+        </p:spPr>
+      </p:pic>
+    </p:spTree>
+    <p:extLst>
+      <p:ext uri="{BB962C8B-B14F-4D97-AF65-F5344CB8AC3E}">
+        <p14:creationId xmlns:p14="http://schemas.microsoft.com/office/powerpoint/2010/main" val="3315254860"/>
+      </p:ext>
+    </p:extLst>
+  </p:cSld>
+  <p:clrMapOvr>
+    <a:masterClrMapping/>
+  </p:clrMapOvr>
+  <p:timing>
+    <p:tnLst>
+      <p:par>
+        <p:cTn id="1" dur="indefinite" restart="never" nodeType="tmRoot"/>
+      </p:par>
+    </p:tnLst>
+  </p:timing>
+</p:sld>
+</file>
+
+<file path=ppt/slides/slide26.xml><?xml version="1.0" encoding="utf-8"?>
+<p:sld xmlns:a="http://schemas.openxmlformats.org/drawingml/2006/main" xmlns:r="http://schemas.openxmlformats.org/officeDocument/2006/relationships" xmlns:p="http://schemas.openxmlformats.org/presentationml/2006/main">
+  <p:cSld>
+    <p:spTree>
+      <p:nvGrpSpPr>
+        <p:cNvPr id="1" name=""/>
+        <p:cNvGrpSpPr/>
+        <p:nvPr/>
+      </p:nvGrpSpPr>
+      <p:grpSpPr>
+        <a:xfrm>
+          <a:off x="0" y="0"/>
+          <a:ext cx="0" cy="0"/>
+          <a:chOff x="0" y="0"/>
+          <a:chExt cx="0" cy="0"/>
+        </a:xfrm>
+      </p:grpSpPr>
+      <p:sp>
+        <p:nvSpPr>
+          <p:cNvPr id="2" name="Titre 1"/>
+          <p:cNvSpPr>
+            <a:spLocks noGrp="1"/>
+          </p:cNvSpPr>
+          <p:nvPr>
+            <p:ph type="title"/>
+          </p:nvPr>
+        </p:nvSpPr>
+        <p:spPr/>
+        <p:txBody>
+          <a:bodyPr/>
+          <a:lstStyle/>
+          <a:p>
+            <a:r>
+              <a:rPr lang="fr-FR" dirty="0" smtClean="0"/>
+              <a:t>Un mot sur Docker - </a:t>
+            </a:r>
+            <a:r>
+              <a:rPr lang="fr-FR" dirty="0" err="1" smtClean="0"/>
+              <a:t>Dockerfile</a:t>
+            </a:r>
+            <a:endParaRPr lang="fr-FR" dirty="0"/>
+          </a:p>
+        </p:txBody>
+      </p:sp>
+      <p:sp>
+        <p:nvSpPr>
+          <p:cNvPr id="4" name="Espace réservé du numéro de diapositive 3"/>
+          <p:cNvSpPr>
+            <a:spLocks noGrp="1"/>
+          </p:cNvSpPr>
+          <p:nvPr>
+            <p:ph type="sldNum" sz="quarter" idx="4"/>
+          </p:nvPr>
+        </p:nvSpPr>
+        <p:spPr/>
+        <p:txBody>
+          <a:bodyPr/>
+          <a:lstStyle/>
+          <a:p>
+            <a:fld id="{525A3C56-E491-49B2-93F3-63532DF516BC}" type="slidenum">
+              <a:rPr lang="en-US" smtClean="0"/>
+              <a:pPr/>
+              <a:t>26</a:t>
+            </a:fld>
+            <a:endParaRPr lang="en-US"/>
+          </a:p>
+        </p:txBody>
+      </p:sp>
+      <p:pic>
+        <p:nvPicPr>
+          <p:cNvPr id="12" name="Image 11"/>
+          <p:cNvPicPr>
+            <a:picLocks noChangeAspect="1"/>
+          </p:cNvPicPr>
+          <p:nvPr/>
+        </p:nvPicPr>
+        <p:blipFill>
+          <a:blip r:embed="rId2"/>
+          <a:stretch>
+            <a:fillRect/>
+          </a:stretch>
+        </p:blipFill>
+        <p:spPr>
+          <a:xfrm>
+            <a:off x="839416" y="2996952"/>
+            <a:ext cx="6843986" cy="1286247"/>
+          </a:xfrm>
+          <a:prstGeom prst="rect">
+            <a:avLst/>
+          </a:prstGeom>
+          <a:effectLst>
+            <a:outerShdw blurRad="50800" dist="38100" dir="2700000" algn="tl" rotWithShape="0">
+              <a:prstClr val="black">
+                <a:alpha val="40000"/>
+              </a:prstClr>
+            </a:outerShdw>
+            <a:softEdge rad="25400"/>
+          </a:effectLst>
+        </p:spPr>
+      </p:pic>
+      <p:pic>
+        <p:nvPicPr>
+          <p:cNvPr id="2055" name="Picture 7" descr="Résultat de recherche d'images pour &quot;recipe book&quot;&quot;"/>
+          <p:cNvPicPr>
+            <a:picLocks noChangeAspect="1" noChangeArrowheads="1"/>
+          </p:cNvPicPr>
+          <p:nvPr/>
+        </p:nvPicPr>
+        <p:blipFill>
+          <a:blip r:embed="rId3">
+            <a:extLst>
+              <a:ext uri="{28A0092B-C50C-407E-A947-70E740481C1C}">
+                <a14:useLocalDpi xmlns:a14="http://schemas.microsoft.com/office/drawing/2010/main" val="0"/>
+              </a:ext>
+            </a:extLst>
+          </a:blip>
+          <a:srcRect/>
+          <a:stretch>
+            <a:fillRect/>
+          </a:stretch>
+        </p:blipFill>
+        <p:spPr bwMode="auto">
+          <a:xfrm>
+            <a:off x="8472264" y="2694347"/>
+            <a:ext cx="2521941" cy="1891456"/>
+          </a:xfrm>
+          <a:prstGeom prst="rect">
+            <a:avLst/>
+          </a:prstGeom>
+          <a:noFill/>
+          <a:effectLst>
+            <a:outerShdw blurRad="50800" dist="38100" dir="2700000" algn="tl" rotWithShape="0">
+              <a:prstClr val="black">
+                <a:alpha val="40000"/>
+              </a:prstClr>
+            </a:outerShdw>
+          </a:effectLst>
+          <a:extLst>
+            <a:ext uri="{909E8E84-426E-40DD-AFC4-6F175D3DCCD1}">
+              <a14:hiddenFill xmlns:a14="http://schemas.microsoft.com/office/drawing/2010/main">
+                <a:solidFill>
+                  <a:srgbClr val="FFFFFF"/>
+                </a:solidFill>
+              </a14:hiddenFill>
+            </a:ext>
+          </a:extLst>
+        </p:spPr>
+      </p:pic>
+    </p:spTree>
+    <p:extLst>
+      <p:ext uri="{BB962C8B-B14F-4D97-AF65-F5344CB8AC3E}">
+        <p14:creationId xmlns:p14="http://schemas.microsoft.com/office/powerpoint/2010/main" val="1360053390"/>
+      </p:ext>
+    </p:extLst>
+  </p:cSld>
+  <p:clrMapOvr>
+    <a:masterClrMapping/>
+  </p:clrMapOvr>
+  <p:timing>
+    <p:tnLst>
+      <p:par>
+        <p:cTn id="1" dur="indefinite" restart="never" nodeType="tmRoot"/>
+      </p:par>
+    </p:tnLst>
+  </p:timing>
+</p:sld>
+</file>
+
+<file path=ppt/slides/slide27.xml><?xml version="1.0" encoding="utf-8"?>
 <p:sld xmlns:a="http://schemas.openxmlformats.org/drawingml/2006/main" xmlns:r="http://schemas.openxmlformats.org/officeDocument/2006/relationships" xmlns:p="http://schemas.openxmlformats.org/presentationml/2006/main">
   <p:cSld>
     <p:spTree>
@@ -29936,7 +30404,7 @@
             <a:fld id="{525A3C56-E491-49B2-93F3-63532DF516BC}" type="slidenum">
               <a:rPr lang="en-US" smtClean="0"/>
               <a:pPr/>
-              <a:t>25</a:t>
+              <a:t>27</a:t>
             </a:fld>
             <a:endParaRPr lang="en-US"/>
           </a:p>
@@ -29970,6 +30438,13 @@
           <a:prstGeom prst="rect">
             <a:avLst/>
           </a:prstGeom>
+          <a:effectLst>
+            <a:outerShdw blurRad="50800" dist="38100" dir="2700000" algn="tl" rotWithShape="0">
+              <a:prstClr val="black">
+                <a:alpha val="40000"/>
+              </a:prstClr>
+            </a:outerShdw>
+          </a:effectLst>
         </p:spPr>
       </p:pic>
     </p:spTree>
@@ -29982,6 +30457,13 @@
   <p:clrMapOvr>
     <a:masterClrMapping/>
   </p:clrMapOvr>
+  <p:timing>
+    <p:tnLst>
+      <p:par>
+        <p:cTn id="1" dur="indefinite" restart="never" nodeType="tmRoot"/>
+      </p:par>
+    </p:tnLst>
+  </p:timing>
 </p:sld>
 </file>
 
@@ -30298,6 +30780,13 @@
           <a:prstGeom prst="rect">
             <a:avLst/>
           </a:prstGeom>
+          <a:effectLst>
+            <a:outerShdw blurRad="50800" dist="38100" dir="2700000" algn="tl" rotWithShape="0">
+              <a:prstClr val="black">
+                <a:alpha val="40000"/>
+              </a:prstClr>
+            </a:outerShdw>
+          </a:effectLst>
         </p:spPr>
       </p:pic>
       <p:sp>
@@ -31511,6 +32000,13 @@
           <a:prstGeom prst="rect">
             <a:avLst/>
           </a:prstGeom>
+          <a:effectLst>
+            <a:outerShdw blurRad="50800" dist="38100" dir="2700000" algn="tl" rotWithShape="0">
+              <a:prstClr val="black">
+                <a:alpha val="40000"/>
+              </a:prstClr>
+            </a:outerShdw>
+          </a:effectLst>
         </p:spPr>
       </p:pic>
       <p:sp>
@@ -32927,6 +33423,15 @@
 </file>
 
 <file path=customXml/item1.xml><?xml version="1.0" encoding="utf-8"?>
+<?mso-contentType ?>
+<FormTemplates xmlns="http://schemas.microsoft.com/sharepoint/v3/contenttype/forms">
+  <Display>DocumentLibraryForm</Display>
+  <Edit>DocumentLibraryForm</Edit>
+  <New>DocumentLibraryForm</New>
+</FormTemplates>
+</file>
+
+<file path=customXml/item2.xml><?xml version="1.0" encoding="utf-8"?>
 <p:properties xmlns:p="http://schemas.microsoft.com/office/2006/metadata/properties" xmlns:xsi="http://www.w3.org/2001/XMLSchema-instance">
   <documentManagement>
     <c5aebc35b3e840e5912c276ffe755dcf xmlns="d95a5b16-1b8d-4c7c-9ebf-89c0983b6970">
@@ -33007,152 +33512,7 @@
 </p:properties>
 </file>
 
-<file path=customXml/item2.xml><?xml version="1.0" encoding="utf-8"?>
-<?mso-contentType ?>
-<FormTemplates xmlns="http://schemas.microsoft.com/sharepoint/v3/contenttype/forms">
-  <Display>DocumentLibraryForm</Display>
-  <Edit>DocumentLibraryForm</Edit>
-  <New>DocumentLibraryForm</New>
-</FormTemplates>
-</file>
-
 <file path=customXml/item3.xml><?xml version="1.0" encoding="utf-8"?>
-<?mso-contentType ?>
-<spe:Receivers xmlns:spe="http://schemas.microsoft.com/sharepoint/events">
-  <Receiver>
-    <Name>ItemUpdatedEventHandlerForConceptSearch</Name>
-    <Synchronization>Default</Synchronization>
-    <Type>10002</Type>
-    <SequenceNumber>10001</SequenceNumber>
-    <Assembly>conceptSearching.Sharepoint.ContentTypes, Version=1.0.0.0, Culture=neutral, PublicKeyToken=858f8f13980e4745</Assembly>
-    <Class>conceptSearching.Sharepoint.ContentTypes.CSHandleEvent</Class>
-    <Data/>
-    <Filter/>
-  </Receiver>
-  <Receiver>
-    <Name>ItemCheckedInEventHandlerForConceptSearch</Name>
-    <Synchronization>Default</Synchronization>
-    <Type>10004</Type>
-    <SequenceNumber>10002</SequenceNumber>
-    <Assembly>conceptSearching.Sharepoint.ContentTypes, Version=1.0.0.0, Culture=neutral, PublicKeyToken=858f8f13980e4745</Assembly>
-    <Class>conceptSearching.Sharepoint.ContentTypes.CSHandleEvent</Class>
-    <Data/>
-    <Filter/>
-  </Receiver>
-  <Receiver>
-    <Name>ItemUncheckedOutEventHandlerForConceptSearch</Name>
-    <Synchronization>Default</Synchronization>
-    <Type>10006</Type>
-    <SequenceNumber>10003</SequenceNumber>
-    <Assembly>conceptSearching.Sharepoint.ContentTypes, Version=1.0.0.0, Culture=neutral, PublicKeyToken=858f8f13980e4745</Assembly>
-    <Class>conceptSearching.Sharepoint.ContentTypes.CSHandleEvent</Class>
-    <Data/>
-    <Filter/>
-  </Receiver>
-  <Receiver>
-    <Name>ItemAddedEventHandlerForConceptSearch</Name>
-    <Synchronization>Default</Synchronization>
-    <Type>10001</Type>
-    <SequenceNumber>10004</SequenceNumber>
-    <Assembly>conceptSearching.Sharepoint.ContentTypes, Version=1.0.0.0, Culture=neutral, PublicKeyToken=858f8f13980e4745</Assembly>
-    <Class>conceptSearching.Sharepoint.ContentTypes.CSHandleEvent</Class>
-    <Data/>
-    <Filter/>
-  </Receiver>
-  <Receiver>
-    <Name>ItemFileMovedEventHandlerForConceptSearch</Name>
-    <Synchronization>Default</Synchronization>
-    <Type>10009</Type>
-    <SequenceNumber>10005</SequenceNumber>
-    <Assembly>conceptSearching.Sharepoint.ContentTypes, Version=1.0.0.0, Culture=neutral, PublicKeyToken=858f8f13980e4745</Assembly>
-    <Class>conceptSearching.Sharepoint.ContentTypes.CSHandleEvent</Class>
-    <Data/>
-    <Filter/>
-  </Receiver>
-  <Receiver>
-    <Name>ItemDeletedEventHandlerForConceptSearch</Name>
-    <Synchronization>Default</Synchronization>
-    <Type>10003</Type>
-    <SequenceNumber>10006</SequenceNumber>
-    <Assembly>conceptSearching.Sharepoint.ContentTypes, Version=1.0.0.0, Culture=neutral, PublicKeyToken=858f8f13980e4745</Assembly>
-    <Class>conceptSearching.Sharepoint.ContentTypes.CSHandleEvent</Class>
-    <Data/>
-    <Filter/>
-  </Receiver>
-  <Receiver>
-    <Name>ItemUpdatedEventHandlerForConceptSearch</Name>
-    <Synchronization>Asynchronous</Synchronization>
-    <Type>10002</Type>
-    <SequenceNumber>10001</SequenceNumber>
-    <Assembly>conceptSearching.Sharepoint.ContentTypes2010, Version=1.0.0.0, Culture=neutral, PublicKeyToken=858f8f13980e4745</Assembly>
-    <Class>conceptSearching.Sharepoint.ContentTypes2010.CSHandleEvent</Class>
-    <Data/>
-    <Filter/>
-  </Receiver>
-  <Receiver>
-    <Name>ItemUpdatingEventHandlerForConceptSearch</Name>
-    <Synchronization>Synchronous</Synchronization>
-    <Type>2</Type>
-    <SequenceNumber>10001</SequenceNumber>
-    <Assembly>conceptSearching.Sharepoint.ContentTypes2010, Version=1.0.0.0, Culture=neutral, PublicKeyToken=858f8f13980e4745</Assembly>
-    <Class>conceptSearching.Sharepoint.ContentTypes2010.CSHandleEvent</Class>
-    <Data/>
-    <Filter/>
-  </Receiver>
-  <Receiver>
-    <Name>ItemCheckedInEventHandlerForConceptSearch</Name>
-    <Synchronization>Asynchronous</Synchronization>
-    <Type>10004</Type>
-    <SequenceNumber>10002</SequenceNumber>
-    <Assembly>conceptSearching.Sharepoint.ContentTypes2010, Version=1.0.0.0, Culture=neutral, PublicKeyToken=858f8f13980e4745</Assembly>
-    <Class>conceptSearching.Sharepoint.ContentTypes2010.CSHandleEvent</Class>
-    <Data/>
-    <Filter/>
-  </Receiver>
-  <Receiver>
-    <Name>ItemUncheckedOutEventHandlerForConceptSearch</Name>
-    <Synchronization>Asynchronous</Synchronization>
-    <Type>10006</Type>
-    <SequenceNumber>10003</SequenceNumber>
-    <Assembly>conceptSearching.Sharepoint.ContentTypes2010, Version=1.0.0.0, Culture=neutral, PublicKeyToken=858f8f13980e4745</Assembly>
-    <Class>conceptSearching.Sharepoint.ContentTypes2010.CSHandleEvent</Class>
-    <Data/>
-    <Filter/>
-  </Receiver>
-  <Receiver>
-    <Name>ItemAddedEventHandlerForConceptSearch</Name>
-    <Synchronization>Asynchronous</Synchronization>
-    <Type>10001</Type>
-    <SequenceNumber>10004</SequenceNumber>
-    <Assembly>conceptSearching.Sharepoint.ContentTypes2010, Version=1.0.0.0, Culture=neutral, PublicKeyToken=858f8f13980e4745</Assembly>
-    <Class>conceptSearching.Sharepoint.ContentTypes2010.CSHandleEvent</Class>
-    <Data/>
-    <Filter/>
-  </Receiver>
-  <Receiver>
-    <Name>ItemFileMovedEventHandlerForConceptSearch</Name>
-    <Synchronization>Asynchronous</Synchronization>
-    <Type>10009</Type>
-    <SequenceNumber>10005</SequenceNumber>
-    <Assembly>conceptSearching.Sharepoint.ContentTypes2010, Version=1.0.0.0, Culture=neutral, PublicKeyToken=858f8f13980e4745</Assembly>
-    <Class>conceptSearching.Sharepoint.ContentTypes2010.CSHandleEvent</Class>
-    <Data/>
-    <Filter/>
-  </Receiver>
-  <Receiver>
-    <Name>ItemDeletedEventHandlerForConceptSearch</Name>
-    <Synchronization>Asynchronous</Synchronization>
-    <Type>10003</Type>
-    <SequenceNumber>10006</SequenceNumber>
-    <Assembly>conceptSearching.Sharepoint.ContentTypes2010, Version=1.0.0.0, Culture=neutral, PublicKeyToken=858f8f13980e4745</Assembly>
-    <Class>conceptSearching.Sharepoint.ContentTypes2010.CSHandleEvent</Class>
-    <Data/>
-    <Filter/>
-  </Receiver>
-</spe:Receivers>
-</file>
-
-<file path=customXml/item4.xml><?xml version="1.0" encoding="utf-8"?>
 <ct:contentTypeSchema xmlns:ct="http://schemas.microsoft.com/office/2006/metadata/contentType" xmlns:ma="http://schemas.microsoft.com/office/2006/metadata/properties/metaAttributes" ct:_="" ma:_="" ma:contentTypeName="Business Support" ma:contentTypeID="0x010100DCE5D5DBCBA6844C95AAA11EB3A32719002FF8385B8572694FA7ACC1CC37F60277" ma:contentTypeVersion="85" ma:contentTypeDescription="" ma:contentTypeScope="" ma:versionID="2e185370c66e36c56dd232e65dd02ed3">
   <xsd:schema xmlns:xsd="http://www.w3.org/2001/XMLSchema" xmlns:xs="http://www.w3.org/2001/XMLSchema" xmlns:p="http://schemas.microsoft.com/office/2006/metadata/properties" xmlns:ns1="http://schemas.microsoft.com/sharepoint/v3" xmlns:ns2="d95a5b16-1b8d-4c7c-9ebf-89c0983b6970" targetNamespace="http://schemas.microsoft.com/office/2006/metadata/properties" ma:root="true" ma:fieldsID="83532d8de379e40041d3a9288ce2e015" ns1:_="" ns2:_="">
     <xsd:import namespace="http://schemas.microsoft.com/sharepoint/v3"/>
@@ -33600,7 +33960,151 @@
 </ct:contentTypeSchema>
 </file>
 
+<file path=customXml/item4.xml><?xml version="1.0" encoding="utf-8"?>
+<?mso-contentType ?>
+<spe:Receivers xmlns:spe="http://schemas.microsoft.com/sharepoint/events">
+  <Receiver>
+    <Name>ItemUpdatedEventHandlerForConceptSearch</Name>
+    <Synchronization>Default</Synchronization>
+    <Type>10002</Type>
+    <SequenceNumber>10001</SequenceNumber>
+    <Assembly>conceptSearching.Sharepoint.ContentTypes, Version=1.0.0.0, Culture=neutral, PublicKeyToken=858f8f13980e4745</Assembly>
+    <Class>conceptSearching.Sharepoint.ContentTypes.CSHandleEvent</Class>
+    <Data/>
+    <Filter/>
+  </Receiver>
+  <Receiver>
+    <Name>ItemCheckedInEventHandlerForConceptSearch</Name>
+    <Synchronization>Default</Synchronization>
+    <Type>10004</Type>
+    <SequenceNumber>10002</SequenceNumber>
+    <Assembly>conceptSearching.Sharepoint.ContentTypes, Version=1.0.0.0, Culture=neutral, PublicKeyToken=858f8f13980e4745</Assembly>
+    <Class>conceptSearching.Sharepoint.ContentTypes.CSHandleEvent</Class>
+    <Data/>
+    <Filter/>
+  </Receiver>
+  <Receiver>
+    <Name>ItemUncheckedOutEventHandlerForConceptSearch</Name>
+    <Synchronization>Default</Synchronization>
+    <Type>10006</Type>
+    <SequenceNumber>10003</SequenceNumber>
+    <Assembly>conceptSearching.Sharepoint.ContentTypes, Version=1.0.0.0, Culture=neutral, PublicKeyToken=858f8f13980e4745</Assembly>
+    <Class>conceptSearching.Sharepoint.ContentTypes.CSHandleEvent</Class>
+    <Data/>
+    <Filter/>
+  </Receiver>
+  <Receiver>
+    <Name>ItemAddedEventHandlerForConceptSearch</Name>
+    <Synchronization>Default</Synchronization>
+    <Type>10001</Type>
+    <SequenceNumber>10004</SequenceNumber>
+    <Assembly>conceptSearching.Sharepoint.ContentTypes, Version=1.0.0.0, Culture=neutral, PublicKeyToken=858f8f13980e4745</Assembly>
+    <Class>conceptSearching.Sharepoint.ContentTypes.CSHandleEvent</Class>
+    <Data/>
+    <Filter/>
+  </Receiver>
+  <Receiver>
+    <Name>ItemFileMovedEventHandlerForConceptSearch</Name>
+    <Synchronization>Default</Synchronization>
+    <Type>10009</Type>
+    <SequenceNumber>10005</SequenceNumber>
+    <Assembly>conceptSearching.Sharepoint.ContentTypes, Version=1.0.0.0, Culture=neutral, PublicKeyToken=858f8f13980e4745</Assembly>
+    <Class>conceptSearching.Sharepoint.ContentTypes.CSHandleEvent</Class>
+    <Data/>
+    <Filter/>
+  </Receiver>
+  <Receiver>
+    <Name>ItemDeletedEventHandlerForConceptSearch</Name>
+    <Synchronization>Default</Synchronization>
+    <Type>10003</Type>
+    <SequenceNumber>10006</SequenceNumber>
+    <Assembly>conceptSearching.Sharepoint.ContentTypes, Version=1.0.0.0, Culture=neutral, PublicKeyToken=858f8f13980e4745</Assembly>
+    <Class>conceptSearching.Sharepoint.ContentTypes.CSHandleEvent</Class>
+    <Data/>
+    <Filter/>
+  </Receiver>
+  <Receiver>
+    <Name>ItemUpdatedEventHandlerForConceptSearch</Name>
+    <Synchronization>Asynchronous</Synchronization>
+    <Type>10002</Type>
+    <SequenceNumber>10001</SequenceNumber>
+    <Assembly>conceptSearching.Sharepoint.ContentTypes2010, Version=1.0.0.0, Culture=neutral, PublicKeyToken=858f8f13980e4745</Assembly>
+    <Class>conceptSearching.Sharepoint.ContentTypes2010.CSHandleEvent</Class>
+    <Data/>
+    <Filter/>
+  </Receiver>
+  <Receiver>
+    <Name>ItemUpdatingEventHandlerForConceptSearch</Name>
+    <Synchronization>Synchronous</Synchronization>
+    <Type>2</Type>
+    <SequenceNumber>10001</SequenceNumber>
+    <Assembly>conceptSearching.Sharepoint.ContentTypes2010, Version=1.0.0.0, Culture=neutral, PublicKeyToken=858f8f13980e4745</Assembly>
+    <Class>conceptSearching.Sharepoint.ContentTypes2010.CSHandleEvent</Class>
+    <Data/>
+    <Filter/>
+  </Receiver>
+  <Receiver>
+    <Name>ItemCheckedInEventHandlerForConceptSearch</Name>
+    <Synchronization>Asynchronous</Synchronization>
+    <Type>10004</Type>
+    <SequenceNumber>10002</SequenceNumber>
+    <Assembly>conceptSearching.Sharepoint.ContentTypes2010, Version=1.0.0.0, Culture=neutral, PublicKeyToken=858f8f13980e4745</Assembly>
+    <Class>conceptSearching.Sharepoint.ContentTypes2010.CSHandleEvent</Class>
+    <Data/>
+    <Filter/>
+  </Receiver>
+  <Receiver>
+    <Name>ItemUncheckedOutEventHandlerForConceptSearch</Name>
+    <Synchronization>Asynchronous</Synchronization>
+    <Type>10006</Type>
+    <SequenceNumber>10003</SequenceNumber>
+    <Assembly>conceptSearching.Sharepoint.ContentTypes2010, Version=1.0.0.0, Culture=neutral, PublicKeyToken=858f8f13980e4745</Assembly>
+    <Class>conceptSearching.Sharepoint.ContentTypes2010.CSHandleEvent</Class>
+    <Data/>
+    <Filter/>
+  </Receiver>
+  <Receiver>
+    <Name>ItemAddedEventHandlerForConceptSearch</Name>
+    <Synchronization>Asynchronous</Synchronization>
+    <Type>10001</Type>
+    <SequenceNumber>10004</SequenceNumber>
+    <Assembly>conceptSearching.Sharepoint.ContentTypes2010, Version=1.0.0.0, Culture=neutral, PublicKeyToken=858f8f13980e4745</Assembly>
+    <Class>conceptSearching.Sharepoint.ContentTypes2010.CSHandleEvent</Class>
+    <Data/>
+    <Filter/>
+  </Receiver>
+  <Receiver>
+    <Name>ItemFileMovedEventHandlerForConceptSearch</Name>
+    <Synchronization>Asynchronous</Synchronization>
+    <Type>10009</Type>
+    <SequenceNumber>10005</SequenceNumber>
+    <Assembly>conceptSearching.Sharepoint.ContentTypes2010, Version=1.0.0.0, Culture=neutral, PublicKeyToken=858f8f13980e4745</Assembly>
+    <Class>conceptSearching.Sharepoint.ContentTypes2010.CSHandleEvent</Class>
+    <Data/>
+    <Filter/>
+  </Receiver>
+  <Receiver>
+    <Name>ItemDeletedEventHandlerForConceptSearch</Name>
+    <Synchronization>Asynchronous</Synchronization>
+    <Type>10003</Type>
+    <SequenceNumber>10006</SequenceNumber>
+    <Assembly>conceptSearching.Sharepoint.ContentTypes2010, Version=1.0.0.0, Culture=neutral, PublicKeyToken=858f8f13980e4745</Assembly>
+    <Class>conceptSearching.Sharepoint.ContentTypes2010.CSHandleEvent</Class>
+    <Data/>
+    <Filter/>
+  </Receiver>
+</spe:Receivers>
+</file>
+
 <file path=customXml/itemProps1.xml><?xml version="1.0" encoding="utf-8"?>
+<ds:datastoreItem xmlns:ds="http://schemas.openxmlformats.org/officeDocument/2006/customXml" ds:itemID="{ADA5D674-9920-4D2F-B065-BC24FD29F86D}">
+  <ds:schemaRefs>
+    <ds:schemaRef ds:uri="http://schemas.microsoft.com/sharepoint/v3/contenttype/forms"/>
+  </ds:schemaRefs>
+</ds:datastoreItem>
+</file>
+
+<file path=customXml/itemProps2.xml><?xml version="1.0" encoding="utf-8"?>
 <ds:datastoreItem xmlns:ds="http://schemas.openxmlformats.org/officeDocument/2006/customXml" ds:itemID="{2F4C4F6A-F6A5-45C8-BAAA-52FB70E387C7}">
   <ds:schemaRefs>
     <ds:schemaRef ds:uri="http://purl.org/dc/elements/1.1/"/>
@@ -33617,23 +34121,7 @@
 </ds:datastoreItem>
 </file>
 
-<file path=customXml/itemProps2.xml><?xml version="1.0" encoding="utf-8"?>
-<ds:datastoreItem xmlns:ds="http://schemas.openxmlformats.org/officeDocument/2006/customXml" ds:itemID="{ADA5D674-9920-4D2F-B065-BC24FD29F86D}">
-  <ds:schemaRefs>
-    <ds:schemaRef ds:uri="http://schemas.microsoft.com/sharepoint/v3/contenttype/forms"/>
-  </ds:schemaRefs>
-</ds:datastoreItem>
-</file>
-
 <file path=customXml/itemProps3.xml><?xml version="1.0" encoding="utf-8"?>
-<ds:datastoreItem xmlns:ds="http://schemas.openxmlformats.org/officeDocument/2006/customXml" ds:itemID="{B6223829-22B6-4242-8D82-2D6B02106581}">
-  <ds:schemaRefs>
-    <ds:schemaRef ds:uri="http://schemas.microsoft.com/sharepoint/events"/>
-  </ds:schemaRefs>
-</ds:datastoreItem>
-</file>
-
-<file path=customXml/itemProps4.xml><?xml version="1.0" encoding="utf-8"?>
 <ds:datastoreItem xmlns:ds="http://schemas.openxmlformats.org/officeDocument/2006/customXml" ds:itemID="{987FA55F-5903-479D-BDD5-BC336782B1C6}">
   <ds:schemaRefs>
     <ds:schemaRef ds:uri="http://schemas.microsoft.com/office/2006/metadata/contentType"/>
@@ -33650,4 +34138,12 @@
     <ds:schemaRef ds:uri="http://schemas.microsoft.com/internal/obd"/>
   </ds:schemaRefs>
 </ds:datastoreItem>
+</file>
+
+<file path=customXml/itemProps4.xml><?xml version="1.0" encoding="utf-8"?>
+<ds:datastoreItem xmlns:ds="http://schemas.openxmlformats.org/officeDocument/2006/customXml" ds:itemID="{B6223829-22B6-4242-8D82-2D6B02106581}">
+  <ds:schemaRefs>
+    <ds:schemaRef ds:uri="http://schemas.microsoft.com/sharepoint/events"/>
+  </ds:schemaRefs>
+</ds:datastoreItem>
 </file>
--- a/U_DEV_Journées_Java_Formation-v2.pptx
+++ b/U_DEV_Journées_Java_Formation-v2.pptx
@@ -5,39 +5,43 @@
     <p:sldMasterId id="2147483648" r:id="rId5"/>
   </p:sldMasterIdLst>
   <p:notesMasterIdLst>
-    <p:notesMasterId r:id="rId33"/>
+    <p:notesMasterId r:id="rId37"/>
   </p:notesMasterIdLst>
   <p:handoutMasterIdLst>
-    <p:handoutMasterId r:id="rId34"/>
+    <p:handoutMasterId r:id="rId38"/>
   </p:handoutMasterIdLst>
   <p:sldIdLst>
     <p:sldId id="257" r:id="rId6"/>
-    <p:sldId id="269" r:id="rId7"/>
-    <p:sldId id="274" r:id="rId8"/>
-    <p:sldId id="271" r:id="rId9"/>
-    <p:sldId id="275" r:id="rId10"/>
-    <p:sldId id="272" r:id="rId11"/>
-    <p:sldId id="273" r:id="rId12"/>
-    <p:sldId id="296" r:id="rId13"/>
-    <p:sldId id="276" r:id="rId14"/>
-    <p:sldId id="278" r:id="rId15"/>
-    <p:sldId id="286" r:id="rId16"/>
-    <p:sldId id="279" r:id="rId17"/>
-    <p:sldId id="297" r:id="rId18"/>
-    <p:sldId id="280" r:id="rId19"/>
-    <p:sldId id="281" r:id="rId20"/>
-    <p:sldId id="283" r:id="rId21"/>
-    <p:sldId id="277" r:id="rId22"/>
-    <p:sldId id="284" r:id="rId23"/>
-    <p:sldId id="285" r:id="rId24"/>
-    <p:sldId id="287" r:id="rId25"/>
-    <p:sldId id="288" r:id="rId26"/>
-    <p:sldId id="270" r:id="rId27"/>
-    <p:sldId id="299" r:id="rId28"/>
-    <p:sldId id="298" r:id="rId29"/>
-    <p:sldId id="300" r:id="rId30"/>
-    <p:sldId id="301" r:id="rId31"/>
-    <p:sldId id="294" r:id="rId32"/>
+    <p:sldId id="302" r:id="rId7"/>
+    <p:sldId id="303" r:id="rId8"/>
+    <p:sldId id="269" r:id="rId9"/>
+    <p:sldId id="274" r:id="rId10"/>
+    <p:sldId id="271" r:id="rId11"/>
+    <p:sldId id="275" r:id="rId12"/>
+    <p:sldId id="272" r:id="rId13"/>
+    <p:sldId id="273" r:id="rId14"/>
+    <p:sldId id="296" r:id="rId15"/>
+    <p:sldId id="276" r:id="rId16"/>
+    <p:sldId id="278" r:id="rId17"/>
+    <p:sldId id="286" r:id="rId18"/>
+    <p:sldId id="279" r:id="rId19"/>
+    <p:sldId id="297" r:id="rId20"/>
+    <p:sldId id="280" r:id="rId21"/>
+    <p:sldId id="281" r:id="rId22"/>
+    <p:sldId id="283" r:id="rId23"/>
+    <p:sldId id="277" r:id="rId24"/>
+    <p:sldId id="284" r:id="rId25"/>
+    <p:sldId id="285" r:id="rId26"/>
+    <p:sldId id="287" r:id="rId27"/>
+    <p:sldId id="288" r:id="rId28"/>
+    <p:sldId id="270" r:id="rId29"/>
+    <p:sldId id="299" r:id="rId30"/>
+    <p:sldId id="304" r:id="rId31"/>
+    <p:sldId id="298" r:id="rId32"/>
+    <p:sldId id="305" r:id="rId33"/>
+    <p:sldId id="300" r:id="rId34"/>
+    <p:sldId id="301" r:id="rId35"/>
+    <p:sldId id="294" r:id="rId36"/>
   </p:sldIdLst>
   <p:sldSz cx="12192000" cy="6858000"/>
   <p:notesSz cx="6858000" cy="9144000"/>
@@ -184,6 +188,4745 @@
 </p:presentation>
 </file>
 
+<file path=ppt/diagrams/colors1.xml><?xml version="1.0" encoding="utf-8"?>
+<dgm:colorsDef xmlns:dgm="http://schemas.openxmlformats.org/drawingml/2006/diagram" xmlns:a="http://schemas.openxmlformats.org/drawingml/2006/main" uniqueId="urn:microsoft.com/office/officeart/2005/8/colors/accent2_1">
+  <dgm:title val=""/>
+  <dgm:desc val=""/>
+  <dgm:catLst>
+    <dgm:cat type="accent2" pri="11100"/>
+  </dgm:catLst>
+  <dgm:styleLbl name="node0">
+    <dgm:fillClrLst meth="repeat">
+      <a:schemeClr val="lt1"/>
+    </dgm:fillClrLst>
+    <dgm:linClrLst meth="repeat">
+      <a:schemeClr val="accent2">
+        <a:shade val="80000"/>
+      </a:schemeClr>
+    </dgm:linClrLst>
+    <dgm:effectClrLst/>
+    <dgm:txLinClrLst/>
+    <dgm:txFillClrLst meth="repeat">
+      <a:schemeClr val="dk1"/>
+    </dgm:txFillClrLst>
+    <dgm:txEffectClrLst/>
+  </dgm:styleLbl>
+  <dgm:styleLbl name="node1">
+    <dgm:fillClrLst meth="repeat">
+      <a:schemeClr val="lt1"/>
+    </dgm:fillClrLst>
+    <dgm:linClrLst meth="repeat">
+      <a:schemeClr val="accent2">
+        <a:shade val="80000"/>
+      </a:schemeClr>
+    </dgm:linClrLst>
+    <dgm:effectClrLst/>
+    <dgm:txLinClrLst/>
+    <dgm:txFillClrLst meth="repeat">
+      <a:schemeClr val="dk1"/>
+    </dgm:txFillClrLst>
+    <dgm:txEffectClrLst/>
+  </dgm:styleLbl>
+  <dgm:styleLbl name="alignNode1">
+    <dgm:fillClrLst meth="repeat">
+      <a:schemeClr val="lt1"/>
+    </dgm:fillClrLst>
+    <dgm:linClrLst meth="repeat">
+      <a:schemeClr val="accent2">
+        <a:shade val="80000"/>
+      </a:schemeClr>
+    </dgm:linClrLst>
+    <dgm:effectClrLst/>
+    <dgm:txLinClrLst/>
+    <dgm:txFillClrLst meth="repeat">
+      <a:schemeClr val="dk1"/>
+    </dgm:txFillClrLst>
+    <dgm:txEffectClrLst/>
+  </dgm:styleLbl>
+  <dgm:styleLbl name="lnNode1">
+    <dgm:fillClrLst meth="repeat">
+      <a:schemeClr val="lt1"/>
+    </dgm:fillClrLst>
+    <dgm:linClrLst meth="repeat">
+      <a:schemeClr val="accent2">
+        <a:shade val="80000"/>
+      </a:schemeClr>
+    </dgm:linClrLst>
+    <dgm:effectClrLst/>
+    <dgm:txLinClrLst/>
+    <dgm:txFillClrLst meth="repeat">
+      <a:schemeClr val="dk1"/>
+    </dgm:txFillClrLst>
+    <dgm:txEffectClrLst/>
+  </dgm:styleLbl>
+  <dgm:styleLbl name="vennNode1">
+    <dgm:fillClrLst meth="repeat">
+      <a:schemeClr val="lt1">
+        <a:alpha val="50000"/>
+      </a:schemeClr>
+    </dgm:fillClrLst>
+    <dgm:linClrLst meth="repeat">
+      <a:schemeClr val="accent2">
+        <a:shade val="80000"/>
+      </a:schemeClr>
+    </dgm:linClrLst>
+    <dgm:effectClrLst/>
+    <dgm:txLinClrLst/>
+    <dgm:txFillClrLst/>
+    <dgm:txEffectClrLst/>
+  </dgm:styleLbl>
+  <dgm:styleLbl name="node2">
+    <dgm:fillClrLst meth="repeat">
+      <a:schemeClr val="lt1"/>
+    </dgm:fillClrLst>
+    <dgm:linClrLst meth="repeat">
+      <a:schemeClr val="accent2">
+        <a:shade val="80000"/>
+      </a:schemeClr>
+    </dgm:linClrLst>
+    <dgm:effectClrLst/>
+    <dgm:txLinClrLst/>
+    <dgm:txFillClrLst meth="repeat">
+      <a:schemeClr val="dk1"/>
+    </dgm:txFillClrLst>
+    <dgm:txEffectClrLst/>
+  </dgm:styleLbl>
+  <dgm:styleLbl name="node3">
+    <dgm:fillClrLst meth="repeat">
+      <a:schemeClr val="lt1"/>
+    </dgm:fillClrLst>
+    <dgm:linClrLst meth="repeat">
+      <a:schemeClr val="accent2">
+        <a:shade val="80000"/>
+      </a:schemeClr>
+    </dgm:linClrLst>
+    <dgm:effectClrLst/>
+    <dgm:txLinClrLst/>
+    <dgm:txFillClrLst meth="repeat">
+      <a:schemeClr val="dk1"/>
+    </dgm:txFillClrLst>
+    <dgm:txEffectClrLst/>
+  </dgm:styleLbl>
+  <dgm:styleLbl name="node4">
+    <dgm:fillClrLst meth="repeat">
+      <a:schemeClr val="lt1"/>
+    </dgm:fillClrLst>
+    <dgm:linClrLst meth="repeat">
+      <a:schemeClr val="accent2">
+        <a:shade val="80000"/>
+      </a:schemeClr>
+    </dgm:linClrLst>
+    <dgm:effectClrLst/>
+    <dgm:txLinClrLst/>
+    <dgm:txFillClrLst meth="repeat">
+      <a:schemeClr val="dk1"/>
+    </dgm:txFillClrLst>
+    <dgm:txEffectClrLst/>
+  </dgm:styleLbl>
+  <dgm:styleLbl name="fgImgPlace1">
+    <dgm:fillClrLst meth="repeat">
+      <a:schemeClr val="accent2">
+        <a:tint val="40000"/>
+      </a:schemeClr>
+    </dgm:fillClrLst>
+    <dgm:linClrLst meth="repeat">
+      <a:schemeClr val="accent2">
+        <a:shade val="80000"/>
+      </a:schemeClr>
+    </dgm:linClrLst>
+    <dgm:effectClrLst/>
+    <dgm:txLinClrLst/>
+    <dgm:txFillClrLst meth="repeat">
+      <a:schemeClr val="lt1"/>
+    </dgm:txFillClrLst>
+    <dgm:txEffectClrLst/>
+  </dgm:styleLbl>
+  <dgm:styleLbl name="alignImgPlace1">
+    <dgm:fillClrLst meth="repeat">
+      <a:schemeClr val="accent2">
+        <a:tint val="40000"/>
+      </a:schemeClr>
+    </dgm:fillClrLst>
+    <dgm:linClrLst meth="repeat">
+      <a:schemeClr val="accent2">
+        <a:shade val="80000"/>
+      </a:schemeClr>
+    </dgm:linClrLst>
+    <dgm:effectClrLst/>
+    <dgm:txLinClrLst/>
+    <dgm:txFillClrLst meth="repeat">
+      <a:schemeClr val="lt1"/>
+    </dgm:txFillClrLst>
+    <dgm:txEffectClrLst/>
+  </dgm:styleLbl>
+  <dgm:styleLbl name="bgImgPlace1">
+    <dgm:fillClrLst meth="repeat">
+      <a:schemeClr val="accent2">
+        <a:tint val="40000"/>
+      </a:schemeClr>
+    </dgm:fillClrLst>
+    <dgm:linClrLst meth="repeat">
+      <a:schemeClr val="accent2">
+        <a:shade val="80000"/>
+      </a:schemeClr>
+    </dgm:linClrLst>
+    <dgm:effectClrLst/>
+    <dgm:txLinClrLst/>
+    <dgm:txFillClrLst meth="repeat">
+      <a:schemeClr val="lt1"/>
+    </dgm:txFillClrLst>
+    <dgm:txEffectClrLst/>
+  </dgm:styleLbl>
+  <dgm:styleLbl name="sibTrans2D1">
+    <dgm:fillClrLst meth="repeat">
+      <a:schemeClr val="accent2">
+        <a:tint val="60000"/>
+      </a:schemeClr>
+    </dgm:fillClrLst>
+    <dgm:linClrLst meth="repeat">
+      <a:schemeClr val="accent2">
+        <a:tint val="60000"/>
+      </a:schemeClr>
+    </dgm:linClrLst>
+    <dgm:effectClrLst/>
+    <dgm:txLinClrLst/>
+    <dgm:txFillClrLst meth="repeat">
+      <a:schemeClr val="dk1"/>
+    </dgm:txFillClrLst>
+    <dgm:txEffectClrLst/>
+  </dgm:styleLbl>
+  <dgm:styleLbl name="fgSibTrans2D1">
+    <dgm:fillClrLst meth="repeat">
+      <a:schemeClr val="accent2">
+        <a:tint val="60000"/>
+      </a:schemeClr>
+    </dgm:fillClrLst>
+    <dgm:linClrLst meth="repeat">
+      <a:schemeClr val="accent2">
+        <a:tint val="60000"/>
+      </a:schemeClr>
+    </dgm:linClrLst>
+    <dgm:effectClrLst/>
+    <dgm:txLinClrLst/>
+    <dgm:txFillClrLst meth="repeat">
+      <a:schemeClr val="dk1"/>
+    </dgm:txFillClrLst>
+    <dgm:txEffectClrLst/>
+  </dgm:styleLbl>
+  <dgm:styleLbl name="bgSibTrans2D1">
+    <dgm:fillClrLst meth="repeat">
+      <a:schemeClr val="accent2">
+        <a:tint val="60000"/>
+      </a:schemeClr>
+    </dgm:fillClrLst>
+    <dgm:linClrLst meth="repeat">
+      <a:schemeClr val="accent2">
+        <a:tint val="60000"/>
+      </a:schemeClr>
+    </dgm:linClrLst>
+    <dgm:effectClrLst/>
+    <dgm:txLinClrLst/>
+    <dgm:txFillClrLst meth="repeat">
+      <a:schemeClr val="dk1"/>
+    </dgm:txFillClrLst>
+    <dgm:txEffectClrLst/>
+  </dgm:styleLbl>
+  <dgm:styleLbl name="sibTrans1D1">
+    <dgm:fillClrLst meth="repeat">
+      <a:schemeClr val="accent2"/>
+    </dgm:fillClrLst>
+    <dgm:linClrLst meth="repeat">
+      <a:schemeClr val="accent2"/>
+    </dgm:linClrLst>
+    <dgm:effectClrLst/>
+    <dgm:txLinClrLst/>
+    <dgm:txFillClrLst meth="repeat">
+      <a:schemeClr val="tx1"/>
+    </dgm:txFillClrLst>
+    <dgm:txEffectClrLst/>
+  </dgm:styleLbl>
+  <dgm:styleLbl name="callout">
+    <dgm:fillClrLst meth="repeat">
+      <a:schemeClr val="accent2"/>
+    </dgm:fillClrLst>
+    <dgm:linClrLst meth="repeat">
+      <a:schemeClr val="accent2"/>
+    </dgm:linClrLst>
+    <dgm:effectClrLst/>
+    <dgm:txLinClrLst/>
+    <dgm:txFillClrLst meth="repeat">
+      <a:schemeClr val="tx1"/>
+    </dgm:txFillClrLst>
+    <dgm:txEffectClrLst/>
+  </dgm:styleLbl>
+  <dgm:styleLbl name="asst0">
+    <dgm:fillClrLst meth="repeat">
+      <a:schemeClr val="lt1"/>
+    </dgm:fillClrLst>
+    <dgm:linClrLst meth="repeat">
+      <a:schemeClr val="accent2">
+        <a:shade val="80000"/>
+      </a:schemeClr>
+    </dgm:linClrLst>
+    <dgm:effectClrLst/>
+    <dgm:txLinClrLst/>
+    <dgm:txFillClrLst meth="repeat">
+      <a:schemeClr val="dk1"/>
+    </dgm:txFillClrLst>
+    <dgm:txEffectClrLst/>
+  </dgm:styleLbl>
+  <dgm:styleLbl name="asst1">
+    <dgm:fillClrLst meth="repeat">
+      <a:schemeClr val="lt1"/>
+    </dgm:fillClrLst>
+    <dgm:linClrLst meth="repeat">
+      <a:schemeClr val="accent2">
+        <a:shade val="80000"/>
+      </a:schemeClr>
+    </dgm:linClrLst>
+    <dgm:effectClrLst/>
+    <dgm:txLinClrLst/>
+    <dgm:txFillClrLst meth="repeat">
+      <a:schemeClr val="dk1"/>
+    </dgm:txFillClrLst>
+    <dgm:txEffectClrLst/>
+  </dgm:styleLbl>
+  <dgm:styleLbl name="asst2">
+    <dgm:fillClrLst meth="repeat">
+      <a:schemeClr val="lt1"/>
+    </dgm:fillClrLst>
+    <dgm:linClrLst meth="repeat">
+      <a:schemeClr val="accent2">
+        <a:shade val="80000"/>
+      </a:schemeClr>
+    </dgm:linClrLst>
+    <dgm:effectClrLst/>
+    <dgm:txLinClrLst/>
+    <dgm:txFillClrLst meth="repeat">
+      <a:schemeClr val="dk1"/>
+    </dgm:txFillClrLst>
+    <dgm:txEffectClrLst/>
+  </dgm:styleLbl>
+  <dgm:styleLbl name="asst3">
+    <dgm:fillClrLst meth="repeat">
+      <a:schemeClr val="lt1"/>
+    </dgm:fillClrLst>
+    <dgm:linClrLst meth="repeat">
+      <a:schemeClr val="accent2">
+        <a:shade val="80000"/>
+      </a:schemeClr>
+    </dgm:linClrLst>
+    <dgm:effectClrLst/>
+    <dgm:txLinClrLst/>
+    <dgm:txFillClrLst meth="repeat">
+      <a:schemeClr val="dk1"/>
+    </dgm:txFillClrLst>
+    <dgm:txEffectClrLst/>
+  </dgm:styleLbl>
+  <dgm:styleLbl name="asst4">
+    <dgm:fillClrLst meth="repeat">
+      <a:schemeClr val="lt1"/>
+    </dgm:fillClrLst>
+    <dgm:linClrLst meth="repeat">
+      <a:schemeClr val="accent2">
+        <a:shade val="80000"/>
+      </a:schemeClr>
+    </dgm:linClrLst>
+    <dgm:effectClrLst/>
+    <dgm:txLinClrLst/>
+    <dgm:txFillClrLst meth="repeat">
+      <a:schemeClr val="dk1"/>
+    </dgm:txFillClrLst>
+    <dgm:txEffectClrLst/>
+  </dgm:styleLbl>
+  <dgm:styleLbl name="parChTrans2D1">
+    <dgm:fillClrLst meth="repeat">
+      <a:schemeClr val="accent2">
+        <a:tint val="60000"/>
+      </a:schemeClr>
+    </dgm:fillClrLst>
+    <dgm:linClrLst meth="repeat">
+      <a:schemeClr val="accent2">
+        <a:tint val="60000"/>
+      </a:schemeClr>
+    </dgm:linClrLst>
+    <dgm:effectClrLst/>
+    <dgm:txLinClrLst/>
+    <dgm:txFillClrLst/>
+    <dgm:txEffectClrLst/>
+  </dgm:styleLbl>
+  <dgm:styleLbl name="parChTrans2D2">
+    <dgm:fillClrLst meth="repeat">
+      <a:schemeClr val="accent2"/>
+    </dgm:fillClrLst>
+    <dgm:linClrLst meth="repeat">
+      <a:schemeClr val="accent2"/>
+    </dgm:linClrLst>
+    <dgm:effectClrLst/>
+    <dgm:txLinClrLst/>
+    <dgm:txFillClrLst/>
+    <dgm:txEffectClrLst/>
+  </dgm:styleLbl>
+  <dgm:styleLbl name="parChTrans2D3">
+    <dgm:fillClrLst meth="repeat">
+      <a:schemeClr val="accent2"/>
+    </dgm:fillClrLst>
+    <dgm:linClrLst meth="repeat">
+      <a:schemeClr val="accent2"/>
+    </dgm:linClrLst>
+    <dgm:effectClrLst/>
+    <dgm:txLinClrLst/>
+    <dgm:txFillClrLst/>
+    <dgm:txEffectClrLst/>
+  </dgm:styleLbl>
+  <dgm:styleLbl name="parChTrans2D4">
+    <dgm:fillClrLst meth="repeat">
+      <a:schemeClr val="accent2"/>
+    </dgm:fillClrLst>
+    <dgm:linClrLst meth="repeat">
+      <a:schemeClr val="accent2"/>
+    </dgm:linClrLst>
+    <dgm:effectClrLst/>
+    <dgm:txLinClrLst/>
+    <dgm:txFillClrLst meth="repeat">
+      <a:schemeClr val="lt1"/>
+    </dgm:txFillClrLst>
+    <dgm:txEffectClrLst/>
+  </dgm:styleLbl>
+  <dgm:styleLbl name="parChTrans1D1">
+    <dgm:fillClrLst meth="repeat">
+      <a:schemeClr val="accent2"/>
+    </dgm:fillClrLst>
+    <dgm:linClrLst meth="repeat">
+      <a:schemeClr val="accent2">
+        <a:shade val="60000"/>
+      </a:schemeClr>
+    </dgm:linClrLst>
+    <dgm:effectClrLst/>
+    <dgm:txLinClrLst/>
+    <dgm:txFillClrLst meth="repeat">
+      <a:schemeClr val="tx1"/>
+    </dgm:txFillClrLst>
+    <dgm:txEffectClrLst/>
+  </dgm:styleLbl>
+  <dgm:styleLbl name="parChTrans1D2">
+    <dgm:fillClrLst meth="repeat">
+      <a:schemeClr val="accent2"/>
+    </dgm:fillClrLst>
+    <dgm:linClrLst meth="repeat">
+      <a:schemeClr val="accent2">
+        <a:shade val="60000"/>
+      </a:schemeClr>
+    </dgm:linClrLst>
+    <dgm:effectClrLst/>
+    <dgm:txLinClrLst/>
+    <dgm:txFillClrLst meth="repeat">
+      <a:schemeClr val="tx1"/>
+    </dgm:txFillClrLst>
+    <dgm:txEffectClrLst/>
+  </dgm:styleLbl>
+  <dgm:styleLbl name="parChTrans1D3">
+    <dgm:fillClrLst meth="repeat">
+      <a:schemeClr val="accent2"/>
+    </dgm:fillClrLst>
+    <dgm:linClrLst meth="repeat">
+      <a:schemeClr val="accent2">
+        <a:shade val="80000"/>
+      </a:schemeClr>
+    </dgm:linClrLst>
+    <dgm:effectClrLst/>
+    <dgm:txLinClrLst/>
+    <dgm:txFillClrLst meth="repeat">
+      <a:schemeClr val="tx1"/>
+    </dgm:txFillClrLst>
+    <dgm:txEffectClrLst/>
+  </dgm:styleLbl>
+  <dgm:styleLbl name="parChTrans1D4">
+    <dgm:fillClrLst meth="repeat">
+      <a:schemeClr val="accent2"/>
+    </dgm:fillClrLst>
+    <dgm:linClrLst meth="repeat">
+      <a:schemeClr val="accent2">
+        <a:shade val="80000"/>
+      </a:schemeClr>
+    </dgm:linClrLst>
+    <dgm:effectClrLst/>
+    <dgm:txLinClrLst/>
+    <dgm:txFillClrLst meth="repeat">
+      <a:schemeClr val="tx1"/>
+    </dgm:txFillClrLst>
+    <dgm:txEffectClrLst/>
+  </dgm:styleLbl>
+  <dgm:styleLbl name="fgAcc1">
+    <dgm:fillClrLst meth="repeat">
+      <a:schemeClr val="accent2">
+        <a:alpha val="90000"/>
+        <a:tint val="40000"/>
+      </a:schemeClr>
+    </dgm:fillClrLst>
+    <dgm:linClrLst meth="repeat">
+      <a:schemeClr val="accent2"/>
+    </dgm:linClrLst>
+    <dgm:effectClrLst/>
+    <dgm:txLinClrLst/>
+    <dgm:txFillClrLst meth="repeat">
+      <a:schemeClr val="dk1"/>
+    </dgm:txFillClrLst>
+    <dgm:txEffectClrLst/>
+  </dgm:styleLbl>
+  <dgm:styleLbl name="conFgAcc1">
+    <dgm:fillClrLst meth="repeat">
+      <a:schemeClr val="accent2">
+        <a:alpha val="90000"/>
+        <a:tint val="40000"/>
+      </a:schemeClr>
+    </dgm:fillClrLst>
+    <dgm:linClrLst meth="repeat">
+      <a:schemeClr val="accent2"/>
+    </dgm:linClrLst>
+    <dgm:effectClrLst/>
+    <dgm:txLinClrLst/>
+    <dgm:txFillClrLst meth="repeat">
+      <a:schemeClr val="dk1"/>
+    </dgm:txFillClrLst>
+    <dgm:txEffectClrLst/>
+  </dgm:styleLbl>
+  <dgm:styleLbl name="alignAcc1">
+    <dgm:fillClrLst meth="repeat">
+      <a:schemeClr val="accent2">
+        <a:alpha val="90000"/>
+        <a:tint val="40000"/>
+      </a:schemeClr>
+    </dgm:fillClrLst>
+    <dgm:linClrLst meth="repeat">
+      <a:schemeClr val="accent2"/>
+    </dgm:linClrLst>
+    <dgm:effectClrLst/>
+    <dgm:txLinClrLst/>
+    <dgm:txFillClrLst meth="repeat">
+      <a:schemeClr val="dk1"/>
+    </dgm:txFillClrLst>
+    <dgm:txEffectClrLst/>
+  </dgm:styleLbl>
+  <dgm:styleLbl name="trAlignAcc1">
+    <dgm:fillClrLst meth="repeat">
+      <a:schemeClr val="accent2">
+        <a:alpha val="40000"/>
+        <a:tint val="40000"/>
+      </a:schemeClr>
+    </dgm:fillClrLst>
+    <dgm:linClrLst meth="repeat">
+      <a:schemeClr val="accent2"/>
+    </dgm:linClrLst>
+    <dgm:effectClrLst/>
+    <dgm:txLinClrLst/>
+    <dgm:txFillClrLst meth="repeat">
+      <a:schemeClr val="dk1"/>
+    </dgm:txFillClrLst>
+    <dgm:txEffectClrLst/>
+  </dgm:styleLbl>
+  <dgm:styleLbl name="bgAcc1">
+    <dgm:fillClrLst meth="repeat">
+      <a:schemeClr val="accent2">
+        <a:alpha val="90000"/>
+        <a:tint val="40000"/>
+      </a:schemeClr>
+    </dgm:fillClrLst>
+    <dgm:linClrLst meth="repeat">
+      <a:schemeClr val="accent2"/>
+    </dgm:linClrLst>
+    <dgm:effectClrLst/>
+    <dgm:txLinClrLst/>
+    <dgm:txFillClrLst meth="repeat">
+      <a:schemeClr val="dk1"/>
+    </dgm:txFillClrLst>
+    <dgm:txEffectClrLst/>
+  </dgm:styleLbl>
+  <dgm:styleLbl name="solidFgAcc1">
+    <dgm:fillClrLst meth="repeat">
+      <a:schemeClr val="lt1"/>
+    </dgm:fillClrLst>
+    <dgm:linClrLst meth="repeat">
+      <a:schemeClr val="accent2"/>
+    </dgm:linClrLst>
+    <dgm:effectClrLst/>
+    <dgm:txLinClrLst/>
+    <dgm:txFillClrLst meth="repeat">
+      <a:schemeClr val="dk1"/>
+    </dgm:txFillClrLst>
+    <dgm:txEffectClrLst/>
+  </dgm:styleLbl>
+  <dgm:styleLbl name="solidAlignAcc1">
+    <dgm:fillClrLst meth="repeat">
+      <a:schemeClr val="lt1"/>
+    </dgm:fillClrLst>
+    <dgm:linClrLst meth="repeat">
+      <a:schemeClr val="accent2"/>
+    </dgm:linClrLst>
+    <dgm:effectClrLst/>
+    <dgm:txLinClrLst/>
+    <dgm:txFillClrLst meth="repeat">
+      <a:schemeClr val="dk1"/>
+    </dgm:txFillClrLst>
+    <dgm:txEffectClrLst/>
+  </dgm:styleLbl>
+  <dgm:styleLbl name="solidBgAcc1">
+    <dgm:fillClrLst meth="repeat">
+      <a:schemeClr val="lt1"/>
+    </dgm:fillClrLst>
+    <dgm:linClrLst meth="repeat">
+      <a:schemeClr val="accent2"/>
+    </dgm:linClrLst>
+    <dgm:effectClrLst/>
+    <dgm:txLinClrLst/>
+    <dgm:txFillClrLst meth="repeat">
+      <a:schemeClr val="dk1"/>
+    </dgm:txFillClrLst>
+    <dgm:txEffectClrLst/>
+  </dgm:styleLbl>
+  <dgm:styleLbl name="fgAccFollowNode1">
+    <dgm:fillClrLst meth="repeat">
+      <a:schemeClr val="lt1">
+        <a:alpha val="90000"/>
+        <a:tint val="40000"/>
+      </a:schemeClr>
+    </dgm:fillClrLst>
+    <dgm:linClrLst meth="repeat">
+      <a:schemeClr val="accent2">
+        <a:alpha val="90000"/>
+      </a:schemeClr>
+    </dgm:linClrLst>
+    <dgm:effectClrLst/>
+    <dgm:txLinClrLst/>
+    <dgm:txFillClrLst meth="repeat">
+      <a:schemeClr val="dk1"/>
+    </dgm:txFillClrLst>
+    <dgm:txEffectClrLst/>
+  </dgm:styleLbl>
+  <dgm:styleLbl name="alignAccFollowNode1">
+    <dgm:fillClrLst meth="repeat">
+      <a:schemeClr val="lt1">
+        <a:alpha val="90000"/>
+        <a:tint val="40000"/>
+      </a:schemeClr>
+    </dgm:fillClrLst>
+    <dgm:linClrLst meth="repeat">
+      <a:schemeClr val="accent2">
+        <a:alpha val="90000"/>
+      </a:schemeClr>
+    </dgm:linClrLst>
+    <dgm:effectClrLst/>
+    <dgm:txLinClrLst/>
+    <dgm:txFillClrLst meth="repeat">
+      <a:schemeClr val="dk1"/>
+    </dgm:txFillClrLst>
+    <dgm:txEffectClrLst/>
+  </dgm:styleLbl>
+  <dgm:styleLbl name="bgAccFollowNode1">
+    <dgm:fillClrLst meth="repeat">
+      <a:schemeClr val="lt1">
+        <a:alpha val="90000"/>
+        <a:tint val="40000"/>
+      </a:schemeClr>
+    </dgm:fillClrLst>
+    <dgm:linClrLst meth="repeat">
+      <a:schemeClr val="accent2">
+        <a:alpha val="90000"/>
+      </a:schemeClr>
+    </dgm:linClrLst>
+    <dgm:effectClrLst/>
+    <dgm:txLinClrLst/>
+    <dgm:txFillClrLst meth="repeat">
+      <a:schemeClr val="dk1"/>
+    </dgm:txFillClrLst>
+    <dgm:txEffectClrLst/>
+  </dgm:styleLbl>
+  <dgm:styleLbl name="fgAcc0">
+    <dgm:fillClrLst meth="repeat">
+      <a:schemeClr val="accent2">
+        <a:alpha val="90000"/>
+        <a:tint val="40000"/>
+      </a:schemeClr>
+    </dgm:fillClrLst>
+    <dgm:linClrLst meth="repeat">
+      <a:schemeClr val="accent2"/>
+    </dgm:linClrLst>
+    <dgm:effectClrLst/>
+    <dgm:txLinClrLst/>
+    <dgm:txFillClrLst meth="repeat">
+      <a:schemeClr val="dk1"/>
+    </dgm:txFillClrLst>
+    <dgm:txEffectClrLst/>
+  </dgm:styleLbl>
+  <dgm:styleLbl name="fgAcc2">
+    <dgm:fillClrLst meth="repeat">
+      <a:schemeClr val="accent2">
+        <a:alpha val="90000"/>
+        <a:tint val="40000"/>
+      </a:schemeClr>
+    </dgm:fillClrLst>
+    <dgm:linClrLst meth="repeat">
+      <a:schemeClr val="accent2"/>
+    </dgm:linClrLst>
+    <dgm:effectClrLst/>
+    <dgm:txLinClrLst/>
+    <dgm:txFillClrLst meth="repeat">
+      <a:schemeClr val="dk1"/>
+    </dgm:txFillClrLst>
+    <dgm:txEffectClrLst/>
+  </dgm:styleLbl>
+  <dgm:styleLbl name="fgAcc3">
+    <dgm:fillClrLst meth="repeat">
+      <a:schemeClr val="accent2">
+        <a:alpha val="90000"/>
+        <a:tint val="40000"/>
+      </a:schemeClr>
+    </dgm:fillClrLst>
+    <dgm:linClrLst meth="repeat">
+      <a:schemeClr val="accent2"/>
+    </dgm:linClrLst>
+    <dgm:effectClrLst/>
+    <dgm:txLinClrLst/>
+    <dgm:txFillClrLst meth="repeat">
+      <a:schemeClr val="dk1"/>
+    </dgm:txFillClrLst>
+    <dgm:txEffectClrLst/>
+  </dgm:styleLbl>
+  <dgm:styleLbl name="fgAcc4">
+    <dgm:fillClrLst meth="repeat">
+      <a:schemeClr val="accent2">
+        <a:alpha val="90000"/>
+        <a:tint val="40000"/>
+      </a:schemeClr>
+    </dgm:fillClrLst>
+    <dgm:linClrLst meth="repeat">
+      <a:schemeClr val="accent2"/>
+    </dgm:linClrLst>
+    <dgm:effectClrLst/>
+    <dgm:txLinClrLst/>
+    <dgm:txFillClrLst meth="repeat">
+      <a:schemeClr val="dk1"/>
+    </dgm:txFillClrLst>
+    <dgm:txEffectClrLst/>
+  </dgm:styleLbl>
+  <dgm:styleLbl name="bgShp">
+    <dgm:fillClrLst meth="repeat">
+      <a:schemeClr val="accent2">
+        <a:tint val="40000"/>
+      </a:schemeClr>
+    </dgm:fillClrLst>
+    <dgm:linClrLst meth="repeat">
+      <a:schemeClr val="accent2"/>
+    </dgm:linClrLst>
+    <dgm:effectClrLst/>
+    <dgm:txLinClrLst/>
+    <dgm:txFillClrLst meth="repeat">
+      <a:schemeClr val="dk1"/>
+    </dgm:txFillClrLst>
+    <dgm:txEffectClrLst/>
+  </dgm:styleLbl>
+  <dgm:styleLbl name="dkBgShp">
+    <dgm:fillClrLst meth="repeat">
+      <a:schemeClr val="accent2">
+        <a:shade val="80000"/>
+      </a:schemeClr>
+    </dgm:fillClrLst>
+    <dgm:linClrLst meth="repeat">
+      <a:schemeClr val="accent2"/>
+    </dgm:linClrLst>
+    <dgm:effectClrLst/>
+    <dgm:txLinClrLst/>
+    <dgm:txFillClrLst meth="repeat">
+      <a:schemeClr val="lt1"/>
+    </dgm:txFillClrLst>
+    <dgm:txEffectClrLst/>
+  </dgm:styleLbl>
+  <dgm:styleLbl name="trBgShp">
+    <dgm:fillClrLst meth="repeat">
+      <a:schemeClr val="accent2">
+        <a:tint val="50000"/>
+        <a:alpha val="40000"/>
+      </a:schemeClr>
+    </dgm:fillClrLst>
+    <dgm:linClrLst meth="repeat">
+      <a:schemeClr val="accent2"/>
+    </dgm:linClrLst>
+    <dgm:effectClrLst/>
+    <dgm:txLinClrLst/>
+    <dgm:txFillClrLst meth="repeat">
+      <a:schemeClr val="lt1"/>
+    </dgm:txFillClrLst>
+    <dgm:txEffectClrLst/>
+  </dgm:styleLbl>
+  <dgm:styleLbl name="fgShp">
+    <dgm:fillClrLst meth="repeat">
+      <a:schemeClr val="accent2">
+        <a:tint val="60000"/>
+      </a:schemeClr>
+    </dgm:fillClrLst>
+    <dgm:linClrLst meth="repeat">
+      <a:schemeClr val="lt1"/>
+    </dgm:linClrLst>
+    <dgm:effectClrLst/>
+    <dgm:txLinClrLst/>
+    <dgm:txFillClrLst meth="repeat">
+      <a:schemeClr val="dk1"/>
+    </dgm:txFillClrLst>
+    <dgm:txEffectClrLst/>
+  </dgm:styleLbl>
+  <dgm:styleLbl name="revTx">
+    <dgm:fillClrLst meth="repeat">
+      <a:schemeClr val="lt1">
+        <a:alpha val="0"/>
+      </a:schemeClr>
+    </dgm:fillClrLst>
+    <dgm:linClrLst meth="repeat">
+      <a:schemeClr val="dk1">
+        <a:alpha val="0"/>
+      </a:schemeClr>
+    </dgm:linClrLst>
+    <dgm:effectClrLst/>
+    <dgm:txLinClrLst/>
+    <dgm:txFillClrLst meth="repeat">
+      <a:schemeClr val="tx1"/>
+    </dgm:txFillClrLst>
+    <dgm:txEffectClrLst/>
+  </dgm:styleLbl>
+</dgm:colorsDef>
+</file>
+
+<file path=ppt/diagrams/data1.xml><?xml version="1.0" encoding="utf-8"?>
+<dgm:dataModel xmlns:dgm="http://schemas.openxmlformats.org/drawingml/2006/diagram" xmlns:a="http://schemas.openxmlformats.org/drawingml/2006/main">
+  <dgm:ptLst>
+    <dgm:pt modelId="{0A22175F-9E50-4726-A201-531B05BDD5B6}" type="doc">
+      <dgm:prSet loTypeId="urn:microsoft.com/office/officeart/2008/layout/VerticalCurvedList" loCatId="list" qsTypeId="urn:microsoft.com/office/officeart/2005/8/quickstyle/simple5" qsCatId="simple" csTypeId="urn:microsoft.com/office/officeart/2005/8/colors/accent2_1" csCatId="accent2" phldr="1"/>
+      <dgm:spPr/>
+      <dgm:t>
+        <a:bodyPr/>
+        <a:lstStyle/>
+        <a:p>
+          <a:endParaRPr lang="fr-FR"/>
+        </a:p>
+      </dgm:t>
+    </dgm:pt>
+    <dgm:pt modelId="{3D9F95B1-9E41-4B89-A74A-18D8958B5368}">
+      <dgm:prSet phldrT="[Texte]" custT="1"/>
+      <dgm:spPr>
+        <a:solidFill>
+          <a:schemeClr val="bg1"/>
+        </a:solidFill>
+      </dgm:spPr>
+      <dgm:t>
+        <a:bodyPr/>
+        <a:lstStyle/>
+        <a:p>
+          <a:pPr algn="just">
+            <a:spcAft>
+              <a:spcPts val="0"/>
+            </a:spcAft>
+          </a:pPr>
+          <a:r>
+            <a:rPr lang="fr-FR" sz="1600" b="1" dirty="0">
+              <a:solidFill>
+                <a:schemeClr val="tx1"/>
+              </a:solidFill>
+              <a:latin typeface="Calibri" pitchFamily="34" charset="0"/>
+              <a:cs typeface="Calibri" pitchFamily="34" charset="0"/>
+            </a:rPr>
+            <a:t>2015 – Expert technique </a:t>
+          </a:r>
+          <a:r>
+            <a:rPr lang="fr-FR" sz="1600" b="1" i="1" dirty="0">
+              <a:solidFill>
+                <a:schemeClr val="tx1"/>
+              </a:solidFill>
+              <a:latin typeface="Calibri" pitchFamily="34" charset="0"/>
+              <a:cs typeface="Calibri" pitchFamily="34" charset="0"/>
+            </a:rPr>
+            <a:t>full stack</a:t>
+          </a:r>
+          <a:r>
+            <a:rPr lang="fr-FR" sz="1600" b="1" dirty="0">
+              <a:solidFill>
+                <a:schemeClr val="tx1"/>
+              </a:solidFill>
+              <a:latin typeface="Calibri" pitchFamily="34" charset="0"/>
+              <a:cs typeface="Calibri" pitchFamily="34" charset="0"/>
+            </a:rPr>
+            <a:t> –</a:t>
+          </a:r>
+          <a:r>
+            <a:rPr lang="fr-FR" sz="1600" b="0" dirty="0">
+              <a:solidFill>
+                <a:schemeClr val="tx1"/>
+              </a:solidFill>
+              <a:latin typeface="Calibri" pitchFamily="34" charset="0"/>
+              <a:cs typeface="Calibri" pitchFamily="34" charset="0"/>
+            </a:rPr>
+            <a:t> </a:t>
+          </a:r>
+          <a:r>
+            <a:rPr lang="fr-FR" sz="1600" b="1" dirty="0">
+              <a:solidFill>
+                <a:schemeClr val="tx1"/>
+              </a:solidFill>
+              <a:latin typeface="Calibri" pitchFamily="34" charset="0"/>
+              <a:cs typeface="Calibri" pitchFamily="34" charset="0"/>
+            </a:rPr>
+            <a:t>CALF</a:t>
+          </a:r>
+          <a:r>
+            <a:rPr lang="fr-FR" sz="1600" b="0" dirty="0">
+              <a:solidFill>
+                <a:schemeClr val="tx1"/>
+              </a:solidFill>
+              <a:latin typeface="Calibri" pitchFamily="34" charset="0"/>
+              <a:cs typeface="Calibri" pitchFamily="34" charset="0"/>
+            </a:rPr>
+            <a:t> – Refontes applications frontaux agences </a:t>
+          </a:r>
+          <a:r>
+            <a:rPr lang="fr-FR" sz="1600" b="0" i="0" dirty="0">
+              <a:solidFill>
+                <a:schemeClr val="tx1"/>
+              </a:solidFill>
+              <a:latin typeface="Calibri" pitchFamily="34" charset="0"/>
+              <a:cs typeface="Calibri" pitchFamily="34" charset="0"/>
+            </a:rPr>
+            <a:t>&amp; formations TMA CGI</a:t>
+          </a:r>
+        </a:p>
+      </dgm:t>
+    </dgm:pt>
+    <dgm:pt modelId="{4E755FB8-62F4-4729-9A9B-50B431452079}" type="sibTrans" cxnId="{1AFC318B-91FD-41D8-88FA-F3B517EC0022}">
+      <dgm:prSet/>
+      <dgm:spPr/>
+      <dgm:t>
+        <a:bodyPr/>
+        <a:lstStyle/>
+        <a:p>
+          <a:endParaRPr lang="fr-FR"/>
+        </a:p>
+      </dgm:t>
+    </dgm:pt>
+    <dgm:pt modelId="{45B5EB23-9E64-4A1C-A4BD-C676D38EB973}" type="parTrans" cxnId="{1AFC318B-91FD-41D8-88FA-F3B517EC0022}">
+      <dgm:prSet/>
+      <dgm:spPr/>
+      <dgm:t>
+        <a:bodyPr/>
+        <a:lstStyle/>
+        <a:p>
+          <a:endParaRPr lang="fr-FR"/>
+        </a:p>
+      </dgm:t>
+    </dgm:pt>
+    <dgm:pt modelId="{6DCFE96D-80DA-46BF-A725-6CFB410E9828}">
+      <dgm:prSet phldrT="[Texte]" custT="1"/>
+      <dgm:spPr>
+        <a:solidFill>
+          <a:schemeClr val="bg1"/>
+        </a:solidFill>
+      </dgm:spPr>
+      <dgm:t>
+        <a:bodyPr/>
+        <a:lstStyle/>
+        <a:p>
+          <a:r>
+            <a:rPr lang="fr-FR" sz="1600" b="1" kern="1200" dirty="0">
+              <a:solidFill>
+                <a:schemeClr val="tx1"/>
+              </a:solidFill>
+              <a:latin typeface="Calibri" pitchFamily="34" charset="0"/>
+              <a:cs typeface="Calibri" pitchFamily="34" charset="0"/>
+            </a:rPr>
+            <a:t>2007 – </a:t>
+          </a:r>
+          <a:r>
+            <a:rPr lang="fr-FR" sz="1600" b="1" kern="1200" dirty="0">
+              <a:solidFill>
+                <a:srgbClr val="363534"/>
+              </a:solidFill>
+              <a:latin typeface="Calibri" pitchFamily="34" charset="0"/>
+              <a:ea typeface="+mn-ea"/>
+              <a:cs typeface="Calibri" pitchFamily="34" charset="0"/>
+            </a:rPr>
+            <a:t>Consultant junior &amp; senior java EE </a:t>
+          </a:r>
+          <a:r>
+            <a:rPr lang="fr-FR" sz="1600" b="1" kern="1200" dirty="0">
+              <a:solidFill>
+                <a:schemeClr val="tx1"/>
+              </a:solidFill>
+              <a:latin typeface="Calibri" pitchFamily="34" charset="0"/>
+              <a:cs typeface="Calibri" pitchFamily="34" charset="0"/>
+            </a:rPr>
+            <a:t>–</a:t>
+          </a:r>
+          <a:r>
+            <a:rPr lang="fr-FR" sz="1600" b="1" kern="1200" dirty="0">
+              <a:solidFill>
+                <a:srgbClr val="363534"/>
+              </a:solidFill>
+              <a:latin typeface="Calibri" pitchFamily="34" charset="0"/>
+              <a:ea typeface="+mn-ea"/>
+              <a:cs typeface="Calibri" pitchFamily="34" charset="0"/>
+            </a:rPr>
+            <a:t> ATOS </a:t>
+          </a:r>
+          <a:r>
+            <a:rPr lang="fr-FR" sz="1600" b="0" kern="1200" dirty="0">
+              <a:solidFill>
+                <a:srgbClr val="363534"/>
+              </a:solidFill>
+              <a:latin typeface="Calibri" pitchFamily="34" charset="0"/>
+              <a:ea typeface="+mn-ea"/>
+              <a:cs typeface="Calibri" pitchFamily="34" charset="0"/>
+            </a:rPr>
+            <a:t>– Plate-forme de dématérialisation multipartenaires (SFR, Orange, Monoprix)</a:t>
+          </a:r>
+        </a:p>
+      </dgm:t>
+    </dgm:pt>
+    <dgm:pt modelId="{FB3B235A-AFDF-473B-8886-5E00CAEC9AF8}" type="sibTrans" cxnId="{23BCDEDB-812F-453B-8C62-1613B6288CD0}">
+      <dgm:prSet/>
+      <dgm:spPr/>
+      <dgm:t>
+        <a:bodyPr/>
+        <a:lstStyle/>
+        <a:p>
+          <a:endParaRPr lang="fr-FR"/>
+        </a:p>
+      </dgm:t>
+    </dgm:pt>
+    <dgm:pt modelId="{381B9D29-08F8-4CE7-A193-010DEFB6053D}" type="parTrans" cxnId="{23BCDEDB-812F-453B-8C62-1613B6288CD0}">
+      <dgm:prSet/>
+      <dgm:spPr/>
+      <dgm:t>
+        <a:bodyPr/>
+        <a:lstStyle/>
+        <a:p>
+          <a:endParaRPr lang="fr-FR"/>
+        </a:p>
+      </dgm:t>
+    </dgm:pt>
+    <dgm:pt modelId="{E720B028-D74C-4248-8004-CA63C7B0E3CB}">
+      <dgm:prSet phldrT="[Texte]" custT="1"/>
+      <dgm:spPr>
+        <a:solidFill>
+          <a:schemeClr val="bg1"/>
+        </a:solidFill>
+      </dgm:spPr>
+      <dgm:t>
+        <a:bodyPr/>
+        <a:lstStyle/>
+        <a:p>
+          <a:pPr algn="just">
+            <a:spcAft>
+              <a:spcPts val="0"/>
+            </a:spcAft>
+          </a:pPr>
+          <a:r>
+            <a:rPr lang="fr-FR" sz="1600" b="1" dirty="0">
+              <a:solidFill>
+                <a:schemeClr val="tx1"/>
+              </a:solidFill>
+              <a:latin typeface="Calibri" pitchFamily="34" charset="0"/>
+              <a:cs typeface="Calibri" pitchFamily="34" charset="0"/>
+            </a:rPr>
+            <a:t>2006 – Ecole d’ingénieur (Bac +5) et stage de fin d’étude chez ATOS</a:t>
+          </a:r>
+          <a:endParaRPr lang="fr-FR" sz="1600" b="1" dirty="0">
+            <a:solidFill>
+              <a:schemeClr val="tx1"/>
+            </a:solidFill>
+            <a:latin typeface="Calibri" pitchFamily="34" charset="0"/>
+            <a:cs typeface="Calibri" pitchFamily="34" charset="0"/>
+            <a:sym typeface="Calibri"/>
+          </a:endParaRPr>
+        </a:p>
+      </dgm:t>
+    </dgm:pt>
+    <dgm:pt modelId="{058B1AC4-673E-41D8-83E3-E3BD46E24871}" type="sibTrans" cxnId="{1AB3FC43-842B-417B-855D-90D0647ED524}">
+      <dgm:prSet/>
+      <dgm:spPr/>
+      <dgm:t>
+        <a:bodyPr/>
+        <a:lstStyle/>
+        <a:p>
+          <a:endParaRPr lang="fr-FR"/>
+        </a:p>
+      </dgm:t>
+    </dgm:pt>
+    <dgm:pt modelId="{7D892449-47AD-40E4-8943-8FB7AD92C8A6}" type="parTrans" cxnId="{1AB3FC43-842B-417B-855D-90D0647ED524}">
+      <dgm:prSet/>
+      <dgm:spPr/>
+      <dgm:t>
+        <a:bodyPr/>
+        <a:lstStyle/>
+        <a:p>
+          <a:endParaRPr lang="fr-FR"/>
+        </a:p>
+      </dgm:t>
+    </dgm:pt>
+    <dgm:pt modelId="{C1583B5F-B658-4636-A601-4357E8D5315D}">
+      <dgm:prSet phldrT="[Texte]" custT="1"/>
+      <dgm:spPr>
+        <a:solidFill>
+          <a:schemeClr val="bg1"/>
+        </a:solidFill>
+      </dgm:spPr>
+      <dgm:t>
+        <a:bodyPr/>
+        <a:lstStyle/>
+        <a:p>
+          <a:pPr algn="just">
+            <a:spcAft>
+              <a:spcPts val="0"/>
+            </a:spcAft>
+          </a:pPr>
+          <a:r>
+            <a:rPr lang="fr-FR" sz="1600" b="1" dirty="0">
+              <a:solidFill>
+                <a:schemeClr val="tx1"/>
+              </a:solidFill>
+              <a:latin typeface="Calibri" pitchFamily="34" charset="0"/>
+              <a:cs typeface="Calibri" pitchFamily="34" charset="0"/>
+            </a:rPr>
+            <a:t>Depuis 2016 – Architecte technique/DevOps – SG </a:t>
+          </a:r>
+          <a:r>
+            <a:rPr lang="fr-FR" sz="1600" b="0" dirty="0">
+              <a:solidFill>
+                <a:schemeClr val="tx1"/>
+              </a:solidFill>
+              <a:latin typeface="Calibri" pitchFamily="34" charset="0"/>
+              <a:cs typeface="Calibri" pitchFamily="34" charset="0"/>
+            </a:rPr>
+            <a:t>–</a:t>
+          </a:r>
+          <a:r>
+            <a:rPr lang="fr-FR" sz="1600" b="1" dirty="0">
+              <a:solidFill>
+                <a:schemeClr val="tx1"/>
+              </a:solidFill>
+              <a:latin typeface="Calibri" pitchFamily="34" charset="0"/>
+              <a:cs typeface="Calibri" pitchFamily="34" charset="0"/>
+            </a:rPr>
+            <a:t> </a:t>
+          </a:r>
+          <a:r>
+            <a:rPr lang="fr-FR" sz="1600" b="0" dirty="0">
+              <a:solidFill>
+                <a:schemeClr val="tx1"/>
+              </a:solidFill>
+              <a:latin typeface="Calibri" pitchFamily="34" charset="0"/>
+              <a:cs typeface="Calibri" pitchFamily="34" charset="0"/>
+            </a:rPr>
+            <a:t>Projet Harmonie (socle générique digitalisation de processus) &amp; missions courtes CGI</a:t>
+          </a:r>
+        </a:p>
+      </dgm:t>
+    </dgm:pt>
+    <dgm:pt modelId="{4174C859-F47D-45B6-BD36-FF92AD4185F1}" type="parTrans" cxnId="{698C34F1-16CC-472A-9675-F721FE9B9E5E}">
+      <dgm:prSet/>
+      <dgm:spPr/>
+      <dgm:t>
+        <a:bodyPr/>
+        <a:lstStyle/>
+        <a:p>
+          <a:endParaRPr lang="fr-FR"/>
+        </a:p>
+      </dgm:t>
+    </dgm:pt>
+    <dgm:pt modelId="{D64CB2E0-8133-4AF3-BE54-8943F8095AE9}" type="sibTrans" cxnId="{698C34F1-16CC-472A-9675-F721FE9B9E5E}">
+      <dgm:prSet/>
+      <dgm:spPr/>
+      <dgm:t>
+        <a:bodyPr/>
+        <a:lstStyle/>
+        <a:p>
+          <a:endParaRPr lang="fr-FR"/>
+        </a:p>
+      </dgm:t>
+    </dgm:pt>
+    <dgm:pt modelId="{5E44BE74-7BDB-4CD1-85D7-157A768B6599}">
+      <dgm:prSet phldrT="[Texte]" custT="1"/>
+      <dgm:spPr>
+        <a:solidFill>
+          <a:schemeClr val="bg1"/>
+        </a:solidFill>
+      </dgm:spPr>
+      <dgm:t>
+        <a:bodyPr/>
+        <a:lstStyle/>
+        <a:p>
+          <a:r>
+            <a:rPr lang="fr-FR" sz="1600" b="1" kern="1200" dirty="0">
+              <a:solidFill>
+                <a:srgbClr val="363534"/>
+              </a:solidFill>
+              <a:latin typeface="Calibri" pitchFamily="34" charset="0"/>
+              <a:ea typeface="+mn-ea"/>
+              <a:cs typeface="Calibri" pitchFamily="34" charset="0"/>
+            </a:rPr>
+            <a:t>2012 – Expert technique java EE </a:t>
+          </a:r>
+          <a:r>
+            <a:rPr lang="fr-FR" sz="1600" b="1" kern="1200" dirty="0">
+              <a:solidFill>
+                <a:schemeClr val="tx1"/>
+              </a:solidFill>
+              <a:latin typeface="Calibri" pitchFamily="34" charset="0"/>
+              <a:cs typeface="Calibri" pitchFamily="34" charset="0"/>
+            </a:rPr>
+            <a:t>–</a:t>
+          </a:r>
+          <a:r>
+            <a:rPr lang="fr-FR" sz="1600" b="1" kern="1200" dirty="0">
+              <a:solidFill>
+                <a:srgbClr val="363534"/>
+              </a:solidFill>
+              <a:latin typeface="Calibri" pitchFamily="34" charset="0"/>
+              <a:ea typeface="+mn-ea"/>
+              <a:cs typeface="Calibri" pitchFamily="34" charset="0"/>
+            </a:rPr>
+            <a:t> BNPP </a:t>
+          </a:r>
+          <a:r>
+            <a:rPr lang="fr-FR" sz="1600" b="1" kern="1200" dirty="0" err="1">
+              <a:solidFill>
+                <a:srgbClr val="363534"/>
+              </a:solidFill>
+              <a:latin typeface="Calibri" pitchFamily="34" charset="0"/>
+              <a:ea typeface="+mn-ea"/>
+              <a:cs typeface="Calibri" pitchFamily="34" charset="0"/>
+            </a:rPr>
+            <a:t>Cardif</a:t>
+          </a:r>
+          <a:r>
+            <a:rPr lang="fr-FR" sz="1600" b="1" kern="1200" dirty="0">
+              <a:solidFill>
+                <a:srgbClr val="363534"/>
+              </a:solidFill>
+              <a:latin typeface="Calibri" pitchFamily="34" charset="0"/>
+              <a:ea typeface="+mn-ea"/>
+              <a:cs typeface="Calibri" pitchFamily="34" charset="0"/>
+            </a:rPr>
+            <a:t> pour CGI </a:t>
+          </a:r>
+          <a:r>
+            <a:rPr lang="fr-FR" sz="1600" b="0" kern="1200" dirty="0">
+              <a:solidFill>
+                <a:srgbClr val="363534"/>
+              </a:solidFill>
+              <a:latin typeface="Calibri" pitchFamily="34" charset="0"/>
+              <a:ea typeface="+mn-ea"/>
+              <a:cs typeface="Calibri" pitchFamily="34" charset="0"/>
+            </a:rPr>
+            <a:t>–</a:t>
+          </a:r>
+          <a:r>
+            <a:rPr lang="fr-FR" sz="1600" b="1" kern="1200" dirty="0">
+              <a:solidFill>
+                <a:srgbClr val="363534"/>
+              </a:solidFill>
+              <a:latin typeface="Calibri" pitchFamily="34" charset="0"/>
+              <a:ea typeface="+mn-ea"/>
+              <a:cs typeface="Calibri" pitchFamily="34" charset="0"/>
+            </a:rPr>
+            <a:t> </a:t>
+          </a:r>
+          <a:r>
+            <a:rPr lang="fr-FR" sz="1600" kern="1200" dirty="0">
+              <a:latin typeface="Calibri" panose="020F0502020204030204" pitchFamily="34" charset="0"/>
+              <a:cs typeface="Calibri" panose="020F0502020204030204" pitchFamily="34" charset="0"/>
+            </a:rPr>
+            <a:t>Plate-forme BPM/GED pour le métier succession</a:t>
+          </a:r>
+          <a:endParaRPr lang="fr-FR" sz="1600" b="1" kern="1200" dirty="0">
+            <a:solidFill>
+              <a:srgbClr val="363534"/>
+            </a:solidFill>
+            <a:latin typeface="Calibri" pitchFamily="34" charset="0"/>
+            <a:ea typeface="+mn-ea"/>
+            <a:cs typeface="Calibri" pitchFamily="34" charset="0"/>
+          </a:endParaRPr>
+        </a:p>
+      </dgm:t>
+    </dgm:pt>
+    <dgm:pt modelId="{D5639A8C-0944-4765-A207-89A9F449FB58}" type="parTrans" cxnId="{A259F24D-7109-408B-A0EE-7521ECE6C59F}">
+      <dgm:prSet/>
+      <dgm:spPr/>
+      <dgm:t>
+        <a:bodyPr/>
+        <a:lstStyle/>
+        <a:p>
+          <a:endParaRPr lang="fr-FR"/>
+        </a:p>
+      </dgm:t>
+    </dgm:pt>
+    <dgm:pt modelId="{95061DE8-40B6-492F-92B5-809BCDFD685D}" type="sibTrans" cxnId="{A259F24D-7109-408B-A0EE-7521ECE6C59F}">
+      <dgm:prSet/>
+      <dgm:spPr/>
+      <dgm:t>
+        <a:bodyPr/>
+        <a:lstStyle/>
+        <a:p>
+          <a:endParaRPr lang="fr-FR"/>
+        </a:p>
+      </dgm:t>
+    </dgm:pt>
+    <dgm:pt modelId="{5C57B3EE-E7F9-49CE-835D-EF74F2DCB7CC}" type="pres">
+      <dgm:prSet presAssocID="{0A22175F-9E50-4726-A201-531B05BDD5B6}" presName="Name0" presStyleCnt="0">
+        <dgm:presLayoutVars>
+          <dgm:chMax val="7"/>
+          <dgm:chPref val="7"/>
+          <dgm:dir/>
+        </dgm:presLayoutVars>
+      </dgm:prSet>
+      <dgm:spPr/>
+    </dgm:pt>
+    <dgm:pt modelId="{63005BE7-3469-43AD-8513-7909B56C13B4}" type="pres">
+      <dgm:prSet presAssocID="{0A22175F-9E50-4726-A201-531B05BDD5B6}" presName="Name1" presStyleCnt="0"/>
+      <dgm:spPr/>
+    </dgm:pt>
+    <dgm:pt modelId="{A55325B9-F140-4749-B248-BDA4897718C3}" type="pres">
+      <dgm:prSet presAssocID="{0A22175F-9E50-4726-A201-531B05BDD5B6}" presName="cycle" presStyleCnt="0"/>
+      <dgm:spPr/>
+    </dgm:pt>
+    <dgm:pt modelId="{FF5FD416-8277-4821-B15C-39EFD75502F7}" type="pres">
+      <dgm:prSet presAssocID="{0A22175F-9E50-4726-A201-531B05BDD5B6}" presName="srcNode" presStyleLbl="node1" presStyleIdx="0" presStyleCnt="5"/>
+      <dgm:spPr/>
+    </dgm:pt>
+    <dgm:pt modelId="{B710228F-41CA-41E4-A072-038F184BFE0A}" type="pres">
+      <dgm:prSet presAssocID="{0A22175F-9E50-4726-A201-531B05BDD5B6}" presName="conn" presStyleLbl="parChTrans1D2" presStyleIdx="0" presStyleCnt="1"/>
+      <dgm:spPr/>
+    </dgm:pt>
+    <dgm:pt modelId="{44DA68F0-2BB6-4E75-9469-F307418057B0}" type="pres">
+      <dgm:prSet presAssocID="{0A22175F-9E50-4726-A201-531B05BDD5B6}" presName="extraNode" presStyleLbl="node1" presStyleIdx="0" presStyleCnt="5"/>
+      <dgm:spPr/>
+    </dgm:pt>
+    <dgm:pt modelId="{8A742030-2A7E-402F-A346-DD5EDE4976BE}" type="pres">
+      <dgm:prSet presAssocID="{0A22175F-9E50-4726-A201-531B05BDD5B6}" presName="dstNode" presStyleLbl="node1" presStyleIdx="0" presStyleCnt="5"/>
+      <dgm:spPr/>
+    </dgm:pt>
+    <dgm:pt modelId="{30D3C256-CFB7-480A-A966-7B86A386D68F}" type="pres">
+      <dgm:prSet presAssocID="{E720B028-D74C-4248-8004-CA63C7B0E3CB}" presName="text_1" presStyleLbl="node1" presStyleIdx="0" presStyleCnt="5" custLinFactNeighborX="484" custLinFactNeighborY="-1248">
+        <dgm:presLayoutVars>
+          <dgm:bulletEnabled val="1"/>
+        </dgm:presLayoutVars>
+      </dgm:prSet>
+      <dgm:spPr/>
+    </dgm:pt>
+    <dgm:pt modelId="{83E6BF79-68CA-4B32-834F-CF7588D76792}" type="pres">
+      <dgm:prSet presAssocID="{E720B028-D74C-4248-8004-CA63C7B0E3CB}" presName="accent_1" presStyleCnt="0"/>
+      <dgm:spPr/>
+    </dgm:pt>
+    <dgm:pt modelId="{7C37C0C5-5ED7-483D-9E7A-E08121B8ADA3}" type="pres">
+      <dgm:prSet presAssocID="{E720B028-D74C-4248-8004-CA63C7B0E3CB}" presName="accentRepeatNode" presStyleLbl="solidFgAcc1" presStyleIdx="0" presStyleCnt="5"/>
+      <dgm:spPr/>
+    </dgm:pt>
+    <dgm:pt modelId="{CF124B02-E0ED-4DE1-8EC9-EC9D50CBB9B8}" type="pres">
+      <dgm:prSet presAssocID="{6DCFE96D-80DA-46BF-A725-6CFB410E9828}" presName="text_2" presStyleLbl="node1" presStyleIdx="1" presStyleCnt="5">
+        <dgm:presLayoutVars>
+          <dgm:bulletEnabled val="1"/>
+        </dgm:presLayoutVars>
+      </dgm:prSet>
+      <dgm:spPr/>
+    </dgm:pt>
+    <dgm:pt modelId="{7923A887-BC23-4E41-A053-6569017E0CD5}" type="pres">
+      <dgm:prSet presAssocID="{6DCFE96D-80DA-46BF-A725-6CFB410E9828}" presName="accent_2" presStyleCnt="0"/>
+      <dgm:spPr/>
+    </dgm:pt>
+    <dgm:pt modelId="{481168A5-1832-40EB-9EE6-0F0EB529B0FD}" type="pres">
+      <dgm:prSet presAssocID="{6DCFE96D-80DA-46BF-A725-6CFB410E9828}" presName="accentRepeatNode" presStyleLbl="solidFgAcc1" presStyleIdx="1" presStyleCnt="5"/>
+      <dgm:spPr/>
+    </dgm:pt>
+    <dgm:pt modelId="{F48BC0AB-2842-41B2-98EC-4C85F15D140C}" type="pres">
+      <dgm:prSet presAssocID="{5E44BE74-7BDB-4CD1-85D7-157A768B6599}" presName="text_3" presStyleLbl="node1" presStyleIdx="2" presStyleCnt="5">
+        <dgm:presLayoutVars>
+          <dgm:bulletEnabled val="1"/>
+        </dgm:presLayoutVars>
+      </dgm:prSet>
+      <dgm:spPr/>
+    </dgm:pt>
+    <dgm:pt modelId="{B86D93A1-6D2F-4359-B82B-31158A6CB807}" type="pres">
+      <dgm:prSet presAssocID="{5E44BE74-7BDB-4CD1-85D7-157A768B6599}" presName="accent_3" presStyleCnt="0"/>
+      <dgm:spPr/>
+    </dgm:pt>
+    <dgm:pt modelId="{7495114B-6915-4BB2-A4B5-BFADEB395892}" type="pres">
+      <dgm:prSet presAssocID="{5E44BE74-7BDB-4CD1-85D7-157A768B6599}" presName="accentRepeatNode" presStyleLbl="solidFgAcc1" presStyleIdx="2" presStyleCnt="5"/>
+      <dgm:spPr/>
+    </dgm:pt>
+    <dgm:pt modelId="{23A5D521-006E-4CB2-BCA9-EC3BE9A1188B}" type="pres">
+      <dgm:prSet presAssocID="{3D9F95B1-9E41-4B89-A74A-18D8958B5368}" presName="text_4" presStyleLbl="node1" presStyleIdx="3" presStyleCnt="5">
+        <dgm:presLayoutVars>
+          <dgm:bulletEnabled val="1"/>
+        </dgm:presLayoutVars>
+      </dgm:prSet>
+      <dgm:spPr/>
+    </dgm:pt>
+    <dgm:pt modelId="{DDDEB27D-59A0-445A-BA55-CBA8AAA7D414}" type="pres">
+      <dgm:prSet presAssocID="{3D9F95B1-9E41-4B89-A74A-18D8958B5368}" presName="accent_4" presStyleCnt="0"/>
+      <dgm:spPr/>
+    </dgm:pt>
+    <dgm:pt modelId="{754176E6-9619-4766-BEBF-5705EA1F3DD4}" type="pres">
+      <dgm:prSet presAssocID="{3D9F95B1-9E41-4B89-A74A-18D8958B5368}" presName="accentRepeatNode" presStyleLbl="solidFgAcc1" presStyleIdx="3" presStyleCnt="5"/>
+      <dgm:spPr/>
+    </dgm:pt>
+    <dgm:pt modelId="{9F96E16C-BD40-4AF9-AFBC-9C01FC40DDC2}" type="pres">
+      <dgm:prSet presAssocID="{C1583B5F-B658-4636-A601-4357E8D5315D}" presName="text_5" presStyleLbl="node1" presStyleIdx="4" presStyleCnt="5">
+        <dgm:presLayoutVars>
+          <dgm:bulletEnabled val="1"/>
+        </dgm:presLayoutVars>
+      </dgm:prSet>
+      <dgm:spPr/>
+    </dgm:pt>
+    <dgm:pt modelId="{63037F71-2F9C-4941-B9BD-972E798A4752}" type="pres">
+      <dgm:prSet presAssocID="{C1583B5F-B658-4636-A601-4357E8D5315D}" presName="accent_5" presStyleCnt="0"/>
+      <dgm:spPr/>
+    </dgm:pt>
+    <dgm:pt modelId="{4F91C3CA-3DA2-42D6-9F92-6F4C3301EBAC}" type="pres">
+      <dgm:prSet presAssocID="{C1583B5F-B658-4636-A601-4357E8D5315D}" presName="accentRepeatNode" presStyleLbl="solidFgAcc1" presStyleIdx="4" presStyleCnt="5"/>
+      <dgm:spPr/>
+    </dgm:pt>
+  </dgm:ptLst>
+  <dgm:cxnLst>
+    <dgm:cxn modelId="{FB10B419-1D3A-4EFF-9769-58363C8877E8}" type="presOf" srcId="{058B1AC4-673E-41D8-83E3-E3BD46E24871}" destId="{B710228F-41CA-41E4-A072-038F184BFE0A}" srcOrd="0" destOrd="0" presId="urn:microsoft.com/office/officeart/2008/layout/VerticalCurvedList"/>
+    <dgm:cxn modelId="{3B08EA29-0DC5-4E1F-BF00-841FA67C853E}" type="presOf" srcId="{5E44BE74-7BDB-4CD1-85D7-157A768B6599}" destId="{F48BC0AB-2842-41B2-98EC-4C85F15D140C}" srcOrd="0" destOrd="0" presId="urn:microsoft.com/office/officeart/2008/layout/VerticalCurvedList"/>
+    <dgm:cxn modelId="{11A4BB34-7391-466E-B258-C401B186171C}" type="presOf" srcId="{3D9F95B1-9E41-4B89-A74A-18D8958B5368}" destId="{23A5D521-006E-4CB2-BCA9-EC3BE9A1188B}" srcOrd="0" destOrd="0" presId="urn:microsoft.com/office/officeart/2008/layout/VerticalCurvedList"/>
+    <dgm:cxn modelId="{F9F4C943-FEA2-48AB-99D4-EE74BCB0BD8D}" type="presOf" srcId="{E720B028-D74C-4248-8004-CA63C7B0E3CB}" destId="{30D3C256-CFB7-480A-A966-7B86A386D68F}" srcOrd="0" destOrd="0" presId="urn:microsoft.com/office/officeart/2008/layout/VerticalCurvedList"/>
+    <dgm:cxn modelId="{1AB3FC43-842B-417B-855D-90D0647ED524}" srcId="{0A22175F-9E50-4726-A201-531B05BDD5B6}" destId="{E720B028-D74C-4248-8004-CA63C7B0E3CB}" srcOrd="0" destOrd="0" parTransId="{7D892449-47AD-40E4-8943-8FB7AD92C8A6}" sibTransId="{058B1AC4-673E-41D8-83E3-E3BD46E24871}"/>
+    <dgm:cxn modelId="{A259F24D-7109-408B-A0EE-7521ECE6C59F}" srcId="{0A22175F-9E50-4726-A201-531B05BDD5B6}" destId="{5E44BE74-7BDB-4CD1-85D7-157A768B6599}" srcOrd="2" destOrd="0" parTransId="{D5639A8C-0944-4765-A207-89A9F449FB58}" sibTransId="{95061DE8-40B6-492F-92B5-809BCDFD685D}"/>
+    <dgm:cxn modelId="{16DDDD6E-3BBB-4F4E-AD80-0B5809C99847}" type="presOf" srcId="{0A22175F-9E50-4726-A201-531B05BDD5B6}" destId="{5C57B3EE-E7F9-49CE-835D-EF74F2DCB7CC}" srcOrd="0" destOrd="0" presId="urn:microsoft.com/office/officeart/2008/layout/VerticalCurvedList"/>
+    <dgm:cxn modelId="{1AFC318B-91FD-41D8-88FA-F3B517EC0022}" srcId="{0A22175F-9E50-4726-A201-531B05BDD5B6}" destId="{3D9F95B1-9E41-4B89-A74A-18D8958B5368}" srcOrd="3" destOrd="0" parTransId="{45B5EB23-9E64-4A1C-A4BD-C676D38EB973}" sibTransId="{4E755FB8-62F4-4729-9A9B-50B431452079}"/>
+    <dgm:cxn modelId="{E19FF7B7-B39D-4EFA-A773-9FD0C286B1A2}" type="presOf" srcId="{C1583B5F-B658-4636-A601-4357E8D5315D}" destId="{9F96E16C-BD40-4AF9-AFBC-9C01FC40DDC2}" srcOrd="0" destOrd="0" presId="urn:microsoft.com/office/officeart/2008/layout/VerticalCurvedList"/>
+    <dgm:cxn modelId="{0208A5D3-848E-4EEE-92C1-143E217871E3}" type="presOf" srcId="{6DCFE96D-80DA-46BF-A725-6CFB410E9828}" destId="{CF124B02-E0ED-4DE1-8EC9-EC9D50CBB9B8}" srcOrd="0" destOrd="0" presId="urn:microsoft.com/office/officeart/2008/layout/VerticalCurvedList"/>
+    <dgm:cxn modelId="{23BCDEDB-812F-453B-8C62-1613B6288CD0}" srcId="{0A22175F-9E50-4726-A201-531B05BDD5B6}" destId="{6DCFE96D-80DA-46BF-A725-6CFB410E9828}" srcOrd="1" destOrd="0" parTransId="{381B9D29-08F8-4CE7-A193-010DEFB6053D}" sibTransId="{FB3B235A-AFDF-473B-8886-5E00CAEC9AF8}"/>
+    <dgm:cxn modelId="{698C34F1-16CC-472A-9675-F721FE9B9E5E}" srcId="{0A22175F-9E50-4726-A201-531B05BDD5B6}" destId="{C1583B5F-B658-4636-A601-4357E8D5315D}" srcOrd="4" destOrd="0" parTransId="{4174C859-F47D-45B6-BD36-FF92AD4185F1}" sibTransId="{D64CB2E0-8133-4AF3-BE54-8943F8095AE9}"/>
+    <dgm:cxn modelId="{D19C3EB7-42AF-4D96-9FD8-9970F41E48E8}" type="presParOf" srcId="{5C57B3EE-E7F9-49CE-835D-EF74F2DCB7CC}" destId="{63005BE7-3469-43AD-8513-7909B56C13B4}" srcOrd="0" destOrd="0" presId="urn:microsoft.com/office/officeart/2008/layout/VerticalCurvedList"/>
+    <dgm:cxn modelId="{B16599C9-6BC7-40D9-B470-3F001A147D6E}" type="presParOf" srcId="{63005BE7-3469-43AD-8513-7909B56C13B4}" destId="{A55325B9-F140-4749-B248-BDA4897718C3}" srcOrd="0" destOrd="0" presId="urn:microsoft.com/office/officeart/2008/layout/VerticalCurvedList"/>
+    <dgm:cxn modelId="{A7743560-D2F3-4DD0-B5C8-D07CCE50C3D5}" type="presParOf" srcId="{A55325B9-F140-4749-B248-BDA4897718C3}" destId="{FF5FD416-8277-4821-B15C-39EFD75502F7}" srcOrd="0" destOrd="0" presId="urn:microsoft.com/office/officeart/2008/layout/VerticalCurvedList"/>
+    <dgm:cxn modelId="{BECCED54-0D3C-4A96-9D2C-589644E6BD86}" type="presParOf" srcId="{A55325B9-F140-4749-B248-BDA4897718C3}" destId="{B710228F-41CA-41E4-A072-038F184BFE0A}" srcOrd="1" destOrd="0" presId="urn:microsoft.com/office/officeart/2008/layout/VerticalCurvedList"/>
+    <dgm:cxn modelId="{CC7BA52F-FC29-42A9-BDDD-05511322B27B}" type="presParOf" srcId="{A55325B9-F140-4749-B248-BDA4897718C3}" destId="{44DA68F0-2BB6-4E75-9469-F307418057B0}" srcOrd="2" destOrd="0" presId="urn:microsoft.com/office/officeart/2008/layout/VerticalCurvedList"/>
+    <dgm:cxn modelId="{50DED31D-9882-42F0-B6FE-3BCAEC2CAADF}" type="presParOf" srcId="{A55325B9-F140-4749-B248-BDA4897718C3}" destId="{8A742030-2A7E-402F-A346-DD5EDE4976BE}" srcOrd="3" destOrd="0" presId="urn:microsoft.com/office/officeart/2008/layout/VerticalCurvedList"/>
+    <dgm:cxn modelId="{82CC81F9-8DD5-4F73-8827-C28A9BD2AF14}" type="presParOf" srcId="{63005BE7-3469-43AD-8513-7909B56C13B4}" destId="{30D3C256-CFB7-480A-A966-7B86A386D68F}" srcOrd="1" destOrd="0" presId="urn:microsoft.com/office/officeart/2008/layout/VerticalCurvedList"/>
+    <dgm:cxn modelId="{60A96419-B4DD-4218-8CB3-25D584D39103}" type="presParOf" srcId="{63005BE7-3469-43AD-8513-7909B56C13B4}" destId="{83E6BF79-68CA-4B32-834F-CF7588D76792}" srcOrd="2" destOrd="0" presId="urn:microsoft.com/office/officeart/2008/layout/VerticalCurvedList"/>
+    <dgm:cxn modelId="{FAD2B8BE-1182-45F6-8B29-7E07296C3594}" type="presParOf" srcId="{83E6BF79-68CA-4B32-834F-CF7588D76792}" destId="{7C37C0C5-5ED7-483D-9E7A-E08121B8ADA3}" srcOrd="0" destOrd="0" presId="urn:microsoft.com/office/officeart/2008/layout/VerticalCurvedList"/>
+    <dgm:cxn modelId="{3EBF249A-57F0-4B09-ADB7-AF9013E91BE0}" type="presParOf" srcId="{63005BE7-3469-43AD-8513-7909B56C13B4}" destId="{CF124B02-E0ED-4DE1-8EC9-EC9D50CBB9B8}" srcOrd="3" destOrd="0" presId="urn:microsoft.com/office/officeart/2008/layout/VerticalCurvedList"/>
+    <dgm:cxn modelId="{81E04588-8548-47D2-BAD3-FC4D4EF07B65}" type="presParOf" srcId="{63005BE7-3469-43AD-8513-7909B56C13B4}" destId="{7923A887-BC23-4E41-A053-6569017E0CD5}" srcOrd="4" destOrd="0" presId="urn:microsoft.com/office/officeart/2008/layout/VerticalCurvedList"/>
+    <dgm:cxn modelId="{43D86CA6-7AE9-4FD2-A585-EE8C5CBC3E81}" type="presParOf" srcId="{7923A887-BC23-4E41-A053-6569017E0CD5}" destId="{481168A5-1832-40EB-9EE6-0F0EB529B0FD}" srcOrd="0" destOrd="0" presId="urn:microsoft.com/office/officeart/2008/layout/VerticalCurvedList"/>
+    <dgm:cxn modelId="{AFA20DAE-9652-4A6F-98D1-F6AB6C8B6532}" type="presParOf" srcId="{63005BE7-3469-43AD-8513-7909B56C13B4}" destId="{F48BC0AB-2842-41B2-98EC-4C85F15D140C}" srcOrd="5" destOrd="0" presId="urn:microsoft.com/office/officeart/2008/layout/VerticalCurvedList"/>
+    <dgm:cxn modelId="{396B296C-3005-443D-A4B1-1D0F3A95D9A2}" type="presParOf" srcId="{63005BE7-3469-43AD-8513-7909B56C13B4}" destId="{B86D93A1-6D2F-4359-B82B-31158A6CB807}" srcOrd="6" destOrd="0" presId="urn:microsoft.com/office/officeart/2008/layout/VerticalCurvedList"/>
+    <dgm:cxn modelId="{8BFE1F69-7C68-49D6-84B4-0164B06AD485}" type="presParOf" srcId="{B86D93A1-6D2F-4359-B82B-31158A6CB807}" destId="{7495114B-6915-4BB2-A4B5-BFADEB395892}" srcOrd="0" destOrd="0" presId="urn:microsoft.com/office/officeart/2008/layout/VerticalCurvedList"/>
+    <dgm:cxn modelId="{8EFCE037-E59E-4A6E-A885-947D6B0CF661}" type="presParOf" srcId="{63005BE7-3469-43AD-8513-7909B56C13B4}" destId="{23A5D521-006E-4CB2-BCA9-EC3BE9A1188B}" srcOrd="7" destOrd="0" presId="urn:microsoft.com/office/officeart/2008/layout/VerticalCurvedList"/>
+    <dgm:cxn modelId="{0F227185-8367-4B1F-A5FF-3D6C1B5C04A9}" type="presParOf" srcId="{63005BE7-3469-43AD-8513-7909B56C13B4}" destId="{DDDEB27D-59A0-445A-BA55-CBA8AAA7D414}" srcOrd="8" destOrd="0" presId="urn:microsoft.com/office/officeart/2008/layout/VerticalCurvedList"/>
+    <dgm:cxn modelId="{1A719C39-94DF-40E1-A082-8C6A158DD3F8}" type="presParOf" srcId="{DDDEB27D-59A0-445A-BA55-CBA8AAA7D414}" destId="{754176E6-9619-4766-BEBF-5705EA1F3DD4}" srcOrd="0" destOrd="0" presId="urn:microsoft.com/office/officeart/2008/layout/VerticalCurvedList"/>
+    <dgm:cxn modelId="{C4EE88D8-06A5-41C1-8E5D-83D1D661C352}" type="presParOf" srcId="{63005BE7-3469-43AD-8513-7909B56C13B4}" destId="{9F96E16C-BD40-4AF9-AFBC-9C01FC40DDC2}" srcOrd="9" destOrd="0" presId="urn:microsoft.com/office/officeart/2008/layout/VerticalCurvedList"/>
+    <dgm:cxn modelId="{346CC48E-6D9A-40A5-984E-453AE2D1E03D}" type="presParOf" srcId="{63005BE7-3469-43AD-8513-7909B56C13B4}" destId="{63037F71-2F9C-4941-B9BD-972E798A4752}" srcOrd="10" destOrd="0" presId="urn:microsoft.com/office/officeart/2008/layout/VerticalCurvedList"/>
+    <dgm:cxn modelId="{D43C9795-0C82-4AB1-BC38-E96C15576F1D}" type="presParOf" srcId="{63037F71-2F9C-4941-B9BD-972E798A4752}" destId="{4F91C3CA-3DA2-42D6-9F92-6F4C3301EBAC}" srcOrd="0" destOrd="0" presId="urn:microsoft.com/office/officeart/2008/layout/VerticalCurvedList"/>
+  </dgm:cxnLst>
+  <dgm:bg/>
+  <dgm:whole/>
+  <dgm:extLst>
+    <a:ext uri="http://schemas.microsoft.com/office/drawing/2008/diagram">
+      <dsp:dataModelExt xmlns:dsp="http://schemas.microsoft.com/office/drawing/2008/diagram" relId="rId10" minVer="http://schemas.openxmlformats.org/drawingml/2006/diagram"/>
+    </a:ext>
+  </dgm:extLst>
+</dgm:dataModel>
+</file>
+
+<file path=ppt/diagrams/drawing1.xml><?xml version="1.0" encoding="utf-8"?>
+<dsp:drawing xmlns:dgm="http://schemas.openxmlformats.org/drawingml/2006/diagram" xmlns:dsp="http://schemas.microsoft.com/office/drawing/2008/diagram" xmlns:a="http://schemas.openxmlformats.org/drawingml/2006/main">
+  <dsp:spTree>
+    <dsp:nvGrpSpPr>
+      <dsp:cNvPr id="0" name=""/>
+      <dsp:cNvGrpSpPr/>
+    </dsp:nvGrpSpPr>
+    <dsp:grpSpPr/>
+    <dsp:sp modelId="{B710228F-41CA-41E4-A072-038F184BFE0A}">
+      <dsp:nvSpPr>
+        <dsp:cNvPr id="0" name=""/>
+        <dsp:cNvSpPr/>
+      </dsp:nvSpPr>
+      <dsp:spPr>
+        <a:xfrm>
+          <a:off x="-4575175" y="-701495"/>
+          <a:ext cx="5450055" cy="5450055"/>
+        </a:xfrm>
+        <a:prstGeom prst="blockArc">
+          <a:avLst>
+            <a:gd name="adj1" fmla="val 18900000"/>
+            <a:gd name="adj2" fmla="val 2700000"/>
+            <a:gd name="adj3" fmla="val 396"/>
+          </a:avLst>
+        </a:prstGeom>
+        <a:noFill/>
+        <a:ln w="25400" cap="flat" cmpd="sng" algn="ctr">
+          <a:solidFill>
+            <a:schemeClr val="accent2">
+              <a:shade val="60000"/>
+              <a:hueOff val="0"/>
+              <a:satOff val="0"/>
+              <a:lumOff val="0"/>
+              <a:alphaOff val="0"/>
+            </a:schemeClr>
+          </a:solidFill>
+          <a:prstDash val="solid"/>
+        </a:ln>
+        <a:effectLst/>
+      </dsp:spPr>
+      <dsp:style>
+        <a:lnRef idx="2">
+          <a:scrgbClr r="0" g="0" b="0"/>
+        </a:lnRef>
+        <a:fillRef idx="0">
+          <a:scrgbClr r="0" g="0" b="0"/>
+        </a:fillRef>
+        <a:effectRef idx="0">
+          <a:scrgbClr r="0" g="0" b="0"/>
+        </a:effectRef>
+        <a:fontRef idx="minor"/>
+      </dsp:style>
+    </dsp:sp>
+    <dsp:sp modelId="{30D3C256-CFB7-480A-A966-7B86A386D68F}">
+      <dsp:nvSpPr>
+        <dsp:cNvPr id="0" name=""/>
+        <dsp:cNvSpPr/>
+      </dsp:nvSpPr>
+      <dsp:spPr>
+        <a:xfrm>
+          <a:off x="420009" y="246545"/>
+          <a:ext cx="7652008" cy="506045"/>
+        </a:xfrm>
+        <a:prstGeom prst="rect">
+          <a:avLst/>
+        </a:prstGeom>
+        <a:solidFill>
+          <a:schemeClr val="bg1"/>
+        </a:solidFill>
+        <a:ln>
+          <a:noFill/>
+        </a:ln>
+        <a:effectLst>
+          <a:outerShdw blurRad="40000" dist="23000" dir="5400000" rotWithShape="0">
+            <a:srgbClr val="000000">
+              <a:alpha val="35000"/>
+            </a:srgbClr>
+          </a:outerShdw>
+        </a:effectLst>
+        <a:scene3d>
+          <a:camera prst="orthographicFront">
+            <a:rot lat="0" lon="0" rev="0"/>
+          </a:camera>
+          <a:lightRig rig="threePt" dir="t">
+            <a:rot lat="0" lon="0" rev="1200000"/>
+          </a:lightRig>
+        </a:scene3d>
+        <a:sp3d>
+          <a:bevelT w="63500" h="25400"/>
+        </a:sp3d>
+      </dsp:spPr>
+      <dsp:style>
+        <a:lnRef idx="0">
+          <a:scrgbClr r="0" g="0" b="0"/>
+        </a:lnRef>
+        <a:fillRef idx="3">
+          <a:scrgbClr r="0" g="0" b="0"/>
+        </a:fillRef>
+        <a:effectRef idx="3">
+          <a:scrgbClr r="0" g="0" b="0"/>
+        </a:effectRef>
+        <a:fontRef idx="minor">
+          <a:schemeClr val="lt1"/>
+        </a:fontRef>
+      </dsp:style>
+      <dsp:txBody>
+        <a:bodyPr spcFirstLastPara="0" vert="horz" wrap="square" lIns="401673" tIns="40640" rIns="40640" bIns="40640" numCol="1" spcCol="1270" anchor="ctr" anchorCtr="0">
+          <a:noAutofit/>
+        </a:bodyPr>
+        <a:lstStyle/>
+        <a:p>
+          <a:pPr marL="0" lvl="0" indent="0" algn="just" defTabSz="711200">
+            <a:lnSpc>
+              <a:spcPct val="90000"/>
+            </a:lnSpc>
+            <a:spcBef>
+              <a:spcPct val="0"/>
+            </a:spcBef>
+            <a:spcAft>
+              <a:spcPts val="0"/>
+            </a:spcAft>
+            <a:buNone/>
+          </a:pPr>
+          <a:r>
+            <a:rPr lang="fr-FR" sz="1600" b="1" kern="1200" dirty="0">
+              <a:solidFill>
+                <a:schemeClr val="tx1"/>
+              </a:solidFill>
+              <a:latin typeface="Calibri" pitchFamily="34" charset="0"/>
+              <a:cs typeface="Calibri" pitchFamily="34" charset="0"/>
+            </a:rPr>
+            <a:t>2006 – Ecole d’ingénieur (Bac +5) et stage de fin d’étude chez ATOS</a:t>
+          </a:r>
+          <a:endParaRPr lang="fr-FR" sz="1600" b="1" kern="1200" dirty="0">
+            <a:solidFill>
+              <a:schemeClr val="tx1"/>
+            </a:solidFill>
+            <a:latin typeface="Calibri" pitchFamily="34" charset="0"/>
+            <a:cs typeface="Calibri" pitchFamily="34" charset="0"/>
+            <a:sym typeface="Calibri"/>
+          </a:endParaRPr>
+        </a:p>
+      </dsp:txBody>
+      <dsp:txXfrm>
+        <a:off x="420009" y="246545"/>
+        <a:ext cx="7652008" cy="506045"/>
+      </dsp:txXfrm>
+    </dsp:sp>
+    <dsp:sp modelId="{7C37C0C5-5ED7-483D-9E7A-E08121B8ADA3}">
+      <dsp:nvSpPr>
+        <dsp:cNvPr id="0" name=""/>
+        <dsp:cNvSpPr/>
+      </dsp:nvSpPr>
+      <dsp:spPr>
+        <a:xfrm>
+          <a:off x="66695" y="189604"/>
+          <a:ext cx="632556" cy="632556"/>
+        </a:xfrm>
+        <a:prstGeom prst="ellipse">
+          <a:avLst/>
+        </a:prstGeom>
+        <a:solidFill>
+          <a:schemeClr val="lt1">
+            <a:hueOff val="0"/>
+            <a:satOff val="0"/>
+            <a:lumOff val="0"/>
+            <a:alphaOff val="0"/>
+          </a:schemeClr>
+        </a:solidFill>
+        <a:ln w="9525" cap="flat" cmpd="sng" algn="ctr">
+          <a:solidFill>
+            <a:schemeClr val="accent2">
+              <a:hueOff val="0"/>
+              <a:satOff val="0"/>
+              <a:lumOff val="0"/>
+              <a:alphaOff val="0"/>
+            </a:schemeClr>
+          </a:solidFill>
+          <a:prstDash val="solid"/>
+        </a:ln>
+        <a:effectLst>
+          <a:outerShdw blurRad="40000" dist="23000" dir="5400000" rotWithShape="0">
+            <a:srgbClr val="000000">
+              <a:alpha val="35000"/>
+            </a:srgbClr>
+          </a:outerShdw>
+        </a:effectLst>
+      </dsp:spPr>
+      <dsp:style>
+        <a:lnRef idx="1">
+          <a:scrgbClr r="0" g="0" b="0"/>
+        </a:lnRef>
+        <a:fillRef idx="1">
+          <a:scrgbClr r="0" g="0" b="0"/>
+        </a:fillRef>
+        <a:effectRef idx="2">
+          <a:scrgbClr r="0" g="0" b="0"/>
+        </a:effectRef>
+        <a:fontRef idx="minor"/>
+      </dsp:style>
+    </dsp:sp>
+    <dsp:sp modelId="{CF124B02-E0ED-4DE1-8EC9-EC9D50CBB9B8}">
+      <dsp:nvSpPr>
+        <dsp:cNvPr id="0" name=""/>
+        <dsp:cNvSpPr/>
+      </dsp:nvSpPr>
+      <dsp:spPr>
+        <a:xfrm>
+          <a:off x="745590" y="1011685"/>
+          <a:ext cx="7289391" cy="506045"/>
+        </a:xfrm>
+        <a:prstGeom prst="rect">
+          <a:avLst/>
+        </a:prstGeom>
+        <a:solidFill>
+          <a:schemeClr val="bg1"/>
+        </a:solidFill>
+        <a:ln>
+          <a:noFill/>
+        </a:ln>
+        <a:effectLst>
+          <a:outerShdw blurRad="40000" dist="23000" dir="5400000" rotWithShape="0">
+            <a:srgbClr val="000000">
+              <a:alpha val="35000"/>
+            </a:srgbClr>
+          </a:outerShdw>
+        </a:effectLst>
+        <a:scene3d>
+          <a:camera prst="orthographicFront">
+            <a:rot lat="0" lon="0" rev="0"/>
+          </a:camera>
+          <a:lightRig rig="threePt" dir="t">
+            <a:rot lat="0" lon="0" rev="1200000"/>
+          </a:lightRig>
+        </a:scene3d>
+        <a:sp3d>
+          <a:bevelT w="63500" h="25400"/>
+        </a:sp3d>
+      </dsp:spPr>
+      <dsp:style>
+        <a:lnRef idx="0">
+          <a:scrgbClr r="0" g="0" b="0"/>
+        </a:lnRef>
+        <a:fillRef idx="3">
+          <a:scrgbClr r="0" g="0" b="0"/>
+        </a:fillRef>
+        <a:effectRef idx="3">
+          <a:scrgbClr r="0" g="0" b="0"/>
+        </a:effectRef>
+        <a:fontRef idx="minor">
+          <a:schemeClr val="lt1"/>
+        </a:fontRef>
+      </dsp:style>
+      <dsp:txBody>
+        <a:bodyPr spcFirstLastPara="0" vert="horz" wrap="square" lIns="401673" tIns="40640" rIns="40640" bIns="40640" numCol="1" spcCol="1270" anchor="ctr" anchorCtr="0">
+          <a:noAutofit/>
+        </a:bodyPr>
+        <a:lstStyle/>
+        <a:p>
+          <a:pPr marL="0" lvl="0" indent="0" algn="l" defTabSz="711200">
+            <a:lnSpc>
+              <a:spcPct val="90000"/>
+            </a:lnSpc>
+            <a:spcBef>
+              <a:spcPct val="0"/>
+            </a:spcBef>
+            <a:spcAft>
+              <a:spcPct val="35000"/>
+            </a:spcAft>
+            <a:buNone/>
+          </a:pPr>
+          <a:r>
+            <a:rPr lang="fr-FR" sz="1600" b="1" kern="1200" dirty="0">
+              <a:solidFill>
+                <a:schemeClr val="tx1"/>
+              </a:solidFill>
+              <a:latin typeface="Calibri" pitchFamily="34" charset="0"/>
+              <a:cs typeface="Calibri" pitchFamily="34" charset="0"/>
+            </a:rPr>
+            <a:t>2007 – </a:t>
+          </a:r>
+          <a:r>
+            <a:rPr lang="fr-FR" sz="1600" b="1" kern="1200" dirty="0">
+              <a:solidFill>
+                <a:srgbClr val="363534"/>
+              </a:solidFill>
+              <a:latin typeface="Calibri" pitchFamily="34" charset="0"/>
+              <a:ea typeface="+mn-ea"/>
+              <a:cs typeface="Calibri" pitchFamily="34" charset="0"/>
+            </a:rPr>
+            <a:t>Consultant junior &amp; senior java EE </a:t>
+          </a:r>
+          <a:r>
+            <a:rPr lang="fr-FR" sz="1600" b="1" kern="1200" dirty="0">
+              <a:solidFill>
+                <a:schemeClr val="tx1"/>
+              </a:solidFill>
+              <a:latin typeface="Calibri" pitchFamily="34" charset="0"/>
+              <a:cs typeface="Calibri" pitchFamily="34" charset="0"/>
+            </a:rPr>
+            <a:t>–</a:t>
+          </a:r>
+          <a:r>
+            <a:rPr lang="fr-FR" sz="1600" b="1" kern="1200" dirty="0">
+              <a:solidFill>
+                <a:srgbClr val="363534"/>
+              </a:solidFill>
+              <a:latin typeface="Calibri" pitchFamily="34" charset="0"/>
+              <a:ea typeface="+mn-ea"/>
+              <a:cs typeface="Calibri" pitchFamily="34" charset="0"/>
+            </a:rPr>
+            <a:t> ATOS </a:t>
+          </a:r>
+          <a:r>
+            <a:rPr lang="fr-FR" sz="1600" b="0" kern="1200" dirty="0">
+              <a:solidFill>
+                <a:srgbClr val="363534"/>
+              </a:solidFill>
+              <a:latin typeface="Calibri" pitchFamily="34" charset="0"/>
+              <a:ea typeface="+mn-ea"/>
+              <a:cs typeface="Calibri" pitchFamily="34" charset="0"/>
+            </a:rPr>
+            <a:t>– Plate-forme de dématérialisation multipartenaires (SFR, Orange, Monoprix)</a:t>
+          </a:r>
+        </a:p>
+      </dsp:txBody>
+      <dsp:txXfrm>
+        <a:off x="745590" y="1011685"/>
+        <a:ext cx="7289391" cy="506045"/>
+      </dsp:txXfrm>
+    </dsp:sp>
+    <dsp:sp modelId="{481168A5-1832-40EB-9EE6-0F0EB529B0FD}">
+      <dsp:nvSpPr>
+        <dsp:cNvPr id="0" name=""/>
+        <dsp:cNvSpPr/>
+      </dsp:nvSpPr>
+      <dsp:spPr>
+        <a:xfrm>
+          <a:off x="429312" y="948429"/>
+          <a:ext cx="632556" cy="632556"/>
+        </a:xfrm>
+        <a:prstGeom prst="ellipse">
+          <a:avLst/>
+        </a:prstGeom>
+        <a:solidFill>
+          <a:schemeClr val="lt1">
+            <a:hueOff val="0"/>
+            <a:satOff val="0"/>
+            <a:lumOff val="0"/>
+            <a:alphaOff val="0"/>
+          </a:schemeClr>
+        </a:solidFill>
+        <a:ln w="9525" cap="flat" cmpd="sng" algn="ctr">
+          <a:solidFill>
+            <a:schemeClr val="accent2">
+              <a:hueOff val="0"/>
+              <a:satOff val="0"/>
+              <a:lumOff val="0"/>
+              <a:alphaOff val="0"/>
+            </a:schemeClr>
+          </a:solidFill>
+          <a:prstDash val="solid"/>
+        </a:ln>
+        <a:effectLst>
+          <a:outerShdw blurRad="40000" dist="23000" dir="5400000" rotWithShape="0">
+            <a:srgbClr val="000000">
+              <a:alpha val="35000"/>
+            </a:srgbClr>
+          </a:outerShdw>
+        </a:effectLst>
+      </dsp:spPr>
+      <dsp:style>
+        <a:lnRef idx="1">
+          <a:scrgbClr r="0" g="0" b="0"/>
+        </a:lnRef>
+        <a:fillRef idx="1">
+          <a:scrgbClr r="0" g="0" b="0"/>
+        </a:fillRef>
+        <a:effectRef idx="2">
+          <a:scrgbClr r="0" g="0" b="0"/>
+        </a:effectRef>
+        <a:fontRef idx="minor"/>
+      </dsp:style>
+    </dsp:sp>
+    <dsp:sp modelId="{F48BC0AB-2842-41B2-98EC-4C85F15D140C}">
+      <dsp:nvSpPr>
+        <dsp:cNvPr id="0" name=""/>
+        <dsp:cNvSpPr/>
+      </dsp:nvSpPr>
+      <dsp:spPr>
+        <a:xfrm>
+          <a:off x="856884" y="1770509"/>
+          <a:ext cx="7178097" cy="506045"/>
+        </a:xfrm>
+        <a:prstGeom prst="rect">
+          <a:avLst/>
+        </a:prstGeom>
+        <a:solidFill>
+          <a:schemeClr val="bg1"/>
+        </a:solidFill>
+        <a:ln>
+          <a:noFill/>
+        </a:ln>
+        <a:effectLst>
+          <a:outerShdw blurRad="40000" dist="23000" dir="5400000" rotWithShape="0">
+            <a:srgbClr val="000000">
+              <a:alpha val="35000"/>
+            </a:srgbClr>
+          </a:outerShdw>
+        </a:effectLst>
+        <a:scene3d>
+          <a:camera prst="orthographicFront">
+            <a:rot lat="0" lon="0" rev="0"/>
+          </a:camera>
+          <a:lightRig rig="threePt" dir="t">
+            <a:rot lat="0" lon="0" rev="1200000"/>
+          </a:lightRig>
+        </a:scene3d>
+        <a:sp3d>
+          <a:bevelT w="63500" h="25400"/>
+        </a:sp3d>
+      </dsp:spPr>
+      <dsp:style>
+        <a:lnRef idx="0">
+          <a:scrgbClr r="0" g="0" b="0"/>
+        </a:lnRef>
+        <a:fillRef idx="3">
+          <a:scrgbClr r="0" g="0" b="0"/>
+        </a:fillRef>
+        <a:effectRef idx="3">
+          <a:scrgbClr r="0" g="0" b="0"/>
+        </a:effectRef>
+        <a:fontRef idx="minor">
+          <a:schemeClr val="lt1"/>
+        </a:fontRef>
+      </dsp:style>
+      <dsp:txBody>
+        <a:bodyPr spcFirstLastPara="0" vert="horz" wrap="square" lIns="401673" tIns="40640" rIns="40640" bIns="40640" numCol="1" spcCol="1270" anchor="ctr" anchorCtr="0">
+          <a:noAutofit/>
+        </a:bodyPr>
+        <a:lstStyle/>
+        <a:p>
+          <a:pPr marL="0" lvl="0" indent="0" algn="l" defTabSz="711200">
+            <a:lnSpc>
+              <a:spcPct val="90000"/>
+            </a:lnSpc>
+            <a:spcBef>
+              <a:spcPct val="0"/>
+            </a:spcBef>
+            <a:spcAft>
+              <a:spcPct val="35000"/>
+            </a:spcAft>
+            <a:buNone/>
+          </a:pPr>
+          <a:r>
+            <a:rPr lang="fr-FR" sz="1600" b="1" kern="1200" dirty="0">
+              <a:solidFill>
+                <a:srgbClr val="363534"/>
+              </a:solidFill>
+              <a:latin typeface="Calibri" pitchFamily="34" charset="0"/>
+              <a:ea typeface="+mn-ea"/>
+              <a:cs typeface="Calibri" pitchFamily="34" charset="0"/>
+            </a:rPr>
+            <a:t>2012 – Expert technique java EE </a:t>
+          </a:r>
+          <a:r>
+            <a:rPr lang="fr-FR" sz="1600" b="1" kern="1200" dirty="0">
+              <a:solidFill>
+                <a:schemeClr val="tx1"/>
+              </a:solidFill>
+              <a:latin typeface="Calibri" pitchFamily="34" charset="0"/>
+              <a:cs typeface="Calibri" pitchFamily="34" charset="0"/>
+            </a:rPr>
+            <a:t>–</a:t>
+          </a:r>
+          <a:r>
+            <a:rPr lang="fr-FR" sz="1600" b="1" kern="1200" dirty="0">
+              <a:solidFill>
+                <a:srgbClr val="363534"/>
+              </a:solidFill>
+              <a:latin typeface="Calibri" pitchFamily="34" charset="0"/>
+              <a:ea typeface="+mn-ea"/>
+              <a:cs typeface="Calibri" pitchFamily="34" charset="0"/>
+            </a:rPr>
+            <a:t> BNPP </a:t>
+          </a:r>
+          <a:r>
+            <a:rPr lang="fr-FR" sz="1600" b="1" kern="1200" dirty="0" err="1">
+              <a:solidFill>
+                <a:srgbClr val="363534"/>
+              </a:solidFill>
+              <a:latin typeface="Calibri" pitchFamily="34" charset="0"/>
+              <a:ea typeface="+mn-ea"/>
+              <a:cs typeface="Calibri" pitchFamily="34" charset="0"/>
+            </a:rPr>
+            <a:t>Cardif</a:t>
+          </a:r>
+          <a:r>
+            <a:rPr lang="fr-FR" sz="1600" b="1" kern="1200" dirty="0">
+              <a:solidFill>
+                <a:srgbClr val="363534"/>
+              </a:solidFill>
+              <a:latin typeface="Calibri" pitchFamily="34" charset="0"/>
+              <a:ea typeface="+mn-ea"/>
+              <a:cs typeface="Calibri" pitchFamily="34" charset="0"/>
+            </a:rPr>
+            <a:t> pour CGI </a:t>
+          </a:r>
+          <a:r>
+            <a:rPr lang="fr-FR" sz="1600" b="0" kern="1200" dirty="0">
+              <a:solidFill>
+                <a:srgbClr val="363534"/>
+              </a:solidFill>
+              <a:latin typeface="Calibri" pitchFamily="34" charset="0"/>
+              <a:ea typeface="+mn-ea"/>
+              <a:cs typeface="Calibri" pitchFamily="34" charset="0"/>
+            </a:rPr>
+            <a:t>–</a:t>
+          </a:r>
+          <a:r>
+            <a:rPr lang="fr-FR" sz="1600" b="1" kern="1200" dirty="0">
+              <a:solidFill>
+                <a:srgbClr val="363534"/>
+              </a:solidFill>
+              <a:latin typeface="Calibri" pitchFamily="34" charset="0"/>
+              <a:ea typeface="+mn-ea"/>
+              <a:cs typeface="Calibri" pitchFamily="34" charset="0"/>
+            </a:rPr>
+            <a:t> </a:t>
+          </a:r>
+          <a:r>
+            <a:rPr lang="fr-FR" sz="1600" kern="1200" dirty="0">
+              <a:latin typeface="Calibri" panose="020F0502020204030204" pitchFamily="34" charset="0"/>
+              <a:cs typeface="Calibri" panose="020F0502020204030204" pitchFamily="34" charset="0"/>
+            </a:rPr>
+            <a:t>Plate-forme BPM/GED pour le métier succession</a:t>
+          </a:r>
+          <a:endParaRPr lang="fr-FR" sz="1600" b="1" kern="1200" dirty="0">
+            <a:solidFill>
+              <a:srgbClr val="363534"/>
+            </a:solidFill>
+            <a:latin typeface="Calibri" pitchFamily="34" charset="0"/>
+            <a:ea typeface="+mn-ea"/>
+            <a:cs typeface="Calibri" pitchFamily="34" charset="0"/>
+          </a:endParaRPr>
+        </a:p>
+      </dsp:txBody>
+      <dsp:txXfrm>
+        <a:off x="856884" y="1770509"/>
+        <a:ext cx="7178097" cy="506045"/>
+      </dsp:txXfrm>
+    </dsp:sp>
+    <dsp:sp modelId="{7495114B-6915-4BB2-A4B5-BFADEB395892}">
+      <dsp:nvSpPr>
+        <dsp:cNvPr id="0" name=""/>
+        <dsp:cNvSpPr/>
+      </dsp:nvSpPr>
+      <dsp:spPr>
+        <a:xfrm>
+          <a:off x="540606" y="1707254"/>
+          <a:ext cx="632556" cy="632556"/>
+        </a:xfrm>
+        <a:prstGeom prst="ellipse">
+          <a:avLst/>
+        </a:prstGeom>
+        <a:solidFill>
+          <a:schemeClr val="lt1">
+            <a:hueOff val="0"/>
+            <a:satOff val="0"/>
+            <a:lumOff val="0"/>
+            <a:alphaOff val="0"/>
+          </a:schemeClr>
+        </a:solidFill>
+        <a:ln w="9525" cap="flat" cmpd="sng" algn="ctr">
+          <a:solidFill>
+            <a:schemeClr val="accent2">
+              <a:hueOff val="0"/>
+              <a:satOff val="0"/>
+              <a:lumOff val="0"/>
+              <a:alphaOff val="0"/>
+            </a:schemeClr>
+          </a:solidFill>
+          <a:prstDash val="solid"/>
+        </a:ln>
+        <a:effectLst>
+          <a:outerShdw blurRad="40000" dist="23000" dir="5400000" rotWithShape="0">
+            <a:srgbClr val="000000">
+              <a:alpha val="35000"/>
+            </a:srgbClr>
+          </a:outerShdw>
+        </a:effectLst>
+      </dsp:spPr>
+      <dsp:style>
+        <a:lnRef idx="1">
+          <a:scrgbClr r="0" g="0" b="0"/>
+        </a:lnRef>
+        <a:fillRef idx="1">
+          <a:scrgbClr r="0" g="0" b="0"/>
+        </a:fillRef>
+        <a:effectRef idx="2">
+          <a:scrgbClr r="0" g="0" b="0"/>
+        </a:effectRef>
+        <a:fontRef idx="minor"/>
+      </dsp:style>
+    </dsp:sp>
+    <dsp:sp modelId="{23A5D521-006E-4CB2-BCA9-EC3BE9A1188B}">
+      <dsp:nvSpPr>
+        <dsp:cNvPr id="0" name=""/>
+        <dsp:cNvSpPr/>
+      </dsp:nvSpPr>
+      <dsp:spPr>
+        <a:xfrm>
+          <a:off x="745590" y="2529334"/>
+          <a:ext cx="7289391" cy="506045"/>
+        </a:xfrm>
+        <a:prstGeom prst="rect">
+          <a:avLst/>
+        </a:prstGeom>
+        <a:solidFill>
+          <a:schemeClr val="bg1"/>
+        </a:solidFill>
+        <a:ln>
+          <a:noFill/>
+        </a:ln>
+        <a:effectLst>
+          <a:outerShdw blurRad="40000" dist="23000" dir="5400000" rotWithShape="0">
+            <a:srgbClr val="000000">
+              <a:alpha val="35000"/>
+            </a:srgbClr>
+          </a:outerShdw>
+        </a:effectLst>
+        <a:scene3d>
+          <a:camera prst="orthographicFront">
+            <a:rot lat="0" lon="0" rev="0"/>
+          </a:camera>
+          <a:lightRig rig="threePt" dir="t">
+            <a:rot lat="0" lon="0" rev="1200000"/>
+          </a:lightRig>
+        </a:scene3d>
+        <a:sp3d>
+          <a:bevelT w="63500" h="25400"/>
+        </a:sp3d>
+      </dsp:spPr>
+      <dsp:style>
+        <a:lnRef idx="0">
+          <a:scrgbClr r="0" g="0" b="0"/>
+        </a:lnRef>
+        <a:fillRef idx="3">
+          <a:scrgbClr r="0" g="0" b="0"/>
+        </a:fillRef>
+        <a:effectRef idx="3">
+          <a:scrgbClr r="0" g="0" b="0"/>
+        </a:effectRef>
+        <a:fontRef idx="minor">
+          <a:schemeClr val="lt1"/>
+        </a:fontRef>
+      </dsp:style>
+      <dsp:txBody>
+        <a:bodyPr spcFirstLastPara="0" vert="horz" wrap="square" lIns="401673" tIns="40640" rIns="40640" bIns="40640" numCol="1" spcCol="1270" anchor="ctr" anchorCtr="0">
+          <a:noAutofit/>
+        </a:bodyPr>
+        <a:lstStyle/>
+        <a:p>
+          <a:pPr marL="0" lvl="0" indent="0" algn="just" defTabSz="711200">
+            <a:lnSpc>
+              <a:spcPct val="90000"/>
+            </a:lnSpc>
+            <a:spcBef>
+              <a:spcPct val="0"/>
+            </a:spcBef>
+            <a:spcAft>
+              <a:spcPts val="0"/>
+            </a:spcAft>
+            <a:buNone/>
+          </a:pPr>
+          <a:r>
+            <a:rPr lang="fr-FR" sz="1600" b="1" kern="1200" dirty="0">
+              <a:solidFill>
+                <a:schemeClr val="tx1"/>
+              </a:solidFill>
+              <a:latin typeface="Calibri" pitchFamily="34" charset="0"/>
+              <a:cs typeface="Calibri" pitchFamily="34" charset="0"/>
+            </a:rPr>
+            <a:t>2015 – Expert technique </a:t>
+          </a:r>
+          <a:r>
+            <a:rPr lang="fr-FR" sz="1600" b="1" i="1" kern="1200" dirty="0">
+              <a:solidFill>
+                <a:schemeClr val="tx1"/>
+              </a:solidFill>
+              <a:latin typeface="Calibri" pitchFamily="34" charset="0"/>
+              <a:cs typeface="Calibri" pitchFamily="34" charset="0"/>
+            </a:rPr>
+            <a:t>full stack</a:t>
+          </a:r>
+          <a:r>
+            <a:rPr lang="fr-FR" sz="1600" b="1" kern="1200" dirty="0">
+              <a:solidFill>
+                <a:schemeClr val="tx1"/>
+              </a:solidFill>
+              <a:latin typeface="Calibri" pitchFamily="34" charset="0"/>
+              <a:cs typeface="Calibri" pitchFamily="34" charset="0"/>
+            </a:rPr>
+            <a:t> –</a:t>
+          </a:r>
+          <a:r>
+            <a:rPr lang="fr-FR" sz="1600" b="0" kern="1200" dirty="0">
+              <a:solidFill>
+                <a:schemeClr val="tx1"/>
+              </a:solidFill>
+              <a:latin typeface="Calibri" pitchFamily="34" charset="0"/>
+              <a:cs typeface="Calibri" pitchFamily="34" charset="0"/>
+            </a:rPr>
+            <a:t> </a:t>
+          </a:r>
+          <a:r>
+            <a:rPr lang="fr-FR" sz="1600" b="1" kern="1200" dirty="0">
+              <a:solidFill>
+                <a:schemeClr val="tx1"/>
+              </a:solidFill>
+              <a:latin typeface="Calibri" pitchFamily="34" charset="0"/>
+              <a:cs typeface="Calibri" pitchFamily="34" charset="0"/>
+            </a:rPr>
+            <a:t>CALF</a:t>
+          </a:r>
+          <a:r>
+            <a:rPr lang="fr-FR" sz="1600" b="0" kern="1200" dirty="0">
+              <a:solidFill>
+                <a:schemeClr val="tx1"/>
+              </a:solidFill>
+              <a:latin typeface="Calibri" pitchFamily="34" charset="0"/>
+              <a:cs typeface="Calibri" pitchFamily="34" charset="0"/>
+            </a:rPr>
+            <a:t> – Refontes applications frontaux agences </a:t>
+          </a:r>
+          <a:r>
+            <a:rPr lang="fr-FR" sz="1600" b="0" i="0" kern="1200" dirty="0">
+              <a:solidFill>
+                <a:schemeClr val="tx1"/>
+              </a:solidFill>
+              <a:latin typeface="Calibri" pitchFamily="34" charset="0"/>
+              <a:cs typeface="Calibri" pitchFamily="34" charset="0"/>
+            </a:rPr>
+            <a:t>&amp; formations TMA CGI</a:t>
+          </a:r>
+        </a:p>
+      </dsp:txBody>
+      <dsp:txXfrm>
+        <a:off x="745590" y="2529334"/>
+        <a:ext cx="7289391" cy="506045"/>
+      </dsp:txXfrm>
+    </dsp:sp>
+    <dsp:sp modelId="{754176E6-9619-4766-BEBF-5705EA1F3DD4}">
+      <dsp:nvSpPr>
+        <dsp:cNvPr id="0" name=""/>
+        <dsp:cNvSpPr/>
+      </dsp:nvSpPr>
+      <dsp:spPr>
+        <a:xfrm>
+          <a:off x="429312" y="2466079"/>
+          <a:ext cx="632556" cy="632556"/>
+        </a:xfrm>
+        <a:prstGeom prst="ellipse">
+          <a:avLst/>
+        </a:prstGeom>
+        <a:solidFill>
+          <a:schemeClr val="lt1">
+            <a:hueOff val="0"/>
+            <a:satOff val="0"/>
+            <a:lumOff val="0"/>
+            <a:alphaOff val="0"/>
+          </a:schemeClr>
+        </a:solidFill>
+        <a:ln w="9525" cap="flat" cmpd="sng" algn="ctr">
+          <a:solidFill>
+            <a:schemeClr val="accent2">
+              <a:hueOff val="0"/>
+              <a:satOff val="0"/>
+              <a:lumOff val="0"/>
+              <a:alphaOff val="0"/>
+            </a:schemeClr>
+          </a:solidFill>
+          <a:prstDash val="solid"/>
+        </a:ln>
+        <a:effectLst>
+          <a:outerShdw blurRad="40000" dist="23000" dir="5400000" rotWithShape="0">
+            <a:srgbClr val="000000">
+              <a:alpha val="35000"/>
+            </a:srgbClr>
+          </a:outerShdw>
+        </a:effectLst>
+      </dsp:spPr>
+      <dsp:style>
+        <a:lnRef idx="1">
+          <a:scrgbClr r="0" g="0" b="0"/>
+        </a:lnRef>
+        <a:fillRef idx="1">
+          <a:scrgbClr r="0" g="0" b="0"/>
+        </a:fillRef>
+        <a:effectRef idx="2">
+          <a:scrgbClr r="0" g="0" b="0"/>
+        </a:effectRef>
+        <a:fontRef idx="minor"/>
+      </dsp:style>
+    </dsp:sp>
+    <dsp:sp modelId="{9F96E16C-BD40-4AF9-AFBC-9C01FC40DDC2}">
+      <dsp:nvSpPr>
+        <dsp:cNvPr id="0" name=""/>
+        <dsp:cNvSpPr/>
+      </dsp:nvSpPr>
+      <dsp:spPr>
+        <a:xfrm>
+          <a:off x="382973" y="3288159"/>
+          <a:ext cx="7652008" cy="506045"/>
+        </a:xfrm>
+        <a:prstGeom prst="rect">
+          <a:avLst/>
+        </a:prstGeom>
+        <a:solidFill>
+          <a:schemeClr val="bg1"/>
+        </a:solidFill>
+        <a:ln>
+          <a:noFill/>
+        </a:ln>
+        <a:effectLst>
+          <a:outerShdw blurRad="40000" dist="23000" dir="5400000" rotWithShape="0">
+            <a:srgbClr val="000000">
+              <a:alpha val="35000"/>
+            </a:srgbClr>
+          </a:outerShdw>
+        </a:effectLst>
+        <a:scene3d>
+          <a:camera prst="orthographicFront">
+            <a:rot lat="0" lon="0" rev="0"/>
+          </a:camera>
+          <a:lightRig rig="threePt" dir="t">
+            <a:rot lat="0" lon="0" rev="1200000"/>
+          </a:lightRig>
+        </a:scene3d>
+        <a:sp3d>
+          <a:bevelT w="63500" h="25400"/>
+        </a:sp3d>
+      </dsp:spPr>
+      <dsp:style>
+        <a:lnRef idx="0">
+          <a:scrgbClr r="0" g="0" b="0"/>
+        </a:lnRef>
+        <a:fillRef idx="3">
+          <a:scrgbClr r="0" g="0" b="0"/>
+        </a:fillRef>
+        <a:effectRef idx="3">
+          <a:scrgbClr r="0" g="0" b="0"/>
+        </a:effectRef>
+        <a:fontRef idx="minor">
+          <a:schemeClr val="lt1"/>
+        </a:fontRef>
+      </dsp:style>
+      <dsp:txBody>
+        <a:bodyPr spcFirstLastPara="0" vert="horz" wrap="square" lIns="401673" tIns="40640" rIns="40640" bIns="40640" numCol="1" spcCol="1270" anchor="ctr" anchorCtr="0">
+          <a:noAutofit/>
+        </a:bodyPr>
+        <a:lstStyle/>
+        <a:p>
+          <a:pPr marL="0" lvl="0" indent="0" algn="just" defTabSz="711200">
+            <a:lnSpc>
+              <a:spcPct val="90000"/>
+            </a:lnSpc>
+            <a:spcBef>
+              <a:spcPct val="0"/>
+            </a:spcBef>
+            <a:spcAft>
+              <a:spcPts val="0"/>
+            </a:spcAft>
+            <a:buNone/>
+          </a:pPr>
+          <a:r>
+            <a:rPr lang="fr-FR" sz="1600" b="1" kern="1200" dirty="0">
+              <a:solidFill>
+                <a:schemeClr val="tx1"/>
+              </a:solidFill>
+              <a:latin typeface="Calibri" pitchFamily="34" charset="0"/>
+              <a:cs typeface="Calibri" pitchFamily="34" charset="0"/>
+            </a:rPr>
+            <a:t>Depuis 2016 – Architecte technique/DevOps – SG </a:t>
+          </a:r>
+          <a:r>
+            <a:rPr lang="fr-FR" sz="1600" b="0" kern="1200" dirty="0">
+              <a:solidFill>
+                <a:schemeClr val="tx1"/>
+              </a:solidFill>
+              <a:latin typeface="Calibri" pitchFamily="34" charset="0"/>
+              <a:cs typeface="Calibri" pitchFamily="34" charset="0"/>
+            </a:rPr>
+            <a:t>–</a:t>
+          </a:r>
+          <a:r>
+            <a:rPr lang="fr-FR" sz="1600" b="1" kern="1200" dirty="0">
+              <a:solidFill>
+                <a:schemeClr val="tx1"/>
+              </a:solidFill>
+              <a:latin typeface="Calibri" pitchFamily="34" charset="0"/>
+              <a:cs typeface="Calibri" pitchFamily="34" charset="0"/>
+            </a:rPr>
+            <a:t> </a:t>
+          </a:r>
+          <a:r>
+            <a:rPr lang="fr-FR" sz="1600" b="0" kern="1200" dirty="0">
+              <a:solidFill>
+                <a:schemeClr val="tx1"/>
+              </a:solidFill>
+              <a:latin typeface="Calibri" pitchFamily="34" charset="0"/>
+              <a:cs typeface="Calibri" pitchFamily="34" charset="0"/>
+            </a:rPr>
+            <a:t>Projet Harmonie (socle générique digitalisation de processus) &amp; missions courtes CGI</a:t>
+          </a:r>
+        </a:p>
+      </dsp:txBody>
+      <dsp:txXfrm>
+        <a:off x="382973" y="3288159"/>
+        <a:ext cx="7652008" cy="506045"/>
+      </dsp:txXfrm>
+    </dsp:sp>
+    <dsp:sp modelId="{4F91C3CA-3DA2-42D6-9F92-6F4C3301EBAC}">
+      <dsp:nvSpPr>
+        <dsp:cNvPr id="0" name=""/>
+        <dsp:cNvSpPr/>
+      </dsp:nvSpPr>
+      <dsp:spPr>
+        <a:xfrm>
+          <a:off x="66695" y="3224903"/>
+          <a:ext cx="632556" cy="632556"/>
+        </a:xfrm>
+        <a:prstGeom prst="ellipse">
+          <a:avLst/>
+        </a:prstGeom>
+        <a:solidFill>
+          <a:schemeClr val="lt1">
+            <a:hueOff val="0"/>
+            <a:satOff val="0"/>
+            <a:lumOff val="0"/>
+            <a:alphaOff val="0"/>
+          </a:schemeClr>
+        </a:solidFill>
+        <a:ln w="9525" cap="flat" cmpd="sng" algn="ctr">
+          <a:solidFill>
+            <a:schemeClr val="accent2">
+              <a:hueOff val="0"/>
+              <a:satOff val="0"/>
+              <a:lumOff val="0"/>
+              <a:alphaOff val="0"/>
+            </a:schemeClr>
+          </a:solidFill>
+          <a:prstDash val="solid"/>
+        </a:ln>
+        <a:effectLst>
+          <a:outerShdw blurRad="40000" dist="23000" dir="5400000" rotWithShape="0">
+            <a:srgbClr val="000000">
+              <a:alpha val="35000"/>
+            </a:srgbClr>
+          </a:outerShdw>
+        </a:effectLst>
+      </dsp:spPr>
+      <dsp:style>
+        <a:lnRef idx="1">
+          <a:scrgbClr r="0" g="0" b="0"/>
+        </a:lnRef>
+        <a:fillRef idx="1">
+          <a:scrgbClr r="0" g="0" b="0"/>
+        </a:fillRef>
+        <a:effectRef idx="2">
+          <a:scrgbClr r="0" g="0" b="0"/>
+        </a:effectRef>
+        <a:fontRef idx="minor"/>
+      </dsp:style>
+    </dsp:sp>
+  </dsp:spTree>
+</dsp:drawing>
+</file>
+
+<file path=ppt/diagrams/layout1.xml><?xml version="1.0" encoding="utf-8"?>
+<dgm:layoutDef xmlns:dgm="http://schemas.openxmlformats.org/drawingml/2006/diagram" xmlns:a="http://schemas.openxmlformats.org/drawingml/2006/main" uniqueId="urn:microsoft.com/office/officeart/2008/layout/VerticalCurvedList">
+  <dgm:title val=""/>
+  <dgm:desc val=""/>
+  <dgm:catLst>
+    <dgm:cat type="list" pri="20000"/>
+  </dgm:catLst>
+  <dgm:sampData>
+    <dgm:dataModel>
+      <dgm:ptLst>
+        <dgm:pt modelId="0" type="doc"/>
+        <dgm:pt modelId="1">
+          <dgm:prSet phldr="1"/>
+        </dgm:pt>
+        <dgm:pt modelId="2">
+          <dgm:prSet phldr="1"/>
+        </dgm:pt>
+        <dgm:pt modelId="3">
+          <dgm:prSet phldr="1"/>
+        </dgm:pt>
+      </dgm:ptLst>
+      <dgm:cxnLst>
+        <dgm:cxn modelId="4" srcId="0" destId="1" srcOrd="0" destOrd="0"/>
+        <dgm:cxn modelId="5" srcId="0" destId="2" srcOrd="1" destOrd="0"/>
+        <dgm:cxn modelId="6" srcId="0" destId="3" srcOrd="2" destOrd="0"/>
+      </dgm:cxnLst>
+      <dgm:bg/>
+      <dgm:whole/>
+    </dgm:dataModel>
+  </dgm:sampData>
+  <dgm:styleData>
+    <dgm:dataModel>
+      <dgm:ptLst>
+        <dgm:pt modelId="0" type="doc"/>
+        <dgm:pt modelId="1">
+          <dgm:prSet phldr="1"/>
+        </dgm:pt>
+        <dgm:pt modelId="2">
+          <dgm:prSet phldr="1"/>
+        </dgm:pt>
+      </dgm:ptLst>
+      <dgm:cxnLst>
+        <dgm:cxn modelId="3" srcId="0" destId="1" srcOrd="0" destOrd="0"/>
+        <dgm:cxn modelId="4" srcId="0" destId="2" srcOrd="1" destOrd="0"/>
+      </dgm:cxnLst>
+      <dgm:bg/>
+      <dgm:whole/>
+    </dgm:dataModel>
+  </dgm:styleData>
+  <dgm:clrData>
+    <dgm:dataModel>
+      <dgm:ptLst>
+        <dgm:pt modelId="0" type="doc"/>
+        <dgm:pt modelId="1">
+          <dgm:prSet phldr="1"/>
+        </dgm:pt>
+        <dgm:pt modelId="2">
+          <dgm:prSet phldr="1"/>
+        </dgm:pt>
+        <dgm:pt modelId="3">
+          <dgm:prSet phldr="1"/>
+        </dgm:pt>
+        <dgm:pt modelId="4">
+          <dgm:prSet phldr="1"/>
+        </dgm:pt>
+      </dgm:ptLst>
+      <dgm:cxnLst>
+        <dgm:cxn modelId="5" srcId="0" destId="1" srcOrd="0" destOrd="0"/>
+        <dgm:cxn modelId="6" srcId="0" destId="2" srcOrd="1" destOrd="0"/>
+        <dgm:cxn modelId="7" srcId="0" destId="3" srcOrd="2" destOrd="0"/>
+        <dgm:cxn modelId="8" srcId="0" destId="4" srcOrd="3" destOrd="0"/>
+      </dgm:cxnLst>
+      <dgm:bg/>
+      <dgm:whole/>
+    </dgm:dataModel>
+  </dgm:clrData>
+  <dgm:layoutNode name="Name0">
+    <dgm:varLst>
+      <dgm:chMax val="7"/>
+      <dgm:chPref val="7"/>
+      <dgm:dir/>
+    </dgm:varLst>
+    <dgm:alg type="composite"/>
+    <dgm:shape xmlns:r="http://schemas.openxmlformats.org/officeDocument/2006/relationships" r:blip="">
+      <dgm:adjLst/>
+    </dgm:shape>
+    <dgm:constrLst>
+      <dgm:constr type="w" for="ch" refType="h" refFor="ch" op="gte" fact="0.8"/>
+    </dgm:constrLst>
+    <dgm:layoutNode name="Name1">
+      <dgm:alg type="composite"/>
+      <dgm:shape xmlns:r="http://schemas.openxmlformats.org/officeDocument/2006/relationships" r:blip="">
+        <dgm:adjLst/>
+      </dgm:shape>
+      <dgm:choose name="Name2">
+        <dgm:if name="Name3" func="var" arg="dir" op="equ" val="norm">
+          <dgm:choose name="Name4">
+            <dgm:if name="Name5" axis="ch" ptType="node" func="cnt" op="equ" val="1">
+              <dgm:constrLst>
+                <dgm:constr type="h" for="ch" forName="cycle" refType="h"/>
+                <dgm:constr type="w" for="ch" forName="cycle" refType="h" refFor="ch" refForName="cycle" fact="0.26"/>
+                <dgm:constr type="l" for="ch" forName="cycle"/>
+                <dgm:constr type="ctrY" for="ch" forName="cycle" refType="h" fact="0.5"/>
+                <dgm:constr type="diam" for="ch" forName="cycle" refType="h" fact="1.344"/>
+                <dgm:constr type="h" for="ch" forName="accent_1" refType="h" fact="0.625"/>
+                <dgm:constr type="w" for="ch" forName="accent_1" refType="h" refFor="ch" refForName="accent_1" op="equ"/>
+                <dgm:constr type="ctrY" for="ch" forName="accent_1" refType="h" fact="0.5"/>
+                <dgm:constr type="ctrX" for="ch" forName="accent_1" refType="h" fact="0.2253"/>
+                <dgm:constr type="l" for="ch" forName="text_1" refType="ctrX" refFor="ch" refForName="accent_1"/>
+                <dgm:constr type="r" for="ch" forName="text_1" refType="w"/>
+                <dgm:constr type="w" for="ch" forName="text_1" refType="h" refFor="ch" refForName="text_1" op="gte"/>
+                <dgm:constr type="h" for="ch" forName="text_1" refType="h" refFor="ch" refForName="accent_1" fact="0.8"/>
+                <dgm:constr type="ctrY" for="ch" forName="text_1" refType="ctrY" refFor="ch" refForName="accent_1"/>
+                <dgm:constr type="lMarg" for="ch" forName="text_1" refType="w" refFor="ch" refForName="accent_1" fact="1.8"/>
+                <dgm:constr type="primFontSz" for="ch" ptType="node" op="equ" val="65"/>
+              </dgm:constrLst>
+            </dgm:if>
+            <dgm:if name="Name6" axis="ch" ptType="node" func="cnt" op="equ" val="2">
+              <dgm:constrLst>
+                <dgm:constr type="h" for="ch" forName="cycle" refType="h"/>
+                <dgm:constr type="w" for="ch" forName="cycle" refType="h" refFor="ch" refForName="cycle" fact="0.26"/>
+                <dgm:constr type="l" for="ch" forName="cycle"/>
+                <dgm:constr type="ctrY" for="ch" forName="cycle" refType="h" fact="0.5"/>
+                <dgm:constr type="diam" for="ch" forName="cycle" refType="h" fact="1.344"/>
+                <dgm:constr type="h" for="ch" forName="accent_1" refType="h" fact="0.3571"/>
+                <dgm:constr type="w" for="ch" forName="accent_1" refType="h" refFor="ch" refForName="accent_1" op="equ"/>
+                <dgm:constr type="ctrY" for="ch" forName="accent_1" refType="h" fact="0.2857"/>
+                <dgm:constr type="ctrX" for="ch" forName="accent_1" refType="h" fact="0.1891"/>
+                <dgm:constr type="l" for="ch" forName="text_1" refType="ctrX" refFor="ch" refForName="accent_1"/>
+                <dgm:constr type="r" for="ch" forName="text_1" refType="w"/>
+                <dgm:constr type="w" for="ch" forName="text_1" refType="h" refFor="ch" refForName="text_1" op="gte"/>
+                <dgm:constr type="h" for="ch" forName="text_1" refType="h" refFor="ch" refForName="accent_1" fact="0.8"/>
+                <dgm:constr type="ctrY" for="ch" forName="text_1" refType="ctrY" refFor="ch" refForName="accent_1"/>
+                <dgm:constr type="lMarg" for="ch" forName="text_1" refType="w" refFor="ch" refForName="accent_1" fact="1.8"/>
+                <dgm:constr type="h" for="ch" forName="accent_2" refType="h" fact="0.3571"/>
+                <dgm:constr type="w" for="ch" forName="accent_2" refType="h" refFor="ch" refForName="accent_2" op="equ"/>
+                <dgm:constr type="ctrY" for="ch" forName="accent_2" refType="h" fact="0.7143"/>
+                <dgm:constr type="ctrX" for="ch" forName="accent_2" refType="h" fact="0.1891"/>
+                <dgm:constr type="l" for="ch" forName="text_2" refType="ctrX" refFor="ch" refForName="accent_2"/>
+                <dgm:constr type="r" for="ch" forName="text_2" refType="w"/>
+                <dgm:constr type="w" for="ch" forName="text_2" refType="h" refFor="ch" refForName="text_2" op="gte"/>
+                <dgm:constr type="h" for="ch" forName="text_2" refType="h" refFor="ch" refForName="accent_2" fact="0.8"/>
+                <dgm:constr type="ctrY" for="ch" forName="text_2" refType="ctrY" refFor="ch" refForName="accent_2"/>
+                <dgm:constr type="lMarg" for="ch" forName="text_2" refType="w" refFor="ch" refForName="accent_2" fact="1.8"/>
+                <dgm:constr type="primFontSz" for="ch" ptType="node" op="equ" val="65"/>
+              </dgm:constrLst>
+            </dgm:if>
+            <dgm:if name="Name7" axis="ch" ptType="node" func="cnt" op="equ" val="3">
+              <dgm:constrLst>
+                <dgm:constr type="h" for="ch" forName="cycle" refType="h"/>
+                <dgm:constr type="w" for="ch" forName="cycle" refType="h" refFor="ch" refForName="cycle" fact="0.26"/>
+                <dgm:constr type="l" for="ch" forName="cycle"/>
+                <dgm:constr type="ctrY" for="ch" forName="cycle" refType="h" fact="0.5"/>
+                <dgm:constr type="diam" for="ch" forName="cycle" refType="h" fact="1.344"/>
+                <dgm:constr type="h" for="ch" forName="accent_1" refType="h" fact="0.25"/>
+                <dgm:constr type="w" for="ch" forName="accent_1" refType="h" refFor="ch" refForName="accent_1" op="equ"/>
+                <dgm:constr type="ctrY" for="ch" forName="accent_1" refType="h" fact="0.2"/>
+                <dgm:constr type="ctrX" for="ch" forName="accent_1" refType="h" fact="0.1526"/>
+                <dgm:constr type="l" for="ch" forName="text_1" refType="ctrX" refFor="ch" refForName="accent_1"/>
+                <dgm:constr type="r" for="ch" forName="text_1" refType="w"/>
+                <dgm:constr type="w" for="ch" forName="text_1" refType="h" refFor="ch" refForName="text_1" op="gte"/>
+                <dgm:constr type="h" for="ch" forName="text_1" refType="h" refFor="ch" refForName="accent_1" fact="0.8"/>
+                <dgm:constr type="ctrY" for="ch" forName="text_1" refType="ctrY" refFor="ch" refForName="accent_1"/>
+                <dgm:constr type="lMarg" for="ch" forName="text_1" refType="w" refFor="ch" refForName="accent_1" fact="1.8"/>
+                <dgm:constr type="h" for="ch" forName="accent_2" refType="h" fact="0.25"/>
+                <dgm:constr type="w" for="ch" forName="accent_2" refType="h" refFor="ch" refForName="accent_2" op="equ"/>
+                <dgm:constr type="ctrY" for="ch" forName="accent_2" refType="h" fact="0.5"/>
+                <dgm:constr type="ctrX" for="ch" forName="accent_2" refType="h" fact="0.2253"/>
+                <dgm:constr type="l" for="ch" forName="text_2" refType="ctrX" refFor="ch" refForName="accent_2"/>
+                <dgm:constr type="r" for="ch" forName="text_2" refType="w"/>
+                <dgm:constr type="w" for="ch" forName="text_2" refType="h" refFor="ch" refForName="text_2" op="gte"/>
+                <dgm:constr type="h" for="ch" forName="text_2" refType="h" refFor="ch" refForName="accent_2" fact="0.8"/>
+                <dgm:constr type="ctrY" for="ch" forName="text_2" refType="ctrY" refFor="ch" refForName="accent_2"/>
+                <dgm:constr type="lMarg" for="ch" forName="text_2" refType="w" refFor="ch" refForName="accent_2" fact="1.8"/>
+                <dgm:constr type="h" for="ch" forName="accent_3" refType="h" fact="0.25"/>
+                <dgm:constr type="w" for="ch" forName="accent_3" refType="h" refFor="ch" refForName="accent_3" op="equ"/>
+                <dgm:constr type="ctrY" for="ch" forName="accent_3" refType="h" fact="0.8"/>
+                <dgm:constr type="ctrX" for="ch" forName="accent_3" refType="h" fact="0.1526"/>
+                <dgm:constr type="l" for="ch" forName="text_3" refType="ctrX" refFor="ch" refForName="accent_3"/>
+                <dgm:constr type="r" for="ch" forName="text_3" refType="w"/>
+                <dgm:constr type="w" for="ch" forName="text_3" refType="h" refFor="ch" refForName="text_3" op="gte"/>
+                <dgm:constr type="h" for="ch" forName="text_3" refType="h" refFor="ch" refForName="accent_3" fact="0.8"/>
+                <dgm:constr type="ctrY" for="ch" forName="text_3" refType="ctrY" refFor="ch" refForName="accent_3"/>
+                <dgm:constr type="lMarg" for="ch" forName="text_3" refType="w" refFor="ch" refForName="accent_3" fact="1.8"/>
+                <dgm:constr type="primFontSz" for="ch" ptType="node" op="equ" val="65"/>
+              </dgm:constrLst>
+            </dgm:if>
+            <dgm:if name="Name8" axis="ch" ptType="node" func="cnt" op="equ" val="4">
+              <dgm:constrLst>
+                <dgm:constr type="h" for="ch" forName="cycle" refType="h"/>
+                <dgm:constr type="w" for="ch" forName="cycle" refType="h" refFor="ch" refForName="cycle" fact="0.26"/>
+                <dgm:constr type="l" for="ch" forName="cycle"/>
+                <dgm:constr type="ctrY" for="ch" forName="cycle" refType="h" fact="0.5"/>
+                <dgm:constr type="diam" for="ch" forName="cycle" refType="h" fact="1.344"/>
+                <dgm:constr type="h" for="ch" forName="accent_1" refType="h" fact="0.1923"/>
+                <dgm:constr type="w" for="ch" forName="accent_1" refType="h" refFor="ch" refForName="accent_1" op="equ"/>
+                <dgm:constr type="ctrY" for="ch" forName="accent_1" refType="h" fact="0.1538"/>
+                <dgm:constr type="ctrX" for="ch" forName="accent_1" refType="h" fact="0.1268"/>
+                <dgm:constr type="l" for="ch" forName="text_1" refType="ctrX" refFor="ch" refForName="accent_1"/>
+                <dgm:constr type="r" for="ch" forName="text_1" refType="w"/>
+                <dgm:constr type="w" for="ch" forName="text_1" refType="h" refFor="ch" refForName="text_1" op="gte"/>
+                <dgm:constr type="h" for="ch" forName="text_1" refType="h" refFor="ch" refForName="accent_1" fact="0.8"/>
+                <dgm:constr type="ctrY" for="ch" forName="text_1" refType="ctrY" refFor="ch" refForName="accent_1"/>
+                <dgm:constr type="lMarg" for="ch" forName="text_1" refType="w" refFor="ch" refForName="accent_1" fact="1.8"/>
+                <dgm:constr type="h" for="ch" forName="accent_2" refType="h" fact="0.1923"/>
+                <dgm:constr type="w" for="ch" forName="accent_2" refType="h" refFor="ch" refForName="accent_2" op="equ"/>
+                <dgm:constr type="ctrY" for="ch" forName="accent_2" refType="h" fact="0.3846"/>
+                <dgm:constr type="ctrX" for="ch" forName="accent_2" refType="h" fact="0.215"/>
+                <dgm:constr type="l" for="ch" forName="text_2" refType="ctrX" refFor="ch" refForName="accent_2"/>
+                <dgm:constr type="r" for="ch" forName="text_2" refType="w"/>
+                <dgm:constr type="w" for="ch" forName="text_2" refType="h" refFor="ch" refForName="text_2" op="gte"/>
+                <dgm:constr type="h" for="ch" forName="text_2" refType="h" refFor="ch" refForName="accent_2" fact="0.8"/>
+                <dgm:constr type="ctrY" for="ch" forName="text_2" refType="ctrY" refFor="ch" refForName="accent_2"/>
+                <dgm:constr type="lMarg" for="ch" forName="text_2" refType="w" refFor="ch" refForName="accent_2" fact="1.8"/>
+                <dgm:constr type="h" for="ch" forName="accent_3" refType="h" fact="0.1923"/>
+                <dgm:constr type="w" for="ch" forName="accent_3" refType="h" refFor="ch" refForName="accent_3" op="equ"/>
+                <dgm:constr type="ctrY" for="ch" forName="accent_3" refType="h" fact="0.6154"/>
+                <dgm:constr type="ctrX" for="ch" forName="accent_3" refType="h" fact="0.215"/>
+                <dgm:constr type="l" for="ch" forName="text_3" refType="ctrX" refFor="ch" refForName="accent_3"/>
+                <dgm:constr type="r" for="ch" forName="text_3" refType="w"/>
+                <dgm:constr type="w" for="ch" forName="text_3" refType="h" refFor="ch" refForName="text_3" op="gte"/>
+                <dgm:constr type="h" for="ch" forName="text_3" refType="h" refFor="ch" refForName="accent_3" fact="0.8"/>
+                <dgm:constr type="ctrY" for="ch" forName="text_3" refType="ctrY" refFor="ch" refForName="accent_3"/>
+                <dgm:constr type="lMarg" for="ch" forName="text_3" refType="w" refFor="ch" refForName="accent_3" fact="1.8"/>
+                <dgm:constr type="h" for="ch" forName="accent_4" refType="h" fact="0.1923"/>
+                <dgm:constr type="w" for="ch" forName="accent_4" refType="h" refFor="ch" refForName="accent_4" op="equ"/>
+                <dgm:constr type="ctrY" for="ch" forName="accent_4" refType="h" fact="0.8462"/>
+                <dgm:constr type="ctrX" for="ch" forName="accent_4" refType="h" fact="0.1268"/>
+                <dgm:constr type="l" for="ch" forName="text_4" refType="ctrX" refFor="ch" refForName="accent_4"/>
+                <dgm:constr type="r" for="ch" forName="text_4" refType="w"/>
+                <dgm:constr type="w" for="ch" forName="text_4" refType="h" refFor="ch" refForName="text_4" op="gte"/>
+                <dgm:constr type="h" for="ch" forName="text_4" refType="h" refFor="ch" refForName="accent_4" fact="0.8"/>
+                <dgm:constr type="ctrY" for="ch" forName="text_4" refType="ctrY" refFor="ch" refForName="accent_4"/>
+                <dgm:constr type="lMarg" for="ch" forName="text_4" refType="w" refFor="ch" refForName="accent_4" fact="1.8"/>
+                <dgm:constr type="primFontSz" for="ch" ptType="node" op="equ" val="65"/>
+              </dgm:constrLst>
+            </dgm:if>
+            <dgm:if name="Name9" axis="ch" ptType="node" func="cnt" op="equ" val="5">
+              <dgm:constrLst>
+                <dgm:constr type="h" for="ch" forName="cycle" refType="h"/>
+                <dgm:constr type="w" for="ch" forName="cycle" refType="h" refFor="ch" refForName="cycle" fact="0.26"/>
+                <dgm:constr type="l" for="ch" forName="cycle"/>
+                <dgm:constr type="ctrY" for="ch" forName="cycle" refType="h" fact="0.5"/>
+                <dgm:constr type="diam" for="ch" forName="cycle" refType="h" fact="1.344"/>
+                <dgm:constr type="h" for="ch" forName="accent_1" refType="h" fact="0.1563"/>
+                <dgm:constr type="w" for="ch" forName="accent_1" refType="h" refFor="ch" refForName="accent_1" op="equ"/>
+                <dgm:constr type="ctrY" for="ch" forName="accent_1" refType="h" fact="0.125"/>
+                <dgm:constr type="ctrX" for="ch" forName="accent_1" refType="h" fact="0.1082"/>
+                <dgm:constr type="l" for="ch" forName="text_1" refType="ctrX" refFor="ch" refForName="accent_1"/>
+                <dgm:constr type="r" for="ch" forName="text_1" refType="w"/>
+                <dgm:constr type="w" for="ch" forName="text_1" refType="h" refFor="ch" refForName="text_1" op="gte"/>
+                <dgm:constr type="h" for="ch" forName="text_1" refType="h" refFor="ch" refForName="accent_1" fact="0.8"/>
+                <dgm:constr type="ctrY" for="ch" forName="text_1" refType="ctrY" refFor="ch" refForName="accent_1"/>
+                <dgm:constr type="lMarg" for="ch" forName="text_1" refType="w" refFor="ch" refForName="accent_1" fact="1.8"/>
+                <dgm:constr type="h" for="ch" forName="accent_2" refType="h" fact="0.1563"/>
+                <dgm:constr type="w" for="ch" forName="accent_2" refType="h" refFor="ch" refForName="accent_2" op="equ"/>
+                <dgm:constr type="ctrY" for="ch" forName="accent_2" refType="h" fact="0.3125"/>
+                <dgm:constr type="ctrX" for="ch" forName="accent_2" refType="h" fact="0.1978"/>
+                <dgm:constr type="l" for="ch" forName="text_2" refType="ctrX" refFor="ch" refForName="accent_2"/>
+                <dgm:constr type="r" for="ch" forName="text_2" refType="w"/>
+                <dgm:constr type="w" for="ch" forName="text_2" refType="h" refFor="ch" refForName="text_2" op="gte"/>
+                <dgm:constr type="h" for="ch" forName="text_2" refType="h" refFor="ch" refForName="accent_2" fact="0.8"/>
+                <dgm:constr type="ctrY" for="ch" forName="text_2" refType="ctrY" refFor="ch" refForName="accent_2"/>
+                <dgm:constr type="lMarg" for="ch" forName="text_2" refType="w" refFor="ch" refForName="accent_2" fact="1.8"/>
+                <dgm:constr type="h" for="ch" forName="accent_3" refType="h" fact="0.1563"/>
+                <dgm:constr type="w" for="ch" forName="accent_3" refType="h" refFor="ch" refForName="accent_3" op="equ"/>
+                <dgm:constr type="ctrY" for="ch" forName="accent_3" refType="h" fact="0.5"/>
+                <dgm:constr type="ctrX" for="ch" forName="accent_3" refType="h" fact="0.2253"/>
+                <dgm:constr type="l" for="ch" forName="text_3" refType="ctrX" refFor="ch" refForName="accent_3"/>
+                <dgm:constr type="r" for="ch" forName="text_3" refType="w"/>
+                <dgm:constr type="w" for="ch" forName="text_3" refType="h" refFor="ch" refForName="text_3" op="gte"/>
+                <dgm:constr type="h" for="ch" forName="text_3" refType="h" refFor="ch" refForName="accent_3" fact="0.8"/>
+                <dgm:constr type="ctrY" for="ch" forName="text_3" refType="ctrY" refFor="ch" refForName="accent_3"/>
+                <dgm:constr type="lMarg" for="ch" forName="text_3" refType="w" refFor="ch" refForName="accent_3" fact="1.8"/>
+                <dgm:constr type="h" for="ch" forName="accent_4" refType="h" fact="0.1563"/>
+                <dgm:constr type="w" for="ch" forName="accent_4" refType="h" refFor="ch" refForName="accent_4" op="equ"/>
+                <dgm:constr type="ctrY" for="ch" forName="accent_4" refType="h" fact="0.6875"/>
+                <dgm:constr type="ctrX" for="ch" forName="accent_4" refType="h" fact="0.1978"/>
+                <dgm:constr type="l" for="ch" forName="text_4" refType="ctrX" refFor="ch" refForName="accent_4"/>
+                <dgm:constr type="r" for="ch" forName="text_4" refType="w"/>
+                <dgm:constr type="w" for="ch" forName="text_4" refType="h" refFor="ch" refForName="text_4" op="gte"/>
+                <dgm:constr type="h" for="ch" forName="text_4" refType="h" refFor="ch" refForName="accent_4" fact="0.8"/>
+                <dgm:constr type="ctrY" for="ch" forName="text_4" refType="ctrY" refFor="ch" refForName="accent_4"/>
+                <dgm:constr type="lMarg" for="ch" forName="text_4" refType="w" refFor="ch" refForName="accent_4" fact="1.8"/>
+                <dgm:constr type="h" for="ch" forName="accent_5" refType="h" fact="0.1563"/>
+                <dgm:constr type="w" for="ch" forName="accent_5" refType="h" refFor="ch" refForName="accent_5" op="equ"/>
+                <dgm:constr type="ctrY" for="ch" forName="accent_5" refType="h" fact="0.875"/>
+                <dgm:constr type="ctrX" for="ch" forName="accent_5" refType="h" fact="0.1082"/>
+                <dgm:constr type="l" for="ch" forName="text_5" refType="ctrX" refFor="ch" refForName="accent_5"/>
+                <dgm:constr type="r" for="ch" forName="text_5" refType="w"/>
+                <dgm:constr type="w" for="ch" forName="text_5" refType="h" refFor="ch" refForName="text_5" op="gte"/>
+                <dgm:constr type="h" for="ch" forName="text_5" refType="h" refFor="ch" refForName="accent_5" fact="0.8"/>
+                <dgm:constr type="ctrY" for="ch" forName="text_5" refType="ctrY" refFor="ch" refForName="accent_5"/>
+                <dgm:constr type="lMarg" for="ch" forName="text_5" refType="w" refFor="ch" refForName="accent_5" fact="1.8"/>
+                <dgm:constr type="primFontSz" for="ch" ptType="node" op="equ" val="65"/>
+              </dgm:constrLst>
+            </dgm:if>
+            <dgm:if name="Name10" axis="ch" ptType="node" func="cnt" op="equ" val="6">
+              <dgm:constrLst>
+                <dgm:constr type="h" for="ch" forName="cycle" refType="h"/>
+                <dgm:constr type="w" for="ch" forName="cycle" refType="h" refFor="ch" refForName="cycle" fact="0.26"/>
+                <dgm:constr type="l" for="ch" forName="cycle"/>
+                <dgm:constr type="ctrY" for="ch" forName="cycle" refType="h" fact="0.5"/>
+                <dgm:constr type="diam" for="ch" forName="cycle" refType="h" fact="1.344"/>
+                <dgm:constr type="h" for="ch" forName="accent_1" refType="h" fact="0.1316"/>
+                <dgm:constr type="w" for="ch" forName="accent_1" refType="h" refFor="ch" refForName="accent_1" op="equ"/>
+                <dgm:constr type="ctrY" for="ch" forName="accent_1" refType="h" fact="0.1053"/>
+                <dgm:constr type="ctrX" for="ch" forName="accent_1" refType="h" fact="0.0943"/>
+                <dgm:constr type="l" for="ch" forName="text_1" refType="ctrX" refFor="ch" refForName="accent_1"/>
+                <dgm:constr type="r" for="ch" forName="text_1" refType="w"/>
+                <dgm:constr type="w" for="ch" forName="text_1" refType="h" refFor="ch" refForName="text_1" op="gte"/>
+                <dgm:constr type="h" for="ch" forName="text_1" refType="h" refFor="ch" refForName="accent_1" fact="0.8"/>
+                <dgm:constr type="ctrY" for="ch" forName="text_1" refType="ctrY" refFor="ch" refForName="accent_1"/>
+                <dgm:constr type="lMarg" for="ch" forName="text_1" refType="w" refFor="ch" refForName="accent_1" fact="1.8"/>
+                <dgm:constr type="h" for="ch" forName="accent_2" refType="h" fact="0.1316"/>
+                <dgm:constr type="w" for="ch" forName="accent_2" refType="h" refFor="ch" refForName="accent_2" op="equ"/>
+                <dgm:constr type="ctrY" for="ch" forName="accent_2" refType="h" fact="0.2632"/>
+                <dgm:constr type="ctrX" for="ch" forName="accent_2" refType="h" fact="0.1809"/>
+                <dgm:constr type="l" for="ch" forName="text_2" refType="ctrX" refFor="ch" refForName="accent_2"/>
+                <dgm:constr type="r" for="ch" forName="text_2" refType="w"/>
+                <dgm:constr type="w" for="ch" forName="text_2" refType="h" refFor="ch" refForName="text_2" op="gte"/>
+                <dgm:constr type="h" for="ch" forName="text_2" refType="h" refFor="ch" refForName="accent_2" fact="0.8"/>
+                <dgm:constr type="ctrY" for="ch" forName="text_2" refType="ctrY" refFor="ch" refForName="accent_2"/>
+                <dgm:constr type="lMarg" for="ch" forName="text_2" refType="w" refFor="ch" refForName="accent_2" fact="1.8"/>
+                <dgm:constr type="h" for="ch" forName="accent_3" refType="h" fact="0.1316"/>
+                <dgm:constr type="w" for="ch" forName="accent_3" refType="h" refFor="ch" refForName="accent_3" op="equ"/>
+                <dgm:constr type="ctrY" for="ch" forName="accent_3" refType="h" fact="0.4211"/>
+                <dgm:constr type="ctrX" for="ch" forName="accent_3" refType="h" fact="0.2205"/>
+                <dgm:constr type="l" for="ch" forName="text_3" refType="ctrX" refFor="ch" refForName="accent_3"/>
+                <dgm:constr type="r" for="ch" forName="text_3" refType="w"/>
+                <dgm:constr type="w" for="ch" forName="text_3" refType="h" refFor="ch" refForName="text_3" op="gte"/>
+                <dgm:constr type="h" for="ch" forName="text_3" refType="h" refFor="ch" refForName="accent_3" fact="0.8"/>
+                <dgm:constr type="ctrY" for="ch" forName="text_3" refType="ctrY" refFor="ch" refForName="accent_3"/>
+                <dgm:constr type="lMarg" for="ch" forName="text_3" refType="w" refFor="ch" refForName="accent_3" fact="1.8"/>
+                <dgm:constr type="h" for="ch" forName="accent_4" refType="h" fact="0.1316"/>
+                <dgm:constr type="w" for="ch" forName="accent_4" refType="h" refFor="ch" refForName="accent_4" op="equ"/>
+                <dgm:constr type="ctrY" for="ch" forName="accent_4" refType="h" fact="0.5789"/>
+                <dgm:constr type="ctrX" for="ch" forName="accent_4" refType="h" fact="0.2205"/>
+                <dgm:constr type="l" for="ch" forName="text_4" refType="ctrX" refFor="ch" refForName="accent_4"/>
+                <dgm:constr type="r" for="ch" forName="text_4" refType="w"/>
+                <dgm:constr type="w" for="ch" forName="text_4" refType="h" refFor="ch" refForName="text_4" op="gte"/>
+                <dgm:constr type="h" for="ch" forName="text_4" refType="h" refFor="ch" refForName="accent_4" fact="0.8"/>
+                <dgm:constr type="ctrY" for="ch" forName="text_4" refType="ctrY" refFor="ch" refForName="accent_4"/>
+                <dgm:constr type="lMarg" for="ch" forName="text_4" refType="w" refFor="ch" refForName="accent_4" fact="1.8"/>
+                <dgm:constr type="h" for="ch" forName="accent_5" refType="h" fact="0.1316"/>
+                <dgm:constr type="w" for="ch" forName="accent_5" refType="h" refFor="ch" refForName="accent_5" op="equ"/>
+                <dgm:constr type="ctrY" for="ch" forName="accent_5" refType="h" fact="0.7368"/>
+                <dgm:constr type="ctrX" for="ch" forName="accent_5" refType="h" fact="0.1809"/>
+                <dgm:constr type="l" for="ch" forName="text_5" refType="ctrX" refFor="ch" refForName="accent_5"/>
+                <dgm:constr type="r" for="ch" forName="text_5" refType="w"/>
+                <dgm:constr type="w" for="ch" forName="text_5" refType="h" refFor="ch" refForName="text_5" op="gte"/>
+                <dgm:constr type="h" for="ch" forName="text_5" refType="h" refFor="ch" refForName="accent_5" fact="0.8"/>
+                <dgm:constr type="ctrY" for="ch" forName="text_5" refType="ctrY" refFor="ch" refForName="accent_5"/>
+                <dgm:constr type="lMarg" for="ch" forName="text_5" refType="w" refFor="ch" refForName="accent_5" fact="1.8"/>
+                <dgm:constr type="h" for="ch" forName="accent_6" refType="h" fact="0.1316"/>
+                <dgm:constr type="w" for="ch" forName="accent_6" refType="h" refFor="ch" refForName="accent_6" op="equ"/>
+                <dgm:constr type="ctrY" for="ch" forName="accent_6" refType="h" fact="0.8947"/>
+                <dgm:constr type="ctrX" for="ch" forName="accent_6" refType="h" fact="0.0943"/>
+                <dgm:constr type="l" for="ch" forName="text_6" refType="ctrX" refFor="ch" refForName="accent_6"/>
+                <dgm:constr type="r" for="ch" forName="text_6" refType="w"/>
+                <dgm:constr type="w" for="ch" forName="text_6" refType="h" refFor="ch" refForName="text_6" op="gte"/>
+                <dgm:constr type="h" for="ch" forName="text_6" refType="h" refFor="ch" refForName="accent_6" fact="0.8"/>
+                <dgm:constr type="ctrY" for="ch" forName="text_6" refType="ctrY" refFor="ch" refForName="accent_6"/>
+                <dgm:constr type="lMarg" for="ch" forName="text_6" refType="w" refFor="ch" refForName="accent_6" fact="1.8"/>
+                <dgm:constr type="primFontSz" for="ch" ptType="node" op="equ" val="65"/>
+              </dgm:constrLst>
+            </dgm:if>
+            <dgm:else name="Name11">
+              <dgm:constrLst>
+                <dgm:constr type="h" for="ch" forName="cycle" refType="h"/>
+                <dgm:constr type="w" for="ch" forName="cycle" refType="h" refFor="ch" refForName="cycle" fact="0.26"/>
+                <dgm:constr type="l" for="ch" forName="cycle"/>
+                <dgm:constr type="ctrY" for="ch" forName="cycle" refType="h" fact="0.5"/>
+                <dgm:constr type="diam" for="ch" forName="cycle" refType="h" fact="1.344"/>
+                <dgm:constr type="h" for="ch" forName="accent_1" refType="h" fact="0.1136"/>
+                <dgm:constr type="w" for="ch" forName="accent_1" refType="h" refFor="ch" refForName="accent_1" op="equ"/>
+                <dgm:constr type="ctrY" for="ch" forName="accent_1" refType="h" fact="0.0909"/>
+                <dgm:constr type="ctrX" for="ch" forName="accent_1" refType="h" fact="0.0835"/>
+                <dgm:constr type="l" for="ch" forName="text_1" refType="ctrX" refFor="ch" refForName="accent_1"/>
+                <dgm:constr type="r" for="ch" forName="text_1" refType="w"/>
+                <dgm:constr type="w" for="ch" forName="text_1" refType="h" refFor="ch" refForName="text_1" op="gte"/>
+                <dgm:constr type="h" for="ch" forName="text_1" refType="h" refFor="ch" refForName="accent_1" fact="0.8"/>
+                <dgm:constr type="ctrY" for="ch" forName="text_1" refType="ctrY" refFor="ch" refForName="accent_1"/>
+                <dgm:constr type="lMarg" for="ch" forName="text_1" refType="w" refFor="ch" refForName="accent_1" fact="1.8"/>
+                <dgm:constr type="h" for="ch" forName="accent_2" refType="h" fact="0.1136"/>
+                <dgm:constr type="w" for="ch" forName="accent_2" refType="h" refFor="ch" refForName="accent_2" op="equ"/>
+                <dgm:constr type="ctrY" for="ch" forName="accent_2" refType="h" fact="0.2273"/>
+                <dgm:constr type="ctrX" for="ch" forName="accent_2" refType="h" fact="0.1658"/>
+                <dgm:constr type="l" for="ch" forName="text_2" refType="ctrX" refFor="ch" refForName="accent_2"/>
+                <dgm:constr type="r" for="ch" forName="text_2" refType="w"/>
+                <dgm:constr type="w" for="ch" forName="text_2" refType="h" refFor="ch" refForName="text_2" op="gte"/>
+                <dgm:constr type="h" for="ch" forName="text_2" refType="h" refFor="ch" refForName="accent_2" fact="0.8"/>
+                <dgm:constr type="ctrY" for="ch" forName="text_2" refType="ctrY" refFor="ch" refForName="accent_2"/>
+                <dgm:constr type="lMarg" for="ch" forName="text_2" refType="w" refFor="ch" refForName="accent_2" fact="1.8"/>
+                <dgm:constr type="h" for="ch" forName="accent_3" refType="h" fact="0.1136"/>
+                <dgm:constr type="w" for="ch" forName="accent_3" refType="h" refFor="ch" refForName="accent_3" op="equ"/>
+                <dgm:constr type="ctrY" for="ch" forName="accent_3" refType="h" fact="0.3636"/>
+                <dgm:constr type="ctrX" for="ch" forName="accent_3" refType="h" fact="0.2109"/>
+                <dgm:constr type="l" for="ch" forName="text_3" refType="ctrX" refFor="ch" refForName="accent_3"/>
+                <dgm:constr type="r" for="ch" forName="text_3" refType="w"/>
+                <dgm:constr type="w" for="ch" forName="text_3" refType="h" refFor="ch" refForName="text_3" op="gte"/>
+                <dgm:constr type="h" for="ch" forName="text_3" refType="h" refFor="ch" refForName="accent_3" fact="0.8"/>
+                <dgm:constr type="ctrY" for="ch" forName="text_3" refType="ctrY" refFor="ch" refForName="accent_3"/>
+                <dgm:constr type="lMarg" for="ch" forName="text_3" refType="w" refFor="ch" refForName="accent_3" fact="1.8"/>
+                <dgm:constr type="h" for="ch" forName="accent_4" refType="h" fact="0.1136"/>
+                <dgm:constr type="w" for="ch" forName="accent_4" refType="h" refFor="ch" refForName="accent_4" op="equ"/>
+                <dgm:constr type="ctrY" for="ch" forName="accent_4" refType="h" fact="0.5"/>
+                <dgm:constr type="ctrX" for="ch" forName="accent_4" refType="h" fact="0.2253"/>
+                <dgm:constr type="l" for="ch" forName="text_4" refType="ctrX" refFor="ch" refForName="accent_4"/>
+                <dgm:constr type="r" for="ch" forName="text_4" refType="w"/>
+                <dgm:constr type="w" for="ch" forName="text_4" refType="h" refFor="ch" refForName="text_4" op="gte"/>
+                <dgm:constr type="h" for="ch" forName="text_4" refType="h" refFor="ch" refForName="accent_4" fact="0.8"/>
+                <dgm:constr type="ctrY" for="ch" forName="text_4" refType="ctrY" refFor="ch" refForName="accent_4"/>
+                <dgm:constr type="lMarg" for="ch" forName="text_4" refType="w" refFor="ch" refForName="accent_4" fact="1.8"/>
+                <dgm:constr type="h" for="ch" forName="accent_5" refType="h" fact="0.1136"/>
+                <dgm:constr type="w" for="ch" forName="accent_5" refType="h" refFor="ch" refForName="accent_5" op="equ"/>
+                <dgm:constr type="ctrY" for="ch" forName="accent_5" refType="h" fact="0.6364"/>
+                <dgm:constr type="ctrX" for="ch" forName="accent_5" refType="h" fact="0.2109"/>
+                <dgm:constr type="l" for="ch" forName="text_5" refType="ctrX" refFor="ch" refForName="accent_5"/>
+                <dgm:constr type="r" for="ch" forName="text_5" refType="w"/>
+                <dgm:constr type="w" for="ch" forName="text_5" refType="h" refFor="ch" refForName="text_5" op="gte"/>
+                <dgm:constr type="h" for="ch" forName="text_5" refType="h" refFor="ch" refForName="accent_5" fact="0.8"/>
+                <dgm:constr type="ctrY" for="ch" forName="text_5" refType="ctrY" refFor="ch" refForName="accent_5"/>
+                <dgm:constr type="lMarg" for="ch" forName="text_5" refType="w" refFor="ch" refForName="accent_5" fact="1.8"/>
+                <dgm:constr type="h" for="ch" forName="accent_6" refType="h" fact="0.1136"/>
+                <dgm:constr type="w" for="ch" forName="accent_6" refType="h" refFor="ch" refForName="accent_6" op="equ"/>
+                <dgm:constr type="ctrY" for="ch" forName="accent_6" refType="h" fact="0.7727"/>
+                <dgm:constr type="ctrX" for="ch" forName="accent_6" refType="h" fact="0.1658"/>
+                <dgm:constr type="l" for="ch" forName="text_6" refType="ctrX" refFor="ch" refForName="accent_6"/>
+                <dgm:constr type="r" for="ch" forName="text_6" refType="w"/>
+                <dgm:constr type="w" for="ch" forName="text_6" refType="h" refFor="ch" refForName="text_6" op="gte"/>
+                <dgm:constr type="h" for="ch" forName="text_6" refType="h" refFor="ch" refForName="accent_6" fact="0.8"/>
+                <dgm:constr type="ctrY" for="ch" forName="text_6" refType="ctrY" refFor="ch" refForName="accent_6"/>
+                <dgm:constr type="lMarg" for="ch" forName="text_6" refType="w" refFor="ch" refForName="accent_6" fact="1.8"/>
+                <dgm:constr type="h" for="ch" forName="accent_7" refType="h" fact="0.1136"/>
+                <dgm:constr type="w" for="ch" forName="accent_7" refType="h" refFor="ch" refForName="accent_7" op="equ"/>
+                <dgm:constr type="ctrY" for="ch" forName="accent_7" refType="h" fact="0.9091"/>
+                <dgm:constr type="ctrX" for="ch" forName="accent_7" refType="h" fact="0.0835"/>
+                <dgm:constr type="l" for="ch" forName="text_7" refType="ctrX" refFor="ch" refForName="accent_7"/>
+                <dgm:constr type="r" for="ch" forName="text_7" refType="w"/>
+                <dgm:constr type="w" for="ch" forName="text_7" refType="h" refFor="ch" refForName="text_7" op="gte"/>
+                <dgm:constr type="h" for="ch" forName="text_7" refType="h" refFor="ch" refForName="accent_7" fact="0.8"/>
+                <dgm:constr type="ctrY" for="ch" forName="text_7" refType="ctrY" refFor="ch" refForName="accent_7"/>
+                <dgm:constr type="lMarg" for="ch" forName="text_7" refType="w" refFor="ch" refForName="accent_7" fact="1.8"/>
+                <dgm:constr type="primFontSz" for="ch" ptType="node" op="equ" val="65"/>
+              </dgm:constrLst>
+            </dgm:else>
+          </dgm:choose>
+        </dgm:if>
+        <dgm:else name="Name12">
+          <dgm:choose name="Name13">
+            <dgm:if name="Name14" axis="ch" ptType="node" func="cnt" op="equ" val="1">
+              <dgm:constrLst>
+                <dgm:constr type="h" for="ch" forName="cycle" refType="h"/>
+                <dgm:constr type="w" for="ch" forName="cycle" refType="h" refFor="ch" refForName="cycle" fact="0.26"/>
+                <dgm:constr type="r" for="ch" forName="cycle" refType="w"/>
+                <dgm:constr type="ctrY" for="ch" forName="cycle" refType="h" fact="0.5"/>
+                <dgm:constr type="diam" for="ch" forName="cycle" refType="h" fact="1.344"/>
+                <dgm:constr type="h" for="ch" forName="accent_1" refType="h" fact="0.625"/>
+                <dgm:constr type="w" for="ch" forName="accent_1" refType="h" refFor="ch" refForName="accent_1" op="equ"/>
+                <dgm:constr type="ctrY" for="ch" forName="accent_1" refType="h" fact="0.5"/>
+                <dgm:constr type="ctrX" for="ch" forName="accent_1" refType="w"/>
+                <dgm:constr type="ctrXOff" for="ch" forName="accent_1" refType="h" fact="-0.2253"/>
+                <dgm:constr type="r" for="ch" forName="text_1" refType="ctrX" refFor="ch" refForName="accent_1"/>
+                <dgm:constr type="rOff" for="ch" forName="text_1" refType="ctrXOff" refFor="ch" refForName="accent_1"/>
+                <dgm:constr type="l" for="ch" forName="text_1"/>
+                <dgm:constr type="w" for="ch" forName="text_1" refType="h" refFor="ch" refForName="text_1" op="gte"/>
+                <dgm:constr type="h" for="ch" forName="text_1" refType="h" refFor="ch" refForName="accent_1" fact="0.8"/>
+                <dgm:constr type="ctrY" for="ch" forName="text_1" refType="ctrY" refFor="ch" refForName="accent_1"/>
+                <dgm:constr type="rMarg" for="ch" forName="text_1" refType="w" refFor="ch" refForName="accent_1" fact="1.8"/>
+                <dgm:constr type="primFontSz" for="ch" ptType="node" op="equ" val="65"/>
+              </dgm:constrLst>
+            </dgm:if>
+            <dgm:if name="Name15" axis="ch" ptType="node" func="cnt" op="equ" val="2">
+              <dgm:constrLst>
+                <dgm:constr type="h" for="ch" forName="cycle" refType="h"/>
+                <dgm:constr type="w" for="ch" forName="cycle" refType="h" refFor="ch" refForName="cycle" fact="0.26"/>
+                <dgm:constr type="r" for="ch" forName="cycle" refType="w"/>
+                <dgm:constr type="ctrY" for="ch" forName="cycle" refType="h" fact="0.5"/>
+                <dgm:constr type="diam" for="ch" forName="cycle" refType="h" fact="1.344"/>
+                <dgm:constr type="h" for="ch" forName="accent_1" refType="h" fact="0.3571"/>
+                <dgm:constr type="w" for="ch" forName="accent_1" refType="h" refFor="ch" refForName="accent_1" op="equ"/>
+                <dgm:constr type="ctrY" for="ch" forName="accent_1" refType="h" fact="0.2857"/>
+                <dgm:constr type="ctrX" for="ch" forName="accent_1" refType="w"/>
+                <dgm:constr type="ctrXOff" for="ch" forName="accent_1" refType="h" fact="-0.1891"/>
+                <dgm:constr type="r" for="ch" forName="text_1" refType="ctrX" refFor="ch" refForName="accent_1"/>
+                <dgm:constr type="rOff" for="ch" forName="text_1" refType="ctrXOff" refFor="ch" refForName="accent_1"/>
+                <dgm:constr type="l" for="ch" forName="text_1"/>
+                <dgm:constr type="w" for="ch" forName="text_1" refType="h" refFor="ch" refForName="text_1" op="gte"/>
+                <dgm:constr type="h" for="ch" forName="text_1" refType="h" refFor="ch" refForName="accent_1" fact="0.8"/>
+                <dgm:constr type="ctrY" for="ch" forName="text_1" refType="ctrY" refFor="ch" refForName="accent_1"/>
+                <dgm:constr type="rMarg" for="ch" forName="text_1" refType="w" refFor="ch" refForName="accent_1" fact="1.8"/>
+                <dgm:constr type="h" for="ch" forName="accent_2" refType="h" fact="0.3571"/>
+                <dgm:constr type="w" for="ch" forName="accent_2" refType="h" refFor="ch" refForName="accent_2" op="equ"/>
+                <dgm:constr type="ctrY" for="ch" forName="accent_2" refType="h" fact="0.7143"/>
+                <dgm:constr type="ctrX" for="ch" forName="accent_2" refType="w"/>
+                <dgm:constr type="ctrXOff" for="ch" forName="accent_2" refType="h" fact="-0.1891"/>
+                <dgm:constr type="r" for="ch" forName="text_2" refType="ctrX" refFor="ch" refForName="accent_2"/>
+                <dgm:constr type="rOff" for="ch" forName="text_2" refType="ctrXOff" refFor="ch" refForName="accent_2"/>
+                <dgm:constr type="l" for="ch" forName="text_2"/>
+                <dgm:constr type="w" for="ch" forName="text_2" refType="h" refFor="ch" refForName="text_2" op="gte"/>
+                <dgm:constr type="h" for="ch" forName="text_2" refType="h" refFor="ch" refForName="accent_2" fact="0.8"/>
+                <dgm:constr type="ctrY" for="ch" forName="text_2" refType="ctrY" refFor="ch" refForName="accent_2"/>
+                <dgm:constr type="rMarg" for="ch" forName="text_2" refType="w" refFor="ch" refForName="accent_2" fact="1.8"/>
+                <dgm:constr type="primFontSz" for="ch" ptType="node" op="equ" val="65"/>
+              </dgm:constrLst>
+            </dgm:if>
+            <dgm:if name="Name16" axis="ch" ptType="node" func="cnt" op="equ" val="3">
+              <dgm:constrLst>
+                <dgm:constr type="h" for="ch" forName="cycle" refType="h"/>
+                <dgm:constr type="w" for="ch" forName="cycle" refType="h" refFor="ch" refForName="cycle" fact="0.26"/>
+                <dgm:constr type="r" for="ch" forName="cycle" refType="w"/>
+                <dgm:constr type="ctrY" for="ch" forName="cycle" refType="h" fact="0.5"/>
+                <dgm:constr type="diam" for="ch" forName="cycle" refType="h" fact="1.344"/>
+                <dgm:constr type="h" for="ch" forName="accent_1" refType="h" fact="0.25"/>
+                <dgm:constr type="w" for="ch" forName="accent_1" refType="h" refFor="ch" refForName="accent_1" op="equ"/>
+                <dgm:constr type="ctrY" for="ch" forName="accent_1" refType="h" fact="0.2"/>
+                <dgm:constr type="ctrX" for="ch" forName="accent_1" refType="w"/>
+                <dgm:constr type="ctrXOff" for="ch" forName="accent_1" refType="h" fact="-0.1526"/>
+                <dgm:constr type="r" for="ch" forName="text_1" refType="ctrX" refFor="ch" refForName="accent_1"/>
+                <dgm:constr type="rOff" for="ch" forName="text_1" refType="ctrXOff" refFor="ch" refForName="accent_1"/>
+                <dgm:constr type="l" for="ch" forName="text_1"/>
+                <dgm:constr type="w" for="ch" forName="text_1" refType="h" refFor="ch" refForName="text_1" op="gte"/>
+                <dgm:constr type="h" for="ch" forName="text_1" refType="h" refFor="ch" refForName="accent_1" fact="0.8"/>
+                <dgm:constr type="ctrY" for="ch" forName="text_1" refType="ctrY" refFor="ch" refForName="accent_1"/>
+                <dgm:constr type="rMarg" for="ch" forName="text_1" refType="w" refFor="ch" refForName="accent_1" fact="1.8"/>
+                <dgm:constr type="h" for="ch" forName="accent_2" refType="h" fact="0.25"/>
+                <dgm:constr type="w" for="ch" forName="accent_2" refType="h" refFor="ch" refForName="accent_2" op="equ"/>
+                <dgm:constr type="ctrY" for="ch" forName="accent_2" refType="h" fact="0.5"/>
+                <dgm:constr type="ctrX" for="ch" forName="accent_2" refType="w"/>
+                <dgm:constr type="ctrXOff" for="ch" forName="accent_2" refType="h" fact="-0.2253"/>
+                <dgm:constr type="r" for="ch" forName="text_2" refType="ctrX" refFor="ch" refForName="accent_2"/>
+                <dgm:constr type="rOff" for="ch" forName="text_2" refType="ctrXOff" refFor="ch" refForName="accent_2"/>
+                <dgm:constr type="l" for="ch" forName="text_2"/>
+                <dgm:constr type="w" for="ch" forName="text_2" refType="h" refFor="ch" refForName="text_2" op="gte"/>
+                <dgm:constr type="h" for="ch" forName="text_2" refType="h" refFor="ch" refForName="accent_2" fact="0.8"/>
+                <dgm:constr type="ctrY" for="ch" forName="text_2" refType="ctrY" refFor="ch" refForName="accent_2"/>
+                <dgm:constr type="rMarg" for="ch" forName="text_2" refType="w" refFor="ch" refForName="accent_2" fact="1.8"/>
+                <dgm:constr type="h" for="ch" forName="accent_3" refType="h" fact="0.25"/>
+                <dgm:constr type="w" for="ch" forName="accent_3" refType="h" refFor="ch" refForName="accent_3" op="equ"/>
+                <dgm:constr type="ctrY" for="ch" forName="accent_3" refType="h" fact="0.8"/>
+                <dgm:constr type="ctrX" for="ch" forName="accent_3" refType="w"/>
+                <dgm:constr type="ctrXOff" for="ch" forName="accent_3" refType="h" fact="-0.1526"/>
+                <dgm:constr type="r" for="ch" forName="text_3" refType="ctrX" refFor="ch" refForName="accent_3"/>
+                <dgm:constr type="rOff" for="ch" forName="text_3" refType="ctrXOff" refFor="ch" refForName="accent_3"/>
+                <dgm:constr type="l" for="ch" forName="text_3"/>
+                <dgm:constr type="w" for="ch" forName="text_3" refType="h" refFor="ch" refForName="text_3" op="gte"/>
+                <dgm:constr type="h" for="ch" forName="text_3" refType="h" refFor="ch" refForName="accent_3" fact="0.8"/>
+                <dgm:constr type="ctrY" for="ch" forName="text_3" refType="ctrY" refFor="ch" refForName="accent_3"/>
+                <dgm:constr type="rMarg" for="ch" forName="text_3" refType="w" refFor="ch" refForName="accent_3" fact="1.8"/>
+                <dgm:constr type="primFontSz" for="ch" ptType="node" op="equ" val="65"/>
+              </dgm:constrLst>
+            </dgm:if>
+            <dgm:if name="Name17" axis="ch" ptType="node" func="cnt" op="equ" val="4">
+              <dgm:constrLst>
+                <dgm:constr type="h" for="ch" forName="cycle" refType="h"/>
+                <dgm:constr type="w" for="ch" forName="cycle" refType="h" refFor="ch" refForName="cycle" fact="0.26"/>
+                <dgm:constr type="r" for="ch" forName="cycle" refType="w"/>
+                <dgm:constr type="ctrY" for="ch" forName="cycle" refType="h" fact="0.5"/>
+                <dgm:constr type="diam" for="ch" forName="cycle" refType="h" fact="1.344"/>
+                <dgm:constr type="h" for="ch" forName="accent_1" refType="h" fact="0.1923"/>
+                <dgm:constr type="w" for="ch" forName="accent_1" refType="h" refFor="ch" refForName="accent_1" op="equ"/>
+                <dgm:constr type="ctrY" for="ch" forName="accent_1" refType="h" fact="0.1538"/>
+                <dgm:constr type="ctrX" for="ch" forName="accent_1" refType="w"/>
+                <dgm:constr type="ctrXOff" for="ch" forName="accent_1" refType="h" fact="-0.1268"/>
+                <dgm:constr type="r" for="ch" forName="text_1" refType="ctrX" refFor="ch" refForName="accent_1"/>
+                <dgm:constr type="rOff" for="ch" forName="text_1" refType="ctrXOff" refFor="ch" refForName="accent_1"/>
+                <dgm:constr type="l" for="ch" forName="text_1"/>
+                <dgm:constr type="w" for="ch" forName="text_1" refType="h" refFor="ch" refForName="text_1" op="gte"/>
+                <dgm:constr type="h" for="ch" forName="text_1" refType="h" refFor="ch" refForName="accent_1" fact="0.8"/>
+                <dgm:constr type="ctrY" for="ch" forName="text_1" refType="ctrY" refFor="ch" refForName="accent_1"/>
+                <dgm:constr type="rMarg" for="ch" forName="text_1" refType="w" refFor="ch" refForName="accent_1" fact="1.8"/>
+                <dgm:constr type="h" for="ch" forName="accent_2" refType="h" fact="0.1923"/>
+                <dgm:constr type="w" for="ch" forName="accent_2" refType="h" refFor="ch" refForName="accent_2" op="equ"/>
+                <dgm:constr type="ctrY" for="ch" forName="accent_2" refType="h" fact="0.3846"/>
+                <dgm:constr type="ctrX" for="ch" forName="accent_2" refType="w"/>
+                <dgm:constr type="ctrXOff" for="ch" forName="accent_2" refType="h" fact="-0.215"/>
+                <dgm:constr type="r" for="ch" forName="text_2" refType="ctrX" refFor="ch" refForName="accent_2"/>
+                <dgm:constr type="rOff" for="ch" forName="text_2" refType="ctrXOff" refFor="ch" refForName="accent_2"/>
+                <dgm:constr type="l" for="ch" forName="text_2"/>
+                <dgm:constr type="w" for="ch" forName="text_2" refType="h" refFor="ch" refForName="text_2" op="gte"/>
+                <dgm:constr type="h" for="ch" forName="text_2" refType="h" refFor="ch" refForName="accent_2" fact="0.8"/>
+                <dgm:constr type="ctrY" for="ch" forName="text_2" refType="ctrY" refFor="ch" refForName="accent_2"/>
+                <dgm:constr type="rMarg" for="ch" forName="text_2" refType="w" refFor="ch" refForName="accent_2" fact="1.8"/>
+                <dgm:constr type="h" for="ch" forName="accent_3" refType="h" fact="0.1923"/>
+                <dgm:constr type="w" for="ch" forName="accent_3" refType="h" refFor="ch" refForName="accent_3" op="equ"/>
+                <dgm:constr type="ctrY" for="ch" forName="accent_3" refType="h" fact="0.6154"/>
+                <dgm:constr type="ctrX" for="ch" forName="accent_3" refType="w"/>
+                <dgm:constr type="ctrXOff" for="ch" forName="accent_3" refType="h" fact="-0.215"/>
+                <dgm:constr type="r" for="ch" forName="text_3" refType="ctrX" refFor="ch" refForName="accent_3"/>
+                <dgm:constr type="rOff" for="ch" forName="text_3" refType="ctrXOff" refFor="ch" refForName="accent_3"/>
+                <dgm:constr type="l" for="ch" forName="text_3"/>
+                <dgm:constr type="w" for="ch" forName="text_3" refType="h" refFor="ch" refForName="text_3" op="gte"/>
+                <dgm:constr type="h" for="ch" forName="text_3" refType="h" refFor="ch" refForName="accent_3" fact="0.8"/>
+                <dgm:constr type="ctrY" for="ch" forName="text_3" refType="ctrY" refFor="ch" refForName="accent_3"/>
+                <dgm:constr type="rMarg" for="ch" forName="text_3" refType="w" refFor="ch" refForName="accent_3" fact="1.8"/>
+                <dgm:constr type="h" for="ch" forName="accent_4" refType="h" fact="0.1923"/>
+                <dgm:constr type="w" for="ch" forName="accent_4" refType="h" refFor="ch" refForName="accent_4" op="equ"/>
+                <dgm:constr type="ctrY" for="ch" forName="accent_4" refType="h" fact="0.8462"/>
+                <dgm:constr type="ctrX" for="ch" forName="accent_4" refType="w"/>
+                <dgm:constr type="ctrXOff" for="ch" forName="accent_4" refType="h" fact="-0.1268"/>
+                <dgm:constr type="r" for="ch" forName="text_4" refType="ctrX" refFor="ch" refForName="accent_4"/>
+                <dgm:constr type="rOff" for="ch" forName="text_4" refType="ctrXOff" refFor="ch" refForName="accent_4"/>
+                <dgm:constr type="l" for="ch" forName="text_4"/>
+                <dgm:constr type="w" for="ch" forName="text_4" refType="h" refFor="ch" refForName="text_4" op="gte"/>
+                <dgm:constr type="h" for="ch" forName="text_4" refType="h" refFor="ch" refForName="accent_4" fact="0.8"/>
+                <dgm:constr type="ctrY" for="ch" forName="text_4" refType="ctrY" refFor="ch" refForName="accent_4"/>
+                <dgm:constr type="rMarg" for="ch" forName="text_4" refType="w" refFor="ch" refForName="accent_4" fact="1.8"/>
+                <dgm:constr type="primFontSz" for="ch" ptType="node" op="equ" val="65"/>
+              </dgm:constrLst>
+            </dgm:if>
+            <dgm:if name="Name18" axis="ch" ptType="node" func="cnt" op="equ" val="5">
+              <dgm:constrLst>
+                <dgm:constr type="h" for="ch" forName="cycle" refType="h"/>
+                <dgm:constr type="w" for="ch" forName="cycle" refType="h" refFor="ch" refForName="cycle" fact="0.26"/>
+                <dgm:constr type="r" for="ch" forName="cycle" refType="w"/>
+                <dgm:constr type="ctrY" for="ch" forName="cycle" refType="h" fact="0.5"/>
+                <dgm:constr type="diam" for="ch" forName="cycle" refType="h" fact="1.344"/>
+                <dgm:constr type="h" for="ch" forName="accent_1" refType="h" fact="0.1563"/>
+                <dgm:constr type="w" for="ch" forName="accent_1" refType="h" refFor="ch" refForName="accent_1" op="equ"/>
+                <dgm:constr type="ctrY" for="ch" forName="accent_1" refType="h" fact="0.125"/>
+                <dgm:constr type="ctrX" for="ch" forName="accent_1" refType="w"/>
+                <dgm:constr type="ctrXOff" for="ch" forName="accent_1" refType="h" fact="-0.1082"/>
+                <dgm:constr type="r" for="ch" forName="text_1" refType="ctrX" refFor="ch" refForName="accent_1"/>
+                <dgm:constr type="rOff" for="ch" forName="text_1" refType="ctrXOff" refFor="ch" refForName="accent_1"/>
+                <dgm:constr type="l" for="ch" forName="text_1"/>
+                <dgm:constr type="w" for="ch" forName="text_1" refType="h" refFor="ch" refForName="text_1" op="gte"/>
+                <dgm:constr type="h" for="ch" forName="text_1" refType="h" refFor="ch" refForName="accent_1" fact="0.8"/>
+                <dgm:constr type="ctrY" for="ch" forName="text_1" refType="ctrY" refFor="ch" refForName="accent_1"/>
+                <dgm:constr type="rMarg" for="ch" forName="text_1" refType="w" refFor="ch" refForName="accent_1" fact="1.8"/>
+                <dgm:constr type="h" for="ch" forName="accent_2" refType="h" fact="0.1563"/>
+                <dgm:constr type="w" for="ch" forName="accent_2" refType="h" refFor="ch" refForName="accent_2" op="equ"/>
+                <dgm:constr type="ctrY" for="ch" forName="accent_2" refType="h" fact="0.3125"/>
+                <dgm:constr type="ctrX" for="ch" forName="accent_2" refType="w"/>
+                <dgm:constr type="ctrXOff" for="ch" forName="accent_2" refType="h" fact="-0.1978"/>
+                <dgm:constr type="r" for="ch" forName="text_2" refType="ctrX" refFor="ch" refForName="accent_2"/>
+                <dgm:constr type="rOff" for="ch" forName="text_2" refType="ctrXOff" refFor="ch" refForName="accent_2"/>
+                <dgm:constr type="l" for="ch" forName="text_2"/>
+                <dgm:constr type="w" for="ch" forName="text_2" refType="h" refFor="ch" refForName="text_2" op="gte"/>
+                <dgm:constr type="h" for="ch" forName="text_2" refType="h" refFor="ch" refForName="accent_2" fact="0.8"/>
+                <dgm:constr type="ctrY" for="ch" forName="text_2" refType="ctrY" refFor="ch" refForName="accent_2"/>
+                <dgm:constr type="rMarg" for="ch" forName="text_2" refType="w" refFor="ch" refForName="accent_2" fact="1.8"/>
+                <dgm:constr type="h" for="ch" forName="accent_3" refType="h" fact="0.1563"/>
+                <dgm:constr type="w" for="ch" forName="accent_3" refType="h" refFor="ch" refForName="accent_3" op="equ"/>
+                <dgm:constr type="ctrY" for="ch" forName="accent_3" refType="h" fact="0.5"/>
+                <dgm:constr type="ctrX" for="ch" forName="accent_3" refType="w"/>
+                <dgm:constr type="ctrXOff" for="ch" forName="accent_3" refType="h" fact="-0.2253"/>
+                <dgm:constr type="r" for="ch" forName="text_3" refType="ctrX" refFor="ch" refForName="accent_3"/>
+                <dgm:constr type="rOff" for="ch" forName="text_3" refType="ctrXOff" refFor="ch" refForName="accent_3"/>
+                <dgm:constr type="l" for="ch" forName="text_3"/>
+                <dgm:constr type="w" for="ch" forName="text_3" refType="h" refFor="ch" refForName="text_3" op="gte"/>
+                <dgm:constr type="h" for="ch" forName="text_3" refType="h" refFor="ch" refForName="accent_3" fact="0.8"/>
+                <dgm:constr type="ctrY" for="ch" forName="text_3" refType="ctrY" refFor="ch" refForName="accent_3"/>
+                <dgm:constr type="rMarg" for="ch" forName="text_3" refType="w" refFor="ch" refForName="accent_3" fact="1.8"/>
+                <dgm:constr type="h" for="ch" forName="accent_4" refType="h" fact="0.1563"/>
+                <dgm:constr type="w" for="ch" forName="accent_4" refType="h" refFor="ch" refForName="accent_4" op="equ"/>
+                <dgm:constr type="ctrY" for="ch" forName="accent_4" refType="h" fact="0.6875"/>
+                <dgm:constr type="ctrX" for="ch" forName="accent_4" refType="w"/>
+                <dgm:constr type="ctrXOff" for="ch" forName="accent_4" refType="h" fact="-0.1978"/>
+                <dgm:constr type="r" for="ch" forName="text_4" refType="ctrX" refFor="ch" refForName="accent_4"/>
+                <dgm:constr type="rOff" for="ch" forName="text_4" refType="ctrXOff" refFor="ch" refForName="accent_4"/>
+                <dgm:constr type="l" for="ch" forName="text_4"/>
+                <dgm:constr type="w" for="ch" forName="text_4" refType="h" refFor="ch" refForName="text_4" op="gte"/>
+                <dgm:constr type="h" for="ch" forName="text_4" refType="h" refFor="ch" refForName="accent_4" fact="0.8"/>
+                <dgm:constr type="ctrY" for="ch" forName="text_4" refType="ctrY" refFor="ch" refForName="accent_4"/>
+                <dgm:constr type="rMarg" for="ch" forName="text_4" refType="w" refFor="ch" refForName="accent_4" fact="1.8"/>
+                <dgm:constr type="h" for="ch" forName="accent_5" refType="h" fact="0.1563"/>
+                <dgm:constr type="w" for="ch" forName="accent_5" refType="h" refFor="ch" refForName="accent_5" op="equ"/>
+                <dgm:constr type="ctrY" for="ch" forName="accent_5" refType="h" fact="0.875"/>
+                <dgm:constr type="ctrX" for="ch" forName="accent_5" refType="w"/>
+                <dgm:constr type="ctrXOff" for="ch" forName="accent_5" refType="h" fact="-0.1082"/>
+                <dgm:constr type="r" for="ch" forName="text_5" refType="ctrX" refFor="ch" refForName="accent_5"/>
+                <dgm:constr type="rOff" for="ch" forName="text_5" refType="ctrXOff" refFor="ch" refForName="accent_5"/>
+                <dgm:constr type="l" for="ch" forName="text_5"/>
+                <dgm:constr type="w" for="ch" forName="text_5" refType="h" refFor="ch" refForName="text_5" op="gte"/>
+                <dgm:constr type="h" for="ch" forName="text_5" refType="h" refFor="ch" refForName="accent_5" fact="0.8"/>
+                <dgm:constr type="ctrY" for="ch" forName="text_5" refType="ctrY" refFor="ch" refForName="accent_5"/>
+                <dgm:constr type="rMarg" for="ch" forName="text_5" refType="w" refFor="ch" refForName="accent_5" fact="1.8"/>
+                <dgm:constr type="primFontSz" for="ch" ptType="node" op="equ" val="65"/>
+              </dgm:constrLst>
+            </dgm:if>
+            <dgm:if name="Name19" axis="ch" ptType="node" func="cnt" op="equ" val="6">
+              <dgm:constrLst>
+                <dgm:constr type="h" for="ch" forName="cycle" refType="h"/>
+                <dgm:constr type="w" for="ch" forName="cycle" refType="h" refFor="ch" refForName="cycle" fact="0.26"/>
+                <dgm:constr type="r" for="ch" forName="cycle" refType="w"/>
+                <dgm:constr type="ctrY" for="ch" forName="cycle" refType="h" fact="0.5"/>
+                <dgm:constr type="diam" for="ch" forName="cycle" refType="h" fact="1.344"/>
+                <dgm:constr type="h" for="ch" forName="accent_1" refType="h" fact="0.1316"/>
+                <dgm:constr type="w" for="ch" forName="accent_1" refType="h" refFor="ch" refForName="accent_1" op="equ"/>
+                <dgm:constr type="ctrY" for="ch" forName="accent_1" refType="h" fact="0.1053"/>
+                <dgm:constr type="ctrX" for="ch" forName="accent_1" refType="w"/>
+                <dgm:constr type="ctrXOff" for="ch" forName="accent_1" refType="h" fact="-0.0943"/>
+                <dgm:constr type="r" for="ch" forName="text_1" refType="ctrX" refFor="ch" refForName="accent_1"/>
+                <dgm:constr type="rOff" for="ch" forName="text_1" refType="ctrXOff" refFor="ch" refForName="accent_1"/>
+                <dgm:constr type="l" for="ch" forName="text_1"/>
+                <dgm:constr type="w" for="ch" forName="text_1" refType="h" refFor="ch" refForName="text_1" op="gte"/>
+                <dgm:constr type="h" for="ch" forName="text_1" refType="h" refFor="ch" refForName="accent_1" fact="0.8"/>
+                <dgm:constr type="ctrY" for="ch" forName="text_1" refType="ctrY" refFor="ch" refForName="accent_1"/>
+                <dgm:constr type="rMarg" for="ch" forName="text_1" refType="w" refFor="ch" refForName="accent_1" fact="1.8"/>
+                <dgm:constr type="h" for="ch" forName="accent_2" refType="h" fact="0.1316"/>
+                <dgm:constr type="w" for="ch" forName="accent_2" refType="h" refFor="ch" refForName="accent_2" op="equ"/>
+                <dgm:constr type="ctrY" for="ch" forName="accent_2" refType="h" fact="0.2632"/>
+                <dgm:constr type="ctrX" for="ch" forName="accent_2" refType="w"/>
+                <dgm:constr type="ctrXOff" for="ch" forName="accent_2" refType="h" fact="-0.1809"/>
+                <dgm:constr type="r" for="ch" forName="text_2" refType="ctrX" refFor="ch" refForName="accent_2"/>
+                <dgm:constr type="rOff" for="ch" forName="text_2" refType="ctrXOff" refFor="ch" refForName="accent_2"/>
+                <dgm:constr type="l" for="ch" forName="text_2"/>
+                <dgm:constr type="w" for="ch" forName="text_2" refType="h" refFor="ch" refForName="text_2" op="gte"/>
+                <dgm:constr type="h" for="ch" forName="text_2" refType="h" refFor="ch" refForName="accent_2" fact="0.8"/>
+                <dgm:constr type="ctrY" for="ch" forName="text_2" refType="ctrY" refFor="ch" refForName="accent_2"/>
+                <dgm:constr type="rMarg" for="ch" forName="text_2" refType="w" refFor="ch" refForName="accent_2" fact="1.8"/>
+                <dgm:constr type="h" for="ch" forName="accent_3" refType="h" fact="0.1316"/>
+                <dgm:constr type="w" for="ch" forName="accent_3" refType="h" refFor="ch" refForName="accent_3" op="equ"/>
+                <dgm:constr type="ctrY" for="ch" forName="accent_3" refType="h" fact="0.4211"/>
+                <dgm:constr type="ctrX" for="ch" forName="accent_3" refType="w"/>
+                <dgm:constr type="ctrXOff" for="ch" forName="accent_3" refType="h" fact="-0.2205"/>
+                <dgm:constr type="r" for="ch" forName="text_3" refType="ctrX" refFor="ch" refForName="accent_3"/>
+                <dgm:constr type="rOff" for="ch" forName="text_3" refType="ctrXOff" refFor="ch" refForName="accent_3"/>
+                <dgm:constr type="l" for="ch" forName="text_3"/>
+                <dgm:constr type="w" for="ch" forName="text_3" refType="h" refFor="ch" refForName="text_3" op="gte"/>
+                <dgm:constr type="h" for="ch" forName="text_3" refType="h" refFor="ch" refForName="accent_3" fact="0.8"/>
+                <dgm:constr type="ctrY" for="ch" forName="text_3" refType="ctrY" refFor="ch" refForName="accent_3"/>
+                <dgm:constr type="rMarg" for="ch" forName="text_3" refType="w" refFor="ch" refForName="accent_3" fact="1.8"/>
+                <dgm:constr type="h" for="ch" forName="accent_4" refType="h" fact="0.1316"/>
+                <dgm:constr type="w" for="ch" forName="accent_4" refType="h" refFor="ch" refForName="accent_4" op="equ"/>
+                <dgm:constr type="ctrY" for="ch" forName="accent_4" refType="h" fact="0.5789"/>
+                <dgm:constr type="ctrX" for="ch" forName="accent_4" refType="w"/>
+                <dgm:constr type="ctrXOff" for="ch" forName="accent_4" refType="h" fact="-0.2205"/>
+                <dgm:constr type="r" for="ch" forName="text_4" refType="ctrX" refFor="ch" refForName="accent_4"/>
+                <dgm:constr type="rOff" for="ch" forName="text_4" refType="ctrXOff" refFor="ch" refForName="accent_4"/>
+                <dgm:constr type="l" for="ch" forName="text_4"/>
+                <dgm:constr type="w" for="ch" forName="text_4" refType="h" refFor="ch" refForName="text_4" op="gte"/>
+                <dgm:constr type="h" for="ch" forName="text_4" refType="h" refFor="ch" refForName="accent_4" fact="0.8"/>
+                <dgm:constr type="ctrY" for="ch" forName="text_4" refType="ctrY" refFor="ch" refForName="accent_4"/>
+                <dgm:constr type="rMarg" for="ch" forName="text_4" refType="w" refFor="ch" refForName="accent_4" fact="1.8"/>
+                <dgm:constr type="h" for="ch" forName="accent_5" refType="h" fact="0.1316"/>
+                <dgm:constr type="w" for="ch" forName="accent_5" refType="h" refFor="ch" refForName="accent_5" op="equ"/>
+                <dgm:constr type="ctrY" for="ch" forName="accent_5" refType="h" fact="0.7368"/>
+                <dgm:constr type="ctrX" for="ch" forName="accent_5" refType="w"/>
+                <dgm:constr type="ctrXOff" for="ch" forName="accent_5" refType="h" fact="-0.1809"/>
+                <dgm:constr type="r" for="ch" forName="text_5" refType="ctrX" refFor="ch" refForName="accent_5"/>
+                <dgm:constr type="rOff" for="ch" forName="text_5" refType="ctrXOff" refFor="ch" refForName="accent_5"/>
+                <dgm:constr type="l" for="ch" forName="text_5"/>
+                <dgm:constr type="w" for="ch" forName="text_5" refType="h" refFor="ch" refForName="text_5" op="gte"/>
+                <dgm:constr type="h" for="ch" forName="text_5" refType="h" refFor="ch" refForName="accent_5" fact="0.8"/>
+                <dgm:constr type="ctrY" for="ch" forName="text_5" refType="ctrY" refFor="ch" refForName="accent_5"/>
+                <dgm:constr type="rMarg" for="ch" forName="text_5" refType="w" refFor="ch" refForName="accent_5" fact="1.8"/>
+                <dgm:constr type="h" for="ch" forName="accent_6" refType="h" fact="0.1316"/>
+                <dgm:constr type="w" for="ch" forName="accent_6" refType="h" refFor="ch" refForName="accent_6" op="equ"/>
+                <dgm:constr type="ctrY" for="ch" forName="accent_6" refType="h" fact="0.8947"/>
+                <dgm:constr type="ctrX" for="ch" forName="accent_6" refType="w"/>
+                <dgm:constr type="ctrXOff" for="ch" forName="accent_6" refType="h" fact="-0.0943"/>
+                <dgm:constr type="r" for="ch" forName="text_6" refType="ctrX" refFor="ch" refForName="accent_6"/>
+                <dgm:constr type="rOff" for="ch" forName="text_6" refType="ctrXOff" refFor="ch" refForName="accent_6"/>
+                <dgm:constr type="l" for="ch" forName="text_6"/>
+                <dgm:constr type="w" for="ch" forName="text_6" refType="h" refFor="ch" refForName="text_6" op="gte"/>
+                <dgm:constr type="h" for="ch" forName="text_6" refType="h" refFor="ch" refForName="accent_6" fact="0.8"/>
+                <dgm:constr type="ctrY" for="ch" forName="text_6" refType="ctrY" refFor="ch" refForName="accent_6"/>
+                <dgm:constr type="rMarg" for="ch" forName="text_6" refType="w" refFor="ch" refForName="accent_6" fact="1.8"/>
+                <dgm:constr type="primFontSz" for="ch" ptType="node" op="equ" val="65"/>
+              </dgm:constrLst>
+            </dgm:if>
+            <dgm:else name="Name20">
+              <dgm:constrLst>
+                <dgm:constr type="h" for="ch" forName="cycle" refType="h"/>
+                <dgm:constr type="w" for="ch" forName="cycle" refType="h" refFor="ch" refForName="cycle" fact="0.26"/>
+                <dgm:constr type="r" for="ch" forName="cycle" refType="w"/>
+                <dgm:constr type="ctrY" for="ch" forName="cycle" refType="h" fact="0.5"/>
+                <dgm:constr type="diam" for="ch" forName="cycle" refType="h" fact="1.344"/>
+                <dgm:constr type="h" for="ch" forName="accent_1" refType="h" fact="0.1136"/>
+                <dgm:constr type="w" for="ch" forName="accent_1" refType="h" refFor="ch" refForName="accent_1" op="equ"/>
+                <dgm:constr type="ctrY" for="ch" forName="accent_1" refType="h" fact="0.0909"/>
+                <dgm:constr type="ctrX" for="ch" forName="accent_1" refType="w"/>
+                <dgm:constr type="ctrXOff" for="ch" forName="accent_1" refType="h" fact="-0.0835"/>
+                <dgm:constr type="r" for="ch" forName="text_1" refType="ctrX" refFor="ch" refForName="accent_1"/>
+                <dgm:constr type="rOff" for="ch" forName="text_1" refType="ctrXOff" refFor="ch" refForName="accent_1"/>
+                <dgm:constr type="l" for="ch" forName="text_1"/>
+                <dgm:constr type="w" for="ch" forName="text_1" refType="h" refFor="ch" refForName="text_1" op="gte"/>
+                <dgm:constr type="h" for="ch" forName="text_1" refType="h" refFor="ch" refForName="accent_1" fact="0.8"/>
+                <dgm:constr type="ctrY" for="ch" forName="text_1" refType="ctrY" refFor="ch" refForName="accent_1"/>
+                <dgm:constr type="rMarg" for="ch" forName="text_1" refType="w" refFor="ch" refForName="accent_1" fact="1.8"/>
+                <dgm:constr type="h" for="ch" forName="accent_2" refType="h" fact="0.1136"/>
+                <dgm:constr type="w" for="ch" forName="accent_2" refType="h" refFor="ch" refForName="accent_2" op="equ"/>
+                <dgm:constr type="ctrY" for="ch" forName="accent_2" refType="h" fact="0.2273"/>
+                <dgm:constr type="ctrX" for="ch" forName="accent_2" refType="w"/>
+                <dgm:constr type="ctrXOff" for="ch" forName="accent_2" refType="h" fact="-0.1658"/>
+                <dgm:constr type="r" for="ch" forName="text_2" refType="ctrX" refFor="ch" refForName="accent_2"/>
+                <dgm:constr type="rOff" for="ch" forName="text_2" refType="ctrXOff" refFor="ch" refForName="accent_2"/>
+                <dgm:constr type="l" for="ch" forName="text_2"/>
+                <dgm:constr type="w" for="ch" forName="text_2" refType="h" refFor="ch" refForName="text_2" op="gte"/>
+                <dgm:constr type="h" for="ch" forName="text_2" refType="h" refFor="ch" refForName="accent_2" fact="0.8"/>
+                <dgm:constr type="ctrY" for="ch" forName="text_2" refType="ctrY" refFor="ch" refForName="accent_2"/>
+                <dgm:constr type="rMarg" for="ch" forName="text_2" refType="w" refFor="ch" refForName="accent_2" fact="1.8"/>
+                <dgm:constr type="h" for="ch" forName="accent_3" refType="h" fact="0.1136"/>
+                <dgm:constr type="w" for="ch" forName="accent_3" refType="h" refFor="ch" refForName="accent_3" op="equ"/>
+                <dgm:constr type="ctrY" for="ch" forName="accent_3" refType="h" fact="0.3636"/>
+                <dgm:constr type="ctrX" for="ch" forName="accent_3" refType="w"/>
+                <dgm:constr type="ctrXOff" for="ch" forName="accent_3" refType="h" fact="-0.2109"/>
+                <dgm:constr type="r" for="ch" forName="text_3" refType="ctrX" refFor="ch" refForName="accent_3"/>
+                <dgm:constr type="rOff" for="ch" forName="text_3" refType="ctrXOff" refFor="ch" refForName="accent_3"/>
+                <dgm:constr type="l" for="ch" forName="text_3"/>
+                <dgm:constr type="w" for="ch" forName="text_3" refType="h" refFor="ch" refForName="text_3" op="gte"/>
+                <dgm:constr type="h" for="ch" forName="text_3" refType="h" refFor="ch" refForName="accent_3" fact="0.8"/>
+                <dgm:constr type="ctrY" for="ch" forName="text_3" refType="ctrY" refFor="ch" refForName="accent_3"/>
+                <dgm:constr type="rMarg" for="ch" forName="text_3" refType="w" refFor="ch" refForName="accent_3" fact="1.8"/>
+                <dgm:constr type="h" for="ch" forName="accent_4" refType="h" fact="0.1136"/>
+                <dgm:constr type="w" for="ch" forName="accent_4" refType="h" refFor="ch" refForName="accent_4" op="equ"/>
+                <dgm:constr type="ctrY" for="ch" forName="accent_4" refType="h" fact="0.5"/>
+                <dgm:constr type="ctrX" for="ch" forName="accent_4" refType="w"/>
+                <dgm:constr type="ctrXOff" for="ch" forName="accent_4" refType="h" fact="-0.2253"/>
+                <dgm:constr type="r" for="ch" forName="text_4" refType="ctrX" refFor="ch" refForName="accent_4"/>
+                <dgm:constr type="rOff" for="ch" forName="text_4" refType="ctrXOff" refFor="ch" refForName="accent_4"/>
+                <dgm:constr type="l" for="ch" forName="text_4"/>
+                <dgm:constr type="w" for="ch" forName="text_4" refType="h" refFor="ch" refForName="text_4" op="gte"/>
+                <dgm:constr type="h" for="ch" forName="text_4" refType="h" refFor="ch" refForName="accent_4" fact="0.8"/>
+                <dgm:constr type="ctrY" for="ch" forName="text_4" refType="ctrY" refFor="ch" refForName="accent_4"/>
+                <dgm:constr type="rMarg" for="ch" forName="text_4" refType="w" refFor="ch" refForName="accent_4" fact="1.8"/>
+                <dgm:constr type="h" for="ch" forName="accent_5" refType="h" fact="0.1136"/>
+                <dgm:constr type="w" for="ch" forName="accent_5" refType="h" refFor="ch" refForName="accent_5" op="equ"/>
+                <dgm:constr type="ctrY" for="ch" forName="accent_5" refType="h" fact="0.6364"/>
+                <dgm:constr type="ctrX" for="ch" forName="accent_5" refType="w"/>
+                <dgm:constr type="ctrXOff" for="ch" forName="accent_5" refType="h" fact="-0.2109"/>
+                <dgm:constr type="r" for="ch" forName="text_5" refType="ctrX" refFor="ch" refForName="accent_5"/>
+                <dgm:constr type="rOff" for="ch" forName="text_5" refType="ctrXOff" refFor="ch" refForName="accent_5"/>
+                <dgm:constr type="l" for="ch" forName="text_5"/>
+                <dgm:constr type="w" for="ch" forName="text_5" refType="h" refFor="ch" refForName="text_5" op="gte"/>
+                <dgm:constr type="h" for="ch" forName="text_5" refType="h" refFor="ch" refForName="accent_5" fact="0.8"/>
+                <dgm:constr type="ctrY" for="ch" forName="text_5" refType="ctrY" refFor="ch" refForName="accent_5"/>
+                <dgm:constr type="rMarg" for="ch" forName="text_5" refType="w" refFor="ch" refForName="accent_5" fact="1.8"/>
+                <dgm:constr type="h" for="ch" forName="accent_6" refType="h" fact="0.1136"/>
+                <dgm:constr type="w" for="ch" forName="accent_6" refType="h" refFor="ch" refForName="accent_6" op="equ"/>
+                <dgm:constr type="ctrY" for="ch" forName="accent_6" refType="h" fact="0.7727"/>
+                <dgm:constr type="ctrX" for="ch" forName="accent_6" refType="w"/>
+                <dgm:constr type="ctrXOff" for="ch" forName="accent_6" refType="h" fact="-0.1658"/>
+                <dgm:constr type="r" for="ch" forName="text_6" refType="ctrX" refFor="ch" refForName="accent_6"/>
+                <dgm:constr type="rOff" for="ch" forName="text_6" refType="ctrXOff" refFor="ch" refForName="accent_6"/>
+                <dgm:constr type="l" for="ch" forName="text_6"/>
+                <dgm:constr type="w" for="ch" forName="text_6" refType="h" refFor="ch" refForName="text_6" op="gte"/>
+                <dgm:constr type="h" for="ch" forName="text_6" refType="h" refFor="ch" refForName="accent_6" fact="0.8"/>
+                <dgm:constr type="ctrY" for="ch" forName="text_6" refType="ctrY" refFor="ch" refForName="accent_6"/>
+                <dgm:constr type="rMarg" for="ch" forName="text_6" refType="w" refFor="ch" refForName="accent_6" fact="1.8"/>
+                <dgm:constr type="h" for="ch" forName="accent_7" refType="h" fact="0.1136"/>
+                <dgm:constr type="w" for="ch" forName="accent_7" refType="h" refFor="ch" refForName="accent_7" op="equ"/>
+                <dgm:constr type="ctrY" for="ch" forName="accent_7" refType="h" fact="0.9091"/>
+                <dgm:constr type="ctrX" for="ch" forName="accent_7" refType="w"/>
+                <dgm:constr type="ctrXOff" for="ch" forName="accent_7" refType="h" fact="-0.0835"/>
+                <dgm:constr type="r" for="ch" forName="text_7" refType="ctrX" refFor="ch" refForName="accent_7"/>
+                <dgm:constr type="rOff" for="ch" forName="text_7" refType="ctrXOff" refFor="ch" refForName="accent_7"/>
+                <dgm:constr type="l" for="ch" forName="text_7"/>
+                <dgm:constr type="w" for="ch" forName="text_7" refType="h" refFor="ch" refForName="text_7" op="gte"/>
+                <dgm:constr type="h" for="ch" forName="text_7" refType="h" refFor="ch" refForName="accent_7" fact="0.8"/>
+                <dgm:constr type="ctrY" for="ch" forName="text_7" refType="ctrY" refFor="ch" refForName="accent_7"/>
+                <dgm:constr type="rMarg" for="ch" forName="text_7" refType="w" refFor="ch" refForName="accent_7" fact="1.8"/>
+                <dgm:constr type="primFontSz" for="ch" ptType="node" op="equ" val="65"/>
+              </dgm:constrLst>
+            </dgm:else>
+          </dgm:choose>
+        </dgm:else>
+      </dgm:choose>
+      <dgm:layoutNode name="cycle">
+        <dgm:choose name="Name21">
+          <dgm:if name="Name22" func="var" arg="dir" op="equ" val="norm">
+            <dgm:alg type="cycle">
+              <dgm:param type="stAng" val="45"/>
+              <dgm:param type="spanAng" val="90"/>
+            </dgm:alg>
+          </dgm:if>
+          <dgm:else name="Name23">
+            <dgm:alg type="cycle">
+              <dgm:param type="stAng" val="225"/>
+              <dgm:param type="spanAng" val="90"/>
+            </dgm:alg>
+          </dgm:else>
+        </dgm:choose>
+        <dgm:shape xmlns:r="http://schemas.openxmlformats.org/officeDocument/2006/relationships" r:blip="">
+          <dgm:adjLst/>
+        </dgm:shape>
+        <dgm:presOf/>
+        <dgm:constrLst>
+          <dgm:constr type="w" for="ch" val="1"/>
+          <dgm:constr type="h" for="ch" val="1"/>
+          <dgm:constr type="diam" for="ch" forName="conn" refType="diam"/>
+        </dgm:constrLst>
+        <dgm:layoutNode name="srcNode">
+          <dgm:alg type="sp"/>
+          <dgm:shape xmlns:r="http://schemas.openxmlformats.org/officeDocument/2006/relationships" type="rect" r:blip="" hideGeom="1">
+            <dgm:adjLst/>
+          </dgm:shape>
+          <dgm:presOf/>
+        </dgm:layoutNode>
+        <dgm:layoutNode name="conn" styleLbl="parChTrans1D2">
+          <dgm:alg type="conn">
+            <dgm:param type="connRout" val="curve"/>
+            <dgm:param type="srcNode" val="srcNode"/>
+            <dgm:param type="dstNode" val="dstNode"/>
+            <dgm:param type="begPts" val="ctr"/>
+            <dgm:param type="endPts" val="ctr"/>
+            <dgm:param type="endSty" val="noArr"/>
+          </dgm:alg>
+          <dgm:shape xmlns:r="http://schemas.openxmlformats.org/officeDocument/2006/relationships" type="conn" r:blip="">
+            <dgm:adjLst/>
+          </dgm:shape>
+          <dgm:presOf axis="desOrSelf" ptType="sibTrans" hideLastTrans="0" st="0" cnt="1"/>
+          <dgm:constrLst>
+            <dgm:constr type="begPad"/>
+            <dgm:constr type="endPad"/>
+          </dgm:constrLst>
+        </dgm:layoutNode>
+        <dgm:layoutNode name="extraNode">
+          <dgm:alg type="sp"/>
+          <dgm:shape xmlns:r="http://schemas.openxmlformats.org/officeDocument/2006/relationships" type="rect" r:blip="" hideGeom="1">
+            <dgm:adjLst/>
+          </dgm:shape>
+          <dgm:presOf/>
+        </dgm:layoutNode>
+        <dgm:layoutNode name="dstNode">
+          <dgm:alg type="sp"/>
+          <dgm:shape xmlns:r="http://schemas.openxmlformats.org/officeDocument/2006/relationships" type="rect" r:blip="" hideGeom="1">
+            <dgm:adjLst/>
+          </dgm:shape>
+          <dgm:presOf/>
+        </dgm:layoutNode>
+      </dgm:layoutNode>
+      <dgm:forEach name="wrapper" axis="self" ptType="parTrans">
+        <dgm:forEach name="wrapper2" axis="self" ptType="sibTrans" st="2">
+          <dgm:forEach name="accentRepeat" axis="self">
+            <dgm:layoutNode name="accentRepeatNode" styleLbl="solidFgAcc1">
+              <dgm:alg type="sp"/>
+              <dgm:shape xmlns:r="http://schemas.openxmlformats.org/officeDocument/2006/relationships" type="ellipse" r:blip="">
+                <dgm:adjLst/>
+              </dgm:shape>
+              <dgm:presOf/>
+            </dgm:layoutNode>
+          </dgm:forEach>
+        </dgm:forEach>
+      </dgm:forEach>
+      <dgm:forEach name="Name24" axis="ch" ptType="node" cnt="1">
+        <dgm:layoutNode name="text_1" styleLbl="node1">
+          <dgm:varLst>
+            <dgm:bulletEnabled val="1"/>
+          </dgm:varLst>
+          <dgm:choose name="Name25">
+            <dgm:if name="Name26" func="var" arg="dir" op="equ" val="norm">
+              <dgm:alg type="tx">
+                <dgm:param type="parTxLTRAlign" val="l"/>
+                <dgm:param type="shpTxLTRAlignCh" val="l"/>
+                <dgm:param type="parTxRTLAlign" val="l"/>
+                <dgm:param type="shpTxRTLAlignCh" val="l"/>
+              </dgm:alg>
+            </dgm:if>
+            <dgm:else name="Name27">
+              <dgm:alg type="tx">
+                <dgm:param type="parTxLTRAlign" val="r"/>
+                <dgm:param type="shpTxLTRAlignCh" val="r"/>
+                <dgm:param type="parTxRTLAlign" val="r"/>
+                <dgm:param type="shpTxRTLAlignCh" val="r"/>
+              </dgm:alg>
+            </dgm:else>
+          </dgm:choose>
+          <dgm:shape xmlns:r="http://schemas.openxmlformats.org/officeDocument/2006/relationships" type="rect" r:blip="">
+            <dgm:adjLst/>
+          </dgm:shape>
+          <dgm:presOf axis="desOrSelf" ptType="node"/>
+          <dgm:constrLst>
+            <dgm:constr type="primFontSz" val="65"/>
+            <dgm:constr type="lMarg" refType="primFontSz" fact="0.2"/>
+            <dgm:constr type="rMarg" refType="primFontSz" fact="0.2"/>
+            <dgm:constr type="tMarg" refType="primFontSz" fact="0.2"/>
+            <dgm:constr type="bMarg" refType="primFontSz" fact="0.2"/>
+          </dgm:constrLst>
+          <dgm:ruleLst>
+            <dgm:rule type="primFontSz" val="5" fact="NaN" max="NaN"/>
+          </dgm:ruleLst>
+        </dgm:layoutNode>
+        <dgm:layoutNode name="accent_1">
+          <dgm:alg type="sp"/>
+          <dgm:shape xmlns:r="http://schemas.openxmlformats.org/officeDocument/2006/relationships" r:blip="">
+            <dgm:adjLst/>
+          </dgm:shape>
+          <dgm:presOf/>
+          <dgm:constrLst/>
+          <dgm:forEach name="Name28" ref="accentRepeat"/>
+        </dgm:layoutNode>
+      </dgm:forEach>
+      <dgm:forEach name="Name29" axis="ch" ptType="node" st="2" cnt="1">
+        <dgm:layoutNode name="text_2" styleLbl="node1">
+          <dgm:varLst>
+            <dgm:bulletEnabled val="1"/>
+          </dgm:varLst>
+          <dgm:choose name="Name30">
+            <dgm:if name="Name31" func="var" arg="dir" op="equ" val="norm">
+              <dgm:alg type="tx">
+                <dgm:param type="parTxLTRAlign" val="l"/>
+                <dgm:param type="shpTxLTRAlignCh" val="l"/>
+                <dgm:param type="parTxRTLAlign" val="l"/>
+                <dgm:param type="shpTxRTLAlignCh" val="l"/>
+              </dgm:alg>
+            </dgm:if>
+            <dgm:else name="Name32">
+              <dgm:alg type="tx">
+                <dgm:param type="parTxLTRAlign" val="r"/>
+                <dgm:param type="shpTxLTRAlignCh" val="r"/>
+                <dgm:param type="parTxRTLAlign" val="r"/>
+                <dgm:param type="shpTxRTLAlignCh" val="r"/>
+              </dgm:alg>
+            </dgm:else>
+          </dgm:choose>
+          <dgm:shape xmlns:r="http://schemas.openxmlformats.org/officeDocument/2006/relationships" type="rect" r:blip="">
+            <dgm:adjLst/>
+          </dgm:shape>
+          <dgm:presOf axis="desOrSelf" ptType="node"/>
+          <dgm:constrLst>
+            <dgm:constr type="primFontSz" val="65"/>
+            <dgm:constr type="lMarg" refType="primFontSz" fact="0.2"/>
+            <dgm:constr type="rMarg" refType="primFontSz" fact="0.2"/>
+            <dgm:constr type="tMarg" refType="primFontSz" fact="0.2"/>
+            <dgm:constr type="bMarg" refType="primFontSz" fact="0.2"/>
+          </dgm:constrLst>
+          <dgm:ruleLst>
+            <dgm:rule type="primFontSz" val="5" fact="NaN" max="NaN"/>
+          </dgm:ruleLst>
+        </dgm:layoutNode>
+        <dgm:layoutNode name="accent_2">
+          <dgm:alg type="sp"/>
+          <dgm:shape xmlns:r="http://schemas.openxmlformats.org/officeDocument/2006/relationships" r:blip="">
+            <dgm:adjLst/>
+          </dgm:shape>
+          <dgm:presOf/>
+          <dgm:constrLst/>
+          <dgm:forEach name="Name33" ref="accentRepeat"/>
+        </dgm:layoutNode>
+      </dgm:forEach>
+      <dgm:forEach name="Name34" axis="ch" ptType="node" st="3" cnt="1">
+        <dgm:layoutNode name="text_3" styleLbl="node1">
+          <dgm:varLst>
+            <dgm:bulletEnabled val="1"/>
+          </dgm:varLst>
+          <dgm:choose name="Name35">
+            <dgm:if name="Name36" func="var" arg="dir" op="equ" val="norm">
+              <dgm:alg type="tx">
+                <dgm:param type="parTxLTRAlign" val="l"/>
+                <dgm:param type="shpTxLTRAlignCh" val="l"/>
+                <dgm:param type="parTxRTLAlign" val="l"/>
+                <dgm:param type="shpTxRTLAlignCh" val="l"/>
+              </dgm:alg>
+            </dgm:if>
+            <dgm:else name="Name37">
+              <dgm:alg type="tx">
+                <dgm:param type="parTxLTRAlign" val="r"/>
+                <dgm:param type="shpTxLTRAlignCh" val="r"/>
+                <dgm:param type="parTxRTLAlign" val="r"/>
+                <dgm:param type="shpTxRTLAlignCh" val="r"/>
+              </dgm:alg>
+            </dgm:else>
+          </dgm:choose>
+          <dgm:shape xmlns:r="http://schemas.openxmlformats.org/officeDocument/2006/relationships" type="rect" r:blip="">
+            <dgm:adjLst/>
+          </dgm:shape>
+          <dgm:presOf axis="desOrSelf" ptType="node"/>
+          <dgm:constrLst>
+            <dgm:constr type="primFontSz" val="65"/>
+            <dgm:constr type="lMarg" refType="primFontSz" fact="0.2"/>
+            <dgm:constr type="rMarg" refType="primFontSz" fact="0.2"/>
+            <dgm:constr type="tMarg" refType="primFontSz" fact="0.2"/>
+            <dgm:constr type="bMarg" refType="primFontSz" fact="0.2"/>
+          </dgm:constrLst>
+          <dgm:ruleLst>
+            <dgm:rule type="primFontSz" val="5" fact="NaN" max="NaN"/>
+          </dgm:ruleLst>
+        </dgm:layoutNode>
+        <dgm:layoutNode name="accent_3">
+          <dgm:alg type="sp"/>
+          <dgm:shape xmlns:r="http://schemas.openxmlformats.org/officeDocument/2006/relationships" r:blip="">
+            <dgm:adjLst/>
+          </dgm:shape>
+          <dgm:presOf/>
+          <dgm:constrLst/>
+          <dgm:forEach name="Name38" ref="accentRepeat"/>
+        </dgm:layoutNode>
+      </dgm:forEach>
+      <dgm:forEach name="Name39" axis="ch" ptType="node" st="4" cnt="1">
+        <dgm:layoutNode name="text_4" styleLbl="node1">
+          <dgm:varLst>
+            <dgm:bulletEnabled val="1"/>
+          </dgm:varLst>
+          <dgm:choose name="Name40">
+            <dgm:if name="Name41" func="var" arg="dir" op="equ" val="norm">
+              <dgm:alg type="tx">
+                <dgm:param type="parTxLTRAlign" val="l"/>
+                <dgm:param type="shpTxLTRAlignCh" val="l"/>
+                <dgm:param type="parTxRTLAlign" val="l"/>
+                <dgm:param type="shpTxRTLAlignCh" val="l"/>
+              </dgm:alg>
+            </dgm:if>
+            <dgm:else name="Name42">
+              <dgm:alg type="tx">
+                <dgm:param type="parTxLTRAlign" val="r"/>
+                <dgm:param type="shpTxLTRAlignCh" val="r"/>
+                <dgm:param type="parTxRTLAlign" val="r"/>
+                <dgm:param type="shpTxRTLAlignCh" val="r"/>
+              </dgm:alg>
+            </dgm:else>
+          </dgm:choose>
+          <dgm:shape xmlns:r="http://schemas.openxmlformats.org/officeDocument/2006/relationships" type="rect" r:blip="">
+            <dgm:adjLst/>
+          </dgm:shape>
+          <dgm:presOf axis="desOrSelf" ptType="node"/>
+          <dgm:constrLst>
+            <dgm:constr type="primFontSz" val="65"/>
+            <dgm:constr type="lMarg" refType="primFontSz" fact="0.2"/>
+            <dgm:constr type="rMarg" refType="primFontSz" fact="0.2"/>
+            <dgm:constr type="tMarg" refType="primFontSz" fact="0.2"/>
+            <dgm:constr type="bMarg" refType="primFontSz" fact="0.2"/>
+          </dgm:constrLst>
+          <dgm:ruleLst>
+            <dgm:rule type="primFontSz" val="5" fact="NaN" max="NaN"/>
+          </dgm:ruleLst>
+        </dgm:layoutNode>
+        <dgm:layoutNode name="accent_4">
+          <dgm:alg type="sp"/>
+          <dgm:shape xmlns:r="http://schemas.openxmlformats.org/officeDocument/2006/relationships" r:blip="">
+            <dgm:adjLst/>
+          </dgm:shape>
+          <dgm:presOf/>
+          <dgm:constrLst/>
+          <dgm:forEach name="Name43" ref="accentRepeat"/>
+        </dgm:layoutNode>
+      </dgm:forEach>
+      <dgm:forEach name="Name44" axis="ch" ptType="node" st="5" cnt="1">
+        <dgm:layoutNode name="text_5" styleLbl="node1">
+          <dgm:varLst>
+            <dgm:bulletEnabled val="1"/>
+          </dgm:varLst>
+          <dgm:choose name="Name45">
+            <dgm:if name="Name46" func="var" arg="dir" op="equ" val="norm">
+              <dgm:alg type="tx">
+                <dgm:param type="parTxLTRAlign" val="l"/>
+                <dgm:param type="shpTxLTRAlignCh" val="l"/>
+                <dgm:param type="parTxRTLAlign" val="l"/>
+                <dgm:param type="shpTxRTLAlignCh" val="l"/>
+              </dgm:alg>
+            </dgm:if>
+            <dgm:else name="Name47">
+              <dgm:alg type="tx">
+                <dgm:param type="parTxLTRAlign" val="r"/>
+                <dgm:param type="shpTxLTRAlignCh" val="r"/>
+                <dgm:param type="parTxRTLAlign" val="r"/>
+                <dgm:param type="shpTxRTLAlignCh" val="r"/>
+              </dgm:alg>
+            </dgm:else>
+          </dgm:choose>
+          <dgm:shape xmlns:r="http://schemas.openxmlformats.org/officeDocument/2006/relationships" type="rect" r:blip="">
+            <dgm:adjLst/>
+          </dgm:shape>
+          <dgm:presOf axis="desOrSelf" ptType="node"/>
+          <dgm:constrLst>
+            <dgm:constr type="primFontSz" val="65"/>
+            <dgm:constr type="lMarg" refType="primFontSz" fact="0.2"/>
+            <dgm:constr type="rMarg" refType="primFontSz" fact="0.2"/>
+            <dgm:constr type="tMarg" refType="primFontSz" fact="0.2"/>
+            <dgm:constr type="bMarg" refType="primFontSz" fact="0.2"/>
+          </dgm:constrLst>
+          <dgm:ruleLst>
+            <dgm:rule type="primFontSz" val="5" fact="NaN" max="NaN"/>
+          </dgm:ruleLst>
+        </dgm:layoutNode>
+        <dgm:layoutNode name="accent_5">
+          <dgm:alg type="sp"/>
+          <dgm:shape xmlns:r="http://schemas.openxmlformats.org/officeDocument/2006/relationships" r:blip="">
+            <dgm:adjLst/>
+          </dgm:shape>
+          <dgm:presOf/>
+          <dgm:constrLst/>
+          <dgm:forEach name="Name48" ref="accentRepeat"/>
+        </dgm:layoutNode>
+      </dgm:forEach>
+      <dgm:forEach name="Name49" axis="ch" ptType="node" st="6" cnt="1">
+        <dgm:layoutNode name="text_6" styleLbl="node1">
+          <dgm:varLst>
+            <dgm:bulletEnabled val="1"/>
+          </dgm:varLst>
+          <dgm:choose name="Name50">
+            <dgm:if name="Name51" func="var" arg="dir" op="equ" val="norm">
+              <dgm:alg type="tx">
+                <dgm:param type="parTxLTRAlign" val="l"/>
+                <dgm:param type="shpTxLTRAlignCh" val="l"/>
+                <dgm:param type="parTxRTLAlign" val="l"/>
+                <dgm:param type="shpTxRTLAlignCh" val="l"/>
+              </dgm:alg>
+            </dgm:if>
+            <dgm:else name="Name52">
+              <dgm:alg type="tx">
+                <dgm:param type="parTxLTRAlign" val="r"/>
+                <dgm:param type="shpTxLTRAlignCh" val="r"/>
+                <dgm:param type="parTxRTLAlign" val="r"/>
+                <dgm:param type="shpTxRTLAlignCh" val="r"/>
+              </dgm:alg>
+            </dgm:else>
+          </dgm:choose>
+          <dgm:shape xmlns:r="http://schemas.openxmlformats.org/officeDocument/2006/relationships" type="rect" r:blip="">
+            <dgm:adjLst/>
+          </dgm:shape>
+          <dgm:presOf axis="desOrSelf" ptType="node"/>
+          <dgm:constrLst>
+            <dgm:constr type="primFontSz" val="65"/>
+            <dgm:constr type="lMarg" refType="primFontSz" fact="0.2"/>
+            <dgm:constr type="rMarg" refType="primFontSz" fact="0.2"/>
+            <dgm:constr type="tMarg" refType="primFontSz" fact="0.2"/>
+            <dgm:constr type="bMarg" refType="primFontSz" fact="0.2"/>
+          </dgm:constrLst>
+          <dgm:ruleLst>
+            <dgm:rule type="primFontSz" val="5" fact="NaN" max="NaN"/>
+          </dgm:ruleLst>
+        </dgm:layoutNode>
+        <dgm:layoutNode name="accent_6">
+          <dgm:alg type="sp"/>
+          <dgm:shape xmlns:r="http://schemas.openxmlformats.org/officeDocument/2006/relationships" r:blip="">
+            <dgm:adjLst/>
+          </dgm:shape>
+          <dgm:presOf/>
+          <dgm:constrLst/>
+          <dgm:forEach name="Name53" ref="accentRepeat"/>
+        </dgm:layoutNode>
+      </dgm:forEach>
+      <dgm:forEach name="Name54" axis="ch" ptType="node" st="7" cnt="1">
+        <dgm:layoutNode name="text_7" styleLbl="node1">
+          <dgm:varLst>
+            <dgm:bulletEnabled val="1"/>
+          </dgm:varLst>
+          <dgm:choose name="Name55">
+            <dgm:if name="Name56" func="var" arg="dir" op="equ" val="norm">
+              <dgm:alg type="tx">
+                <dgm:param type="parTxLTRAlign" val="l"/>
+                <dgm:param type="shpTxLTRAlignCh" val="l"/>
+                <dgm:param type="parTxRTLAlign" val="l"/>
+                <dgm:param type="shpTxRTLAlignCh" val="l"/>
+              </dgm:alg>
+            </dgm:if>
+            <dgm:else name="Name57">
+              <dgm:alg type="tx">
+                <dgm:param type="parTxLTRAlign" val="r"/>
+                <dgm:param type="shpTxLTRAlignCh" val="r"/>
+                <dgm:param type="parTxRTLAlign" val="r"/>
+                <dgm:param type="shpTxRTLAlignCh" val="r"/>
+              </dgm:alg>
+            </dgm:else>
+          </dgm:choose>
+          <dgm:shape xmlns:r="http://schemas.openxmlformats.org/officeDocument/2006/relationships" type="rect" r:blip="">
+            <dgm:adjLst/>
+          </dgm:shape>
+          <dgm:presOf axis="desOrSelf" ptType="node"/>
+          <dgm:constrLst>
+            <dgm:constr type="primFontSz" val="65"/>
+            <dgm:constr type="lMarg" refType="primFontSz" fact="0.2"/>
+            <dgm:constr type="rMarg" refType="primFontSz" fact="0.2"/>
+            <dgm:constr type="tMarg" refType="primFontSz" fact="0.2"/>
+            <dgm:constr type="bMarg" refType="primFontSz" fact="0.2"/>
+          </dgm:constrLst>
+          <dgm:ruleLst>
+            <dgm:rule type="primFontSz" val="5" fact="NaN" max="NaN"/>
+          </dgm:ruleLst>
+        </dgm:layoutNode>
+        <dgm:layoutNode name="accent_7">
+          <dgm:alg type="sp"/>
+          <dgm:shape xmlns:r="http://schemas.openxmlformats.org/officeDocument/2006/relationships" r:blip="">
+            <dgm:adjLst/>
+          </dgm:shape>
+          <dgm:presOf/>
+          <dgm:constrLst/>
+          <dgm:forEach name="Name58" ref="accentRepeat"/>
+        </dgm:layoutNode>
+      </dgm:forEach>
+    </dgm:layoutNode>
+  </dgm:layoutNode>
+</dgm:layoutDef>
+</file>
+
+<file path=ppt/diagrams/quickStyle1.xml><?xml version="1.0" encoding="utf-8"?>
+<dgm:styleDef xmlns:dgm="http://schemas.openxmlformats.org/drawingml/2006/diagram" xmlns:a="http://schemas.openxmlformats.org/drawingml/2006/main" uniqueId="urn:microsoft.com/office/officeart/2005/8/quickstyle/simple5">
+  <dgm:title val=""/>
+  <dgm:desc val=""/>
+  <dgm:catLst>
+    <dgm:cat type="simple" pri="10500"/>
+  </dgm:catLst>
+  <dgm:scene3d>
+    <a:camera prst="orthographicFront"/>
+    <a:lightRig rig="threePt" dir="t"/>
+  </dgm:scene3d>
+  <dgm:styleLbl name="node0">
+    <dgm:scene3d>
+      <a:camera prst="orthographicFront"/>
+      <a:lightRig rig="threePt" dir="t"/>
+    </dgm:scene3d>
+    <dgm:sp3d/>
+    <dgm:txPr/>
+    <dgm:style>
+      <a:lnRef idx="0">
+        <a:scrgbClr r="0" g="0" b="0"/>
+      </a:lnRef>
+      <a:fillRef idx="3">
+        <a:scrgbClr r="0" g="0" b="0"/>
+      </a:fillRef>
+      <a:effectRef idx="3">
+        <a:scrgbClr r="0" g="0" b="0"/>
+      </a:effectRef>
+      <a:fontRef idx="minor">
+        <a:schemeClr val="lt1"/>
+      </a:fontRef>
+    </dgm:style>
+  </dgm:styleLbl>
+  <dgm:styleLbl name="lnNode1">
+    <dgm:scene3d>
+      <a:camera prst="orthographicFront"/>
+      <a:lightRig rig="threePt" dir="t"/>
+    </dgm:scene3d>
+    <dgm:sp3d/>
+    <dgm:txPr/>
+    <dgm:style>
+      <a:lnRef idx="0">
+        <a:scrgbClr r="0" g="0" b="0"/>
+      </a:lnRef>
+      <a:fillRef idx="3">
+        <a:scrgbClr r="0" g="0" b="0"/>
+      </a:fillRef>
+      <a:effectRef idx="3">
+        <a:scrgbClr r="0" g="0" b="0"/>
+      </a:effectRef>
+      <a:fontRef idx="minor">
+        <a:schemeClr val="lt1"/>
+      </a:fontRef>
+    </dgm:style>
+  </dgm:styleLbl>
+  <dgm:styleLbl name="vennNode1">
+    <dgm:scene3d>
+      <a:camera prst="orthographicFront"/>
+      <a:lightRig rig="threePt" dir="t"/>
+    </dgm:scene3d>
+    <dgm:sp3d/>
+    <dgm:txPr/>
+    <dgm:style>
+      <a:lnRef idx="0">
+        <a:scrgbClr r="0" g="0" b="0"/>
+      </a:lnRef>
+      <a:fillRef idx="3">
+        <a:scrgbClr r="0" g="0" b="0"/>
+      </a:fillRef>
+      <a:effectRef idx="3">
+        <a:scrgbClr r="0" g="0" b="0"/>
+      </a:effectRef>
+      <a:fontRef idx="minor">
+        <a:schemeClr val="tx1"/>
+      </a:fontRef>
+    </dgm:style>
+  </dgm:styleLbl>
+  <dgm:styleLbl name="alignNode1">
+    <dgm:scene3d>
+      <a:camera prst="orthographicFront"/>
+      <a:lightRig rig="threePt" dir="t"/>
+    </dgm:scene3d>
+    <dgm:sp3d/>
+    <dgm:txPr/>
+    <dgm:style>
+      <a:lnRef idx="1">
+        <a:scrgbClr r="0" g="0" b="0"/>
+      </a:lnRef>
+      <a:fillRef idx="3">
+        <a:scrgbClr r="0" g="0" b="0"/>
+      </a:fillRef>
+      <a:effectRef idx="3">
+        <a:scrgbClr r="0" g="0" b="0"/>
+      </a:effectRef>
+      <a:fontRef idx="minor">
+        <a:schemeClr val="lt1"/>
+      </a:fontRef>
+    </dgm:style>
+  </dgm:styleLbl>
+  <dgm:styleLbl name="node1">
+    <dgm:scene3d>
+      <a:camera prst="orthographicFront"/>
+      <a:lightRig rig="threePt" dir="t"/>
+    </dgm:scene3d>
+    <dgm:sp3d/>
+    <dgm:txPr/>
+    <dgm:style>
+      <a:lnRef idx="0">
+        <a:scrgbClr r="0" g="0" b="0"/>
+      </a:lnRef>
+      <a:fillRef idx="3">
+        <a:scrgbClr r="0" g="0" b="0"/>
+      </a:fillRef>
+      <a:effectRef idx="3">
+        <a:scrgbClr r="0" g="0" b="0"/>
+      </a:effectRef>
+      <a:fontRef idx="minor">
+        <a:schemeClr val="lt1"/>
+      </a:fontRef>
+    </dgm:style>
+  </dgm:styleLbl>
+  <dgm:styleLbl name="node2">
+    <dgm:scene3d>
+      <a:camera prst="orthographicFront"/>
+      <a:lightRig rig="threePt" dir="t"/>
+    </dgm:scene3d>
+    <dgm:sp3d/>
+    <dgm:txPr/>
+    <dgm:style>
+      <a:lnRef idx="0">
+        <a:scrgbClr r="0" g="0" b="0"/>
+      </a:lnRef>
+      <a:fillRef idx="3">
+        <a:scrgbClr r="0" g="0" b="0"/>
+      </a:fillRef>
+      <a:effectRef idx="3">
+        <a:scrgbClr r="0" g="0" b="0"/>
+      </a:effectRef>
+      <a:fontRef idx="minor">
+        <a:schemeClr val="lt1"/>
+      </a:fontRef>
+    </dgm:style>
+  </dgm:styleLbl>
+  <dgm:styleLbl name="node3">
+    <dgm:scene3d>
+      <a:camera prst="orthographicFront"/>
+      <a:lightRig rig="threePt" dir="t"/>
+    </dgm:scene3d>
+    <dgm:sp3d/>
+    <dgm:txPr/>
+    <dgm:style>
+      <a:lnRef idx="0">
+        <a:scrgbClr r="0" g="0" b="0"/>
+      </a:lnRef>
+      <a:fillRef idx="3">
+        <a:scrgbClr r="0" g="0" b="0"/>
+      </a:fillRef>
+      <a:effectRef idx="3">
+        <a:scrgbClr r="0" g="0" b="0"/>
+      </a:effectRef>
+      <a:fontRef idx="minor">
+        <a:schemeClr val="lt1"/>
+      </a:fontRef>
+    </dgm:style>
+  </dgm:styleLbl>
+  <dgm:styleLbl name="node4">
+    <dgm:scene3d>
+      <a:camera prst="orthographicFront"/>
+      <a:lightRig rig="threePt" dir="t"/>
+    </dgm:scene3d>
+    <dgm:sp3d/>
+    <dgm:txPr/>
+    <dgm:style>
+      <a:lnRef idx="0">
+        <a:scrgbClr r="0" g="0" b="0"/>
+      </a:lnRef>
+      <a:fillRef idx="3">
+        <a:scrgbClr r="0" g="0" b="0"/>
+      </a:fillRef>
+      <a:effectRef idx="3">
+        <a:scrgbClr r="0" g="0" b="0"/>
+      </a:effectRef>
+      <a:fontRef idx="minor">
+        <a:schemeClr val="lt1"/>
+      </a:fontRef>
+    </dgm:style>
+  </dgm:styleLbl>
+  <dgm:styleLbl name="fgImgPlace1">
+    <dgm:scene3d>
+      <a:camera prst="orthographicFront"/>
+      <a:lightRig rig="threePt" dir="t"/>
+    </dgm:scene3d>
+    <dgm:sp3d/>
+    <dgm:txPr/>
+    <dgm:style>
+      <a:lnRef idx="0">
+        <a:scrgbClr r="0" g="0" b="0"/>
+      </a:lnRef>
+      <a:fillRef idx="1">
+        <a:scrgbClr r="0" g="0" b="0"/>
+      </a:fillRef>
+      <a:effectRef idx="3">
+        <a:scrgbClr r="0" g="0" b="0"/>
+      </a:effectRef>
+      <a:fontRef idx="minor"/>
+    </dgm:style>
+  </dgm:styleLbl>
+  <dgm:styleLbl name="alignImgPlace1">
+    <dgm:scene3d>
+      <a:camera prst="orthographicFront"/>
+      <a:lightRig rig="threePt" dir="t"/>
+    </dgm:scene3d>
+    <dgm:sp3d/>
+    <dgm:txPr/>
+    <dgm:style>
+      <a:lnRef idx="0">
+        <a:scrgbClr r="0" g="0" b="0"/>
+      </a:lnRef>
+      <a:fillRef idx="1">
+        <a:scrgbClr r="0" g="0" b="0"/>
+      </a:fillRef>
+      <a:effectRef idx="3">
+        <a:scrgbClr r="0" g="0" b="0"/>
+      </a:effectRef>
+      <a:fontRef idx="minor"/>
+    </dgm:style>
+  </dgm:styleLbl>
+  <dgm:styleLbl name="bgImgPlace1">
+    <dgm:scene3d>
+      <a:camera prst="orthographicFront"/>
+      <a:lightRig rig="threePt" dir="t"/>
+    </dgm:scene3d>
+    <dgm:sp3d/>
+    <dgm:txPr/>
+    <dgm:style>
+      <a:lnRef idx="0">
+        <a:scrgbClr r="0" g="0" b="0"/>
+      </a:lnRef>
+      <a:fillRef idx="1">
+        <a:scrgbClr r="0" g="0" b="0"/>
+      </a:fillRef>
+      <a:effectRef idx="3">
+        <a:scrgbClr r="0" g="0" b="0"/>
+      </a:effectRef>
+      <a:fontRef idx="minor"/>
+    </dgm:style>
+  </dgm:styleLbl>
+  <dgm:styleLbl name="sibTrans2D1">
+    <dgm:scene3d>
+      <a:camera prst="orthographicFront"/>
+      <a:lightRig rig="threePt" dir="t"/>
+    </dgm:scene3d>
+    <dgm:sp3d/>
+    <dgm:txPr/>
+    <dgm:style>
+      <a:lnRef idx="0">
+        <a:scrgbClr r="0" g="0" b="0"/>
+      </a:lnRef>
+      <a:fillRef idx="3">
+        <a:scrgbClr r="0" g="0" b="0"/>
+      </a:fillRef>
+      <a:effectRef idx="3">
+        <a:scrgbClr r="0" g="0" b="0"/>
+      </a:effectRef>
+      <a:fontRef idx="minor">
+        <a:schemeClr val="lt1"/>
+      </a:fontRef>
+    </dgm:style>
+  </dgm:styleLbl>
+  <dgm:styleLbl name="fgSibTrans2D1">
+    <dgm:scene3d>
+      <a:camera prst="orthographicFront"/>
+      <a:lightRig rig="threePt" dir="t"/>
+    </dgm:scene3d>
+    <dgm:sp3d/>
+    <dgm:txPr/>
+    <dgm:style>
+      <a:lnRef idx="0">
+        <a:scrgbClr r="0" g="0" b="0"/>
+      </a:lnRef>
+      <a:fillRef idx="3">
+        <a:scrgbClr r="0" g="0" b="0"/>
+      </a:fillRef>
+      <a:effectRef idx="3">
+        <a:scrgbClr r="0" g="0" b="0"/>
+      </a:effectRef>
+      <a:fontRef idx="minor">
+        <a:schemeClr val="lt1"/>
+      </a:fontRef>
+    </dgm:style>
+  </dgm:styleLbl>
+  <dgm:styleLbl name="bgSibTrans2D1">
+    <dgm:scene3d>
+      <a:camera prst="orthographicFront"/>
+      <a:lightRig rig="threePt" dir="t"/>
+    </dgm:scene3d>
+    <dgm:sp3d/>
+    <dgm:txPr/>
+    <dgm:style>
+      <a:lnRef idx="0">
+        <a:scrgbClr r="0" g="0" b="0"/>
+      </a:lnRef>
+      <a:fillRef idx="3">
+        <a:scrgbClr r="0" g="0" b="0"/>
+      </a:fillRef>
+      <a:effectRef idx="3">
+        <a:scrgbClr r="0" g="0" b="0"/>
+      </a:effectRef>
+      <a:fontRef idx="minor">
+        <a:schemeClr val="lt1"/>
+      </a:fontRef>
+    </dgm:style>
+  </dgm:styleLbl>
+  <dgm:styleLbl name="sibTrans1D1">
+    <dgm:scene3d>
+      <a:camera prst="orthographicFront"/>
+      <a:lightRig rig="threePt" dir="t"/>
+    </dgm:scene3d>
+    <dgm:sp3d/>
+    <dgm:txPr/>
+    <dgm:style>
+      <a:lnRef idx="1">
+        <a:scrgbClr r="0" g="0" b="0"/>
+      </a:lnRef>
+      <a:fillRef idx="0">
+        <a:scrgbClr r="0" g="0" b="0"/>
+      </a:fillRef>
+      <a:effectRef idx="0">
+        <a:scrgbClr r="0" g="0" b="0"/>
+      </a:effectRef>
+      <a:fontRef idx="minor"/>
+    </dgm:style>
+  </dgm:styleLbl>
+  <dgm:styleLbl name="callout">
+    <dgm:scene3d>
+      <a:camera prst="orthographicFront"/>
+      <a:lightRig rig="threePt" dir="t"/>
+    </dgm:scene3d>
+    <dgm:sp3d/>
+    <dgm:txPr/>
+    <dgm:style>
+      <a:lnRef idx="1">
+        <a:scrgbClr r="0" g="0" b="0"/>
+      </a:lnRef>
+      <a:fillRef idx="0">
+        <a:scrgbClr r="0" g="0" b="0"/>
+      </a:fillRef>
+      <a:effectRef idx="1">
+        <a:scrgbClr r="0" g="0" b="0"/>
+      </a:effectRef>
+      <a:fontRef idx="minor"/>
+    </dgm:style>
+  </dgm:styleLbl>
+  <dgm:styleLbl name="asst0">
+    <dgm:scene3d>
+      <a:camera prst="orthographicFront"/>
+      <a:lightRig rig="threePt" dir="t"/>
+    </dgm:scene3d>
+    <dgm:sp3d/>
+    <dgm:txPr/>
+    <dgm:style>
+      <a:lnRef idx="0">
+        <a:scrgbClr r="0" g="0" b="0"/>
+      </a:lnRef>
+      <a:fillRef idx="3">
+        <a:scrgbClr r="0" g="0" b="0"/>
+      </a:fillRef>
+      <a:effectRef idx="3">
+        <a:scrgbClr r="0" g="0" b="0"/>
+      </a:effectRef>
+      <a:fontRef idx="minor">
+        <a:schemeClr val="lt1"/>
+      </a:fontRef>
+    </dgm:style>
+  </dgm:styleLbl>
+  <dgm:styleLbl name="asst1">
+    <dgm:scene3d>
+      <a:camera prst="orthographicFront"/>
+      <a:lightRig rig="threePt" dir="t"/>
+    </dgm:scene3d>
+    <dgm:sp3d/>
+    <dgm:txPr/>
+    <dgm:style>
+      <a:lnRef idx="0">
+        <a:scrgbClr r="0" g="0" b="0"/>
+      </a:lnRef>
+      <a:fillRef idx="3">
+        <a:scrgbClr r="0" g="0" b="0"/>
+      </a:fillRef>
+      <a:effectRef idx="3">
+        <a:scrgbClr r="0" g="0" b="0"/>
+      </a:effectRef>
+      <a:fontRef idx="minor">
+        <a:schemeClr val="lt1"/>
+      </a:fontRef>
+    </dgm:style>
+  </dgm:styleLbl>
+  <dgm:styleLbl name="asst2">
+    <dgm:scene3d>
+      <a:camera prst="orthographicFront"/>
+      <a:lightRig rig="threePt" dir="t"/>
+    </dgm:scene3d>
+    <dgm:sp3d/>
+    <dgm:txPr/>
+    <dgm:style>
+      <a:lnRef idx="0">
+        <a:scrgbClr r="0" g="0" b="0"/>
+      </a:lnRef>
+      <a:fillRef idx="3">
+        <a:scrgbClr r="0" g="0" b="0"/>
+      </a:fillRef>
+      <a:effectRef idx="3">
+        <a:scrgbClr r="0" g="0" b="0"/>
+      </a:effectRef>
+      <a:fontRef idx="minor">
+        <a:schemeClr val="lt1"/>
+      </a:fontRef>
+    </dgm:style>
+  </dgm:styleLbl>
+  <dgm:styleLbl name="asst3">
+    <dgm:scene3d>
+      <a:camera prst="orthographicFront"/>
+      <a:lightRig rig="threePt" dir="t"/>
+    </dgm:scene3d>
+    <dgm:sp3d/>
+    <dgm:txPr/>
+    <dgm:style>
+      <a:lnRef idx="0">
+        <a:scrgbClr r="0" g="0" b="0"/>
+      </a:lnRef>
+      <a:fillRef idx="3">
+        <a:scrgbClr r="0" g="0" b="0"/>
+      </a:fillRef>
+      <a:effectRef idx="3">
+        <a:scrgbClr r="0" g="0" b="0"/>
+      </a:effectRef>
+      <a:fontRef idx="minor">
+        <a:schemeClr val="lt1"/>
+      </a:fontRef>
+    </dgm:style>
+  </dgm:styleLbl>
+  <dgm:styleLbl name="asst4">
+    <dgm:scene3d>
+      <a:camera prst="orthographicFront"/>
+      <a:lightRig rig="threePt" dir="t"/>
+    </dgm:scene3d>
+    <dgm:sp3d/>
+    <dgm:txPr/>
+    <dgm:style>
+      <a:lnRef idx="0">
+        <a:scrgbClr r="0" g="0" b="0"/>
+      </a:lnRef>
+      <a:fillRef idx="3">
+        <a:scrgbClr r="0" g="0" b="0"/>
+      </a:fillRef>
+      <a:effectRef idx="3">
+        <a:scrgbClr r="0" g="0" b="0"/>
+      </a:effectRef>
+      <a:fontRef idx="minor">
+        <a:schemeClr val="lt1"/>
+      </a:fontRef>
+    </dgm:style>
+  </dgm:styleLbl>
+  <dgm:styleLbl name="parChTrans2D1">
+    <dgm:scene3d>
+      <a:camera prst="orthographicFront"/>
+      <a:lightRig rig="threePt" dir="t"/>
+    </dgm:scene3d>
+    <dgm:sp3d/>
+    <dgm:txPr/>
+    <dgm:style>
+      <a:lnRef idx="0">
+        <a:scrgbClr r="0" g="0" b="0"/>
+      </a:lnRef>
+      <a:fillRef idx="3">
+        <a:scrgbClr r="0" g="0" b="0"/>
+      </a:fillRef>
+      <a:effectRef idx="3">
+        <a:scrgbClr r="0" g="0" b="0"/>
+      </a:effectRef>
+      <a:fontRef idx="minor">
+        <a:schemeClr val="lt1"/>
+      </a:fontRef>
+    </dgm:style>
+  </dgm:styleLbl>
+  <dgm:styleLbl name="parChTrans2D2">
+    <dgm:scene3d>
+      <a:camera prst="orthographicFront"/>
+      <a:lightRig rig="threePt" dir="t"/>
+    </dgm:scene3d>
+    <dgm:sp3d/>
+    <dgm:txPr/>
+    <dgm:style>
+      <a:lnRef idx="0">
+        <a:scrgbClr r="0" g="0" b="0"/>
+      </a:lnRef>
+      <a:fillRef idx="3">
+        <a:scrgbClr r="0" g="0" b="0"/>
+      </a:fillRef>
+      <a:effectRef idx="3">
+        <a:scrgbClr r="0" g="0" b="0"/>
+      </a:effectRef>
+      <a:fontRef idx="minor">
+        <a:schemeClr val="lt1"/>
+      </a:fontRef>
+    </dgm:style>
+  </dgm:styleLbl>
+  <dgm:styleLbl name="parChTrans2D3">
+    <dgm:scene3d>
+      <a:camera prst="orthographicFront"/>
+      <a:lightRig rig="threePt" dir="t"/>
+    </dgm:scene3d>
+    <dgm:sp3d/>
+    <dgm:txPr/>
+    <dgm:style>
+      <a:lnRef idx="0">
+        <a:scrgbClr r="0" g="0" b="0"/>
+      </a:lnRef>
+      <a:fillRef idx="3">
+        <a:scrgbClr r="0" g="0" b="0"/>
+      </a:fillRef>
+      <a:effectRef idx="3">
+        <a:scrgbClr r="0" g="0" b="0"/>
+      </a:effectRef>
+      <a:fontRef idx="minor">
+        <a:schemeClr val="lt1"/>
+      </a:fontRef>
+    </dgm:style>
+  </dgm:styleLbl>
+  <dgm:styleLbl name="parChTrans2D4">
+    <dgm:scene3d>
+      <a:camera prst="orthographicFront"/>
+      <a:lightRig rig="threePt" dir="t"/>
+    </dgm:scene3d>
+    <dgm:sp3d/>
+    <dgm:txPr/>
+    <dgm:style>
+      <a:lnRef idx="0">
+        <a:scrgbClr r="0" g="0" b="0"/>
+      </a:lnRef>
+      <a:fillRef idx="3">
+        <a:scrgbClr r="0" g="0" b="0"/>
+      </a:fillRef>
+      <a:effectRef idx="3">
+        <a:scrgbClr r="0" g="0" b="0"/>
+      </a:effectRef>
+      <a:fontRef idx="minor">
+        <a:schemeClr val="lt1"/>
+      </a:fontRef>
+    </dgm:style>
+  </dgm:styleLbl>
+  <dgm:styleLbl name="parChTrans1D1">
+    <dgm:scene3d>
+      <a:camera prst="orthographicFront"/>
+      <a:lightRig rig="threePt" dir="t"/>
+    </dgm:scene3d>
+    <dgm:sp3d/>
+    <dgm:txPr/>
+    <dgm:style>
+      <a:lnRef idx="2">
+        <a:scrgbClr r="0" g="0" b="0"/>
+      </a:lnRef>
+      <a:fillRef idx="0">
+        <a:scrgbClr r="0" g="0" b="0"/>
+      </a:fillRef>
+      <a:effectRef idx="0">
+        <a:scrgbClr r="0" g="0" b="0"/>
+      </a:effectRef>
+      <a:fontRef idx="minor"/>
+    </dgm:style>
+  </dgm:styleLbl>
+  <dgm:styleLbl name="parChTrans1D2">
+    <dgm:scene3d>
+      <a:camera prst="orthographicFront"/>
+      <a:lightRig rig="threePt" dir="t"/>
+    </dgm:scene3d>
+    <dgm:sp3d/>
+    <dgm:txPr/>
+    <dgm:style>
+      <a:lnRef idx="2">
+        <a:scrgbClr r="0" g="0" b="0"/>
+      </a:lnRef>
+      <a:fillRef idx="0">
+        <a:scrgbClr r="0" g="0" b="0"/>
+      </a:fillRef>
+      <a:effectRef idx="0">
+        <a:scrgbClr r="0" g="0" b="0"/>
+      </a:effectRef>
+      <a:fontRef idx="minor"/>
+    </dgm:style>
+  </dgm:styleLbl>
+  <dgm:styleLbl name="parChTrans1D3">
+    <dgm:scene3d>
+      <a:camera prst="orthographicFront"/>
+      <a:lightRig rig="threePt" dir="t"/>
+    </dgm:scene3d>
+    <dgm:sp3d/>
+    <dgm:txPr/>
+    <dgm:style>
+      <a:lnRef idx="2">
+        <a:scrgbClr r="0" g="0" b="0"/>
+      </a:lnRef>
+      <a:fillRef idx="0">
+        <a:scrgbClr r="0" g="0" b="0"/>
+      </a:fillRef>
+      <a:effectRef idx="0">
+        <a:scrgbClr r="0" g="0" b="0"/>
+      </a:effectRef>
+      <a:fontRef idx="minor"/>
+    </dgm:style>
+  </dgm:styleLbl>
+  <dgm:styleLbl name="parChTrans1D4">
+    <dgm:scene3d>
+      <a:camera prst="orthographicFront"/>
+      <a:lightRig rig="threePt" dir="t"/>
+    </dgm:scene3d>
+    <dgm:sp3d/>
+    <dgm:txPr/>
+    <dgm:style>
+      <a:lnRef idx="2">
+        <a:scrgbClr r="0" g="0" b="0"/>
+      </a:lnRef>
+      <a:fillRef idx="0">
+        <a:scrgbClr r="0" g="0" b="0"/>
+      </a:fillRef>
+      <a:effectRef idx="0">
+        <a:scrgbClr r="0" g="0" b="0"/>
+      </a:effectRef>
+      <a:fontRef idx="minor"/>
+    </dgm:style>
+  </dgm:styleLbl>
+  <dgm:styleLbl name="fgAcc1">
+    <dgm:scene3d>
+      <a:camera prst="orthographicFront"/>
+      <a:lightRig rig="threePt" dir="t"/>
+    </dgm:scene3d>
+    <dgm:sp3d/>
+    <dgm:txPr/>
+    <dgm:style>
+      <a:lnRef idx="1">
+        <a:scrgbClr r="0" g="0" b="0"/>
+      </a:lnRef>
+      <a:fillRef idx="1">
+        <a:scrgbClr r="0" g="0" b="0"/>
+      </a:fillRef>
+      <a:effectRef idx="2">
+        <a:scrgbClr r="0" g="0" b="0"/>
+      </a:effectRef>
+      <a:fontRef idx="minor"/>
+    </dgm:style>
+  </dgm:styleLbl>
+  <dgm:styleLbl name="conFgAcc1">
+    <dgm:scene3d>
+      <a:camera prst="orthographicFront"/>
+      <a:lightRig rig="threePt" dir="t"/>
+    </dgm:scene3d>
+    <dgm:sp3d/>
+    <dgm:txPr/>
+    <dgm:style>
+      <a:lnRef idx="1">
+        <a:scrgbClr r="0" g="0" b="0"/>
+      </a:lnRef>
+      <a:fillRef idx="1">
+        <a:scrgbClr r="0" g="0" b="0"/>
+      </a:fillRef>
+      <a:effectRef idx="2">
+        <a:scrgbClr r="0" g="0" b="0"/>
+      </a:effectRef>
+      <a:fontRef idx="minor"/>
+    </dgm:style>
+  </dgm:styleLbl>
+  <dgm:styleLbl name="alignAcc1">
+    <dgm:scene3d>
+      <a:camera prst="orthographicFront"/>
+      <a:lightRig rig="threePt" dir="t"/>
+    </dgm:scene3d>
+    <dgm:sp3d/>
+    <dgm:txPr/>
+    <dgm:style>
+      <a:lnRef idx="1">
+        <a:scrgbClr r="0" g="0" b="0"/>
+      </a:lnRef>
+      <a:fillRef idx="1">
+        <a:scrgbClr r="0" g="0" b="0"/>
+      </a:fillRef>
+      <a:effectRef idx="2">
+        <a:scrgbClr r="0" g="0" b="0"/>
+      </a:effectRef>
+      <a:fontRef idx="minor"/>
+    </dgm:style>
+  </dgm:styleLbl>
+  <dgm:styleLbl name="trAlignAcc1">
+    <dgm:scene3d>
+      <a:camera prst="orthographicFront"/>
+      <a:lightRig rig="threePt" dir="t"/>
+    </dgm:scene3d>
+    <dgm:sp3d/>
+    <dgm:txPr/>
+    <dgm:style>
+      <a:lnRef idx="1">
+        <a:scrgbClr r="0" g="0" b="0"/>
+      </a:lnRef>
+      <a:fillRef idx="1">
+        <a:scrgbClr r="0" g="0" b="0"/>
+      </a:fillRef>
+      <a:effectRef idx="0">
+        <a:scrgbClr r="0" g="0" b="0"/>
+      </a:effectRef>
+      <a:fontRef idx="minor"/>
+    </dgm:style>
+  </dgm:styleLbl>
+  <dgm:styleLbl name="bgAcc1">
+    <dgm:scene3d>
+      <a:camera prst="orthographicFront"/>
+      <a:lightRig rig="threePt" dir="t"/>
+    </dgm:scene3d>
+    <dgm:sp3d/>
+    <dgm:txPr/>
+    <dgm:style>
+      <a:lnRef idx="1">
+        <a:scrgbClr r="0" g="0" b="0"/>
+      </a:lnRef>
+      <a:fillRef idx="1">
+        <a:scrgbClr r="0" g="0" b="0"/>
+      </a:fillRef>
+      <a:effectRef idx="2">
+        <a:scrgbClr r="0" g="0" b="0"/>
+      </a:effectRef>
+      <a:fontRef idx="minor"/>
+    </dgm:style>
+  </dgm:styleLbl>
+  <dgm:styleLbl name="solidFgAcc1">
+    <dgm:scene3d>
+      <a:camera prst="orthographicFront"/>
+      <a:lightRig rig="threePt" dir="t"/>
+    </dgm:scene3d>
+    <dgm:sp3d/>
+    <dgm:txPr/>
+    <dgm:style>
+      <a:lnRef idx="1">
+        <a:scrgbClr r="0" g="0" b="0"/>
+      </a:lnRef>
+      <a:fillRef idx="1">
+        <a:scrgbClr r="0" g="0" b="0"/>
+      </a:fillRef>
+      <a:effectRef idx="2">
+        <a:scrgbClr r="0" g="0" b="0"/>
+      </a:effectRef>
+      <a:fontRef idx="minor"/>
+    </dgm:style>
+  </dgm:styleLbl>
+  <dgm:styleLbl name="solidAlignAcc1">
+    <dgm:scene3d>
+      <a:camera prst="orthographicFront"/>
+      <a:lightRig rig="threePt" dir="t"/>
+    </dgm:scene3d>
+    <dgm:sp3d/>
+    <dgm:txPr/>
+    <dgm:style>
+      <a:lnRef idx="1">
+        <a:scrgbClr r="0" g="0" b="0"/>
+      </a:lnRef>
+      <a:fillRef idx="1">
+        <a:scrgbClr r="0" g="0" b="0"/>
+      </a:fillRef>
+      <a:effectRef idx="3">
+        <a:scrgbClr r="0" g="0" b="0"/>
+      </a:effectRef>
+      <a:fontRef idx="minor"/>
+    </dgm:style>
+  </dgm:styleLbl>
+  <dgm:styleLbl name="solidBgAcc1">
+    <dgm:scene3d>
+      <a:camera prst="orthographicFront"/>
+      <a:lightRig rig="threePt" dir="t"/>
+    </dgm:scene3d>
+    <dgm:sp3d/>
+    <dgm:txPr/>
+    <dgm:style>
+      <a:lnRef idx="1">
+        <a:scrgbClr r="0" g="0" b="0"/>
+      </a:lnRef>
+      <a:fillRef idx="1">
+        <a:scrgbClr r="0" g="0" b="0"/>
+      </a:fillRef>
+      <a:effectRef idx="3">
+        <a:scrgbClr r="0" g="0" b="0"/>
+      </a:effectRef>
+      <a:fontRef idx="minor"/>
+    </dgm:style>
+  </dgm:styleLbl>
+  <dgm:styleLbl name="fgAccFollowNode1">
+    <dgm:scene3d>
+      <a:camera prst="orthographicFront"/>
+      <a:lightRig rig="threePt" dir="t"/>
+    </dgm:scene3d>
+    <dgm:sp3d/>
+    <dgm:txPr/>
+    <dgm:style>
+      <a:lnRef idx="1">
+        <a:scrgbClr r="0" g="0" b="0"/>
+      </a:lnRef>
+      <a:fillRef idx="1">
+        <a:scrgbClr r="0" g="0" b="0"/>
+      </a:fillRef>
+      <a:effectRef idx="2">
+        <a:scrgbClr r="0" g="0" b="0"/>
+      </a:effectRef>
+      <a:fontRef idx="minor"/>
+    </dgm:style>
+  </dgm:styleLbl>
+  <dgm:styleLbl name="alignAccFollowNode1">
+    <dgm:scene3d>
+      <a:camera prst="orthographicFront"/>
+      <a:lightRig rig="threePt" dir="t"/>
+    </dgm:scene3d>
+    <dgm:sp3d/>
+    <dgm:txPr/>
+    <dgm:style>
+      <a:lnRef idx="1">
+        <a:scrgbClr r="0" g="0" b="0"/>
+      </a:lnRef>
+      <a:fillRef idx="1">
+        <a:scrgbClr r="0" g="0" b="0"/>
+      </a:fillRef>
+      <a:effectRef idx="2">
+        <a:scrgbClr r="0" g="0" b="0"/>
+      </a:effectRef>
+      <a:fontRef idx="minor"/>
+    </dgm:style>
+  </dgm:styleLbl>
+  <dgm:styleLbl name="bgAccFollowNode1">
+    <dgm:scene3d>
+      <a:camera prst="orthographicFront"/>
+      <a:lightRig rig="threePt" dir="t"/>
+    </dgm:scene3d>
+    <dgm:sp3d/>
+    <dgm:txPr/>
+    <dgm:style>
+      <a:lnRef idx="1">
+        <a:scrgbClr r="0" g="0" b="0"/>
+      </a:lnRef>
+      <a:fillRef idx="1">
+        <a:scrgbClr r="0" g="0" b="0"/>
+      </a:fillRef>
+      <a:effectRef idx="2">
+        <a:scrgbClr r="0" g="0" b="0"/>
+      </a:effectRef>
+      <a:fontRef idx="minor"/>
+    </dgm:style>
+  </dgm:styleLbl>
+  <dgm:styleLbl name="fgAcc0">
+    <dgm:scene3d>
+      <a:camera prst="orthographicFront"/>
+      <a:lightRig rig="threePt" dir="t"/>
+    </dgm:scene3d>
+    <dgm:sp3d/>
+    <dgm:txPr/>
+    <dgm:style>
+      <a:lnRef idx="1">
+        <a:scrgbClr r="0" g="0" b="0"/>
+      </a:lnRef>
+      <a:fillRef idx="1">
+        <a:scrgbClr r="0" g="0" b="0"/>
+      </a:fillRef>
+      <a:effectRef idx="2">
+        <a:scrgbClr r="0" g="0" b="0"/>
+      </a:effectRef>
+      <a:fontRef idx="minor"/>
+    </dgm:style>
+  </dgm:styleLbl>
+  <dgm:styleLbl name="fgAcc2">
+    <dgm:scene3d>
+      <a:camera prst="orthographicFront"/>
+      <a:lightRig rig="threePt" dir="t"/>
+    </dgm:scene3d>
+    <dgm:sp3d/>
+    <dgm:txPr/>
+    <dgm:style>
+      <a:lnRef idx="1">
+        <a:scrgbClr r="0" g="0" b="0"/>
+      </a:lnRef>
+      <a:fillRef idx="1">
+        <a:scrgbClr r="0" g="0" b="0"/>
+      </a:fillRef>
+      <a:effectRef idx="2">
+        <a:scrgbClr r="0" g="0" b="0"/>
+      </a:effectRef>
+      <a:fontRef idx="minor"/>
+    </dgm:style>
+  </dgm:styleLbl>
+  <dgm:styleLbl name="fgAcc3">
+    <dgm:scene3d>
+      <a:camera prst="orthographicFront"/>
+      <a:lightRig rig="threePt" dir="t"/>
+    </dgm:scene3d>
+    <dgm:sp3d/>
+    <dgm:txPr/>
+    <dgm:style>
+      <a:lnRef idx="1">
+        <a:scrgbClr r="0" g="0" b="0"/>
+      </a:lnRef>
+      <a:fillRef idx="1">
+        <a:scrgbClr r="0" g="0" b="0"/>
+      </a:fillRef>
+      <a:effectRef idx="2">
+        <a:scrgbClr r="0" g="0" b="0"/>
+      </a:effectRef>
+      <a:fontRef idx="minor"/>
+    </dgm:style>
+  </dgm:styleLbl>
+  <dgm:styleLbl name="fgAcc4">
+    <dgm:scene3d>
+      <a:camera prst="orthographicFront"/>
+      <a:lightRig rig="threePt" dir="t"/>
+    </dgm:scene3d>
+    <dgm:sp3d/>
+    <dgm:txPr/>
+    <dgm:style>
+      <a:lnRef idx="1">
+        <a:scrgbClr r="0" g="0" b="0"/>
+      </a:lnRef>
+      <a:fillRef idx="1">
+        <a:scrgbClr r="0" g="0" b="0"/>
+      </a:fillRef>
+      <a:effectRef idx="2">
+        <a:scrgbClr r="0" g="0" b="0"/>
+      </a:effectRef>
+      <a:fontRef idx="minor"/>
+    </dgm:style>
+  </dgm:styleLbl>
+  <dgm:styleLbl name="bgShp">
+    <dgm:scene3d>
+      <a:camera prst="orthographicFront"/>
+      <a:lightRig rig="threePt" dir="t"/>
+    </dgm:scene3d>
+    <dgm:sp3d/>
+    <dgm:txPr/>
+    <dgm:style>
+      <a:lnRef idx="0">
+        <a:scrgbClr r="0" g="0" b="0"/>
+      </a:lnRef>
+      <a:fillRef idx="1">
+        <a:scrgbClr r="0" g="0" b="0"/>
+      </a:fillRef>
+      <a:effectRef idx="2">
+        <a:scrgbClr r="0" g="0" b="0"/>
+      </a:effectRef>
+      <a:fontRef idx="minor"/>
+    </dgm:style>
+  </dgm:styleLbl>
+  <dgm:styleLbl name="dkBgShp">
+    <dgm:scene3d>
+      <a:camera prst="orthographicFront"/>
+      <a:lightRig rig="threePt" dir="t"/>
+    </dgm:scene3d>
+    <dgm:sp3d/>
+    <dgm:txPr/>
+    <dgm:style>
+      <a:lnRef idx="0">
+        <a:scrgbClr r="0" g="0" b="0"/>
+      </a:lnRef>
+      <a:fillRef idx="1">
+        <a:scrgbClr r="0" g="0" b="0"/>
+      </a:fillRef>
+      <a:effectRef idx="3">
+        <a:scrgbClr r="0" g="0" b="0"/>
+      </a:effectRef>
+      <a:fontRef idx="minor"/>
+    </dgm:style>
+  </dgm:styleLbl>
+  <dgm:styleLbl name="trBgShp">
+    <dgm:scene3d>
+      <a:camera prst="orthographicFront"/>
+      <a:lightRig rig="threePt" dir="t"/>
+    </dgm:scene3d>
+    <dgm:sp3d/>
+    <dgm:txPr/>
+    <dgm:style>
+      <a:lnRef idx="0">
+        <a:scrgbClr r="0" g="0" b="0"/>
+      </a:lnRef>
+      <a:fillRef idx="1">
+        <a:scrgbClr r="0" g="0" b="0"/>
+      </a:fillRef>
+      <a:effectRef idx="0">
+        <a:scrgbClr r="0" g="0" b="0"/>
+      </a:effectRef>
+      <a:fontRef idx="minor"/>
+    </dgm:style>
+  </dgm:styleLbl>
+  <dgm:styleLbl name="fgShp">
+    <dgm:scene3d>
+      <a:camera prst="orthographicFront"/>
+      <a:lightRig rig="threePt" dir="t"/>
+    </dgm:scene3d>
+    <dgm:sp3d/>
+    <dgm:txPr/>
+    <dgm:style>
+      <a:lnRef idx="0">
+        <a:scrgbClr r="0" g="0" b="0"/>
+      </a:lnRef>
+      <a:fillRef idx="3">
+        <a:scrgbClr r="0" g="0" b="0"/>
+      </a:fillRef>
+      <a:effectRef idx="3">
+        <a:scrgbClr r="0" g="0" b="0"/>
+      </a:effectRef>
+      <a:fontRef idx="minor"/>
+    </dgm:style>
+  </dgm:styleLbl>
+  <dgm:styleLbl name="revTx">
+    <dgm:scene3d>
+      <a:camera prst="orthographicFront"/>
+      <a:lightRig rig="threePt" dir="t"/>
+    </dgm:scene3d>
+    <dgm:sp3d/>
+    <dgm:txPr/>
+    <dgm:style>
+      <a:lnRef idx="0">
+        <a:scrgbClr r="0" g="0" b="0"/>
+      </a:lnRef>
+      <a:fillRef idx="0">
+        <a:scrgbClr r="0" g="0" b="0"/>
+      </a:fillRef>
+      <a:effectRef idx="0">
+        <a:scrgbClr r="0" g="0" b="0"/>
+      </a:effectRef>
+      <a:fontRef idx="minor"/>
+    </dgm:style>
+  </dgm:styleLbl>
+</dgm:styleDef>
+</file>
+
 <file path=ppt/handoutMasters/handoutMaster1.xml><?xml version="1.0" encoding="utf-8"?>
 <p:handoutMaster xmlns:a="http://schemas.openxmlformats.org/drawingml/2006/main" xmlns:r="http://schemas.openxmlformats.org/officeDocument/2006/relationships" xmlns:p="http://schemas.openxmlformats.org/presentationml/2006/main">
   <p:cSld>
@@ -271,7 +5014,7 @@
                 <a:latin typeface="Arial" pitchFamily="34" charset="0"/>
               </a:rPr>
               <a:pPr/>
-              <a:t>11/26/2019</a:t>
+              <a:t>12/11/2019</a:t>
             </a:fld>
             <a:endParaRPr lang="en-US" dirty="0">
               <a:latin typeface="Arial" pitchFamily="34" charset="0"/>
@@ -450,7 +5193,7 @@
             <a:fld id="{B5D7A87D-1CDA-443F-BAE3-82C9C05446C3}" type="datetimeFigureOut">
               <a:rPr lang="en-US" smtClean="0"/>
               <a:pPr/>
-              <a:t>11/26/2019</a:t>
+              <a:t>12/11/2019</a:t>
             </a:fld>
             <a:endParaRPr lang="en-US" dirty="0"/>
           </a:p>
@@ -24563,7 +29306,7 @@
           <a:lstStyle/>
           <a:p>
             <a:r>
-              <a:rPr lang="en-US" sz="1800" dirty="0" smtClean="0"/>
+              <a:rPr lang="en-US" sz="1800" dirty="0"/>
               <a:t>Spring</a:t>
             </a:r>
           </a:p>
@@ -24573,34 +29316,25 @@
           <a:p>
             <a:r>
               <a:rPr lang="en-US" sz="1800" dirty="0"/>
-              <a:t>Spring </a:t>
-            </a:r>
-            <a:r>
-              <a:rPr lang="en-US" sz="1800" dirty="0" smtClean="0"/>
-              <a:t>Boot</a:t>
-            </a:r>
-          </a:p>
-          <a:p>
-            <a:endParaRPr lang="en-US" sz="1800" dirty="0" smtClean="0"/>
-          </a:p>
-          <a:p>
-            <a:r>
-              <a:rPr lang="en-US" sz="1800" dirty="0" smtClean="0"/>
+              <a:t>Spring Boot</a:t>
+            </a:r>
+          </a:p>
+          <a:p>
+            <a:endParaRPr lang="en-US" sz="1800" dirty="0"/>
+          </a:p>
+          <a:p>
+            <a:r>
+              <a:rPr lang="en-US" sz="1800" dirty="0"/>
               <a:t>REST </a:t>
             </a:r>
             <a:r>
               <a:rPr lang="en-US" sz="1800" dirty="0" err="1"/>
-              <a:t>A</a:t>
-            </a:r>
-            <a:r>
-              <a:rPr lang="en-US" sz="1800" dirty="0" err="1" smtClean="0"/>
-              <a:t>pi</a:t>
-            </a:r>
-            <a:r>
-              <a:rPr lang="en-US" sz="1800" dirty="0" smtClean="0"/>
+              <a:t>Api</a:t>
+            </a:r>
+            <a:r>
+              <a:rPr lang="en-US" sz="1800" dirty="0"/>
               <a:t> introduction</a:t>
             </a:r>
-            <a:endParaRPr lang="en-US" sz="1800" dirty="0"/>
           </a:p>
         </p:txBody>
       </p:sp>
@@ -24647,17 +29381,643 @@
   <p:transition>
     <p:fade/>
   </p:transition>
+</p:sld>
+</file>
+
+<file path=ppt/slides/slide10.xml><?xml version="1.0" encoding="utf-8"?>
+<p:sld xmlns:a="http://schemas.openxmlformats.org/drawingml/2006/main" xmlns:r="http://schemas.openxmlformats.org/officeDocument/2006/relationships" xmlns:p="http://schemas.openxmlformats.org/presentationml/2006/main">
+  <p:cSld>
+    <p:spTree>
+      <p:nvGrpSpPr>
+        <p:cNvPr id="1" name=""/>
+        <p:cNvGrpSpPr/>
+        <p:nvPr/>
+      </p:nvGrpSpPr>
+      <p:grpSpPr>
+        <a:xfrm>
+          <a:off x="0" y="0"/>
+          <a:ext cx="0" cy="0"/>
+          <a:chOff x="0" y="0"/>
+          <a:chExt cx="0" cy="0"/>
+        </a:xfrm>
+      </p:grpSpPr>
+      <p:sp>
+        <p:nvSpPr>
+          <p:cNvPr id="2" name="Titre 1">
+            <a:extLst>
+              <a:ext uri="{FF2B5EF4-FFF2-40B4-BE49-F238E27FC236}">
+                <a16:creationId xmlns:a16="http://schemas.microsoft.com/office/drawing/2014/main" id="{D3F27CD7-EF9F-4FDE-A804-F12AA196463C}"/>
+              </a:ext>
+            </a:extLst>
+          </p:cNvPr>
+          <p:cNvSpPr>
+            <a:spLocks noGrp="1"/>
+          </p:cNvSpPr>
+          <p:nvPr>
+            <p:ph type="title"/>
+          </p:nvPr>
+        </p:nvSpPr>
+        <p:spPr/>
+        <p:txBody>
+          <a:bodyPr/>
+          <a:lstStyle/>
+          <a:p>
+            <a:r>
+              <a:rPr lang="fr-FR" dirty="0"/>
+              <a:t>Spring Framework</a:t>
+            </a:r>
+          </a:p>
+        </p:txBody>
+      </p:sp>
+      <p:sp>
+        <p:nvSpPr>
+          <p:cNvPr id="3" name="Espace réservé du contenu 2">
+            <a:extLst>
+              <a:ext uri="{FF2B5EF4-FFF2-40B4-BE49-F238E27FC236}">
+                <a16:creationId xmlns:a16="http://schemas.microsoft.com/office/drawing/2014/main" id="{406C3B39-745D-4D78-8943-842D045A6F38}"/>
+              </a:ext>
+            </a:extLst>
+          </p:cNvPr>
+          <p:cNvSpPr>
+            <a:spLocks noGrp="1"/>
+          </p:cNvSpPr>
+          <p:nvPr>
+            <p:ph sz="quarter" idx="17"/>
+          </p:nvPr>
+        </p:nvSpPr>
+        <p:spPr/>
+        <p:txBody>
+          <a:bodyPr/>
+          <a:lstStyle/>
+          <a:p>
+            <a:r>
+              <a:rPr lang="fr-FR" b="1" dirty="0"/>
+              <a:t>Les </a:t>
+            </a:r>
+            <a:r>
+              <a:rPr lang="fr-FR" b="1" dirty="0" err="1"/>
+              <a:t>beans</a:t>
+            </a:r>
+            <a:r>
+              <a:rPr lang="fr-FR" b="1" dirty="0"/>
+              <a:t> Spring</a:t>
+            </a:r>
+          </a:p>
+          <a:p>
+            <a:endParaRPr lang="fr-FR" dirty="0"/>
+          </a:p>
+          <a:p>
+            <a:pPr marL="342900" indent="-342900">
+              <a:buFont typeface="Arial" panose="020B0604020202020204" pitchFamily="34" charset="0"/>
+              <a:buChar char="•"/>
+            </a:pPr>
+            <a:r>
+              <a:rPr lang="fr-FR" dirty="0"/>
+              <a:t>Gérés pas le conteneur Spring</a:t>
+            </a:r>
+          </a:p>
+          <a:p>
+            <a:pPr marL="342900" indent="-342900">
+              <a:buFont typeface="Arial" panose="020B0604020202020204" pitchFamily="34" charset="0"/>
+              <a:buChar char="•"/>
+            </a:pPr>
+            <a:r>
+              <a:rPr lang="fr-FR" dirty="0"/>
+              <a:t>Défini avec une classe</a:t>
+            </a:r>
+          </a:p>
+          <a:p>
+            <a:pPr marL="342900" indent="-342900">
+              <a:buFont typeface="Arial" panose="020B0604020202020204" pitchFamily="34" charset="0"/>
+              <a:buChar char="•"/>
+            </a:pPr>
+            <a:r>
+              <a:rPr lang="fr-FR" dirty="0"/>
+              <a:t>Possède un nom + identifiant</a:t>
+            </a:r>
+          </a:p>
+          <a:p>
+            <a:pPr marL="342900" indent="-342900">
+              <a:buFont typeface="Arial" panose="020B0604020202020204" pitchFamily="34" charset="0"/>
+              <a:buChar char="•"/>
+            </a:pPr>
+            <a:r>
+              <a:rPr lang="fr-FR" dirty="0"/>
+              <a:t>Configuration : singleton ou prototype</a:t>
+            </a:r>
+          </a:p>
+          <a:p>
+            <a:pPr marL="342900" indent="-342900">
+              <a:buFont typeface="Arial" panose="020B0604020202020204" pitchFamily="34" charset="0"/>
+              <a:buChar char="•"/>
+            </a:pPr>
+            <a:endParaRPr lang="fr-FR" dirty="0"/>
+          </a:p>
+          <a:p>
+            <a:r>
+              <a:rPr lang="fr-FR" b="1" dirty="0"/>
+              <a:t>Le conteneur Spring</a:t>
+            </a:r>
+          </a:p>
+          <a:p>
+            <a:endParaRPr lang="fr-FR" dirty="0"/>
+          </a:p>
+          <a:p>
+            <a:pPr marL="342900" indent="-342900">
+              <a:buFont typeface="Arial" panose="020B0604020202020204" pitchFamily="34" charset="0"/>
+              <a:buChar char="•"/>
+            </a:pPr>
+            <a:r>
+              <a:rPr lang="fr-FR" dirty="0"/>
+              <a:t>Créer les instances et de gérer les objets requis par l'application</a:t>
+            </a:r>
+          </a:p>
+          <a:p>
+            <a:pPr marL="342900" indent="-342900">
+              <a:buFont typeface="Arial" panose="020B0604020202020204" pitchFamily="34" charset="0"/>
+              <a:buChar char="•"/>
+            </a:pPr>
+            <a:r>
+              <a:rPr lang="fr-FR" dirty="0"/>
+              <a:t>Fabrique évoluée qui gère le cycle de vie des objets et la gestion de leurs dépendances</a:t>
+            </a:r>
+          </a:p>
+        </p:txBody>
+      </p:sp>
+      <p:sp>
+        <p:nvSpPr>
+          <p:cNvPr id="4" name="Espace réservé du numéro de diapositive 3">
+            <a:extLst>
+              <a:ext uri="{FF2B5EF4-FFF2-40B4-BE49-F238E27FC236}">
+                <a16:creationId xmlns:a16="http://schemas.microsoft.com/office/drawing/2014/main" id="{9912ABF6-CDA1-4469-BB78-9E9C9913D619}"/>
+              </a:ext>
+            </a:extLst>
+          </p:cNvPr>
+          <p:cNvSpPr>
+            <a:spLocks noGrp="1"/>
+          </p:cNvSpPr>
+          <p:nvPr>
+            <p:ph type="sldNum" sz="quarter" idx="4"/>
+          </p:nvPr>
+        </p:nvSpPr>
+        <p:spPr/>
+        <p:txBody>
+          <a:bodyPr/>
+          <a:lstStyle/>
+          <a:p>
+            <a:fld id="{525A3C56-E491-49B2-93F3-63532DF516BC}" type="slidenum">
+              <a:rPr lang="en-US" smtClean="0"/>
+              <a:pPr/>
+              <a:t>10</a:t>
+            </a:fld>
+            <a:endParaRPr lang="en-US"/>
+          </a:p>
+        </p:txBody>
+      </p:sp>
+    </p:spTree>
+    <p:extLst>
+      <p:ext uri="{BB962C8B-B14F-4D97-AF65-F5344CB8AC3E}">
+        <p14:creationId xmlns:p14="http://schemas.microsoft.com/office/powerpoint/2010/main" val="1937510412"/>
+      </p:ext>
+    </p:extLst>
+  </p:cSld>
+  <p:clrMapOvr>
+    <a:masterClrMapping/>
+  </p:clrMapOvr>
+</p:sld>
+</file>
+
+<file path=ppt/slides/slide11.xml><?xml version="1.0" encoding="utf-8"?>
+<p:sld xmlns:a="http://schemas.openxmlformats.org/drawingml/2006/main" xmlns:r="http://schemas.openxmlformats.org/officeDocument/2006/relationships" xmlns:p="http://schemas.openxmlformats.org/presentationml/2006/main">
+  <p:cSld>
+    <p:spTree>
+      <p:nvGrpSpPr>
+        <p:cNvPr id="1" name=""/>
+        <p:cNvGrpSpPr/>
+        <p:nvPr/>
+      </p:nvGrpSpPr>
+      <p:grpSpPr>
+        <a:xfrm>
+          <a:off x="0" y="0"/>
+          <a:ext cx="0" cy="0"/>
+          <a:chOff x="0" y="0"/>
+          <a:chExt cx="0" cy="0"/>
+        </a:xfrm>
+      </p:grpSpPr>
+      <p:pic>
+        <p:nvPicPr>
+          <p:cNvPr id="19" name="Image 18"/>
+          <p:cNvPicPr>
+            <a:picLocks noChangeAspect="1"/>
+          </p:cNvPicPr>
+          <p:nvPr/>
+        </p:nvPicPr>
+        <p:blipFill>
+          <a:blip r:embed="rId2"/>
+          <a:stretch>
+            <a:fillRect/>
+          </a:stretch>
+        </p:blipFill>
+        <p:spPr>
+          <a:xfrm>
+            <a:off x="2423592" y="1801030"/>
+            <a:ext cx="8694157" cy="3039915"/>
+          </a:xfrm>
+          <a:prstGeom prst="rect">
+            <a:avLst/>
+          </a:prstGeom>
+          <a:effectLst>
+            <a:outerShdw blurRad="50800" dist="38100" dir="2700000" algn="tl" rotWithShape="0">
+              <a:prstClr val="black">
+                <a:alpha val="40000"/>
+              </a:prstClr>
+            </a:outerShdw>
+          </a:effectLst>
+        </p:spPr>
+      </p:pic>
+      <p:sp>
+        <p:nvSpPr>
+          <p:cNvPr id="2" name="Titre 1"/>
+          <p:cNvSpPr>
+            <a:spLocks noGrp="1"/>
+          </p:cNvSpPr>
+          <p:nvPr>
+            <p:ph type="title"/>
+          </p:nvPr>
+        </p:nvSpPr>
+        <p:spPr/>
+        <p:txBody>
+          <a:bodyPr/>
+          <a:lstStyle/>
+          <a:p>
+            <a:r>
+              <a:rPr lang="fr-FR" dirty="0" err="1"/>
+              <a:t>Spring</a:t>
+            </a:r>
+            <a:r>
+              <a:rPr lang="fr-FR" dirty="0"/>
+              <a:t> Framework</a:t>
+            </a:r>
+          </a:p>
+        </p:txBody>
+      </p:sp>
+      <p:sp>
+        <p:nvSpPr>
+          <p:cNvPr id="4" name="Espace réservé du numéro de diapositive 3"/>
+          <p:cNvSpPr>
+            <a:spLocks noGrp="1"/>
+          </p:cNvSpPr>
+          <p:nvPr>
+            <p:ph type="sldNum" sz="quarter" idx="4"/>
+          </p:nvPr>
+        </p:nvSpPr>
+        <p:spPr/>
+        <p:txBody>
+          <a:bodyPr/>
+          <a:lstStyle/>
+          <a:p>
+            <a:fld id="{525A3C56-E491-49B2-93F3-63532DF516BC}" type="slidenum">
+              <a:rPr lang="en-US" smtClean="0"/>
+              <a:pPr/>
+              <a:t>11</a:t>
+            </a:fld>
+            <a:endParaRPr lang="en-US"/>
+          </a:p>
+        </p:txBody>
+      </p:sp>
+      <p:sp>
+        <p:nvSpPr>
+          <p:cNvPr id="6" name="ZoneTexte 5"/>
+          <p:cNvSpPr txBox="1"/>
+          <p:nvPr/>
+        </p:nvSpPr>
+        <p:spPr bwMode="auto">
+          <a:xfrm>
+            <a:off x="3071664" y="5068341"/>
+            <a:ext cx="6209566" cy="1384995"/>
+          </a:xfrm>
+          <a:prstGeom prst="rect">
+            <a:avLst/>
+          </a:prstGeom>
+          <a:noFill/>
+          <a:ln w="9525" algn="ctr">
+            <a:noFill/>
+            <a:miter lim="800000"/>
+            <a:headEnd/>
+            <a:tailEnd/>
+          </a:ln>
+          <a:effectLst/>
+        </p:spPr>
+        <p:txBody>
+          <a:bodyPr wrap="square" lIns="0" tIns="0" rIns="0" bIns="0" rtlCol="0">
+            <a:spAutoFit/>
+          </a:bodyPr>
+          <a:lstStyle/>
+          <a:p>
+            <a:r>
+              <a:rPr lang="fr-FR" dirty="0"/>
+              <a:t>Pas besoin d’implémenter une quelconque interface pour être prises en charge par le </a:t>
+            </a:r>
+            <a:r>
+              <a:rPr lang="fr-FR" dirty="0" err="1"/>
+              <a:t>framework</a:t>
+            </a:r>
+            <a:endParaRPr lang="fr-FR" dirty="0"/>
+          </a:p>
+          <a:p>
+            <a:endParaRPr lang="fr-FR" dirty="0"/>
+          </a:p>
+          <a:p>
+            <a:r>
+              <a:rPr lang="fr-FR" dirty="0"/>
+              <a:t>L'application ne crée pas directement les instances des objets dont elle a besoin</a:t>
+            </a:r>
+          </a:p>
+        </p:txBody>
+      </p:sp>
+      <p:pic>
+        <p:nvPicPr>
+          <p:cNvPr id="8" name="Image 7"/>
+          <p:cNvPicPr>
+            <a:picLocks noChangeAspect="1"/>
+          </p:cNvPicPr>
+          <p:nvPr/>
+        </p:nvPicPr>
+        <p:blipFill>
+          <a:blip r:embed="rId3" cstate="print">
+            <a:extLst>
+              <a:ext uri="{28A0092B-C50C-407E-A947-70E740481C1C}">
+                <a14:useLocalDpi xmlns:a14="http://schemas.microsoft.com/office/drawing/2010/main" val="0"/>
+              </a:ext>
+            </a:extLst>
+          </a:blip>
+          <a:stretch>
+            <a:fillRect/>
+          </a:stretch>
+        </p:blipFill>
+        <p:spPr>
+          <a:xfrm>
+            <a:off x="479376" y="2852936"/>
+            <a:ext cx="936104" cy="936104"/>
+          </a:xfrm>
+          <a:prstGeom prst="rect">
+            <a:avLst/>
+          </a:prstGeom>
+        </p:spPr>
+      </p:pic>
+      <p:sp>
+        <p:nvSpPr>
+          <p:cNvPr id="9" name="Plus 8"/>
+          <p:cNvSpPr/>
+          <p:nvPr/>
+        </p:nvSpPr>
+        <p:spPr bwMode="gray">
+          <a:xfrm>
+            <a:off x="1544005" y="2996952"/>
+            <a:ext cx="648072" cy="648072"/>
+          </a:xfrm>
+          <a:prstGeom prst="mathPlus">
+            <a:avLst/>
+          </a:prstGeom>
+          <a:ln>
+            <a:headEnd/>
+            <a:tailEnd/>
+          </a:ln>
+        </p:spPr>
+        <p:style>
+          <a:lnRef idx="1">
+            <a:schemeClr val="dk1"/>
+          </a:lnRef>
+          <a:fillRef idx="2">
+            <a:schemeClr val="dk1"/>
+          </a:fillRef>
+          <a:effectRef idx="1">
+            <a:schemeClr val="dk1"/>
+          </a:effectRef>
+          <a:fontRef idx="minor">
+            <a:schemeClr val="dk1"/>
+          </a:fontRef>
+        </p:style>
+        <p:txBody>
+          <a:bodyPr lIns="63500" tIns="0" rIns="64800" bIns="0" rtlCol="0" anchor="ctr"/>
+          <a:lstStyle/>
+          <a:p>
+            <a:pPr algn="ctr">
+              <a:spcBef>
+                <a:spcPct val="0"/>
+              </a:spcBef>
+              <a:buClrTx/>
+              <a:buSzPct val="90000"/>
+            </a:pPr>
+            <a:endParaRPr lang="fr-FR" sz="1600" b="1" dirty="0">
+              <a:solidFill>
+                <a:schemeClr val="bg1"/>
+              </a:solidFill>
+              <a:cs typeface="Arial" pitchFamily="34" charset="0"/>
+            </a:endParaRPr>
+          </a:p>
+        </p:txBody>
+      </p:sp>
+      <p:sp>
+        <p:nvSpPr>
+          <p:cNvPr id="10" name="ZoneTexte 9"/>
+          <p:cNvSpPr txBox="1"/>
+          <p:nvPr/>
+        </p:nvSpPr>
+        <p:spPr bwMode="auto">
+          <a:xfrm>
+            <a:off x="6744069" y="1106489"/>
+            <a:ext cx="2384703" cy="276999"/>
+          </a:xfrm>
+          <a:prstGeom prst="rect">
+            <a:avLst/>
+          </a:prstGeom>
+          <a:noFill/>
+          <a:ln w="9525" algn="ctr">
+            <a:noFill/>
+            <a:miter lim="800000"/>
+            <a:headEnd/>
+            <a:tailEnd/>
+          </a:ln>
+          <a:effectLst/>
+        </p:spPr>
+        <p:txBody>
+          <a:bodyPr wrap="square" lIns="0" tIns="0" rIns="0" bIns="0" rtlCol="0">
+            <a:spAutoFit/>
+          </a:bodyPr>
+          <a:lstStyle/>
+          <a:p>
+            <a:pPr algn="ctr"/>
+            <a:r>
+              <a:rPr lang="fr-FR" b="1" strike="sngStrike" dirty="0">
+                <a:latin typeface="Courier New" panose="02070309020205020404" pitchFamily="49" charset="0"/>
+                <a:cs typeface="Courier New" panose="02070309020205020404" pitchFamily="49" charset="0"/>
+              </a:rPr>
+              <a:t>new </a:t>
+            </a:r>
+            <a:r>
+              <a:rPr lang="fr-FR" b="1" strike="sngStrike" dirty="0" err="1">
+                <a:latin typeface="Courier New" panose="02070309020205020404" pitchFamily="49" charset="0"/>
+                <a:cs typeface="Courier New" panose="02070309020205020404" pitchFamily="49" charset="0"/>
+              </a:rPr>
+              <a:t>MovieFinder</a:t>
+            </a:r>
+            <a:endParaRPr lang="fr-FR" b="1" strike="sngStrike" dirty="0">
+              <a:latin typeface="Courier New" panose="02070309020205020404" pitchFamily="49" charset="0"/>
+              <a:cs typeface="Courier New" panose="02070309020205020404" pitchFamily="49" charset="0"/>
+            </a:endParaRPr>
+          </a:p>
+        </p:txBody>
+      </p:sp>
+      <p:cxnSp>
+        <p:nvCxnSpPr>
+          <p:cNvPr id="16" name="Connecteur en angle 15"/>
+          <p:cNvCxnSpPr>
+            <a:stCxn id="10" idx="3"/>
+          </p:cNvCxnSpPr>
+          <p:nvPr/>
+        </p:nvCxnSpPr>
+        <p:spPr bwMode="gray">
+          <a:xfrm flipH="1">
+            <a:off x="6168008" y="1244989"/>
+            <a:ext cx="2960764" cy="1391923"/>
+          </a:xfrm>
+          <a:prstGeom prst="bentConnector3">
+            <a:avLst>
+              <a:gd name="adj1" fmla="val -7721"/>
+            </a:avLst>
+          </a:prstGeom>
+          <a:noFill/>
+          <a:ln w="12700">
+            <a:solidFill>
+              <a:schemeClr val="accent1"/>
+            </a:solidFill>
+            <a:round/>
+            <a:headEnd/>
+            <a:tailEnd type="triangle"/>
+          </a:ln>
+          <a:effectLst/>
+        </p:spPr>
+      </p:cxnSp>
+    </p:spTree>
+    <p:extLst>
+      <p:ext uri="{BB962C8B-B14F-4D97-AF65-F5344CB8AC3E}">
+        <p14:creationId xmlns:p14="http://schemas.microsoft.com/office/powerpoint/2010/main" val="2380049451"/>
+      </p:ext>
+    </p:extLst>
+  </p:cSld>
+  <p:clrMapOvr>
+    <a:masterClrMapping/>
+  </p:clrMapOvr>
   <p:timing>
     <p:tnLst>
       <p:par>
-        <p:cTn id="1" dur="indefinite" restart="never" nodeType="tmRoot"/>
+        <p:cTn id="1" dur="indefinite" restart="never" nodeType="tmRoot">
+          <p:childTnLst>
+            <p:seq concurrent="1" nextAc="seek">
+              <p:cTn id="2" dur="indefinite" nodeType="mainSeq">
+                <p:childTnLst>
+                  <p:par>
+                    <p:cTn id="3" fill="hold">
+                      <p:stCondLst>
+                        <p:cond delay="indefinite"/>
+                      </p:stCondLst>
+                      <p:childTnLst>
+                        <p:par>
+                          <p:cTn id="4" fill="hold">
+                            <p:stCondLst>
+                              <p:cond delay="0"/>
+                            </p:stCondLst>
+                            <p:childTnLst>
+                              <p:par>
+                                <p:cTn id="5" presetID="1" presetClass="entr" presetSubtype="0" fill="hold" grpId="0" nodeType="clickEffect">
+                                  <p:stCondLst>
+                                    <p:cond delay="0"/>
+                                  </p:stCondLst>
+                                  <p:childTnLst>
+                                    <p:set>
+                                      <p:cBhvr>
+                                        <p:cTn id="6" dur="1" fill="hold">
+                                          <p:stCondLst>
+                                            <p:cond delay="0"/>
+                                          </p:stCondLst>
+                                        </p:cTn>
+                                        <p:tgtEl>
+                                          <p:spTgt spid="10"/>
+                                        </p:tgtEl>
+                                        <p:attrNameLst>
+                                          <p:attrName>style.visibility</p:attrName>
+                                        </p:attrNameLst>
+                                      </p:cBhvr>
+                                      <p:to>
+                                        <p:strVal val="visible"/>
+                                      </p:to>
+                                    </p:set>
+                                  </p:childTnLst>
+                                </p:cTn>
+                              </p:par>
+                              <p:par>
+                                <p:cTn id="7" presetID="1" presetClass="entr" presetSubtype="0" fill="hold" nodeType="withEffect">
+                                  <p:stCondLst>
+                                    <p:cond delay="0"/>
+                                  </p:stCondLst>
+                                  <p:childTnLst>
+                                    <p:set>
+                                      <p:cBhvr>
+                                        <p:cTn id="8" dur="1" fill="hold">
+                                          <p:stCondLst>
+                                            <p:cond delay="0"/>
+                                          </p:stCondLst>
+                                        </p:cTn>
+                                        <p:tgtEl>
+                                          <p:spTgt spid="16"/>
+                                        </p:tgtEl>
+                                        <p:attrNameLst>
+                                          <p:attrName>style.visibility</p:attrName>
+                                        </p:attrNameLst>
+                                      </p:cBhvr>
+                                      <p:to>
+                                        <p:strVal val="visible"/>
+                                      </p:to>
+                                    </p:set>
+                                  </p:childTnLst>
+                                </p:cTn>
+                              </p:par>
+                            </p:childTnLst>
+                          </p:cTn>
+                        </p:par>
+                      </p:childTnLst>
+                    </p:cTn>
+                  </p:par>
+                </p:childTnLst>
+              </p:cTn>
+              <p:prevCondLst>
+                <p:cond evt="onPrev" delay="0">
+                  <p:tgtEl>
+                    <p:sldTgt/>
+                  </p:tgtEl>
+                </p:cond>
+              </p:prevCondLst>
+              <p:nextCondLst>
+                <p:cond evt="onNext" delay="0">
+                  <p:tgtEl>
+                    <p:sldTgt/>
+                  </p:tgtEl>
+                </p:cond>
+              </p:nextCondLst>
+            </p:seq>
+          </p:childTnLst>
+        </p:cTn>
       </p:par>
     </p:tnLst>
+    <p:bldLst>
+      <p:bldP spid="10" grpId="0"/>
+    </p:bldLst>
   </p:timing>
 </p:sld>
 </file>
 
-<file path=ppt/slides/slide10.xml><?xml version="1.0" encoding="utf-8"?>
+<file path=ppt/slides/slide12.xml><?xml version="1.0" encoding="utf-8"?>
 <p:sld xmlns:a="http://schemas.openxmlformats.org/drawingml/2006/main" xmlns:r="http://schemas.openxmlformats.org/officeDocument/2006/relationships" xmlns:p="http://schemas.openxmlformats.org/presentationml/2006/main">
   <p:cSld>
     <p:spTree>
@@ -24749,7 +30109,7 @@
             <a:fld id="{525A3C56-E491-49B2-93F3-63532DF516BC}" type="slidenum">
               <a:rPr lang="en-US" smtClean="0"/>
               <a:pPr/>
-              <a:t>10</a:t>
+              <a:t>12</a:t>
             </a:fld>
             <a:endParaRPr lang="en-US"/>
           </a:p>
@@ -25088,7 +30448,7 @@
 </p:sld>
 </file>
 
-<file path=ppt/slides/slide11.xml><?xml version="1.0" encoding="utf-8"?>
+<file path=ppt/slides/slide13.xml><?xml version="1.0" encoding="utf-8"?>
 <p:sld xmlns:a="http://schemas.openxmlformats.org/drawingml/2006/main" xmlns:r="http://schemas.openxmlformats.org/officeDocument/2006/relationships" xmlns:p="http://schemas.openxmlformats.org/presentationml/2006/main">
   <p:cSld>
     <p:spTree>
@@ -25308,7 +30668,7 @@
             <a:fld id="{525A3C56-E491-49B2-93F3-63532DF516BC}" type="slidenum">
               <a:rPr lang="en-US" smtClean="0"/>
               <a:pPr/>
-              <a:t>11</a:t>
+              <a:t>13</a:t>
             </a:fld>
             <a:endParaRPr lang="en-US"/>
           </a:p>
@@ -25439,7 +30799,7 @@
 </p:sld>
 </file>
 
-<file path=ppt/slides/slide12.xml><?xml version="1.0" encoding="utf-8"?>
+<file path=ppt/slides/slide14.xml><?xml version="1.0" encoding="utf-8"?>
 <p:sld xmlns:a="http://schemas.openxmlformats.org/drawingml/2006/main" xmlns:r="http://schemas.openxmlformats.org/officeDocument/2006/relationships" xmlns:p="http://schemas.openxmlformats.org/presentationml/2006/main">
   <p:cSld>
     <p:spTree>
@@ -25541,7 +30901,7 @@
             <a:fld id="{525A3C56-E491-49B2-93F3-63532DF516BC}" type="slidenum">
               <a:rPr lang="en-US" smtClean="0"/>
               <a:pPr/>
-              <a:t>12</a:t>
+              <a:t>14</a:t>
             </a:fld>
             <a:endParaRPr lang="en-US"/>
           </a:p>
@@ -26712,7 +32072,7 @@
 </p:sld>
 </file>
 
-<file path=ppt/slides/slide13.xml><?xml version="1.0" encoding="utf-8"?>
+<file path=ppt/slides/slide15.xml><?xml version="1.0" encoding="utf-8"?>
 <p:sld xmlns:a="http://schemas.openxmlformats.org/drawingml/2006/main" xmlns:r="http://schemas.openxmlformats.org/officeDocument/2006/relationships" xmlns:p="http://schemas.openxmlformats.org/presentationml/2006/main">
   <p:cSld>
     <p:spTree>
@@ -26781,7 +32141,7 @@
             <a:fld id="{525A3C56-E491-49B2-93F3-63532DF516BC}" type="slidenum">
               <a:rPr lang="en-US" smtClean="0"/>
               <a:pPr/>
-              <a:t>13</a:t>
+              <a:t>15</a:t>
             </a:fld>
             <a:endParaRPr lang="en-US"/>
           </a:p>
@@ -26837,7 +32197,7 @@
 </p:sld>
 </file>
 
-<file path=ppt/slides/slide14.xml><?xml version="1.0" encoding="utf-8"?>
+<file path=ppt/slides/slide16.xml><?xml version="1.0" encoding="utf-8"?>
 <p:sld xmlns:a="http://schemas.openxmlformats.org/drawingml/2006/main" xmlns:r="http://schemas.openxmlformats.org/officeDocument/2006/relationships" xmlns:p="http://schemas.openxmlformats.org/presentationml/2006/main">
   <p:cSld>
     <p:spTree>
@@ -26898,7 +32258,7 @@
             <a:fld id="{525A3C56-E491-49B2-93F3-63532DF516BC}" type="slidenum">
               <a:rPr lang="en-US" smtClean="0"/>
               <a:pPr/>
-              <a:t>14</a:t>
+              <a:t>16</a:t>
             </a:fld>
             <a:endParaRPr lang="en-US"/>
           </a:p>
@@ -26950,7 +32310,7 @@
 </p:sld>
 </file>
 
-<file path=ppt/slides/slide15.xml><?xml version="1.0" encoding="utf-8"?>
+<file path=ppt/slides/slide17.xml><?xml version="1.0" encoding="utf-8"?>
 <p:sld xmlns:a="http://schemas.openxmlformats.org/drawingml/2006/main" xmlns:r="http://schemas.openxmlformats.org/officeDocument/2006/relationships" xmlns:p="http://schemas.openxmlformats.org/presentationml/2006/main">
   <p:cSld>
     <p:spTree>
@@ -27040,7 +32400,7 @@
             <a:fld id="{525A3C56-E491-49B2-93F3-63532DF516BC}" type="slidenum">
               <a:rPr lang="en-US" smtClean="0"/>
               <a:pPr/>
-              <a:t>15</a:t>
+              <a:t>17</a:t>
             </a:fld>
             <a:endParaRPr lang="en-US"/>
           </a:p>
@@ -27105,7 +32465,7 @@
 </p:sld>
 </file>
 
-<file path=ppt/slides/slide16.xml><?xml version="1.0" encoding="utf-8"?>
+<file path=ppt/slides/slide18.xml><?xml version="1.0" encoding="utf-8"?>
 <p:sld xmlns:a="http://schemas.openxmlformats.org/drawingml/2006/main" xmlns:r="http://schemas.openxmlformats.org/officeDocument/2006/relationships" xmlns:p="http://schemas.openxmlformats.org/presentationml/2006/main">
   <p:cSld>
     <p:spTree>
@@ -27213,7 +32573,7 @@
             <a:fld id="{525A3C56-E491-49B2-93F3-63532DF516BC}" type="slidenum">
               <a:rPr lang="en-US" smtClean="0"/>
               <a:pPr/>
-              <a:t>16</a:t>
+              <a:t>18</a:t>
             </a:fld>
             <a:endParaRPr lang="en-US"/>
           </a:p>
@@ -27380,7 +32740,7 @@
 </p:sld>
 </file>
 
-<file path=ppt/slides/slide17.xml><?xml version="1.0" encoding="utf-8"?>
+<file path=ppt/slides/slide19.xml><?xml version="1.0" encoding="utf-8"?>
 <p:sld xmlns:a="http://schemas.openxmlformats.org/drawingml/2006/main" xmlns:r="http://schemas.openxmlformats.org/officeDocument/2006/relationships" xmlns:p="http://schemas.openxmlformats.org/presentationml/2006/main">
   <p:cSld>
     <p:spTree>
@@ -27441,7 +32801,7 @@
             <a:fld id="{525A3C56-E491-49B2-93F3-63532DF516BC}" type="slidenum">
               <a:rPr lang="en-US" smtClean="0"/>
               <a:pPr/>
-              <a:t>17</a:t>
+              <a:t>19</a:t>
             </a:fld>
             <a:endParaRPr lang="en-US"/>
           </a:p>
@@ -27701,7 +33061,1156 @@
 </p:sld>
 </file>
 
-<file path=ppt/slides/slide18.xml><?xml version="1.0" encoding="utf-8"?>
+<file path=ppt/slides/slide2.xml><?xml version="1.0" encoding="utf-8"?>
+<p:sld xmlns:a="http://schemas.openxmlformats.org/drawingml/2006/main" xmlns:r="http://schemas.openxmlformats.org/officeDocument/2006/relationships" xmlns:p="http://schemas.openxmlformats.org/presentationml/2006/main">
+  <p:cSld>
+    <p:spTree>
+      <p:nvGrpSpPr>
+        <p:cNvPr id="1" name=""/>
+        <p:cNvGrpSpPr/>
+        <p:nvPr/>
+      </p:nvGrpSpPr>
+      <p:grpSpPr>
+        <a:xfrm>
+          <a:off x="0" y="0"/>
+          <a:ext cx="0" cy="0"/>
+          <a:chOff x="0" y="0"/>
+          <a:chExt cx="0" cy="0"/>
+        </a:xfrm>
+      </p:grpSpPr>
+      <p:sp>
+        <p:nvSpPr>
+          <p:cNvPr id="2" name="Titre 1">
+            <a:extLst>
+              <a:ext uri="{FF2B5EF4-FFF2-40B4-BE49-F238E27FC236}">
+                <a16:creationId xmlns:a16="http://schemas.microsoft.com/office/drawing/2014/main" id="{214DF470-9834-4F67-851D-9249EBA6693F}"/>
+              </a:ext>
+            </a:extLst>
+          </p:cNvPr>
+          <p:cNvSpPr>
+            <a:spLocks noGrp="1"/>
+          </p:cNvSpPr>
+          <p:nvPr>
+            <p:ph type="title"/>
+          </p:nvPr>
+        </p:nvSpPr>
+        <p:spPr/>
+        <p:txBody>
+          <a:bodyPr/>
+          <a:lstStyle/>
+          <a:p>
+            <a:r>
+              <a:rPr lang="fr-FR" dirty="0"/>
+              <a:t>« </a:t>
+            </a:r>
+            <a:r>
+              <a:rPr lang="fr-FR" dirty="0" err="1"/>
+              <a:t>Whoami</a:t>
+            </a:r>
+            <a:r>
+              <a:rPr lang="fr-FR" dirty="0"/>
+              <a:t> »</a:t>
+            </a:r>
+          </a:p>
+        </p:txBody>
+      </p:sp>
+      <p:sp>
+        <p:nvSpPr>
+          <p:cNvPr id="4" name="Espace réservé du numéro de diapositive 3">
+            <a:extLst>
+              <a:ext uri="{FF2B5EF4-FFF2-40B4-BE49-F238E27FC236}">
+                <a16:creationId xmlns:a16="http://schemas.microsoft.com/office/drawing/2014/main" id="{3D0FF348-4F67-4472-BD3F-50393D4B90E7}"/>
+              </a:ext>
+            </a:extLst>
+          </p:cNvPr>
+          <p:cNvSpPr>
+            <a:spLocks noGrp="1"/>
+          </p:cNvSpPr>
+          <p:nvPr>
+            <p:ph type="sldNum" sz="quarter" idx="4"/>
+          </p:nvPr>
+        </p:nvSpPr>
+        <p:spPr/>
+        <p:txBody>
+          <a:bodyPr/>
+          <a:lstStyle/>
+          <a:p>
+            <a:fld id="{525A3C56-E491-49B2-93F3-63532DF516BC}" type="slidenum">
+              <a:rPr lang="en-US" smtClean="0"/>
+              <a:pPr/>
+              <a:t>2</a:t>
+            </a:fld>
+            <a:endParaRPr lang="en-US"/>
+          </a:p>
+        </p:txBody>
+      </p:sp>
+      <p:cxnSp>
+        <p:nvCxnSpPr>
+          <p:cNvPr id="6" name="Connecteur droit 5">
+            <a:extLst>
+              <a:ext uri="{FF2B5EF4-FFF2-40B4-BE49-F238E27FC236}">
+                <a16:creationId xmlns:a16="http://schemas.microsoft.com/office/drawing/2014/main" id="{2B3A78BD-2C78-4FE3-8539-6DBA0A72032F}"/>
+              </a:ext>
+            </a:extLst>
+          </p:cNvPr>
+          <p:cNvCxnSpPr/>
+          <p:nvPr/>
+        </p:nvCxnSpPr>
+        <p:spPr bwMode="gray">
+          <a:xfrm>
+            <a:off x="6132486" y="1026641"/>
+            <a:ext cx="12711" cy="1686927"/>
+          </a:xfrm>
+          <a:prstGeom prst="line">
+            <a:avLst/>
+          </a:prstGeom>
+          <a:noFill/>
+          <a:ln w="12700">
+            <a:solidFill>
+              <a:schemeClr val="accent1"/>
+            </a:solidFill>
+            <a:round/>
+            <a:headEnd/>
+            <a:tailEnd/>
+          </a:ln>
+          <a:effectLst/>
+        </p:spPr>
+      </p:cxnSp>
+      <p:cxnSp>
+        <p:nvCxnSpPr>
+          <p:cNvPr id="7" name="Connecteur droit 6">
+            <a:extLst>
+              <a:ext uri="{FF2B5EF4-FFF2-40B4-BE49-F238E27FC236}">
+                <a16:creationId xmlns:a16="http://schemas.microsoft.com/office/drawing/2014/main" id="{63E79118-3DE0-4688-9135-D3282B10DAAE}"/>
+              </a:ext>
+            </a:extLst>
+          </p:cNvPr>
+          <p:cNvCxnSpPr/>
+          <p:nvPr/>
+        </p:nvCxnSpPr>
+        <p:spPr bwMode="gray">
+          <a:xfrm flipH="1">
+            <a:off x="9370997" y="1029695"/>
+            <a:ext cx="5687" cy="1709273"/>
+          </a:xfrm>
+          <a:prstGeom prst="line">
+            <a:avLst/>
+          </a:prstGeom>
+          <a:noFill/>
+          <a:ln w="12700">
+            <a:solidFill>
+              <a:schemeClr val="accent1"/>
+            </a:solidFill>
+            <a:round/>
+            <a:headEnd/>
+            <a:tailEnd/>
+          </a:ln>
+          <a:effectLst/>
+        </p:spPr>
+      </p:cxnSp>
+      <p:sp>
+        <p:nvSpPr>
+          <p:cNvPr id="8" name="ZoneTexte 38">
+            <a:extLst>
+              <a:ext uri="{FF2B5EF4-FFF2-40B4-BE49-F238E27FC236}">
+                <a16:creationId xmlns:a16="http://schemas.microsoft.com/office/drawing/2014/main" id="{E6B25271-7A1C-4339-BF22-DB420A533726}"/>
+              </a:ext>
+            </a:extLst>
+          </p:cNvPr>
+          <p:cNvSpPr txBox="1"/>
+          <p:nvPr/>
+        </p:nvSpPr>
+        <p:spPr bwMode="auto">
+          <a:xfrm>
+            <a:off x="4068960" y="1950956"/>
+            <a:ext cx="1958432" cy="553998"/>
+          </a:xfrm>
+          <a:prstGeom prst="rect">
+            <a:avLst/>
+          </a:prstGeom>
+          <a:noFill/>
+          <a:ln w="9525" algn="ctr">
+            <a:noFill/>
+            <a:miter lim="800000"/>
+            <a:headEnd/>
+            <a:tailEnd/>
+          </a:ln>
+          <a:effectLst/>
+        </p:spPr>
+        <p:txBody>
+          <a:bodyPr wrap="square" lIns="0" tIns="0" rIns="0" bIns="0" rtlCol="0">
+            <a:spAutoFit/>
+          </a:bodyPr>
+          <a:lstStyle>
+            <a:defPPr>
+              <a:defRPr lang="fr-FR"/>
+            </a:defPPr>
+            <a:lvl1pPr marL="0" algn="l" defTabSz="914400" rtl="0" eaLnBrk="1" latinLnBrk="0" hangingPunct="1">
+              <a:defRPr sz="1800" kern="1200">
+                <a:solidFill>
+                  <a:schemeClr val="tx1"/>
+                </a:solidFill>
+                <a:latin typeface="+mn-lt"/>
+                <a:ea typeface="+mn-ea"/>
+                <a:cs typeface="+mn-cs"/>
+              </a:defRPr>
+            </a:lvl1pPr>
+            <a:lvl2pPr marL="457200" algn="l" defTabSz="914400" rtl="0" eaLnBrk="1" latinLnBrk="0" hangingPunct="1">
+              <a:defRPr sz="1800" kern="1200">
+                <a:solidFill>
+                  <a:schemeClr val="tx1"/>
+                </a:solidFill>
+                <a:latin typeface="+mn-lt"/>
+                <a:ea typeface="+mn-ea"/>
+                <a:cs typeface="+mn-cs"/>
+              </a:defRPr>
+            </a:lvl2pPr>
+            <a:lvl3pPr marL="914400" algn="l" defTabSz="914400" rtl="0" eaLnBrk="1" latinLnBrk="0" hangingPunct="1">
+              <a:defRPr sz="1800" kern="1200">
+                <a:solidFill>
+                  <a:schemeClr val="tx1"/>
+                </a:solidFill>
+                <a:latin typeface="+mn-lt"/>
+                <a:ea typeface="+mn-ea"/>
+                <a:cs typeface="+mn-cs"/>
+              </a:defRPr>
+            </a:lvl3pPr>
+            <a:lvl4pPr marL="1371600" algn="l" defTabSz="914400" rtl="0" eaLnBrk="1" latinLnBrk="0" hangingPunct="1">
+              <a:defRPr sz="1800" kern="1200">
+                <a:solidFill>
+                  <a:schemeClr val="tx1"/>
+                </a:solidFill>
+                <a:latin typeface="+mn-lt"/>
+                <a:ea typeface="+mn-ea"/>
+                <a:cs typeface="+mn-cs"/>
+              </a:defRPr>
+            </a:lvl4pPr>
+            <a:lvl5pPr marL="1828800" algn="l" defTabSz="914400" rtl="0" eaLnBrk="1" latinLnBrk="0" hangingPunct="1">
+              <a:defRPr sz="1800" kern="1200">
+                <a:solidFill>
+                  <a:schemeClr val="tx1"/>
+                </a:solidFill>
+                <a:latin typeface="+mn-lt"/>
+                <a:ea typeface="+mn-ea"/>
+                <a:cs typeface="+mn-cs"/>
+              </a:defRPr>
+            </a:lvl5pPr>
+            <a:lvl6pPr marL="2286000" algn="l" defTabSz="914400" rtl="0" eaLnBrk="1" latinLnBrk="0" hangingPunct="1">
+              <a:defRPr sz="1800" kern="1200">
+                <a:solidFill>
+                  <a:schemeClr val="tx1"/>
+                </a:solidFill>
+                <a:latin typeface="+mn-lt"/>
+                <a:ea typeface="+mn-ea"/>
+                <a:cs typeface="+mn-cs"/>
+              </a:defRPr>
+            </a:lvl6pPr>
+            <a:lvl7pPr marL="2743200" algn="l" defTabSz="914400" rtl="0" eaLnBrk="1" latinLnBrk="0" hangingPunct="1">
+              <a:defRPr sz="1800" kern="1200">
+                <a:solidFill>
+                  <a:schemeClr val="tx1"/>
+                </a:solidFill>
+                <a:latin typeface="+mn-lt"/>
+                <a:ea typeface="+mn-ea"/>
+                <a:cs typeface="+mn-cs"/>
+              </a:defRPr>
+            </a:lvl7pPr>
+            <a:lvl8pPr marL="3200400" algn="l" defTabSz="914400" rtl="0" eaLnBrk="1" latinLnBrk="0" hangingPunct="1">
+              <a:defRPr sz="1800" kern="1200">
+                <a:solidFill>
+                  <a:schemeClr val="tx1"/>
+                </a:solidFill>
+                <a:latin typeface="+mn-lt"/>
+                <a:ea typeface="+mn-ea"/>
+                <a:cs typeface="+mn-cs"/>
+              </a:defRPr>
+            </a:lvl8pPr>
+            <a:lvl9pPr marL="3657600" algn="l" defTabSz="914400" rtl="0" eaLnBrk="1" latinLnBrk="0" hangingPunct="1">
+              <a:defRPr sz="1800" kern="1200">
+                <a:solidFill>
+                  <a:schemeClr val="tx1"/>
+                </a:solidFill>
+                <a:latin typeface="+mn-lt"/>
+                <a:ea typeface="+mn-ea"/>
+                <a:cs typeface="+mn-cs"/>
+              </a:defRPr>
+            </a:lvl9pPr>
+          </a:lstStyle>
+          <a:p>
+            <a:pPr algn="ctr"/>
+            <a:r>
+              <a:rPr lang="fr-FR" b="1" dirty="0">
+                <a:cs typeface="Arial" pitchFamily="34" charset="0"/>
+              </a:rPr>
+              <a:t>Architecte technique / DTT*</a:t>
+            </a:r>
+          </a:p>
+        </p:txBody>
+      </p:sp>
+      <p:pic>
+        <p:nvPicPr>
+          <p:cNvPr id="9" name="Image 8">
+            <a:extLst>
+              <a:ext uri="{FF2B5EF4-FFF2-40B4-BE49-F238E27FC236}">
+                <a16:creationId xmlns:a16="http://schemas.microsoft.com/office/drawing/2014/main" id="{6D5926C8-5B9D-4908-A927-490297C8DA9D}"/>
+              </a:ext>
+            </a:extLst>
+          </p:cNvPr>
+          <p:cNvPicPr>
+            <a:picLocks noChangeAspect="1"/>
+          </p:cNvPicPr>
+          <p:nvPr/>
+        </p:nvPicPr>
+        <p:blipFill>
+          <a:blip r:embed="rId2" cstate="print">
+            <a:extLst>
+              <a:ext uri="{BEBA8EAE-BF5A-486C-A8C5-ECC9F3942E4B}">
+                <a14:imgProps xmlns:a14="http://schemas.microsoft.com/office/drawing/2010/main">
+                  <a14:imgLayer r:embed="rId3">
+                    <a14:imgEffect>
+                      <a14:brightnessContrast bright="-100000"/>
+                    </a14:imgEffect>
+                  </a14:imgLayer>
+                </a14:imgProps>
+              </a:ext>
+              <a:ext uri="{28A0092B-C50C-407E-A947-70E740481C1C}">
+                <a14:useLocalDpi xmlns:a14="http://schemas.microsoft.com/office/drawing/2010/main" val="0"/>
+              </a:ext>
+            </a:extLst>
+          </a:blip>
+          <a:stretch>
+            <a:fillRect/>
+          </a:stretch>
+        </p:blipFill>
+        <p:spPr>
+          <a:xfrm>
+            <a:off x="10209196" y="995483"/>
+            <a:ext cx="883555" cy="883555"/>
+          </a:xfrm>
+          <a:prstGeom prst="rect">
+            <a:avLst/>
+          </a:prstGeom>
+        </p:spPr>
+      </p:pic>
+      <p:sp>
+        <p:nvSpPr>
+          <p:cNvPr id="10" name="Rectangle 9">
+            <a:extLst>
+              <a:ext uri="{FF2B5EF4-FFF2-40B4-BE49-F238E27FC236}">
+                <a16:creationId xmlns:a16="http://schemas.microsoft.com/office/drawing/2014/main" id="{6C882EE9-F810-4AD7-8748-04D24AD8ED1D}"/>
+              </a:ext>
+            </a:extLst>
+          </p:cNvPr>
+          <p:cNvSpPr/>
+          <p:nvPr/>
+        </p:nvSpPr>
+        <p:spPr>
+          <a:xfrm>
+            <a:off x="9614929" y="1950957"/>
+            <a:ext cx="2424387" cy="646331"/>
+          </a:xfrm>
+          <a:prstGeom prst="rect">
+            <a:avLst/>
+          </a:prstGeom>
+        </p:spPr>
+        <p:txBody>
+          <a:bodyPr wrap="square">
+            <a:spAutoFit/>
+          </a:bodyPr>
+          <a:lstStyle>
+            <a:defPPr>
+              <a:defRPr lang="fr-FR"/>
+            </a:defPPr>
+            <a:lvl1pPr marL="0" algn="l" defTabSz="914400" rtl="0" eaLnBrk="1" latinLnBrk="0" hangingPunct="1">
+              <a:defRPr sz="1800" kern="1200">
+                <a:solidFill>
+                  <a:schemeClr val="tx1"/>
+                </a:solidFill>
+                <a:latin typeface="+mn-lt"/>
+                <a:ea typeface="+mn-ea"/>
+                <a:cs typeface="+mn-cs"/>
+              </a:defRPr>
+            </a:lvl1pPr>
+            <a:lvl2pPr marL="457200" algn="l" defTabSz="914400" rtl="0" eaLnBrk="1" latinLnBrk="0" hangingPunct="1">
+              <a:defRPr sz="1800" kern="1200">
+                <a:solidFill>
+                  <a:schemeClr val="tx1"/>
+                </a:solidFill>
+                <a:latin typeface="+mn-lt"/>
+                <a:ea typeface="+mn-ea"/>
+                <a:cs typeface="+mn-cs"/>
+              </a:defRPr>
+            </a:lvl2pPr>
+            <a:lvl3pPr marL="914400" algn="l" defTabSz="914400" rtl="0" eaLnBrk="1" latinLnBrk="0" hangingPunct="1">
+              <a:defRPr sz="1800" kern="1200">
+                <a:solidFill>
+                  <a:schemeClr val="tx1"/>
+                </a:solidFill>
+                <a:latin typeface="+mn-lt"/>
+                <a:ea typeface="+mn-ea"/>
+                <a:cs typeface="+mn-cs"/>
+              </a:defRPr>
+            </a:lvl3pPr>
+            <a:lvl4pPr marL="1371600" algn="l" defTabSz="914400" rtl="0" eaLnBrk="1" latinLnBrk="0" hangingPunct="1">
+              <a:defRPr sz="1800" kern="1200">
+                <a:solidFill>
+                  <a:schemeClr val="tx1"/>
+                </a:solidFill>
+                <a:latin typeface="+mn-lt"/>
+                <a:ea typeface="+mn-ea"/>
+                <a:cs typeface="+mn-cs"/>
+              </a:defRPr>
+            </a:lvl4pPr>
+            <a:lvl5pPr marL="1828800" algn="l" defTabSz="914400" rtl="0" eaLnBrk="1" latinLnBrk="0" hangingPunct="1">
+              <a:defRPr sz="1800" kern="1200">
+                <a:solidFill>
+                  <a:schemeClr val="tx1"/>
+                </a:solidFill>
+                <a:latin typeface="+mn-lt"/>
+                <a:ea typeface="+mn-ea"/>
+                <a:cs typeface="+mn-cs"/>
+              </a:defRPr>
+            </a:lvl5pPr>
+            <a:lvl6pPr marL="2286000" algn="l" defTabSz="914400" rtl="0" eaLnBrk="1" latinLnBrk="0" hangingPunct="1">
+              <a:defRPr sz="1800" kern="1200">
+                <a:solidFill>
+                  <a:schemeClr val="tx1"/>
+                </a:solidFill>
+                <a:latin typeface="+mn-lt"/>
+                <a:ea typeface="+mn-ea"/>
+                <a:cs typeface="+mn-cs"/>
+              </a:defRPr>
+            </a:lvl6pPr>
+            <a:lvl7pPr marL="2743200" algn="l" defTabSz="914400" rtl="0" eaLnBrk="1" latinLnBrk="0" hangingPunct="1">
+              <a:defRPr sz="1800" kern="1200">
+                <a:solidFill>
+                  <a:schemeClr val="tx1"/>
+                </a:solidFill>
+                <a:latin typeface="+mn-lt"/>
+                <a:ea typeface="+mn-ea"/>
+                <a:cs typeface="+mn-cs"/>
+              </a:defRPr>
+            </a:lvl7pPr>
+            <a:lvl8pPr marL="3200400" algn="l" defTabSz="914400" rtl="0" eaLnBrk="1" latinLnBrk="0" hangingPunct="1">
+              <a:defRPr sz="1800" kern="1200">
+                <a:solidFill>
+                  <a:schemeClr val="tx1"/>
+                </a:solidFill>
+                <a:latin typeface="+mn-lt"/>
+                <a:ea typeface="+mn-ea"/>
+                <a:cs typeface="+mn-cs"/>
+              </a:defRPr>
+            </a:lvl8pPr>
+            <a:lvl9pPr marL="3657600" algn="l" defTabSz="914400" rtl="0" eaLnBrk="1" latinLnBrk="0" hangingPunct="1">
+              <a:defRPr sz="1800" kern="1200">
+                <a:solidFill>
+                  <a:schemeClr val="tx1"/>
+                </a:solidFill>
+                <a:latin typeface="+mn-lt"/>
+                <a:ea typeface="+mn-ea"/>
+                <a:cs typeface="+mn-cs"/>
+              </a:defRPr>
+            </a:lvl9pPr>
+          </a:lstStyle>
+          <a:p>
+            <a:pPr algn="ctr"/>
+            <a:r>
+              <a:rPr lang="fr-FR" b="1" dirty="0">
+                <a:cs typeface="Arial" pitchFamily="34" charset="0"/>
+              </a:rPr>
+              <a:t>13 ans</a:t>
+            </a:r>
+          </a:p>
+          <a:p>
+            <a:pPr algn="ctr"/>
+            <a:r>
+              <a:rPr lang="fr-FR" b="1" dirty="0">
+                <a:cs typeface="Arial" pitchFamily="34" charset="0"/>
+              </a:rPr>
+              <a:t>d’ancienneté</a:t>
+            </a:r>
+          </a:p>
+        </p:txBody>
+      </p:sp>
+      <p:pic>
+        <p:nvPicPr>
+          <p:cNvPr id="11" name="Image 10">
+            <a:extLst>
+              <a:ext uri="{FF2B5EF4-FFF2-40B4-BE49-F238E27FC236}">
+                <a16:creationId xmlns:a16="http://schemas.microsoft.com/office/drawing/2014/main" id="{ECE5C8B9-7190-412E-90A6-F6B35C72ADC5}"/>
+              </a:ext>
+            </a:extLst>
+          </p:cNvPr>
+          <p:cNvPicPr>
+            <a:picLocks noChangeAspect="1"/>
+          </p:cNvPicPr>
+          <p:nvPr/>
+        </p:nvPicPr>
+        <p:blipFill>
+          <a:blip r:embed="rId4" cstate="print">
+            <a:extLst>
+              <a:ext uri="{28A0092B-C50C-407E-A947-70E740481C1C}">
+                <a14:useLocalDpi xmlns:a14="http://schemas.microsoft.com/office/drawing/2010/main" val="0"/>
+              </a:ext>
+            </a:extLst>
+          </a:blip>
+          <a:stretch>
+            <a:fillRect/>
+          </a:stretch>
+        </p:blipFill>
+        <p:spPr>
+          <a:xfrm>
+            <a:off x="4720603" y="1076747"/>
+            <a:ext cx="802291" cy="802291"/>
+          </a:xfrm>
+          <a:prstGeom prst="rect">
+            <a:avLst/>
+          </a:prstGeom>
+        </p:spPr>
+      </p:pic>
+      <p:pic>
+        <p:nvPicPr>
+          <p:cNvPr id="12" name="Image 11">
+            <a:extLst>
+              <a:ext uri="{FF2B5EF4-FFF2-40B4-BE49-F238E27FC236}">
+                <a16:creationId xmlns:a16="http://schemas.microsoft.com/office/drawing/2014/main" id="{A9F92621-9473-4B26-98CA-4AA74FBA1475}"/>
+              </a:ext>
+            </a:extLst>
+          </p:cNvPr>
+          <p:cNvPicPr>
+            <a:picLocks noChangeAspect="1"/>
+          </p:cNvPicPr>
+          <p:nvPr/>
+        </p:nvPicPr>
+        <p:blipFill>
+          <a:blip r:embed="rId5" cstate="print">
+            <a:extLst>
+              <a:ext uri="{28A0092B-C50C-407E-A947-70E740481C1C}">
+                <a14:useLocalDpi xmlns:a14="http://schemas.microsoft.com/office/drawing/2010/main" val="0"/>
+              </a:ext>
+            </a:extLst>
+          </a:blip>
+          <a:stretch>
+            <a:fillRect/>
+          </a:stretch>
+        </p:blipFill>
+        <p:spPr>
+          <a:xfrm>
+            <a:off x="7400740" y="1176553"/>
+            <a:ext cx="702485" cy="702485"/>
+          </a:xfrm>
+          <a:prstGeom prst="rect">
+            <a:avLst/>
+          </a:prstGeom>
+        </p:spPr>
+      </p:pic>
+      <p:sp>
+        <p:nvSpPr>
+          <p:cNvPr id="13" name="Rectangle 12">
+            <a:extLst>
+              <a:ext uri="{FF2B5EF4-FFF2-40B4-BE49-F238E27FC236}">
+                <a16:creationId xmlns:a16="http://schemas.microsoft.com/office/drawing/2014/main" id="{9C6BCB6C-71C1-465F-973E-9F79A2EEADCB}"/>
+              </a:ext>
+            </a:extLst>
+          </p:cNvPr>
+          <p:cNvSpPr/>
+          <p:nvPr/>
+        </p:nvSpPr>
+        <p:spPr>
+          <a:xfrm>
+            <a:off x="6405764" y="1950956"/>
+            <a:ext cx="2872825" cy="369332"/>
+          </a:xfrm>
+          <a:prstGeom prst="rect">
+            <a:avLst/>
+          </a:prstGeom>
+        </p:spPr>
+        <p:txBody>
+          <a:bodyPr wrap="square">
+            <a:spAutoFit/>
+          </a:bodyPr>
+          <a:lstStyle>
+            <a:defPPr>
+              <a:defRPr lang="fr-FR"/>
+            </a:defPPr>
+            <a:lvl1pPr marL="0" algn="l" defTabSz="914400" rtl="0" eaLnBrk="1" latinLnBrk="0" hangingPunct="1">
+              <a:defRPr sz="1800" kern="1200">
+                <a:solidFill>
+                  <a:schemeClr val="tx1"/>
+                </a:solidFill>
+                <a:latin typeface="+mn-lt"/>
+                <a:ea typeface="+mn-ea"/>
+                <a:cs typeface="+mn-cs"/>
+              </a:defRPr>
+            </a:lvl1pPr>
+            <a:lvl2pPr marL="457200" algn="l" defTabSz="914400" rtl="0" eaLnBrk="1" latinLnBrk="0" hangingPunct="1">
+              <a:defRPr sz="1800" kern="1200">
+                <a:solidFill>
+                  <a:schemeClr val="tx1"/>
+                </a:solidFill>
+                <a:latin typeface="+mn-lt"/>
+                <a:ea typeface="+mn-ea"/>
+                <a:cs typeface="+mn-cs"/>
+              </a:defRPr>
+            </a:lvl2pPr>
+            <a:lvl3pPr marL="914400" algn="l" defTabSz="914400" rtl="0" eaLnBrk="1" latinLnBrk="0" hangingPunct="1">
+              <a:defRPr sz="1800" kern="1200">
+                <a:solidFill>
+                  <a:schemeClr val="tx1"/>
+                </a:solidFill>
+                <a:latin typeface="+mn-lt"/>
+                <a:ea typeface="+mn-ea"/>
+                <a:cs typeface="+mn-cs"/>
+              </a:defRPr>
+            </a:lvl3pPr>
+            <a:lvl4pPr marL="1371600" algn="l" defTabSz="914400" rtl="0" eaLnBrk="1" latinLnBrk="0" hangingPunct="1">
+              <a:defRPr sz="1800" kern="1200">
+                <a:solidFill>
+                  <a:schemeClr val="tx1"/>
+                </a:solidFill>
+                <a:latin typeface="+mn-lt"/>
+                <a:ea typeface="+mn-ea"/>
+                <a:cs typeface="+mn-cs"/>
+              </a:defRPr>
+            </a:lvl4pPr>
+            <a:lvl5pPr marL="1828800" algn="l" defTabSz="914400" rtl="0" eaLnBrk="1" latinLnBrk="0" hangingPunct="1">
+              <a:defRPr sz="1800" kern="1200">
+                <a:solidFill>
+                  <a:schemeClr val="tx1"/>
+                </a:solidFill>
+                <a:latin typeface="+mn-lt"/>
+                <a:ea typeface="+mn-ea"/>
+                <a:cs typeface="+mn-cs"/>
+              </a:defRPr>
+            </a:lvl5pPr>
+            <a:lvl6pPr marL="2286000" algn="l" defTabSz="914400" rtl="0" eaLnBrk="1" latinLnBrk="0" hangingPunct="1">
+              <a:defRPr sz="1800" kern="1200">
+                <a:solidFill>
+                  <a:schemeClr val="tx1"/>
+                </a:solidFill>
+                <a:latin typeface="+mn-lt"/>
+                <a:ea typeface="+mn-ea"/>
+                <a:cs typeface="+mn-cs"/>
+              </a:defRPr>
+            </a:lvl6pPr>
+            <a:lvl7pPr marL="2743200" algn="l" defTabSz="914400" rtl="0" eaLnBrk="1" latinLnBrk="0" hangingPunct="1">
+              <a:defRPr sz="1800" kern="1200">
+                <a:solidFill>
+                  <a:schemeClr val="tx1"/>
+                </a:solidFill>
+                <a:latin typeface="+mn-lt"/>
+                <a:ea typeface="+mn-ea"/>
+                <a:cs typeface="+mn-cs"/>
+              </a:defRPr>
+            </a:lvl7pPr>
+            <a:lvl8pPr marL="3200400" algn="l" defTabSz="914400" rtl="0" eaLnBrk="1" latinLnBrk="0" hangingPunct="1">
+              <a:defRPr sz="1800" kern="1200">
+                <a:solidFill>
+                  <a:schemeClr val="tx1"/>
+                </a:solidFill>
+                <a:latin typeface="+mn-lt"/>
+                <a:ea typeface="+mn-ea"/>
+                <a:cs typeface="+mn-cs"/>
+              </a:defRPr>
+            </a:lvl8pPr>
+            <a:lvl9pPr marL="3657600" algn="l" defTabSz="914400" rtl="0" eaLnBrk="1" latinLnBrk="0" hangingPunct="1">
+              <a:defRPr sz="1800" kern="1200">
+                <a:solidFill>
+                  <a:schemeClr val="tx1"/>
+                </a:solidFill>
+                <a:latin typeface="+mn-lt"/>
+                <a:ea typeface="+mn-ea"/>
+                <a:cs typeface="+mn-cs"/>
+              </a:defRPr>
+            </a:lvl9pPr>
+          </a:lstStyle>
+          <a:p>
+            <a:pPr algn="ctr"/>
+            <a:r>
+              <a:rPr lang="fr-FR" b="1" dirty="0">
+                <a:cs typeface="Arial" pitchFamily="34" charset="0"/>
+              </a:rPr>
+              <a:t>BU Financial Services</a:t>
+            </a:r>
+          </a:p>
+        </p:txBody>
+      </p:sp>
+      <p:sp>
+        <p:nvSpPr>
+          <p:cNvPr id="14" name="Rectangle 13">
+            <a:extLst>
+              <a:ext uri="{FF2B5EF4-FFF2-40B4-BE49-F238E27FC236}">
+                <a16:creationId xmlns:a16="http://schemas.microsoft.com/office/drawing/2014/main" id="{7339E524-73C4-4428-8F26-78EC9C85E742}"/>
+              </a:ext>
+            </a:extLst>
+          </p:cNvPr>
+          <p:cNvSpPr/>
+          <p:nvPr/>
+        </p:nvSpPr>
+        <p:spPr>
+          <a:xfrm>
+            <a:off x="-36497" y="4509120"/>
+            <a:ext cx="3631913" cy="1077218"/>
+          </a:xfrm>
+          <a:prstGeom prst="rect">
+            <a:avLst/>
+          </a:prstGeom>
+        </p:spPr>
+        <p:txBody>
+          <a:bodyPr wrap="square">
+            <a:spAutoFit/>
+          </a:bodyPr>
+          <a:lstStyle>
+            <a:defPPr>
+              <a:defRPr lang="fr-FR"/>
+            </a:defPPr>
+            <a:lvl1pPr marL="0" algn="l" defTabSz="914400" rtl="0" eaLnBrk="1" latinLnBrk="0" hangingPunct="1">
+              <a:defRPr sz="1800" kern="1200">
+                <a:solidFill>
+                  <a:schemeClr val="tx1"/>
+                </a:solidFill>
+                <a:latin typeface="+mn-lt"/>
+                <a:ea typeface="+mn-ea"/>
+                <a:cs typeface="+mn-cs"/>
+              </a:defRPr>
+            </a:lvl1pPr>
+            <a:lvl2pPr marL="457200" algn="l" defTabSz="914400" rtl="0" eaLnBrk="1" latinLnBrk="0" hangingPunct="1">
+              <a:defRPr sz="1800" kern="1200">
+                <a:solidFill>
+                  <a:schemeClr val="tx1"/>
+                </a:solidFill>
+                <a:latin typeface="+mn-lt"/>
+                <a:ea typeface="+mn-ea"/>
+                <a:cs typeface="+mn-cs"/>
+              </a:defRPr>
+            </a:lvl2pPr>
+            <a:lvl3pPr marL="914400" algn="l" defTabSz="914400" rtl="0" eaLnBrk="1" latinLnBrk="0" hangingPunct="1">
+              <a:defRPr sz="1800" kern="1200">
+                <a:solidFill>
+                  <a:schemeClr val="tx1"/>
+                </a:solidFill>
+                <a:latin typeface="+mn-lt"/>
+                <a:ea typeface="+mn-ea"/>
+                <a:cs typeface="+mn-cs"/>
+              </a:defRPr>
+            </a:lvl3pPr>
+            <a:lvl4pPr marL="1371600" algn="l" defTabSz="914400" rtl="0" eaLnBrk="1" latinLnBrk="0" hangingPunct="1">
+              <a:defRPr sz="1800" kern="1200">
+                <a:solidFill>
+                  <a:schemeClr val="tx1"/>
+                </a:solidFill>
+                <a:latin typeface="+mn-lt"/>
+                <a:ea typeface="+mn-ea"/>
+                <a:cs typeface="+mn-cs"/>
+              </a:defRPr>
+            </a:lvl4pPr>
+            <a:lvl5pPr marL="1828800" algn="l" defTabSz="914400" rtl="0" eaLnBrk="1" latinLnBrk="0" hangingPunct="1">
+              <a:defRPr sz="1800" kern="1200">
+                <a:solidFill>
+                  <a:schemeClr val="tx1"/>
+                </a:solidFill>
+                <a:latin typeface="+mn-lt"/>
+                <a:ea typeface="+mn-ea"/>
+                <a:cs typeface="+mn-cs"/>
+              </a:defRPr>
+            </a:lvl5pPr>
+            <a:lvl6pPr marL="2286000" algn="l" defTabSz="914400" rtl="0" eaLnBrk="1" latinLnBrk="0" hangingPunct="1">
+              <a:defRPr sz="1800" kern="1200">
+                <a:solidFill>
+                  <a:schemeClr val="tx1"/>
+                </a:solidFill>
+                <a:latin typeface="+mn-lt"/>
+                <a:ea typeface="+mn-ea"/>
+                <a:cs typeface="+mn-cs"/>
+              </a:defRPr>
+            </a:lvl6pPr>
+            <a:lvl7pPr marL="2743200" algn="l" defTabSz="914400" rtl="0" eaLnBrk="1" latinLnBrk="0" hangingPunct="1">
+              <a:defRPr sz="1800" kern="1200">
+                <a:solidFill>
+                  <a:schemeClr val="tx1"/>
+                </a:solidFill>
+                <a:latin typeface="+mn-lt"/>
+                <a:ea typeface="+mn-ea"/>
+                <a:cs typeface="+mn-cs"/>
+              </a:defRPr>
+            </a:lvl7pPr>
+            <a:lvl8pPr marL="3200400" algn="l" defTabSz="914400" rtl="0" eaLnBrk="1" latinLnBrk="0" hangingPunct="1">
+              <a:defRPr sz="1800" kern="1200">
+                <a:solidFill>
+                  <a:schemeClr val="tx1"/>
+                </a:solidFill>
+                <a:latin typeface="+mn-lt"/>
+                <a:ea typeface="+mn-ea"/>
+                <a:cs typeface="+mn-cs"/>
+              </a:defRPr>
+            </a:lvl8pPr>
+            <a:lvl9pPr marL="3657600" algn="l" defTabSz="914400" rtl="0" eaLnBrk="1" latinLnBrk="0" hangingPunct="1">
+              <a:defRPr sz="1800" kern="1200">
+                <a:solidFill>
+                  <a:schemeClr val="tx1"/>
+                </a:solidFill>
+                <a:latin typeface="+mn-lt"/>
+                <a:ea typeface="+mn-ea"/>
+                <a:cs typeface="+mn-cs"/>
+              </a:defRPr>
+            </a:lvl9pPr>
+          </a:lstStyle>
+          <a:p>
+            <a:pPr algn="ctr"/>
+            <a:r>
+              <a:rPr lang="fr-FR" sz="3200" b="1" dirty="0">
+                <a:solidFill>
+                  <a:schemeClr val="accent1"/>
+                </a:solidFill>
+                <a:cs typeface="Arial" pitchFamily="34" charset="0"/>
+              </a:rPr>
+              <a:t>Guillaume </a:t>
+            </a:r>
+          </a:p>
+          <a:p>
+            <a:pPr algn="ctr"/>
+            <a:r>
+              <a:rPr lang="fr-FR" sz="3200" b="1" dirty="0">
+                <a:solidFill>
+                  <a:schemeClr val="accent1"/>
+                </a:solidFill>
+                <a:cs typeface="Arial" pitchFamily="34" charset="0"/>
+              </a:rPr>
+              <a:t>Gallois</a:t>
+            </a:r>
+            <a:endParaRPr lang="fr-FR" sz="2133" b="1" dirty="0">
+              <a:solidFill>
+                <a:schemeClr val="accent1"/>
+              </a:solidFill>
+              <a:cs typeface="Arial" pitchFamily="34" charset="0"/>
+            </a:endParaRPr>
+          </a:p>
+        </p:txBody>
+      </p:sp>
+      <p:graphicFrame>
+        <p:nvGraphicFramePr>
+          <p:cNvPr id="15" name="Diagramme 14">
+            <a:extLst>
+              <a:ext uri="{FF2B5EF4-FFF2-40B4-BE49-F238E27FC236}">
+                <a16:creationId xmlns:a16="http://schemas.microsoft.com/office/drawing/2014/main" id="{EB35E88C-0704-414B-B15E-2C3ACE41F716}"/>
+              </a:ext>
+            </a:extLst>
+          </p:cNvPr>
+          <p:cNvGraphicFramePr/>
+          <p:nvPr>
+            <p:extLst>
+              <p:ext uri="{D42A27DB-BD31-4B8C-83A1-F6EECF244321}">
+                <p14:modId xmlns:p14="http://schemas.microsoft.com/office/powerpoint/2010/main" val="1869364536"/>
+              </p:ext>
+            </p:extLst>
+          </p:nvPr>
+        </p:nvGraphicFramePr>
+        <p:xfrm>
+          <a:off x="3909995" y="2637368"/>
+          <a:ext cx="8089901" cy="4047065"/>
+        </p:xfrm>
+        <a:graphic>
+          <a:graphicData uri="http://schemas.openxmlformats.org/drawingml/2006/diagram">
+            <dgm:relIds xmlns:dgm="http://schemas.openxmlformats.org/drawingml/2006/diagram" xmlns:r="http://schemas.openxmlformats.org/officeDocument/2006/relationships" r:dm="rId6" r:lo="rId7" r:qs="rId8" r:cs="rId9"/>
+          </a:graphicData>
+        </a:graphic>
+      </p:graphicFrame>
+      <p:sp>
+        <p:nvSpPr>
+          <p:cNvPr id="16" name="Ellipse 15">
+            <a:extLst>
+              <a:ext uri="{FF2B5EF4-FFF2-40B4-BE49-F238E27FC236}">
+                <a16:creationId xmlns:a16="http://schemas.microsoft.com/office/drawing/2014/main" id="{0C3371DC-5103-420A-B75D-A2F64A63ABCB}"/>
+              </a:ext>
+            </a:extLst>
+          </p:cNvPr>
+          <p:cNvSpPr/>
+          <p:nvPr/>
+        </p:nvSpPr>
+        <p:spPr>
+          <a:xfrm>
+            <a:off x="440554" y="1916832"/>
+            <a:ext cx="2677809" cy="2530047"/>
+          </a:xfrm>
+          <a:prstGeom prst="ellipse">
+            <a:avLst/>
+          </a:prstGeom>
+          <a:blipFill>
+            <a:blip r:embed="rId11"/>
+            <a:stretch>
+              <a:fillRect/>
+            </a:stretch>
+          </a:blipFill>
+          <a:effectLst>
+            <a:softEdge rad="0"/>
+          </a:effectLst>
+        </p:spPr>
+        <p:style>
+          <a:lnRef idx="2">
+            <a:schemeClr val="accent1">
+              <a:shade val="50000"/>
+            </a:schemeClr>
+          </a:lnRef>
+          <a:fillRef idx="1">
+            <a:schemeClr val="accent1"/>
+          </a:fillRef>
+          <a:effectRef idx="0">
+            <a:schemeClr val="accent1"/>
+          </a:effectRef>
+          <a:fontRef idx="minor">
+            <a:schemeClr val="lt1"/>
+          </a:fontRef>
+        </p:style>
+        <p:txBody>
+          <a:bodyPr rtlCol="0" anchor="ctr"/>
+          <a:lstStyle>
+            <a:defPPr>
+              <a:defRPr lang="fr-FR"/>
+            </a:defPPr>
+            <a:lvl1pPr marL="0" algn="l" defTabSz="914400" rtl="0" eaLnBrk="1" latinLnBrk="0" hangingPunct="1">
+              <a:defRPr sz="1800" kern="1200">
+                <a:solidFill>
+                  <a:schemeClr val="lt1"/>
+                </a:solidFill>
+                <a:latin typeface="+mn-lt"/>
+                <a:ea typeface="+mn-ea"/>
+                <a:cs typeface="+mn-cs"/>
+              </a:defRPr>
+            </a:lvl1pPr>
+            <a:lvl2pPr marL="457200" algn="l" defTabSz="914400" rtl="0" eaLnBrk="1" latinLnBrk="0" hangingPunct="1">
+              <a:defRPr sz="1800" kern="1200">
+                <a:solidFill>
+                  <a:schemeClr val="lt1"/>
+                </a:solidFill>
+                <a:latin typeface="+mn-lt"/>
+                <a:ea typeface="+mn-ea"/>
+                <a:cs typeface="+mn-cs"/>
+              </a:defRPr>
+            </a:lvl2pPr>
+            <a:lvl3pPr marL="914400" algn="l" defTabSz="914400" rtl="0" eaLnBrk="1" latinLnBrk="0" hangingPunct="1">
+              <a:defRPr sz="1800" kern="1200">
+                <a:solidFill>
+                  <a:schemeClr val="lt1"/>
+                </a:solidFill>
+                <a:latin typeface="+mn-lt"/>
+                <a:ea typeface="+mn-ea"/>
+                <a:cs typeface="+mn-cs"/>
+              </a:defRPr>
+            </a:lvl3pPr>
+            <a:lvl4pPr marL="1371600" algn="l" defTabSz="914400" rtl="0" eaLnBrk="1" latinLnBrk="0" hangingPunct="1">
+              <a:defRPr sz="1800" kern="1200">
+                <a:solidFill>
+                  <a:schemeClr val="lt1"/>
+                </a:solidFill>
+                <a:latin typeface="+mn-lt"/>
+                <a:ea typeface="+mn-ea"/>
+                <a:cs typeface="+mn-cs"/>
+              </a:defRPr>
+            </a:lvl4pPr>
+            <a:lvl5pPr marL="1828800" algn="l" defTabSz="914400" rtl="0" eaLnBrk="1" latinLnBrk="0" hangingPunct="1">
+              <a:defRPr sz="1800" kern="1200">
+                <a:solidFill>
+                  <a:schemeClr val="lt1"/>
+                </a:solidFill>
+                <a:latin typeface="+mn-lt"/>
+                <a:ea typeface="+mn-ea"/>
+                <a:cs typeface="+mn-cs"/>
+              </a:defRPr>
+            </a:lvl5pPr>
+            <a:lvl6pPr marL="2286000" algn="l" defTabSz="914400" rtl="0" eaLnBrk="1" latinLnBrk="0" hangingPunct="1">
+              <a:defRPr sz="1800" kern="1200">
+                <a:solidFill>
+                  <a:schemeClr val="lt1"/>
+                </a:solidFill>
+                <a:latin typeface="+mn-lt"/>
+                <a:ea typeface="+mn-ea"/>
+                <a:cs typeface="+mn-cs"/>
+              </a:defRPr>
+            </a:lvl6pPr>
+            <a:lvl7pPr marL="2743200" algn="l" defTabSz="914400" rtl="0" eaLnBrk="1" latinLnBrk="0" hangingPunct="1">
+              <a:defRPr sz="1800" kern="1200">
+                <a:solidFill>
+                  <a:schemeClr val="lt1"/>
+                </a:solidFill>
+                <a:latin typeface="+mn-lt"/>
+                <a:ea typeface="+mn-ea"/>
+                <a:cs typeface="+mn-cs"/>
+              </a:defRPr>
+            </a:lvl7pPr>
+            <a:lvl8pPr marL="3200400" algn="l" defTabSz="914400" rtl="0" eaLnBrk="1" latinLnBrk="0" hangingPunct="1">
+              <a:defRPr sz="1800" kern="1200">
+                <a:solidFill>
+                  <a:schemeClr val="lt1"/>
+                </a:solidFill>
+                <a:latin typeface="+mn-lt"/>
+                <a:ea typeface="+mn-ea"/>
+                <a:cs typeface="+mn-cs"/>
+              </a:defRPr>
+            </a:lvl8pPr>
+            <a:lvl9pPr marL="3657600" algn="l" defTabSz="914400" rtl="0" eaLnBrk="1" latinLnBrk="0" hangingPunct="1">
+              <a:defRPr sz="1800" kern="1200">
+                <a:solidFill>
+                  <a:schemeClr val="lt1"/>
+                </a:solidFill>
+                <a:latin typeface="+mn-lt"/>
+                <a:ea typeface="+mn-ea"/>
+                <a:cs typeface="+mn-cs"/>
+              </a:defRPr>
+            </a:lvl9pPr>
+          </a:lstStyle>
+          <a:p>
+            <a:pPr algn="ctr"/>
+            <a:endParaRPr lang="fr-FR"/>
+          </a:p>
+        </p:txBody>
+      </p:sp>
+      <p:sp>
+        <p:nvSpPr>
+          <p:cNvPr id="17" name="ZoneTexte 2">
+            <a:extLst>
+              <a:ext uri="{FF2B5EF4-FFF2-40B4-BE49-F238E27FC236}">
+                <a16:creationId xmlns:a16="http://schemas.microsoft.com/office/drawing/2014/main" id="{D41AD181-9B6F-41A4-B204-717FC8C97CB8}"/>
+              </a:ext>
+            </a:extLst>
+          </p:cNvPr>
+          <p:cNvSpPr txBox="1"/>
+          <p:nvPr/>
+        </p:nvSpPr>
+        <p:spPr>
+          <a:xfrm>
+            <a:off x="839416" y="5589240"/>
+            <a:ext cx="2153920" cy="369332"/>
+          </a:xfrm>
+          <a:prstGeom prst="rect">
+            <a:avLst/>
+          </a:prstGeom>
+          <a:noFill/>
+        </p:spPr>
+        <p:txBody>
+          <a:bodyPr wrap="square" rtlCol="0">
+            <a:spAutoFit/>
+          </a:bodyPr>
+          <a:lstStyle>
+            <a:defPPr>
+              <a:defRPr lang="fr-FR"/>
+            </a:defPPr>
+            <a:lvl1pPr marL="0" algn="l" defTabSz="914400" rtl="0" eaLnBrk="1" latinLnBrk="0" hangingPunct="1">
+              <a:defRPr sz="1800" kern="1200">
+                <a:solidFill>
+                  <a:schemeClr val="tx1"/>
+                </a:solidFill>
+                <a:latin typeface="+mn-lt"/>
+                <a:ea typeface="+mn-ea"/>
+                <a:cs typeface="+mn-cs"/>
+              </a:defRPr>
+            </a:lvl1pPr>
+            <a:lvl2pPr marL="457200" algn="l" defTabSz="914400" rtl="0" eaLnBrk="1" latinLnBrk="0" hangingPunct="1">
+              <a:defRPr sz="1800" kern="1200">
+                <a:solidFill>
+                  <a:schemeClr val="tx1"/>
+                </a:solidFill>
+                <a:latin typeface="+mn-lt"/>
+                <a:ea typeface="+mn-ea"/>
+                <a:cs typeface="+mn-cs"/>
+              </a:defRPr>
+            </a:lvl2pPr>
+            <a:lvl3pPr marL="914400" algn="l" defTabSz="914400" rtl="0" eaLnBrk="1" latinLnBrk="0" hangingPunct="1">
+              <a:defRPr sz="1800" kern="1200">
+                <a:solidFill>
+                  <a:schemeClr val="tx1"/>
+                </a:solidFill>
+                <a:latin typeface="+mn-lt"/>
+                <a:ea typeface="+mn-ea"/>
+                <a:cs typeface="+mn-cs"/>
+              </a:defRPr>
+            </a:lvl3pPr>
+            <a:lvl4pPr marL="1371600" algn="l" defTabSz="914400" rtl="0" eaLnBrk="1" latinLnBrk="0" hangingPunct="1">
+              <a:defRPr sz="1800" kern="1200">
+                <a:solidFill>
+                  <a:schemeClr val="tx1"/>
+                </a:solidFill>
+                <a:latin typeface="+mn-lt"/>
+                <a:ea typeface="+mn-ea"/>
+                <a:cs typeface="+mn-cs"/>
+              </a:defRPr>
+            </a:lvl4pPr>
+            <a:lvl5pPr marL="1828800" algn="l" defTabSz="914400" rtl="0" eaLnBrk="1" latinLnBrk="0" hangingPunct="1">
+              <a:defRPr sz="1800" kern="1200">
+                <a:solidFill>
+                  <a:schemeClr val="tx1"/>
+                </a:solidFill>
+                <a:latin typeface="+mn-lt"/>
+                <a:ea typeface="+mn-ea"/>
+                <a:cs typeface="+mn-cs"/>
+              </a:defRPr>
+            </a:lvl5pPr>
+            <a:lvl6pPr marL="2286000" algn="l" defTabSz="914400" rtl="0" eaLnBrk="1" latinLnBrk="0" hangingPunct="1">
+              <a:defRPr sz="1800" kern="1200">
+                <a:solidFill>
+                  <a:schemeClr val="tx1"/>
+                </a:solidFill>
+                <a:latin typeface="+mn-lt"/>
+                <a:ea typeface="+mn-ea"/>
+                <a:cs typeface="+mn-cs"/>
+              </a:defRPr>
+            </a:lvl6pPr>
+            <a:lvl7pPr marL="2743200" algn="l" defTabSz="914400" rtl="0" eaLnBrk="1" latinLnBrk="0" hangingPunct="1">
+              <a:defRPr sz="1800" kern="1200">
+                <a:solidFill>
+                  <a:schemeClr val="tx1"/>
+                </a:solidFill>
+                <a:latin typeface="+mn-lt"/>
+                <a:ea typeface="+mn-ea"/>
+                <a:cs typeface="+mn-cs"/>
+              </a:defRPr>
+            </a:lvl7pPr>
+            <a:lvl8pPr marL="3200400" algn="l" defTabSz="914400" rtl="0" eaLnBrk="1" latinLnBrk="0" hangingPunct="1">
+              <a:defRPr sz="1800" kern="1200">
+                <a:solidFill>
+                  <a:schemeClr val="tx1"/>
+                </a:solidFill>
+                <a:latin typeface="+mn-lt"/>
+                <a:ea typeface="+mn-ea"/>
+                <a:cs typeface="+mn-cs"/>
+              </a:defRPr>
+            </a:lvl8pPr>
+            <a:lvl9pPr marL="3657600" algn="l" defTabSz="914400" rtl="0" eaLnBrk="1" latinLnBrk="0" hangingPunct="1">
+              <a:defRPr sz="1800" kern="1200">
+                <a:solidFill>
+                  <a:schemeClr val="tx1"/>
+                </a:solidFill>
+                <a:latin typeface="+mn-lt"/>
+                <a:ea typeface="+mn-ea"/>
+                <a:cs typeface="+mn-cs"/>
+              </a:defRPr>
+            </a:lvl9pPr>
+          </a:lstStyle>
+          <a:p>
+            <a:r>
+              <a:rPr lang="fr-FR" dirty="0"/>
+              <a:t>* </a:t>
+            </a:r>
+            <a:r>
+              <a:rPr lang="fr-FR" sz="1400" i="1" dirty="0"/>
+              <a:t>Développeur tout-terrain</a:t>
+            </a:r>
+          </a:p>
+        </p:txBody>
+      </p:sp>
+    </p:spTree>
+    <p:extLst>
+      <p:ext uri="{BB962C8B-B14F-4D97-AF65-F5344CB8AC3E}">
+        <p14:creationId xmlns:p14="http://schemas.microsoft.com/office/powerpoint/2010/main" val="873403939"/>
+      </p:ext>
+    </p:extLst>
+  </p:cSld>
+  <p:clrMapOvr>
+    <a:masterClrMapping/>
+  </p:clrMapOvr>
+</p:sld>
+</file>
+
+<file path=ppt/slides/slide20.xml><?xml version="1.0" encoding="utf-8"?>
 <p:sld xmlns:a="http://schemas.openxmlformats.org/drawingml/2006/main" xmlns:r="http://schemas.openxmlformats.org/officeDocument/2006/relationships" xmlns:p="http://schemas.openxmlformats.org/presentationml/2006/main">
   <p:cSld>
     <p:spTree>
@@ -27770,7 +34279,7 @@
             <a:fld id="{525A3C56-E491-49B2-93F3-63532DF516BC}" type="slidenum">
               <a:rPr lang="en-US" smtClean="0"/>
               <a:pPr/>
-              <a:t>18</a:t>
+              <a:t>20</a:t>
             </a:fld>
             <a:endParaRPr lang="en-US"/>
           </a:p>
@@ -28253,7 +34762,7 @@
 </p:sld>
 </file>
 
-<file path=ppt/slides/slide19.xml><?xml version="1.0" encoding="utf-8"?>
+<file path=ppt/slides/slide21.xml><?xml version="1.0" encoding="utf-8"?>
 <p:sld xmlns:a="http://schemas.openxmlformats.org/drawingml/2006/main" xmlns:r="http://schemas.openxmlformats.org/officeDocument/2006/relationships" xmlns:p="http://schemas.openxmlformats.org/presentationml/2006/main">
   <p:cSld>
     <p:spTree>
@@ -28554,7 +35063,7 @@
             <a:fld id="{525A3C56-E491-49B2-93F3-63532DF516BC}" type="slidenum">
               <a:rPr lang="en-US" smtClean="0"/>
               <a:pPr/>
-              <a:t>19</a:t>
+              <a:t>21</a:t>
             </a:fld>
             <a:endParaRPr lang="en-US"/>
           </a:p>
@@ -28570,289 +35079,10 @@
   <p:clrMapOvr>
     <a:masterClrMapping/>
   </p:clrMapOvr>
-  <p:timing>
-    <p:tnLst>
-      <p:par>
-        <p:cTn id="1" dur="indefinite" restart="never" nodeType="tmRoot"/>
-      </p:par>
-    </p:tnLst>
-  </p:timing>
 </p:sld>
 </file>
 
-<file path=ppt/slides/slide2.xml><?xml version="1.0" encoding="utf-8"?>
-<p:sld xmlns:a="http://schemas.openxmlformats.org/drawingml/2006/main" xmlns:r="http://schemas.openxmlformats.org/officeDocument/2006/relationships" xmlns:p="http://schemas.openxmlformats.org/presentationml/2006/main">
-  <p:cSld>
-    <p:spTree>
-      <p:nvGrpSpPr>
-        <p:cNvPr id="1" name=""/>
-        <p:cNvGrpSpPr/>
-        <p:nvPr/>
-      </p:nvGrpSpPr>
-      <p:grpSpPr>
-        <a:xfrm>
-          <a:off x="0" y="0"/>
-          <a:ext cx="0" cy="0"/>
-          <a:chOff x="0" y="0"/>
-          <a:chExt cx="0" cy="0"/>
-        </a:xfrm>
-      </p:grpSpPr>
-      <p:sp>
-        <p:nvSpPr>
-          <p:cNvPr id="2" name="Titre 1"/>
-          <p:cNvSpPr>
-            <a:spLocks noGrp="1"/>
-          </p:cNvSpPr>
-          <p:nvPr>
-            <p:ph type="title"/>
-          </p:nvPr>
-        </p:nvSpPr>
-        <p:spPr/>
-        <p:txBody>
-          <a:bodyPr/>
-          <a:lstStyle/>
-          <a:p>
-            <a:r>
-              <a:rPr lang="fr-FR" dirty="0" err="1"/>
-              <a:t>Spring</a:t>
-            </a:r>
-            <a:endParaRPr lang="fr-FR" dirty="0"/>
-          </a:p>
-        </p:txBody>
-      </p:sp>
-      <p:sp>
-        <p:nvSpPr>
-          <p:cNvPr id="3" name="Espace réservé du contenu 2"/>
-          <p:cNvSpPr>
-            <a:spLocks noGrp="1"/>
-          </p:cNvSpPr>
-          <p:nvPr>
-            <p:ph sz="quarter" idx="17"/>
-          </p:nvPr>
-        </p:nvSpPr>
-        <p:spPr/>
-        <p:txBody>
-          <a:bodyPr/>
-          <a:lstStyle/>
-          <a:p>
-            <a:r>
-              <a:rPr lang="fr-FR" dirty="0">
-                <a:hlinkClick r:id="rId2"/>
-              </a:rPr>
-              <a:t>https://spring.io/</a:t>
-            </a:r>
-            <a:endParaRPr lang="fr-FR" dirty="0"/>
-          </a:p>
-          <a:p>
-            <a:endParaRPr lang="fr-FR" dirty="0"/>
-          </a:p>
-          <a:p>
-            <a:r>
-              <a:rPr lang="fr-FR" dirty="0"/>
-              <a:t>Un </a:t>
-            </a:r>
-            <a:r>
-              <a:rPr lang="fr-FR" u="sng" dirty="0"/>
-              <a:t>Ecosystème</a:t>
-            </a:r>
-            <a:r>
-              <a:rPr lang="fr-FR" dirty="0"/>
-              <a:t> complet (plusieurs projets)</a:t>
-            </a:r>
-          </a:p>
-          <a:p>
-            <a:endParaRPr lang="fr-FR" dirty="0"/>
-          </a:p>
-          <a:p>
-            <a:pPr marL="342900" indent="-342900">
-              <a:buFont typeface="Arial" panose="020B0604020202020204" pitchFamily="34" charset="0"/>
-              <a:buChar char="•"/>
-            </a:pPr>
-            <a:r>
-              <a:rPr lang="fr-FR" b="1" dirty="0" err="1"/>
-              <a:t>Spring</a:t>
-            </a:r>
-            <a:r>
-              <a:rPr lang="fr-FR" b="1" dirty="0"/>
-              <a:t> Boot</a:t>
-            </a:r>
-          </a:p>
-          <a:p>
-            <a:pPr marL="342900" indent="-342900">
-              <a:buFont typeface="Arial" panose="020B0604020202020204" pitchFamily="34" charset="0"/>
-              <a:buChar char="•"/>
-            </a:pPr>
-            <a:r>
-              <a:rPr lang="fr-FR" b="1" dirty="0" err="1"/>
-              <a:t>Spring</a:t>
-            </a:r>
-            <a:r>
-              <a:rPr lang="fr-FR" b="1" dirty="0"/>
-              <a:t> Framework</a:t>
-            </a:r>
-          </a:p>
-          <a:p>
-            <a:pPr marL="342900" indent="-342900">
-              <a:buFont typeface="Arial" panose="020B0604020202020204" pitchFamily="34" charset="0"/>
-              <a:buChar char="•"/>
-            </a:pPr>
-            <a:r>
-              <a:rPr lang="fr-FR" dirty="0" err="1"/>
-              <a:t>Spring</a:t>
-            </a:r>
-            <a:r>
-              <a:rPr lang="fr-FR" dirty="0"/>
-              <a:t> Data</a:t>
-            </a:r>
-          </a:p>
-          <a:p>
-            <a:pPr marL="342900" indent="-342900">
-              <a:buFont typeface="Arial" panose="020B0604020202020204" pitchFamily="34" charset="0"/>
-              <a:buChar char="•"/>
-            </a:pPr>
-            <a:r>
-              <a:rPr lang="fr-FR" dirty="0" err="1"/>
-              <a:t>Spring</a:t>
-            </a:r>
-            <a:r>
-              <a:rPr lang="fr-FR" dirty="0"/>
-              <a:t> Security</a:t>
-            </a:r>
-          </a:p>
-          <a:p>
-            <a:pPr marL="342900" indent="-342900">
-              <a:buFont typeface="Arial" panose="020B0604020202020204" pitchFamily="34" charset="0"/>
-              <a:buChar char="•"/>
-            </a:pPr>
-            <a:r>
-              <a:rPr lang="fr-FR" dirty="0" err="1"/>
-              <a:t>Spring</a:t>
-            </a:r>
-            <a:r>
-              <a:rPr lang="fr-FR" dirty="0"/>
-              <a:t> Batch</a:t>
-            </a:r>
-          </a:p>
-          <a:p>
-            <a:pPr marL="342900" indent="-342900">
-              <a:buFont typeface="Arial" panose="020B0604020202020204" pitchFamily="34" charset="0"/>
-              <a:buChar char="•"/>
-            </a:pPr>
-            <a:r>
-              <a:rPr lang="fr-FR" dirty="0" err="1"/>
-              <a:t>Spring</a:t>
-            </a:r>
-            <a:r>
-              <a:rPr lang="fr-FR" dirty="0"/>
-              <a:t> </a:t>
-            </a:r>
-            <a:r>
-              <a:rPr lang="fr-FR" dirty="0" err="1"/>
-              <a:t>Integration</a:t>
-            </a:r>
-            <a:endParaRPr lang="fr-FR" dirty="0"/>
-          </a:p>
-          <a:p>
-            <a:pPr marL="342900" indent="-342900">
-              <a:buFont typeface="Arial" panose="020B0604020202020204" pitchFamily="34" charset="0"/>
-              <a:buChar char="•"/>
-            </a:pPr>
-            <a:r>
-              <a:rPr lang="fr-FR" dirty="0" err="1"/>
-              <a:t>Spring</a:t>
-            </a:r>
-            <a:r>
-              <a:rPr lang="fr-FR" dirty="0"/>
-              <a:t> Cloud</a:t>
-            </a:r>
-          </a:p>
-          <a:p>
-            <a:pPr marL="342900" indent="-342900">
-              <a:buFont typeface="Arial" panose="020B0604020202020204" pitchFamily="34" charset="0"/>
-              <a:buChar char="•"/>
-            </a:pPr>
-            <a:r>
-              <a:rPr lang="fr-FR" dirty="0"/>
-              <a:t>…</a:t>
-            </a:r>
-          </a:p>
-        </p:txBody>
-      </p:sp>
-      <p:sp>
-        <p:nvSpPr>
-          <p:cNvPr id="4" name="Espace réservé du numéro de diapositive 3"/>
-          <p:cNvSpPr>
-            <a:spLocks noGrp="1"/>
-          </p:cNvSpPr>
-          <p:nvPr>
-            <p:ph type="sldNum" sz="quarter" idx="4"/>
-          </p:nvPr>
-        </p:nvSpPr>
-        <p:spPr/>
-        <p:txBody>
-          <a:bodyPr/>
-          <a:lstStyle/>
-          <a:p>
-            <a:fld id="{525A3C56-E491-49B2-93F3-63532DF516BC}" type="slidenum">
-              <a:rPr lang="en-US" smtClean="0"/>
-              <a:pPr/>
-              <a:t>2</a:t>
-            </a:fld>
-            <a:endParaRPr lang="en-US"/>
-          </a:p>
-        </p:txBody>
-      </p:sp>
-      <p:pic>
-        <p:nvPicPr>
-          <p:cNvPr id="5" name="Image 4"/>
-          <p:cNvPicPr>
-            <a:picLocks noChangeAspect="1"/>
-          </p:cNvPicPr>
-          <p:nvPr/>
-        </p:nvPicPr>
-        <p:blipFill>
-          <a:blip r:embed="rId3">
-            <a:extLst>
-              <a:ext uri="{28A0092B-C50C-407E-A947-70E740481C1C}">
-                <a14:useLocalDpi xmlns:a14="http://schemas.microsoft.com/office/drawing/2010/main" val="0"/>
-              </a:ext>
-            </a:extLst>
-          </a:blip>
-          <a:stretch>
-            <a:fillRect/>
-          </a:stretch>
-        </p:blipFill>
-        <p:spPr>
-          <a:xfrm>
-            <a:off x="5303912" y="3284984"/>
-            <a:ext cx="4864933" cy="1356100"/>
-          </a:xfrm>
-          <a:prstGeom prst="rect">
-            <a:avLst/>
-          </a:prstGeom>
-        </p:spPr>
-      </p:pic>
-    </p:spTree>
-    <p:extLst>
-      <p:ext uri="{BB962C8B-B14F-4D97-AF65-F5344CB8AC3E}">
-        <p14:creationId xmlns:p14="http://schemas.microsoft.com/office/powerpoint/2010/main" val="3060199378"/>
-      </p:ext>
-    </p:extLst>
-  </p:cSld>
-  <p:clrMapOvr>
-    <a:masterClrMapping/>
-  </p:clrMapOvr>
-  <p:timing>
-    <p:tnLst>
-      <p:par>
-        <p:cTn id="1" dur="indefinite" restart="never" nodeType="tmRoot"/>
-      </p:par>
-    </p:tnLst>
-  </p:timing>
-</p:sld>
-</file>
-
-<file path=ppt/slides/slide20.xml><?xml version="1.0" encoding="utf-8"?>
+<file path=ppt/slides/slide22.xml><?xml version="1.0" encoding="utf-8"?>
 <p:sld xmlns:a="http://schemas.openxmlformats.org/drawingml/2006/main" xmlns:r="http://schemas.openxmlformats.org/officeDocument/2006/relationships" xmlns:p="http://schemas.openxmlformats.org/presentationml/2006/main">
   <p:cSld>
     <p:spTree>
@@ -29032,7 +35262,7 @@
             <a:fld id="{525A3C56-E491-49B2-93F3-63532DF516BC}" type="slidenum">
               <a:rPr lang="en-US" smtClean="0"/>
               <a:pPr/>
-              <a:t>20</a:t>
+              <a:t>22</a:t>
             </a:fld>
             <a:endParaRPr lang="en-US"/>
           </a:p>
@@ -29085,17 +35315,10 @@
   <p:clrMapOvr>
     <a:masterClrMapping/>
   </p:clrMapOvr>
-  <p:timing>
-    <p:tnLst>
-      <p:par>
-        <p:cTn id="1" dur="indefinite" restart="never" nodeType="tmRoot"/>
-      </p:par>
-    </p:tnLst>
-  </p:timing>
 </p:sld>
 </file>
 
-<file path=ppt/slides/slide21.xml><?xml version="1.0" encoding="utf-8"?>
+<file path=ppt/slides/slide23.xml><?xml version="1.0" encoding="utf-8"?>
 <p:sld xmlns:a="http://schemas.openxmlformats.org/drawingml/2006/main" xmlns:r="http://schemas.openxmlformats.org/officeDocument/2006/relationships" xmlns:p="http://schemas.openxmlformats.org/presentationml/2006/main">
   <p:cSld>
     <p:spTree>
@@ -29278,7 +35501,7 @@
             <a:fld id="{525A3C56-E491-49B2-93F3-63532DF516BC}" type="slidenum">
               <a:rPr lang="en-US" smtClean="0"/>
               <a:pPr/>
-              <a:t>21</a:t>
+              <a:t>23</a:t>
             </a:fld>
             <a:endParaRPr lang="en-US"/>
           </a:p>
@@ -29432,7 +35655,7 @@
 </p:sld>
 </file>
 
-<file path=ppt/slides/slide22.xml><?xml version="1.0" encoding="utf-8"?>
+<file path=ppt/slides/slide24.xml><?xml version="1.0" encoding="utf-8"?>
 <p:sld xmlns:a="http://schemas.openxmlformats.org/drawingml/2006/main" xmlns:r="http://schemas.openxmlformats.org/officeDocument/2006/relationships" xmlns:p="http://schemas.openxmlformats.org/presentationml/2006/main">
   <p:cSld>
     <p:spTree>
@@ -29493,7 +35716,7 @@
             <a:fld id="{525A3C56-E491-49B2-93F3-63532DF516BC}" type="slidenum">
               <a:rPr lang="en-US" smtClean="0"/>
               <a:pPr/>
-              <a:t>22</a:t>
+              <a:t>24</a:t>
             </a:fld>
             <a:endParaRPr lang="en-US"/>
           </a:p>
@@ -29552,17 +35775,10 @@
   <p:clrMapOvr>
     <a:masterClrMapping/>
   </p:clrMapOvr>
-  <p:timing>
-    <p:tnLst>
-      <p:par>
-        <p:cTn id="1" dur="indefinite" restart="never" nodeType="tmRoot"/>
-      </p:par>
-    </p:tnLst>
-  </p:timing>
 </p:sld>
 </file>
 
-<file path=ppt/slides/slide23.xml><?xml version="1.0" encoding="utf-8"?>
+<file path=ppt/slides/slide25.xml><?xml version="1.0" encoding="utf-8"?>
 <p:sld xmlns:a="http://schemas.openxmlformats.org/drawingml/2006/main" xmlns:r="http://schemas.openxmlformats.org/officeDocument/2006/relationships" xmlns:p="http://schemas.openxmlformats.org/presentationml/2006/main">
   <p:cSld>
     <p:spTree>
@@ -29720,7 +35936,7 @@
             <a:fld id="{525A3C56-E491-49B2-93F3-63532DF516BC}" type="slidenum">
               <a:rPr lang="en-US" smtClean="0"/>
               <a:pPr/>
-              <a:t>23</a:t>
+              <a:t>25</a:t>
             </a:fld>
             <a:endParaRPr lang="en-US"/>
           </a:p>
@@ -29852,7 +36068,181 @@
 </p:sld>
 </file>
 
-<file path=ppt/slides/slide24.xml><?xml version="1.0" encoding="utf-8"?>
+<file path=ppt/slides/slide26.xml><?xml version="1.0" encoding="utf-8"?>
+<p:sld xmlns:a="http://schemas.openxmlformats.org/drawingml/2006/main" xmlns:r="http://schemas.openxmlformats.org/officeDocument/2006/relationships" xmlns:p="http://schemas.openxmlformats.org/presentationml/2006/main">
+  <p:cSld>
+    <p:spTree>
+      <p:nvGrpSpPr>
+        <p:cNvPr id="1" name=""/>
+        <p:cNvGrpSpPr/>
+        <p:nvPr/>
+      </p:nvGrpSpPr>
+      <p:grpSpPr>
+        <a:xfrm>
+          <a:off x="0" y="0"/>
+          <a:ext cx="0" cy="0"/>
+          <a:chOff x="0" y="0"/>
+          <a:chExt cx="0" cy="0"/>
+        </a:xfrm>
+      </p:grpSpPr>
+      <p:sp>
+        <p:nvSpPr>
+          <p:cNvPr id="2" name="Titre 1">
+            <a:extLst>
+              <a:ext uri="{FF2B5EF4-FFF2-40B4-BE49-F238E27FC236}">
+                <a16:creationId xmlns:a16="http://schemas.microsoft.com/office/drawing/2014/main" id="{7D64CA25-EBAA-4ACE-8A5E-F6F5ED933B1A}"/>
+              </a:ext>
+            </a:extLst>
+          </p:cNvPr>
+          <p:cNvSpPr>
+            <a:spLocks noGrp="1"/>
+          </p:cNvSpPr>
+          <p:nvPr>
+            <p:ph type="title"/>
+          </p:nvPr>
+        </p:nvSpPr>
+        <p:spPr/>
+        <p:txBody>
+          <a:bodyPr/>
+          <a:lstStyle/>
+          <a:p>
+            <a:r>
+              <a:rPr lang="fr-FR" dirty="0"/>
+              <a:t>REST Api</a:t>
+            </a:r>
+          </a:p>
+        </p:txBody>
+      </p:sp>
+      <p:sp>
+        <p:nvSpPr>
+          <p:cNvPr id="4" name="Espace réservé du numéro de diapositive 3">
+            <a:extLst>
+              <a:ext uri="{FF2B5EF4-FFF2-40B4-BE49-F238E27FC236}">
+                <a16:creationId xmlns:a16="http://schemas.microsoft.com/office/drawing/2014/main" id="{0B64E3F1-12A5-4FB8-B902-71D247F75AA9}"/>
+              </a:ext>
+            </a:extLst>
+          </p:cNvPr>
+          <p:cNvSpPr>
+            <a:spLocks noGrp="1"/>
+          </p:cNvSpPr>
+          <p:nvPr>
+            <p:ph type="sldNum" sz="quarter" idx="4"/>
+          </p:nvPr>
+        </p:nvSpPr>
+        <p:spPr/>
+        <p:txBody>
+          <a:bodyPr/>
+          <a:lstStyle/>
+          <a:p>
+            <a:fld id="{525A3C56-E491-49B2-93F3-63532DF516BC}" type="slidenum">
+              <a:rPr lang="en-US" smtClean="0"/>
+              <a:pPr/>
+              <a:t>26</a:t>
+            </a:fld>
+            <a:endParaRPr lang="en-US"/>
+          </a:p>
+        </p:txBody>
+      </p:sp>
+      <p:pic>
+        <p:nvPicPr>
+          <p:cNvPr id="2050" name="Picture 2" descr="RÃ©sultat de recherche d'images pour &quot;REST API&quot;">
+            <a:extLst>
+              <a:ext uri="{FF2B5EF4-FFF2-40B4-BE49-F238E27FC236}">
+                <a16:creationId xmlns:a16="http://schemas.microsoft.com/office/drawing/2014/main" id="{36E8318B-419B-471D-BB93-F413330E08E8}"/>
+              </a:ext>
+            </a:extLst>
+          </p:cNvPr>
+          <p:cNvPicPr>
+            <a:picLocks noGrp="1" noChangeAspect="1" noChangeArrowheads="1"/>
+          </p:cNvPicPr>
+          <p:nvPr>
+            <p:ph sz="quarter" idx="17"/>
+          </p:nvPr>
+        </p:nvPicPr>
+        <p:blipFill>
+          <a:blip r:embed="rId2">
+            <a:extLst>
+              <a:ext uri="{28A0092B-C50C-407E-A947-70E740481C1C}">
+                <a14:useLocalDpi xmlns:a14="http://schemas.microsoft.com/office/drawing/2010/main" val="0"/>
+              </a:ext>
+            </a:extLst>
+          </a:blip>
+          <a:srcRect/>
+          <a:stretch>
+            <a:fillRect/>
+          </a:stretch>
+        </p:blipFill>
+        <p:spPr bwMode="auto">
+          <a:xfrm>
+            <a:off x="2639616" y="928313"/>
+            <a:ext cx="7704856" cy="4837933"/>
+          </a:xfrm>
+          <a:prstGeom prst="rect">
+            <a:avLst/>
+          </a:prstGeom>
+          <a:noFill/>
+          <a:extLst>
+            <a:ext uri="{909E8E84-426E-40DD-AFC4-6F175D3DCCD1}">
+              <a14:hiddenFill xmlns:a14="http://schemas.microsoft.com/office/drawing/2010/main">
+                <a:solidFill>
+                  <a:srgbClr val="FFFFFF"/>
+                </a:solidFill>
+              </a14:hiddenFill>
+            </a:ext>
+          </a:extLst>
+        </p:spPr>
+      </p:pic>
+      <p:sp>
+        <p:nvSpPr>
+          <p:cNvPr id="5" name="Rectangle 4">
+            <a:extLst>
+              <a:ext uri="{FF2B5EF4-FFF2-40B4-BE49-F238E27FC236}">
+                <a16:creationId xmlns:a16="http://schemas.microsoft.com/office/drawing/2014/main" id="{879E4BE3-4E83-4900-9DE8-0E46A97D8CA3}"/>
+              </a:ext>
+            </a:extLst>
+          </p:cNvPr>
+          <p:cNvSpPr/>
+          <p:nvPr/>
+        </p:nvSpPr>
+        <p:spPr>
+          <a:xfrm>
+            <a:off x="4964921" y="5867980"/>
+            <a:ext cx="2262158" cy="369332"/>
+          </a:xfrm>
+          <a:prstGeom prst="rect">
+            <a:avLst/>
+          </a:prstGeom>
+        </p:spPr>
+        <p:txBody>
+          <a:bodyPr wrap="none">
+            <a:spAutoFit/>
+          </a:bodyPr>
+          <a:lstStyle/>
+          <a:p>
+            <a:r>
+              <a:rPr lang="fr-FR" dirty="0">
+                <a:hlinkClick r:id="rId3"/>
+              </a:rPr>
+              <a:t>https://restfulapi.net/</a:t>
+            </a:r>
+            <a:endParaRPr lang="fr-FR" dirty="0"/>
+          </a:p>
+        </p:txBody>
+      </p:sp>
+    </p:spTree>
+    <p:extLst>
+      <p:ext uri="{BB962C8B-B14F-4D97-AF65-F5344CB8AC3E}">
+        <p14:creationId xmlns:p14="http://schemas.microsoft.com/office/powerpoint/2010/main" val="4118380098"/>
+      </p:ext>
+    </p:extLst>
+  </p:cSld>
+  <p:clrMapOvr>
+    <a:masterClrMapping/>
+  </p:clrMapOvr>
+</p:sld>
+</file>
+
+<file path=ppt/slides/slide27.xml><?xml version="1.0" encoding="utf-8"?>
 <p:sld xmlns:a="http://schemas.openxmlformats.org/drawingml/2006/main" xmlns:r="http://schemas.openxmlformats.org/officeDocument/2006/relationships" xmlns:p="http://schemas.openxmlformats.org/presentationml/2006/main">
   <p:cSld>
     <p:spTree>
@@ -29990,7 +36380,7 @@
             <a:fld id="{525A3C56-E491-49B2-93F3-63532DF516BC}" type="slidenum">
               <a:rPr lang="en-US" smtClean="0"/>
               <a:pPr/>
-              <a:t>24</a:t>
+              <a:t>27</a:t>
             </a:fld>
             <a:endParaRPr lang="en-US"/>
           </a:p>
@@ -30060,17 +36450,199 @@
   <p:clrMapOvr>
     <a:masterClrMapping/>
   </p:clrMapOvr>
-  <p:timing>
-    <p:tnLst>
-      <p:par>
-        <p:cTn id="1" dur="indefinite" restart="never" nodeType="tmRoot"/>
-      </p:par>
-    </p:tnLst>
-  </p:timing>
 </p:sld>
 </file>
 
-<file path=ppt/slides/slide25.xml><?xml version="1.0" encoding="utf-8"?>
+<file path=ppt/slides/slide28.xml><?xml version="1.0" encoding="utf-8"?>
+<p:sld xmlns:a="http://schemas.openxmlformats.org/drawingml/2006/main" xmlns:r="http://schemas.openxmlformats.org/officeDocument/2006/relationships" xmlns:p="http://schemas.openxmlformats.org/presentationml/2006/main">
+  <p:cSld>
+    <p:spTree>
+      <p:nvGrpSpPr>
+        <p:cNvPr id="1" name=""/>
+        <p:cNvGrpSpPr/>
+        <p:nvPr/>
+      </p:nvGrpSpPr>
+      <p:grpSpPr>
+        <a:xfrm>
+          <a:off x="0" y="0"/>
+          <a:ext cx="0" cy="0"/>
+          <a:chOff x="0" y="0"/>
+          <a:chExt cx="0" cy="0"/>
+        </a:xfrm>
+      </p:grpSpPr>
+      <p:sp>
+        <p:nvSpPr>
+          <p:cNvPr id="2" name="Titre 1">
+            <a:extLst>
+              <a:ext uri="{FF2B5EF4-FFF2-40B4-BE49-F238E27FC236}">
+                <a16:creationId xmlns:a16="http://schemas.microsoft.com/office/drawing/2014/main" id="{5FD3715E-8EBE-4F07-9B9B-B1DF506D9E7A}"/>
+              </a:ext>
+            </a:extLst>
+          </p:cNvPr>
+          <p:cNvSpPr>
+            <a:spLocks noGrp="1"/>
+          </p:cNvSpPr>
+          <p:nvPr>
+            <p:ph type="title"/>
+          </p:nvPr>
+        </p:nvSpPr>
+        <p:spPr/>
+        <p:txBody>
+          <a:bodyPr/>
+          <a:lstStyle/>
+          <a:p>
+            <a:r>
+              <a:rPr lang="fr-FR" dirty="0"/>
+              <a:t>Un mot sur Docker</a:t>
+            </a:r>
+          </a:p>
+        </p:txBody>
+      </p:sp>
+      <p:sp>
+        <p:nvSpPr>
+          <p:cNvPr id="3" name="Espace réservé du contenu 2">
+            <a:extLst>
+              <a:ext uri="{FF2B5EF4-FFF2-40B4-BE49-F238E27FC236}">
+                <a16:creationId xmlns:a16="http://schemas.microsoft.com/office/drawing/2014/main" id="{6B4BB03A-2808-4E09-9927-A3067543D53E}"/>
+              </a:ext>
+            </a:extLst>
+          </p:cNvPr>
+          <p:cNvSpPr>
+            <a:spLocks noGrp="1"/>
+          </p:cNvSpPr>
+          <p:nvPr>
+            <p:ph sz="quarter" idx="17"/>
+          </p:nvPr>
+        </p:nvSpPr>
+        <p:spPr/>
+        <p:txBody>
+          <a:bodyPr/>
+          <a:lstStyle/>
+          <a:p>
+            <a:endParaRPr lang="fr-FR" i="1" dirty="0"/>
+          </a:p>
+          <a:p>
+            <a:pPr algn="just"/>
+            <a:r>
+              <a:rPr lang="fr-FR" i="1" dirty="0"/>
+              <a:t>	« Docker est un logiciel libre permettant facilement de lancer des applications dans des conteneurs logiciels.</a:t>
+            </a:r>
+          </a:p>
+          <a:p>
+            <a:pPr algn="just"/>
+            <a:endParaRPr lang="fr-FR" i="1" dirty="0"/>
+          </a:p>
+          <a:p>
+            <a:pPr algn="just"/>
+            <a:r>
+              <a:rPr lang="fr-FR" i="1" dirty="0"/>
+              <a:t>Docker est un outil qui peut empaqueter une application et ses dépendances dans un conteneur isolé, qui pourra être exécuté sur n'importe quel serveur. </a:t>
+            </a:r>
+          </a:p>
+          <a:p>
+            <a:pPr algn="just"/>
+            <a:endParaRPr lang="fr-FR" i="1" dirty="0"/>
+          </a:p>
+          <a:p>
+            <a:pPr algn="just"/>
+            <a:r>
+              <a:rPr lang="fr-FR" i="1" dirty="0"/>
+              <a:t>Il ne s'agit pas de virtualisation, mais de conteneurisation, une forme plus légère qui s'appuie sur certaines parties de la machine hôte pour son fonctionnement. </a:t>
+            </a:r>
+          </a:p>
+          <a:p>
+            <a:pPr algn="just"/>
+            <a:endParaRPr lang="fr-FR" i="1" dirty="0"/>
+          </a:p>
+          <a:p>
+            <a:pPr algn="just"/>
+            <a:r>
+              <a:rPr lang="fr-FR" i="1" dirty="0"/>
+              <a:t>Cette approche permet d'accroître la flexibilité et la portabilité d’exécution d'une application, laquelle va pouvoir tourner de façon fiable et prévisible sur une grande variété de machines hôtes, que ce soit sur la machine locale, un cloud privé ou public, ... »</a:t>
+            </a:r>
+          </a:p>
+        </p:txBody>
+      </p:sp>
+      <p:sp>
+        <p:nvSpPr>
+          <p:cNvPr id="4" name="Espace réservé du numéro de diapositive 3">
+            <a:extLst>
+              <a:ext uri="{FF2B5EF4-FFF2-40B4-BE49-F238E27FC236}">
+                <a16:creationId xmlns:a16="http://schemas.microsoft.com/office/drawing/2014/main" id="{9C18AF68-BEE4-4081-92B1-61EDCF258D68}"/>
+              </a:ext>
+            </a:extLst>
+          </p:cNvPr>
+          <p:cNvSpPr>
+            <a:spLocks noGrp="1"/>
+          </p:cNvSpPr>
+          <p:nvPr>
+            <p:ph type="sldNum" sz="quarter" idx="4"/>
+          </p:nvPr>
+        </p:nvSpPr>
+        <p:spPr/>
+        <p:txBody>
+          <a:bodyPr/>
+          <a:lstStyle/>
+          <a:p>
+            <a:fld id="{525A3C56-E491-49B2-93F3-63532DF516BC}" type="slidenum">
+              <a:rPr lang="en-US" smtClean="0"/>
+              <a:pPr/>
+              <a:t>28</a:t>
+            </a:fld>
+            <a:endParaRPr lang="en-US"/>
+          </a:p>
+        </p:txBody>
+      </p:sp>
+      <p:pic>
+        <p:nvPicPr>
+          <p:cNvPr id="5" name="Image 4">
+            <a:extLst>
+              <a:ext uri="{FF2B5EF4-FFF2-40B4-BE49-F238E27FC236}">
+                <a16:creationId xmlns:a16="http://schemas.microsoft.com/office/drawing/2014/main" id="{BEA5B7E7-1C12-4D95-9EDD-1DF0E8EFB54E}"/>
+              </a:ext>
+            </a:extLst>
+          </p:cNvPr>
+          <p:cNvPicPr>
+            <a:picLocks noChangeAspect="1"/>
+          </p:cNvPicPr>
+          <p:nvPr/>
+        </p:nvPicPr>
+        <p:blipFill>
+          <a:blip r:embed="rId2" cstate="print">
+            <a:extLst>
+              <a:ext uri="{28A0092B-C50C-407E-A947-70E740481C1C}">
+                <a14:useLocalDpi xmlns:a14="http://schemas.microsoft.com/office/drawing/2010/main" val="0"/>
+              </a:ext>
+            </a:extLst>
+          </a:blip>
+          <a:stretch>
+            <a:fillRect/>
+          </a:stretch>
+        </p:blipFill>
+        <p:spPr>
+          <a:xfrm>
+            <a:off x="596901" y="1268412"/>
+            <a:ext cx="692696" cy="692696"/>
+          </a:xfrm>
+          <a:prstGeom prst="rect">
+            <a:avLst/>
+          </a:prstGeom>
+        </p:spPr>
+      </p:pic>
+    </p:spTree>
+    <p:extLst>
+      <p:ext uri="{BB962C8B-B14F-4D97-AF65-F5344CB8AC3E}">
+        <p14:creationId xmlns:p14="http://schemas.microsoft.com/office/powerpoint/2010/main" val="186681617"/>
+      </p:ext>
+    </p:extLst>
+  </p:cSld>
+  <p:clrMapOvr>
+    <a:masterClrMapping/>
+  </p:clrMapOvr>
+</p:sld>
+</file>
+
+<file path=ppt/slides/slide29.xml><?xml version="1.0" encoding="utf-8"?>
 <p:sld xmlns:a="http://schemas.openxmlformats.org/drawingml/2006/main" xmlns:r="http://schemas.openxmlformats.org/officeDocument/2006/relationships" xmlns:p="http://schemas.openxmlformats.org/presentationml/2006/main">
   <p:cSld>
     <p:spTree>
@@ -30103,10 +36675,9 @@
           <a:lstStyle/>
           <a:p>
             <a:r>
-              <a:rPr lang="fr-FR" dirty="0" smtClean="0"/>
+              <a:rPr lang="fr-FR" dirty="0"/>
               <a:t>Un mot sur Docker</a:t>
             </a:r>
-            <a:endParaRPr lang="fr-FR" dirty="0"/>
           </a:p>
         </p:txBody>
       </p:sp>
@@ -30128,7 +36699,7 @@
             <a:fld id="{525A3C56-E491-49B2-93F3-63532DF516BC}" type="slidenum">
               <a:rPr lang="en-US" smtClean="0"/>
               <a:pPr/>
-              <a:t>25</a:t>
+              <a:t>29</a:t>
             </a:fld>
             <a:endParaRPr lang="en-US"/>
           </a:p>
@@ -30185,17 +36756,437 @@
   <p:clrMapOvr>
     <a:masterClrMapping/>
   </p:clrMapOvr>
-  <p:timing>
-    <p:tnLst>
-      <p:par>
-        <p:cTn id="1" dur="indefinite" restart="never" nodeType="tmRoot"/>
-      </p:par>
-    </p:tnLst>
-  </p:timing>
 </p:sld>
 </file>
 
-<file path=ppt/slides/slide26.xml><?xml version="1.0" encoding="utf-8"?>
+<file path=ppt/slides/slide3.xml><?xml version="1.0" encoding="utf-8"?>
+<p:sld xmlns:a="http://schemas.openxmlformats.org/drawingml/2006/main" xmlns:r="http://schemas.openxmlformats.org/officeDocument/2006/relationships" xmlns:p="http://schemas.openxmlformats.org/presentationml/2006/main">
+  <p:cSld>
+    <p:spTree>
+      <p:nvGrpSpPr>
+        <p:cNvPr id="1" name=""/>
+        <p:cNvGrpSpPr/>
+        <p:nvPr/>
+      </p:nvGrpSpPr>
+      <p:grpSpPr>
+        <a:xfrm>
+          <a:off x="0" y="0"/>
+          <a:ext cx="0" cy="0"/>
+          <a:chOff x="0" y="0"/>
+          <a:chExt cx="0" cy="0"/>
+        </a:xfrm>
+      </p:grpSpPr>
+      <p:sp>
+        <p:nvSpPr>
+          <p:cNvPr id="2" name="Titre 1">
+            <a:extLst>
+              <a:ext uri="{FF2B5EF4-FFF2-40B4-BE49-F238E27FC236}">
+                <a16:creationId xmlns:a16="http://schemas.microsoft.com/office/drawing/2014/main" id="{7CFD5437-20D4-4F41-8907-064082D50521}"/>
+              </a:ext>
+            </a:extLst>
+          </p:cNvPr>
+          <p:cNvSpPr>
+            <a:spLocks noGrp="1"/>
+          </p:cNvSpPr>
+          <p:nvPr>
+            <p:ph type="title"/>
+          </p:nvPr>
+        </p:nvSpPr>
+        <p:spPr/>
+        <p:txBody>
+          <a:bodyPr/>
+          <a:lstStyle/>
+          <a:p>
+            <a:r>
+              <a:rPr lang="fr-FR" dirty="0"/>
+              <a:t>« </a:t>
+            </a:r>
+            <a:r>
+              <a:rPr lang="fr-FR" dirty="0" err="1"/>
+              <a:t>Whoami</a:t>
+            </a:r>
+            <a:r>
+              <a:rPr lang="fr-FR" dirty="0"/>
+              <a:t> »</a:t>
+            </a:r>
+          </a:p>
+        </p:txBody>
+      </p:sp>
+      <p:sp>
+        <p:nvSpPr>
+          <p:cNvPr id="4" name="Espace réservé du numéro de diapositive 3">
+            <a:extLst>
+              <a:ext uri="{FF2B5EF4-FFF2-40B4-BE49-F238E27FC236}">
+                <a16:creationId xmlns:a16="http://schemas.microsoft.com/office/drawing/2014/main" id="{E4590B9C-B821-417A-B2A5-C595237027C8}"/>
+              </a:ext>
+            </a:extLst>
+          </p:cNvPr>
+          <p:cNvSpPr>
+            <a:spLocks noGrp="1"/>
+          </p:cNvSpPr>
+          <p:nvPr>
+            <p:ph type="sldNum" sz="quarter" idx="4"/>
+          </p:nvPr>
+        </p:nvSpPr>
+        <p:spPr/>
+        <p:txBody>
+          <a:bodyPr/>
+          <a:lstStyle/>
+          <a:p>
+            <a:fld id="{525A3C56-E491-49B2-93F3-63532DF516BC}" type="slidenum">
+              <a:rPr lang="en-US" smtClean="0"/>
+              <a:pPr/>
+              <a:t>3</a:t>
+            </a:fld>
+            <a:endParaRPr lang="en-US"/>
+          </a:p>
+        </p:txBody>
+      </p:sp>
+      <p:pic>
+        <p:nvPicPr>
+          <p:cNvPr id="1026" name="Picture 2" descr="RÃ©sultat de recherche d'images pour &quot;java&quot;">
+            <a:extLst>
+              <a:ext uri="{FF2B5EF4-FFF2-40B4-BE49-F238E27FC236}">
+                <a16:creationId xmlns:a16="http://schemas.microsoft.com/office/drawing/2014/main" id="{373DCEC8-2CF0-493E-85F1-49E139272C19}"/>
+              </a:ext>
+            </a:extLst>
+          </p:cNvPr>
+          <p:cNvPicPr>
+            <a:picLocks noChangeAspect="1" noChangeArrowheads="1"/>
+          </p:cNvPicPr>
+          <p:nvPr/>
+        </p:nvPicPr>
+        <p:blipFill>
+          <a:blip r:embed="rId2">
+            <a:extLst>
+              <a:ext uri="{28A0092B-C50C-407E-A947-70E740481C1C}">
+                <a14:useLocalDpi xmlns:a14="http://schemas.microsoft.com/office/drawing/2010/main" val="0"/>
+              </a:ext>
+            </a:extLst>
+          </a:blip>
+          <a:srcRect/>
+          <a:stretch>
+            <a:fillRect/>
+          </a:stretch>
+        </p:blipFill>
+        <p:spPr bwMode="auto">
+          <a:xfrm>
+            <a:off x="3359696" y="1628800"/>
+            <a:ext cx="1800200" cy="1800200"/>
+          </a:xfrm>
+          <a:prstGeom prst="rect">
+            <a:avLst/>
+          </a:prstGeom>
+          <a:noFill/>
+          <a:extLst>
+            <a:ext uri="{909E8E84-426E-40DD-AFC4-6F175D3DCCD1}">
+              <a14:hiddenFill xmlns:a14="http://schemas.microsoft.com/office/drawing/2010/main">
+                <a:solidFill>
+                  <a:srgbClr val="FFFFFF"/>
+                </a:solidFill>
+              </a14:hiddenFill>
+            </a:ext>
+          </a:extLst>
+        </p:spPr>
+      </p:pic>
+      <p:pic>
+        <p:nvPicPr>
+          <p:cNvPr id="1032" name="Picture 8" descr="Image associÃ©e">
+            <a:extLst>
+              <a:ext uri="{FF2B5EF4-FFF2-40B4-BE49-F238E27FC236}">
+                <a16:creationId xmlns:a16="http://schemas.microsoft.com/office/drawing/2014/main" id="{169601E2-2523-402D-BE91-0E3990CA7B82}"/>
+              </a:ext>
+            </a:extLst>
+          </p:cNvPr>
+          <p:cNvPicPr>
+            <a:picLocks noChangeAspect="1" noChangeArrowheads="1"/>
+          </p:cNvPicPr>
+          <p:nvPr/>
+        </p:nvPicPr>
+        <p:blipFill>
+          <a:blip r:embed="rId3">
+            <a:extLst>
+              <a:ext uri="{28A0092B-C50C-407E-A947-70E740481C1C}">
+                <a14:useLocalDpi xmlns:a14="http://schemas.microsoft.com/office/drawing/2010/main" val="0"/>
+              </a:ext>
+            </a:extLst>
+          </a:blip>
+          <a:srcRect/>
+          <a:stretch>
+            <a:fillRect/>
+          </a:stretch>
+        </p:blipFill>
+        <p:spPr bwMode="auto">
+          <a:xfrm>
+            <a:off x="5841472" y="2120972"/>
+            <a:ext cx="1850257" cy="1850257"/>
+          </a:xfrm>
+          <a:prstGeom prst="rect">
+            <a:avLst/>
+          </a:prstGeom>
+          <a:noFill/>
+          <a:extLst>
+            <a:ext uri="{909E8E84-426E-40DD-AFC4-6F175D3DCCD1}">
+              <a14:hiddenFill xmlns:a14="http://schemas.microsoft.com/office/drawing/2010/main">
+                <a:solidFill>
+                  <a:srgbClr val="FFFFFF"/>
+                </a:solidFill>
+              </a14:hiddenFill>
+            </a:ext>
+          </a:extLst>
+        </p:spPr>
+      </p:pic>
+      <p:pic>
+        <p:nvPicPr>
+          <p:cNvPr id="1034" name="Picture 10" descr="RÃ©sultat de recherche d'images pour &quot;javascript&quot;">
+            <a:extLst>
+              <a:ext uri="{FF2B5EF4-FFF2-40B4-BE49-F238E27FC236}">
+                <a16:creationId xmlns:a16="http://schemas.microsoft.com/office/drawing/2014/main" id="{0628D613-4A94-424B-B666-34C867104D96}"/>
+              </a:ext>
+            </a:extLst>
+          </p:cNvPr>
+          <p:cNvPicPr>
+            <a:picLocks noGrp="1" noChangeAspect="1" noChangeArrowheads="1"/>
+          </p:cNvPicPr>
+          <p:nvPr>
+            <p:ph sz="quarter" idx="17"/>
+          </p:nvPr>
+        </p:nvPicPr>
+        <p:blipFill>
+          <a:blip r:embed="rId4" cstate="print">
+            <a:extLst>
+              <a:ext uri="{28A0092B-C50C-407E-A947-70E740481C1C}">
+                <a14:useLocalDpi xmlns:a14="http://schemas.microsoft.com/office/drawing/2010/main" val="0"/>
+              </a:ext>
+            </a:extLst>
+          </a:blip>
+          <a:srcRect/>
+          <a:stretch>
+            <a:fillRect/>
+          </a:stretch>
+        </p:blipFill>
+        <p:spPr bwMode="auto">
+          <a:xfrm>
+            <a:off x="8685693" y="1695390"/>
+            <a:ext cx="1486299" cy="1486299"/>
+          </a:xfrm>
+          <a:prstGeom prst="rect">
+            <a:avLst/>
+          </a:prstGeom>
+          <a:noFill/>
+          <a:extLst>
+            <a:ext uri="{909E8E84-426E-40DD-AFC4-6F175D3DCCD1}">
+              <a14:hiddenFill xmlns:a14="http://schemas.microsoft.com/office/drawing/2010/main">
+                <a:solidFill>
+                  <a:srgbClr val="FFFFFF"/>
+                </a:solidFill>
+              </a14:hiddenFill>
+            </a:ext>
+          </a:extLst>
+        </p:spPr>
+      </p:pic>
+      <p:pic>
+        <p:nvPicPr>
+          <p:cNvPr id="1036" name="Picture 12" descr="RÃ©sultat de recherche d'images pour &quot;jenkins&quot;">
+            <a:extLst>
+              <a:ext uri="{FF2B5EF4-FFF2-40B4-BE49-F238E27FC236}">
+                <a16:creationId xmlns:a16="http://schemas.microsoft.com/office/drawing/2014/main" id="{BC958E4F-44DB-49B8-A9FB-B3A8C8C13A43}"/>
+              </a:ext>
+            </a:extLst>
+          </p:cNvPr>
+          <p:cNvPicPr>
+            <a:picLocks noChangeAspect="1" noChangeArrowheads="1"/>
+          </p:cNvPicPr>
+          <p:nvPr/>
+        </p:nvPicPr>
+        <p:blipFill>
+          <a:blip r:embed="rId5" cstate="print">
+            <a:extLst>
+              <a:ext uri="{28A0092B-C50C-407E-A947-70E740481C1C}">
+                <a14:useLocalDpi xmlns:a14="http://schemas.microsoft.com/office/drawing/2010/main" val="0"/>
+              </a:ext>
+            </a:extLst>
+          </a:blip>
+          <a:srcRect/>
+          <a:stretch>
+            <a:fillRect/>
+          </a:stretch>
+        </p:blipFill>
+        <p:spPr bwMode="auto">
+          <a:xfrm>
+            <a:off x="1161295" y="4225797"/>
+            <a:ext cx="1381097" cy="1906788"/>
+          </a:xfrm>
+          <a:prstGeom prst="rect">
+            <a:avLst/>
+          </a:prstGeom>
+          <a:noFill/>
+          <a:extLst>
+            <a:ext uri="{909E8E84-426E-40DD-AFC4-6F175D3DCCD1}">
+              <a14:hiddenFill xmlns:a14="http://schemas.microsoft.com/office/drawing/2010/main">
+                <a:solidFill>
+                  <a:srgbClr val="FFFFFF"/>
+                </a:solidFill>
+              </a14:hiddenFill>
+            </a:ext>
+          </a:extLst>
+        </p:spPr>
+      </p:pic>
+      <p:pic>
+        <p:nvPicPr>
+          <p:cNvPr id="1040" name="Picture 16" descr="RÃ©sultat de recherche d'images pour &quot;github&quot;">
+            <a:extLst>
+              <a:ext uri="{FF2B5EF4-FFF2-40B4-BE49-F238E27FC236}">
+                <a16:creationId xmlns:a16="http://schemas.microsoft.com/office/drawing/2014/main" id="{C8E964DD-D2E2-44EA-832F-33C157798766}"/>
+              </a:ext>
+            </a:extLst>
+          </p:cNvPr>
+          <p:cNvPicPr>
+            <a:picLocks noChangeAspect="1" noChangeArrowheads="1"/>
+          </p:cNvPicPr>
+          <p:nvPr/>
+        </p:nvPicPr>
+        <p:blipFill>
+          <a:blip r:embed="rId6" cstate="print">
+            <a:extLst>
+              <a:ext uri="{28A0092B-C50C-407E-A947-70E740481C1C}">
+                <a14:useLocalDpi xmlns:a14="http://schemas.microsoft.com/office/drawing/2010/main" val="0"/>
+              </a:ext>
+            </a:extLst>
+          </a:blip>
+          <a:srcRect/>
+          <a:stretch>
+            <a:fillRect/>
+          </a:stretch>
+        </p:blipFill>
+        <p:spPr bwMode="auto">
+          <a:xfrm>
+            <a:off x="6937483" y="3861048"/>
+            <a:ext cx="4559117" cy="2563316"/>
+          </a:xfrm>
+          <a:prstGeom prst="rect">
+            <a:avLst/>
+          </a:prstGeom>
+          <a:noFill/>
+          <a:extLst>
+            <a:ext uri="{909E8E84-426E-40DD-AFC4-6F175D3DCCD1}">
+              <a14:hiddenFill xmlns:a14="http://schemas.microsoft.com/office/drawing/2010/main">
+                <a:solidFill>
+                  <a:srgbClr val="FFFFFF"/>
+                </a:solidFill>
+              </a14:hiddenFill>
+            </a:ext>
+          </a:extLst>
+        </p:spPr>
+      </p:pic>
+      <p:pic>
+        <p:nvPicPr>
+          <p:cNvPr id="1042" name="Picture 18" descr="RÃ©sultat de recherche d'images pour &quot;REST API&quot;">
+            <a:extLst>
+              <a:ext uri="{FF2B5EF4-FFF2-40B4-BE49-F238E27FC236}">
+                <a16:creationId xmlns:a16="http://schemas.microsoft.com/office/drawing/2014/main" id="{FBA9F03D-7A74-4F8D-A785-E386A45221DB}"/>
+              </a:ext>
+            </a:extLst>
+          </p:cNvPr>
+          <p:cNvPicPr>
+            <a:picLocks noChangeAspect="1" noChangeArrowheads="1"/>
+          </p:cNvPicPr>
+          <p:nvPr/>
+        </p:nvPicPr>
+        <p:blipFill>
+          <a:blip r:embed="rId7" cstate="print">
+            <a:extLst>
+              <a:ext uri="{28A0092B-C50C-407E-A947-70E740481C1C}">
+                <a14:useLocalDpi xmlns:a14="http://schemas.microsoft.com/office/drawing/2010/main" val="0"/>
+              </a:ext>
+            </a:extLst>
+          </a:blip>
+          <a:srcRect/>
+          <a:stretch>
+            <a:fillRect/>
+          </a:stretch>
+        </p:blipFill>
+        <p:spPr bwMode="auto">
+          <a:xfrm>
+            <a:off x="2830794" y="4493540"/>
+            <a:ext cx="4412609" cy="1282735"/>
+          </a:xfrm>
+          <a:prstGeom prst="rect">
+            <a:avLst/>
+          </a:prstGeom>
+          <a:noFill/>
+          <a:extLst>
+            <a:ext uri="{909E8E84-426E-40DD-AFC4-6F175D3DCCD1}">
+              <a14:hiddenFill xmlns:a14="http://schemas.microsoft.com/office/drawing/2010/main">
+                <a:solidFill>
+                  <a:srgbClr val="FFFFFF"/>
+                </a:solidFill>
+              </a14:hiddenFill>
+            </a:ext>
+          </a:extLst>
+        </p:spPr>
+      </p:pic>
+      <p:pic>
+        <p:nvPicPr>
+          <p:cNvPr id="1044" name="Picture 20" descr="RÃ©sultat de recherche d'images pour &quot;climbing logo&quot;">
+            <a:extLst>
+              <a:ext uri="{FF2B5EF4-FFF2-40B4-BE49-F238E27FC236}">
+                <a16:creationId xmlns:a16="http://schemas.microsoft.com/office/drawing/2014/main" id="{E06E98FD-2475-474F-A9C9-7AF0E7A96AFF}"/>
+              </a:ext>
+            </a:extLst>
+          </p:cNvPr>
+          <p:cNvPicPr>
+            <a:picLocks noChangeAspect="1" noChangeArrowheads="1"/>
+          </p:cNvPicPr>
+          <p:nvPr/>
+        </p:nvPicPr>
+        <p:blipFill>
+          <a:blip r:embed="rId8" cstate="print">
+            <a:extLst>
+              <a:ext uri="{28A0092B-C50C-407E-A947-70E740481C1C}">
+                <a14:useLocalDpi xmlns:a14="http://schemas.microsoft.com/office/drawing/2010/main" val="0"/>
+              </a:ext>
+            </a:extLst>
+          </a:blip>
+          <a:srcRect/>
+          <a:stretch>
+            <a:fillRect/>
+          </a:stretch>
+        </p:blipFill>
+        <p:spPr bwMode="auto">
+          <a:xfrm>
+            <a:off x="705812" y="1407912"/>
+            <a:ext cx="2563317" cy="2563317"/>
+          </a:xfrm>
+          <a:prstGeom prst="rect">
+            <a:avLst/>
+          </a:prstGeom>
+          <a:noFill/>
+          <a:extLst>
+            <a:ext uri="{909E8E84-426E-40DD-AFC4-6F175D3DCCD1}">
+              <a14:hiddenFill xmlns:a14="http://schemas.microsoft.com/office/drawing/2010/main">
+                <a:solidFill>
+                  <a:srgbClr val="FFFFFF"/>
+                </a:solidFill>
+              </a14:hiddenFill>
+            </a:ext>
+          </a:extLst>
+        </p:spPr>
+      </p:pic>
+    </p:spTree>
+    <p:extLst>
+      <p:ext uri="{BB962C8B-B14F-4D97-AF65-F5344CB8AC3E}">
+        <p14:creationId xmlns:p14="http://schemas.microsoft.com/office/powerpoint/2010/main" val="4121305160"/>
+      </p:ext>
+    </p:extLst>
+  </p:cSld>
+  <p:clrMapOvr>
+    <a:masterClrMapping/>
+  </p:clrMapOvr>
+</p:sld>
+</file>
+
+<file path=ppt/slides/slide30.xml><?xml version="1.0" encoding="utf-8"?>
 <p:sld xmlns:a="http://schemas.openxmlformats.org/drawingml/2006/main" xmlns:r="http://schemas.openxmlformats.org/officeDocument/2006/relationships" xmlns:p="http://schemas.openxmlformats.org/presentationml/2006/main">
   <p:cSld>
     <p:spTree>
@@ -30228,11 +37219,11 @@
           <a:lstStyle/>
           <a:p>
             <a:r>
-              <a:rPr lang="fr-FR" dirty="0" smtClean="0"/>
+              <a:rPr lang="fr-FR" dirty="0"/>
               <a:t>Un mot sur Docker - </a:t>
             </a:r>
             <a:r>
-              <a:rPr lang="fr-FR" dirty="0" err="1" smtClean="0"/>
+              <a:rPr lang="fr-FR" dirty="0" err="1"/>
               <a:t>Dockerfile</a:t>
             </a:r>
             <a:endParaRPr lang="fr-FR" dirty="0"/>
@@ -30257,7 +37248,7 @@
             <a:fld id="{525A3C56-E491-49B2-93F3-63532DF516BC}" type="slidenum">
               <a:rPr lang="en-US" smtClean="0"/>
               <a:pPr/>
-              <a:t>26</a:t>
+              <a:t>30</a:t>
             </a:fld>
             <a:endParaRPr lang="en-US"/>
           </a:p>
@@ -30353,17 +37344,10 @@
   <p:clrMapOvr>
     <a:masterClrMapping/>
   </p:clrMapOvr>
-  <p:timing>
-    <p:tnLst>
-      <p:par>
-        <p:cTn id="1" dur="indefinite" restart="never" nodeType="tmRoot"/>
-      </p:par>
-    </p:tnLst>
-  </p:timing>
 </p:sld>
 </file>
 
-<file path=ppt/slides/slide27.xml><?xml version="1.0" encoding="utf-8"?>
+<file path=ppt/slides/slide31.xml><?xml version="1.0" encoding="utf-8"?>
 <p:sld xmlns:a="http://schemas.openxmlformats.org/drawingml/2006/main" xmlns:r="http://schemas.openxmlformats.org/officeDocument/2006/relationships" xmlns:p="http://schemas.openxmlformats.org/presentationml/2006/main">
   <p:cSld>
     <p:spTree>
@@ -30404,7 +37388,7 @@
             <a:fld id="{525A3C56-E491-49B2-93F3-63532DF516BC}" type="slidenum">
               <a:rPr lang="en-US" smtClean="0"/>
               <a:pPr/>
-              <a:t>27</a:t>
+              <a:t>31</a:t>
             </a:fld>
             <a:endParaRPr lang="en-US"/>
           </a:p>
@@ -30457,17 +37441,10 @@
   <p:clrMapOvr>
     <a:masterClrMapping/>
   </p:clrMapOvr>
-  <p:timing>
-    <p:tnLst>
-      <p:par>
-        <p:cTn id="1" dur="indefinite" restart="never" nodeType="tmRoot"/>
-      </p:par>
-    </p:tnLst>
-  </p:timing>
 </p:sld>
 </file>
 
-<file path=ppt/slides/slide3.xml><?xml version="1.0" encoding="utf-8"?>
+<file path=ppt/slides/slide4.xml><?xml version="1.0" encoding="utf-8"?>
 <p:sld xmlns:a="http://schemas.openxmlformats.org/drawingml/2006/main" xmlns:r="http://schemas.openxmlformats.org/officeDocument/2006/relationships" xmlns:p="http://schemas.openxmlformats.org/presentationml/2006/main">
   <p:cSld>
     <p:spTree>
@@ -30503,10 +37480,7 @@
               <a:rPr lang="fr-FR" dirty="0" err="1"/>
               <a:t>Spring</a:t>
             </a:r>
-            <a:r>
-              <a:rPr lang="fr-FR" dirty="0"/>
-              <a:t> - introduction</a:t>
-            </a:r>
+            <a:endParaRPr lang="fr-FR" dirty="0"/>
           </a:p>
         </p:txBody>
       </p:sp>
@@ -30526,71 +37500,145 @@
           <a:lstStyle/>
           <a:p>
             <a:r>
-              <a:rPr lang="fr-FR" i="1" dirty="0"/>
-              <a:t>	</a:t>
-            </a:r>
-          </a:p>
-          <a:p>
-            <a:pPr algn="just"/>
-            <a:r>
-              <a:rPr lang="fr-FR" i="1" dirty="0"/>
-              <a:t>	« </a:t>
-            </a:r>
-            <a:r>
-              <a:rPr lang="fr-FR" i="1" dirty="0" err="1"/>
+              <a:rPr lang="fr-FR" dirty="0">
+                <a:hlinkClick r:id="rId2"/>
+              </a:rPr>
+              <a:t>https://spring.io/</a:t>
+            </a:r>
+            <a:endParaRPr lang="fr-FR" dirty="0"/>
+          </a:p>
+          <a:p>
+            <a:endParaRPr lang="fr-FR" dirty="0"/>
+          </a:p>
+          <a:p>
+            <a:r>
+              <a:rPr lang="fr-FR" dirty="0"/>
+              <a:t>Un </a:t>
+            </a:r>
+            <a:r>
+              <a:rPr lang="fr-FR" u="sng" dirty="0"/>
+              <a:t>Ecosystème</a:t>
+            </a:r>
+            <a:r>
+              <a:rPr lang="fr-FR" dirty="0"/>
+              <a:t> complet (plusieurs projets)</a:t>
+            </a:r>
+          </a:p>
+          <a:p>
+            <a:endParaRPr lang="fr-FR" dirty="0"/>
+          </a:p>
+          <a:p>
+            <a:pPr marL="342900" indent="-342900">
+              <a:buFont typeface="Arial" panose="020B0604020202020204" pitchFamily="34" charset="0"/>
+              <a:buChar char="•"/>
+            </a:pPr>
+            <a:r>
+              <a:rPr lang="fr-FR" b="1" dirty="0" err="1"/>
               <a:t>Spring</a:t>
             </a:r>
             <a:r>
-              <a:rPr lang="fr-FR" i="1" dirty="0"/>
-              <a:t> est un </a:t>
-            </a:r>
-            <a:r>
-              <a:rPr lang="fr-FR" i="1" dirty="0" err="1"/>
-              <a:t>framework</a:t>
-            </a:r>
-            <a:r>
-              <a:rPr lang="fr-FR" i="1" dirty="0"/>
-              <a:t> libre pour construire et définir l'infrastructure d'une application java, dont il facilite le développement et les tests. »</a:t>
-            </a:r>
-          </a:p>
-          <a:p>
-            <a:pPr algn="just"/>
-            <a:endParaRPr lang="fr-FR" i="1" dirty="0"/>
-          </a:p>
-          <a:p>
-            <a:pPr algn="just"/>
-            <a:r>
-              <a:rPr lang="en-US" i="1" dirty="0"/>
-              <a:t>« The results of using J2EE in practice are often disappointing: applications are often slow, unduly complex, and take too long to develop. </a:t>
-            </a:r>
-            <a:r>
-              <a:rPr lang="en-US" b="1" i="1" dirty="0"/>
-              <a:t>Rod Johnson </a:t>
-            </a:r>
-            <a:r>
-              <a:rPr lang="en-US" i="1" dirty="0"/>
-              <a:t>believes that the problem lies not in J2EE itself, but in that it is often used badly</a:t>
-            </a:r>
-            <a:r>
-              <a:rPr lang="fr-FR" i="1" dirty="0"/>
-              <a:t>. »</a:t>
-            </a:r>
-          </a:p>
-          <a:p>
-            <a:endParaRPr lang="fr-FR" i="1" dirty="0"/>
-          </a:p>
-          <a:p>
-            <a:endParaRPr lang="fr-FR" i="1" dirty="0"/>
-          </a:p>
-          <a:p>
-            <a:r>
-              <a:rPr lang="en-US" dirty="0"/>
-              <a:t>	 Expert One–on–One J2EE Design and Development (October 2002)</a:t>
+              <a:rPr lang="fr-FR" b="1" dirty="0"/>
+              <a:t> Boot</a:t>
+            </a:r>
+          </a:p>
+          <a:p>
+            <a:pPr marL="342900" indent="-342900">
+              <a:buFont typeface="Arial" panose="020B0604020202020204" pitchFamily="34" charset="0"/>
+              <a:buChar char="•"/>
+            </a:pPr>
+            <a:r>
+              <a:rPr lang="fr-FR" b="1" dirty="0" err="1"/>
+              <a:t>Spring</a:t>
+            </a:r>
+            <a:r>
+              <a:rPr lang="fr-FR" b="1" dirty="0"/>
+              <a:t> Framework</a:t>
+            </a:r>
+          </a:p>
+          <a:p>
+            <a:pPr marL="342900" indent="-342900">
+              <a:buFont typeface="Arial" panose="020B0604020202020204" pitchFamily="34" charset="0"/>
+              <a:buChar char="•"/>
+            </a:pPr>
+            <a:r>
+              <a:rPr lang="fr-FR" dirty="0" err="1"/>
+              <a:t>Spring</a:t>
+            </a:r>
+            <a:r>
+              <a:rPr lang="fr-FR" dirty="0"/>
+              <a:t> Data</a:t>
+            </a:r>
+          </a:p>
+          <a:p>
+            <a:pPr marL="342900" indent="-342900">
+              <a:buFont typeface="Arial" panose="020B0604020202020204" pitchFamily="34" charset="0"/>
+              <a:buChar char="•"/>
+            </a:pPr>
+            <a:r>
+              <a:rPr lang="fr-FR" dirty="0" err="1"/>
+              <a:t>Spring</a:t>
+            </a:r>
+            <a:r>
+              <a:rPr lang="fr-FR" dirty="0"/>
+              <a:t> Security</a:t>
+            </a:r>
+          </a:p>
+          <a:p>
+            <a:pPr marL="342900" indent="-342900">
+              <a:buFont typeface="Arial" panose="020B0604020202020204" pitchFamily="34" charset="0"/>
+              <a:buChar char="•"/>
+            </a:pPr>
+            <a:r>
+              <a:rPr lang="fr-FR" dirty="0" err="1"/>
+              <a:t>Spring</a:t>
+            </a:r>
+            <a:r>
+              <a:rPr lang="fr-FR" dirty="0"/>
+              <a:t> Batch</a:t>
+            </a:r>
+          </a:p>
+          <a:p>
+            <a:pPr marL="342900" indent="-342900">
+              <a:buFont typeface="Arial" panose="020B0604020202020204" pitchFamily="34" charset="0"/>
+              <a:buChar char="•"/>
+            </a:pPr>
+            <a:r>
+              <a:rPr lang="fr-FR" dirty="0" err="1"/>
+              <a:t>Spring</a:t>
+            </a:r>
+            <a:r>
+              <a:rPr lang="fr-FR" dirty="0"/>
+              <a:t> </a:t>
+            </a:r>
+            <a:r>
+              <a:rPr lang="fr-FR" dirty="0" err="1"/>
+              <a:t>Integration</a:t>
             </a:r>
             <a:endParaRPr lang="fr-FR" dirty="0"/>
           </a:p>
           <a:p>
-            <a:endParaRPr lang="fr-FR" i="1" dirty="0"/>
+            <a:pPr marL="342900" indent="-342900">
+              <a:buFont typeface="Arial" panose="020B0604020202020204" pitchFamily="34" charset="0"/>
+              <a:buChar char="•"/>
+            </a:pPr>
+            <a:r>
+              <a:rPr lang="fr-FR" dirty="0" err="1"/>
+              <a:t>Spring</a:t>
+            </a:r>
+            <a:r>
+              <a:rPr lang="fr-FR" dirty="0"/>
+              <a:t> Cloud</a:t>
+            </a:r>
+          </a:p>
+          <a:p>
+            <a:pPr marL="342900" indent="-342900">
+              <a:buFont typeface="Arial" panose="020B0604020202020204" pitchFamily="34" charset="0"/>
+              <a:buChar char="•"/>
+            </a:pPr>
+            <a:r>
+              <a:rPr lang="fr-FR" dirty="0"/>
+              <a:t>…</a:t>
+            </a:r>
           </a:p>
         </p:txBody>
       </p:sp>
@@ -30612,7 +37660,201 @@
             <a:fld id="{525A3C56-E491-49B2-93F3-63532DF516BC}" type="slidenum">
               <a:rPr lang="en-US" smtClean="0"/>
               <a:pPr/>
-              <a:t>3</a:t>
+              <a:t>4</a:t>
+            </a:fld>
+            <a:endParaRPr lang="en-US"/>
+          </a:p>
+        </p:txBody>
+      </p:sp>
+      <p:pic>
+        <p:nvPicPr>
+          <p:cNvPr id="5" name="Image 4"/>
+          <p:cNvPicPr>
+            <a:picLocks noChangeAspect="1"/>
+          </p:cNvPicPr>
+          <p:nvPr/>
+        </p:nvPicPr>
+        <p:blipFill>
+          <a:blip r:embed="rId3">
+            <a:extLst>
+              <a:ext uri="{28A0092B-C50C-407E-A947-70E740481C1C}">
+                <a14:useLocalDpi xmlns:a14="http://schemas.microsoft.com/office/drawing/2010/main" val="0"/>
+              </a:ext>
+            </a:extLst>
+          </a:blip>
+          <a:stretch>
+            <a:fillRect/>
+          </a:stretch>
+        </p:blipFill>
+        <p:spPr>
+          <a:xfrm>
+            <a:off x="5303912" y="3284984"/>
+            <a:ext cx="4864933" cy="1356100"/>
+          </a:xfrm>
+          <a:prstGeom prst="rect">
+            <a:avLst/>
+          </a:prstGeom>
+        </p:spPr>
+      </p:pic>
+    </p:spTree>
+    <p:extLst>
+      <p:ext uri="{BB962C8B-B14F-4D97-AF65-F5344CB8AC3E}">
+        <p14:creationId xmlns:p14="http://schemas.microsoft.com/office/powerpoint/2010/main" val="3060199378"/>
+      </p:ext>
+    </p:extLst>
+  </p:cSld>
+  <p:clrMapOvr>
+    <a:masterClrMapping/>
+  </p:clrMapOvr>
+</p:sld>
+</file>
+
+<file path=ppt/slides/slide5.xml><?xml version="1.0" encoding="utf-8"?>
+<p:sld xmlns:a="http://schemas.openxmlformats.org/drawingml/2006/main" xmlns:r="http://schemas.openxmlformats.org/officeDocument/2006/relationships" xmlns:p="http://schemas.openxmlformats.org/presentationml/2006/main">
+  <p:cSld>
+    <p:spTree>
+      <p:nvGrpSpPr>
+        <p:cNvPr id="1" name=""/>
+        <p:cNvGrpSpPr/>
+        <p:nvPr/>
+      </p:nvGrpSpPr>
+      <p:grpSpPr>
+        <a:xfrm>
+          <a:off x="0" y="0"/>
+          <a:ext cx="0" cy="0"/>
+          <a:chOff x="0" y="0"/>
+          <a:chExt cx="0" cy="0"/>
+        </a:xfrm>
+      </p:grpSpPr>
+      <p:sp>
+        <p:nvSpPr>
+          <p:cNvPr id="2" name="Titre 1"/>
+          <p:cNvSpPr>
+            <a:spLocks noGrp="1"/>
+          </p:cNvSpPr>
+          <p:nvPr>
+            <p:ph type="title"/>
+          </p:nvPr>
+        </p:nvSpPr>
+        <p:spPr/>
+        <p:txBody>
+          <a:bodyPr/>
+          <a:lstStyle/>
+          <a:p>
+            <a:r>
+              <a:rPr lang="fr-FR" dirty="0" err="1"/>
+              <a:t>Spring</a:t>
+            </a:r>
+            <a:r>
+              <a:rPr lang="fr-FR" dirty="0"/>
+              <a:t> - introduction</a:t>
+            </a:r>
+          </a:p>
+        </p:txBody>
+      </p:sp>
+      <p:sp>
+        <p:nvSpPr>
+          <p:cNvPr id="3" name="Espace réservé du contenu 2"/>
+          <p:cNvSpPr>
+            <a:spLocks noGrp="1"/>
+          </p:cNvSpPr>
+          <p:nvPr>
+            <p:ph sz="quarter" idx="17"/>
+          </p:nvPr>
+        </p:nvSpPr>
+        <p:spPr/>
+        <p:txBody>
+          <a:bodyPr/>
+          <a:lstStyle/>
+          <a:p>
+            <a:r>
+              <a:rPr lang="fr-FR" i="1" dirty="0"/>
+              <a:t>	</a:t>
+            </a:r>
+          </a:p>
+          <a:p>
+            <a:pPr algn="just"/>
+            <a:r>
+              <a:rPr lang="fr-FR" i="1" dirty="0"/>
+              <a:t>	« </a:t>
+            </a:r>
+            <a:r>
+              <a:rPr lang="fr-FR" i="1" dirty="0" err="1"/>
+              <a:t>Spring</a:t>
+            </a:r>
+            <a:r>
+              <a:rPr lang="fr-FR" i="1" dirty="0"/>
+              <a:t> est un </a:t>
+            </a:r>
+            <a:r>
+              <a:rPr lang="fr-FR" i="1" dirty="0" err="1"/>
+              <a:t>framework</a:t>
+            </a:r>
+            <a:r>
+              <a:rPr lang="fr-FR" i="1" dirty="0"/>
+              <a:t> libre pour construire et définir l'infrastructure d'une application java, dont il facilite le développement et les tests. »</a:t>
+            </a:r>
+          </a:p>
+          <a:p>
+            <a:pPr algn="just"/>
+            <a:endParaRPr lang="fr-FR" i="1" dirty="0"/>
+          </a:p>
+          <a:p>
+            <a:pPr algn="just"/>
+            <a:r>
+              <a:rPr lang="en-US" i="1" dirty="0"/>
+              <a:t>« The results of using J2EE in practice are often disappointing: applications are often slow, unduly complex, and take too long to develop. </a:t>
+            </a:r>
+            <a:r>
+              <a:rPr lang="en-US" b="1" i="1" dirty="0"/>
+              <a:t>Rod Johnson </a:t>
+            </a:r>
+            <a:r>
+              <a:rPr lang="en-US" i="1" dirty="0"/>
+              <a:t>believes that the problem lies not in J2EE itself, but in that it is often used badly</a:t>
+            </a:r>
+            <a:r>
+              <a:rPr lang="fr-FR" i="1" dirty="0"/>
+              <a:t>. »</a:t>
+            </a:r>
+          </a:p>
+          <a:p>
+            <a:endParaRPr lang="fr-FR" i="1" dirty="0"/>
+          </a:p>
+          <a:p>
+            <a:endParaRPr lang="fr-FR" i="1" dirty="0"/>
+          </a:p>
+          <a:p>
+            <a:r>
+              <a:rPr lang="en-US" dirty="0"/>
+              <a:t>	 Expert One–on–One J2EE Design and Development (October 2002)</a:t>
+            </a:r>
+            <a:endParaRPr lang="fr-FR" dirty="0"/>
+          </a:p>
+          <a:p>
+            <a:endParaRPr lang="fr-FR" i="1" dirty="0"/>
+          </a:p>
+        </p:txBody>
+      </p:sp>
+      <p:sp>
+        <p:nvSpPr>
+          <p:cNvPr id="4" name="Espace réservé du numéro de diapositive 3"/>
+          <p:cNvSpPr>
+            <a:spLocks noGrp="1"/>
+          </p:cNvSpPr>
+          <p:nvPr>
+            <p:ph type="sldNum" sz="quarter" idx="4"/>
+          </p:nvPr>
+        </p:nvSpPr>
+        <p:spPr/>
+        <p:txBody>
+          <a:bodyPr/>
+          <a:lstStyle/>
+          <a:p>
+            <a:fld id="{525A3C56-E491-49B2-93F3-63532DF516BC}" type="slidenum">
+              <a:rPr lang="en-US" smtClean="0"/>
+              <a:pPr/>
+              <a:t>5</a:t>
             </a:fld>
             <a:endParaRPr lang="en-US"/>
           </a:p>
@@ -30691,7 +37933,7 @@
 </p:sld>
 </file>
 
-<file path=ppt/slides/slide4.xml><?xml version="1.0" encoding="utf-8"?>
+<file path=ppt/slides/slide6.xml><?xml version="1.0" encoding="utf-8"?>
 <p:sld xmlns:a="http://schemas.openxmlformats.org/drawingml/2006/main" xmlns:r="http://schemas.openxmlformats.org/officeDocument/2006/relationships" xmlns:p="http://schemas.openxmlformats.org/presentationml/2006/main">
   <p:cSld>
     <p:spTree>
@@ -30752,7 +37994,7 @@
             <a:fld id="{525A3C56-E491-49B2-93F3-63532DF516BC}" type="slidenum">
               <a:rPr lang="en-US" smtClean="0"/>
               <a:pPr/>
-              <a:t>4</a:t>
+              <a:t>6</a:t>
             </a:fld>
             <a:endParaRPr lang="en-US"/>
           </a:p>
@@ -31016,7 +38258,7 @@
 </p:sld>
 </file>
 
-<file path=ppt/slides/slide5.xml><?xml version="1.0" encoding="utf-8"?>
+<file path=ppt/slides/slide7.xml><?xml version="1.0" encoding="utf-8"?>
 <p:sld xmlns:a="http://schemas.openxmlformats.org/drawingml/2006/main" xmlns:r="http://schemas.openxmlformats.org/officeDocument/2006/relationships" xmlns:p="http://schemas.openxmlformats.org/presentationml/2006/main">
   <p:cSld>
     <p:spTree>
@@ -31101,7 +38343,7 @@
             <a:fld id="{525A3C56-E491-49B2-93F3-63532DF516BC}" type="slidenum">
               <a:rPr lang="en-US" smtClean="0"/>
               <a:pPr/>
-              <a:t>5</a:t>
+              <a:t>7</a:t>
             </a:fld>
             <a:endParaRPr lang="en-US"/>
           </a:p>
@@ -31120,7 +38362,7 @@
 </p:sld>
 </file>
 
-<file path=ppt/slides/slide6.xml><?xml version="1.0" encoding="utf-8"?>
+<file path=ppt/slides/slide8.xml><?xml version="1.0" encoding="utf-8"?>
 <p:sld xmlns:a="http://schemas.openxmlformats.org/drawingml/2006/main" xmlns:r="http://schemas.openxmlformats.org/officeDocument/2006/relationships" xmlns:p="http://schemas.openxmlformats.org/presentationml/2006/main">
   <p:cSld>
     <p:spTree>
@@ -31209,7 +38451,7 @@
             <a:fld id="{525A3C56-E491-49B2-93F3-63532DF516BC}" type="slidenum">
               <a:rPr lang="en-US" smtClean="0"/>
               <a:pPr/>
-              <a:t>6</a:t>
+              <a:t>8</a:t>
             </a:fld>
             <a:endParaRPr lang="en-US"/>
           </a:p>
@@ -31502,7 +38744,7 @@
 </p:sld>
 </file>
 
-<file path=ppt/slides/slide7.xml><?xml version="1.0" encoding="utf-8"?>
+<file path=ppt/slides/slide9.xml><?xml version="1.0" encoding="utf-8"?>
 <p:sld xmlns:a="http://schemas.openxmlformats.org/drawingml/2006/main" xmlns:r="http://schemas.openxmlformats.org/officeDocument/2006/relationships" xmlns:p="http://schemas.openxmlformats.org/presentationml/2006/main">
   <p:cSld>
     <p:spTree>
@@ -31681,7 +38923,7 @@
             <a:fld id="{525A3C56-E491-49B2-93F3-63532DF516BC}" type="slidenum">
               <a:rPr lang="en-US" smtClean="0"/>
               <a:pPr/>
-              <a:t>7</a:t>
+              <a:t>9</a:t>
             </a:fld>
             <a:endParaRPr lang="en-US"/>
           </a:p>
@@ -31755,639 +38997,6 @@
   <p:clrMapOvr>
     <a:masterClrMapping/>
   </p:clrMapOvr>
-</p:sld>
-</file>
-
-<file path=ppt/slides/slide8.xml><?xml version="1.0" encoding="utf-8"?>
-<p:sld xmlns:a="http://schemas.openxmlformats.org/drawingml/2006/main" xmlns:r="http://schemas.openxmlformats.org/officeDocument/2006/relationships" xmlns:p="http://schemas.openxmlformats.org/presentationml/2006/main">
-  <p:cSld>
-    <p:spTree>
-      <p:nvGrpSpPr>
-        <p:cNvPr id="1" name=""/>
-        <p:cNvGrpSpPr/>
-        <p:nvPr/>
-      </p:nvGrpSpPr>
-      <p:grpSpPr>
-        <a:xfrm>
-          <a:off x="0" y="0"/>
-          <a:ext cx="0" cy="0"/>
-          <a:chOff x="0" y="0"/>
-          <a:chExt cx="0" cy="0"/>
-        </a:xfrm>
-      </p:grpSpPr>
-      <p:sp>
-        <p:nvSpPr>
-          <p:cNvPr id="2" name="Titre 1">
-            <a:extLst>
-              <a:ext uri="{FF2B5EF4-FFF2-40B4-BE49-F238E27FC236}">
-                <a16:creationId xmlns:a16="http://schemas.microsoft.com/office/drawing/2014/main" id="{D3F27CD7-EF9F-4FDE-A804-F12AA196463C}"/>
-              </a:ext>
-            </a:extLst>
-          </p:cNvPr>
-          <p:cNvSpPr>
-            <a:spLocks noGrp="1"/>
-          </p:cNvSpPr>
-          <p:nvPr>
-            <p:ph type="title"/>
-          </p:nvPr>
-        </p:nvSpPr>
-        <p:spPr/>
-        <p:txBody>
-          <a:bodyPr/>
-          <a:lstStyle/>
-          <a:p>
-            <a:r>
-              <a:rPr lang="fr-FR" dirty="0"/>
-              <a:t>Spring Framework</a:t>
-            </a:r>
-          </a:p>
-        </p:txBody>
-      </p:sp>
-      <p:sp>
-        <p:nvSpPr>
-          <p:cNvPr id="3" name="Espace réservé du contenu 2">
-            <a:extLst>
-              <a:ext uri="{FF2B5EF4-FFF2-40B4-BE49-F238E27FC236}">
-                <a16:creationId xmlns:a16="http://schemas.microsoft.com/office/drawing/2014/main" id="{406C3B39-745D-4D78-8943-842D045A6F38}"/>
-              </a:ext>
-            </a:extLst>
-          </p:cNvPr>
-          <p:cNvSpPr>
-            <a:spLocks noGrp="1"/>
-          </p:cNvSpPr>
-          <p:nvPr>
-            <p:ph sz="quarter" idx="17"/>
-          </p:nvPr>
-        </p:nvSpPr>
-        <p:spPr/>
-        <p:txBody>
-          <a:bodyPr/>
-          <a:lstStyle/>
-          <a:p>
-            <a:r>
-              <a:rPr lang="fr-FR" b="1" dirty="0"/>
-              <a:t>Les </a:t>
-            </a:r>
-            <a:r>
-              <a:rPr lang="fr-FR" b="1" dirty="0" err="1"/>
-              <a:t>beans</a:t>
-            </a:r>
-            <a:r>
-              <a:rPr lang="fr-FR" b="1" dirty="0"/>
-              <a:t> Spring</a:t>
-            </a:r>
-          </a:p>
-          <a:p>
-            <a:endParaRPr lang="fr-FR" dirty="0"/>
-          </a:p>
-          <a:p>
-            <a:pPr marL="342900" indent="-342900">
-              <a:buFont typeface="Arial" panose="020B0604020202020204" pitchFamily="34" charset="0"/>
-              <a:buChar char="•"/>
-            </a:pPr>
-            <a:r>
-              <a:rPr lang="fr-FR" dirty="0"/>
-              <a:t>Gérés pas le conteneur Spring</a:t>
-            </a:r>
-          </a:p>
-          <a:p>
-            <a:pPr marL="342900" indent="-342900">
-              <a:buFont typeface="Arial" panose="020B0604020202020204" pitchFamily="34" charset="0"/>
-              <a:buChar char="•"/>
-            </a:pPr>
-            <a:r>
-              <a:rPr lang="fr-FR" dirty="0"/>
-              <a:t>Défini avec une classe</a:t>
-            </a:r>
-          </a:p>
-          <a:p>
-            <a:pPr marL="342900" indent="-342900">
-              <a:buFont typeface="Arial" panose="020B0604020202020204" pitchFamily="34" charset="0"/>
-              <a:buChar char="•"/>
-            </a:pPr>
-            <a:r>
-              <a:rPr lang="fr-FR" dirty="0"/>
-              <a:t>Possède un nom + identifiant</a:t>
-            </a:r>
-          </a:p>
-          <a:p>
-            <a:pPr marL="342900" indent="-342900">
-              <a:buFont typeface="Arial" panose="020B0604020202020204" pitchFamily="34" charset="0"/>
-              <a:buChar char="•"/>
-            </a:pPr>
-            <a:r>
-              <a:rPr lang="fr-FR" dirty="0"/>
-              <a:t>Configuration : singleton ou prototype</a:t>
-            </a:r>
-          </a:p>
-          <a:p>
-            <a:pPr marL="342900" indent="-342900">
-              <a:buFont typeface="Arial" panose="020B0604020202020204" pitchFamily="34" charset="0"/>
-              <a:buChar char="•"/>
-            </a:pPr>
-            <a:endParaRPr lang="fr-FR" dirty="0"/>
-          </a:p>
-          <a:p>
-            <a:r>
-              <a:rPr lang="fr-FR" b="1" dirty="0"/>
-              <a:t>Le conteneur Spring</a:t>
-            </a:r>
-          </a:p>
-          <a:p>
-            <a:endParaRPr lang="fr-FR" dirty="0"/>
-          </a:p>
-          <a:p>
-            <a:pPr marL="342900" indent="-342900">
-              <a:buFont typeface="Arial" panose="020B0604020202020204" pitchFamily="34" charset="0"/>
-              <a:buChar char="•"/>
-            </a:pPr>
-            <a:r>
-              <a:rPr lang="fr-FR" dirty="0"/>
-              <a:t>Créer les instances et de gérer les objets requis par l'application</a:t>
-            </a:r>
-          </a:p>
-          <a:p>
-            <a:pPr marL="342900" indent="-342900">
-              <a:buFont typeface="Arial" panose="020B0604020202020204" pitchFamily="34" charset="0"/>
-              <a:buChar char="•"/>
-            </a:pPr>
-            <a:r>
-              <a:rPr lang="fr-FR" dirty="0"/>
-              <a:t>Fabrique évoluée qui gère le cycle de vie des objets et la gestion de leurs dépendances</a:t>
-            </a:r>
-          </a:p>
-        </p:txBody>
-      </p:sp>
-      <p:sp>
-        <p:nvSpPr>
-          <p:cNvPr id="4" name="Espace réservé du numéro de diapositive 3">
-            <a:extLst>
-              <a:ext uri="{FF2B5EF4-FFF2-40B4-BE49-F238E27FC236}">
-                <a16:creationId xmlns:a16="http://schemas.microsoft.com/office/drawing/2014/main" id="{9912ABF6-CDA1-4469-BB78-9E9C9913D619}"/>
-              </a:ext>
-            </a:extLst>
-          </p:cNvPr>
-          <p:cNvSpPr>
-            <a:spLocks noGrp="1"/>
-          </p:cNvSpPr>
-          <p:nvPr>
-            <p:ph type="sldNum" sz="quarter" idx="4"/>
-          </p:nvPr>
-        </p:nvSpPr>
-        <p:spPr/>
-        <p:txBody>
-          <a:bodyPr/>
-          <a:lstStyle/>
-          <a:p>
-            <a:fld id="{525A3C56-E491-49B2-93F3-63532DF516BC}" type="slidenum">
-              <a:rPr lang="en-US" smtClean="0"/>
-              <a:pPr/>
-              <a:t>8</a:t>
-            </a:fld>
-            <a:endParaRPr lang="en-US"/>
-          </a:p>
-        </p:txBody>
-      </p:sp>
-    </p:spTree>
-    <p:extLst>
-      <p:ext uri="{BB962C8B-B14F-4D97-AF65-F5344CB8AC3E}">
-        <p14:creationId xmlns:p14="http://schemas.microsoft.com/office/powerpoint/2010/main" val="1937510412"/>
-      </p:ext>
-    </p:extLst>
-  </p:cSld>
-  <p:clrMapOvr>
-    <a:masterClrMapping/>
-  </p:clrMapOvr>
-</p:sld>
-</file>
-
-<file path=ppt/slides/slide9.xml><?xml version="1.0" encoding="utf-8"?>
-<p:sld xmlns:a="http://schemas.openxmlformats.org/drawingml/2006/main" xmlns:r="http://schemas.openxmlformats.org/officeDocument/2006/relationships" xmlns:p="http://schemas.openxmlformats.org/presentationml/2006/main">
-  <p:cSld>
-    <p:spTree>
-      <p:nvGrpSpPr>
-        <p:cNvPr id="1" name=""/>
-        <p:cNvGrpSpPr/>
-        <p:nvPr/>
-      </p:nvGrpSpPr>
-      <p:grpSpPr>
-        <a:xfrm>
-          <a:off x="0" y="0"/>
-          <a:ext cx="0" cy="0"/>
-          <a:chOff x="0" y="0"/>
-          <a:chExt cx="0" cy="0"/>
-        </a:xfrm>
-      </p:grpSpPr>
-      <p:pic>
-        <p:nvPicPr>
-          <p:cNvPr id="19" name="Image 18"/>
-          <p:cNvPicPr>
-            <a:picLocks noChangeAspect="1"/>
-          </p:cNvPicPr>
-          <p:nvPr/>
-        </p:nvPicPr>
-        <p:blipFill>
-          <a:blip r:embed="rId2"/>
-          <a:stretch>
-            <a:fillRect/>
-          </a:stretch>
-        </p:blipFill>
-        <p:spPr>
-          <a:xfrm>
-            <a:off x="2423592" y="1801030"/>
-            <a:ext cx="8694157" cy="3039915"/>
-          </a:xfrm>
-          <a:prstGeom prst="rect">
-            <a:avLst/>
-          </a:prstGeom>
-          <a:effectLst>
-            <a:outerShdw blurRad="50800" dist="38100" dir="2700000" algn="tl" rotWithShape="0">
-              <a:prstClr val="black">
-                <a:alpha val="40000"/>
-              </a:prstClr>
-            </a:outerShdw>
-          </a:effectLst>
-        </p:spPr>
-      </p:pic>
-      <p:sp>
-        <p:nvSpPr>
-          <p:cNvPr id="2" name="Titre 1"/>
-          <p:cNvSpPr>
-            <a:spLocks noGrp="1"/>
-          </p:cNvSpPr>
-          <p:nvPr>
-            <p:ph type="title"/>
-          </p:nvPr>
-        </p:nvSpPr>
-        <p:spPr/>
-        <p:txBody>
-          <a:bodyPr/>
-          <a:lstStyle/>
-          <a:p>
-            <a:r>
-              <a:rPr lang="fr-FR" dirty="0" err="1"/>
-              <a:t>Spring</a:t>
-            </a:r>
-            <a:r>
-              <a:rPr lang="fr-FR" dirty="0"/>
-              <a:t> Framework</a:t>
-            </a:r>
-          </a:p>
-        </p:txBody>
-      </p:sp>
-      <p:sp>
-        <p:nvSpPr>
-          <p:cNvPr id="4" name="Espace réservé du numéro de diapositive 3"/>
-          <p:cNvSpPr>
-            <a:spLocks noGrp="1"/>
-          </p:cNvSpPr>
-          <p:nvPr>
-            <p:ph type="sldNum" sz="quarter" idx="4"/>
-          </p:nvPr>
-        </p:nvSpPr>
-        <p:spPr/>
-        <p:txBody>
-          <a:bodyPr/>
-          <a:lstStyle/>
-          <a:p>
-            <a:fld id="{525A3C56-E491-49B2-93F3-63532DF516BC}" type="slidenum">
-              <a:rPr lang="en-US" smtClean="0"/>
-              <a:pPr/>
-              <a:t>9</a:t>
-            </a:fld>
-            <a:endParaRPr lang="en-US"/>
-          </a:p>
-        </p:txBody>
-      </p:sp>
-      <p:sp>
-        <p:nvSpPr>
-          <p:cNvPr id="6" name="ZoneTexte 5"/>
-          <p:cNvSpPr txBox="1"/>
-          <p:nvPr/>
-        </p:nvSpPr>
-        <p:spPr bwMode="auto">
-          <a:xfrm>
-            <a:off x="3071664" y="5068341"/>
-            <a:ext cx="6209566" cy="1384995"/>
-          </a:xfrm>
-          <a:prstGeom prst="rect">
-            <a:avLst/>
-          </a:prstGeom>
-          <a:noFill/>
-          <a:ln w="9525" algn="ctr">
-            <a:noFill/>
-            <a:miter lim="800000"/>
-            <a:headEnd/>
-            <a:tailEnd/>
-          </a:ln>
-          <a:effectLst/>
-        </p:spPr>
-        <p:txBody>
-          <a:bodyPr wrap="square" lIns="0" tIns="0" rIns="0" bIns="0" rtlCol="0">
-            <a:spAutoFit/>
-          </a:bodyPr>
-          <a:lstStyle/>
-          <a:p>
-            <a:r>
-              <a:rPr lang="fr-FR" dirty="0"/>
-              <a:t>Pas besoin d’implémenter une quelconque interface pour être prises en charge par le </a:t>
-            </a:r>
-            <a:r>
-              <a:rPr lang="fr-FR" dirty="0" err="1"/>
-              <a:t>framework</a:t>
-            </a:r>
-            <a:endParaRPr lang="fr-FR" dirty="0"/>
-          </a:p>
-          <a:p>
-            <a:endParaRPr lang="fr-FR" dirty="0"/>
-          </a:p>
-          <a:p>
-            <a:r>
-              <a:rPr lang="fr-FR" dirty="0"/>
-              <a:t>L'application ne crée pas directement les instances des objets dont elle a besoin</a:t>
-            </a:r>
-          </a:p>
-        </p:txBody>
-      </p:sp>
-      <p:pic>
-        <p:nvPicPr>
-          <p:cNvPr id="8" name="Image 7"/>
-          <p:cNvPicPr>
-            <a:picLocks noChangeAspect="1"/>
-          </p:cNvPicPr>
-          <p:nvPr/>
-        </p:nvPicPr>
-        <p:blipFill>
-          <a:blip r:embed="rId3" cstate="print">
-            <a:extLst>
-              <a:ext uri="{28A0092B-C50C-407E-A947-70E740481C1C}">
-                <a14:useLocalDpi xmlns:a14="http://schemas.microsoft.com/office/drawing/2010/main" val="0"/>
-              </a:ext>
-            </a:extLst>
-          </a:blip>
-          <a:stretch>
-            <a:fillRect/>
-          </a:stretch>
-        </p:blipFill>
-        <p:spPr>
-          <a:xfrm>
-            <a:off x="479376" y="2852936"/>
-            <a:ext cx="936104" cy="936104"/>
-          </a:xfrm>
-          <a:prstGeom prst="rect">
-            <a:avLst/>
-          </a:prstGeom>
-        </p:spPr>
-      </p:pic>
-      <p:sp>
-        <p:nvSpPr>
-          <p:cNvPr id="9" name="Plus 8"/>
-          <p:cNvSpPr/>
-          <p:nvPr/>
-        </p:nvSpPr>
-        <p:spPr bwMode="gray">
-          <a:xfrm>
-            <a:off x="1544005" y="2996952"/>
-            <a:ext cx="648072" cy="648072"/>
-          </a:xfrm>
-          <a:prstGeom prst="mathPlus">
-            <a:avLst/>
-          </a:prstGeom>
-          <a:ln>
-            <a:headEnd/>
-            <a:tailEnd/>
-          </a:ln>
-        </p:spPr>
-        <p:style>
-          <a:lnRef idx="1">
-            <a:schemeClr val="dk1"/>
-          </a:lnRef>
-          <a:fillRef idx="2">
-            <a:schemeClr val="dk1"/>
-          </a:fillRef>
-          <a:effectRef idx="1">
-            <a:schemeClr val="dk1"/>
-          </a:effectRef>
-          <a:fontRef idx="minor">
-            <a:schemeClr val="dk1"/>
-          </a:fontRef>
-        </p:style>
-        <p:txBody>
-          <a:bodyPr lIns="63500" tIns="0" rIns="64800" bIns="0" rtlCol="0" anchor="ctr"/>
-          <a:lstStyle/>
-          <a:p>
-            <a:pPr algn="ctr">
-              <a:spcBef>
-                <a:spcPct val="0"/>
-              </a:spcBef>
-              <a:buClrTx/>
-              <a:buSzPct val="90000"/>
-            </a:pPr>
-            <a:endParaRPr lang="fr-FR" sz="1600" b="1" dirty="0">
-              <a:solidFill>
-                <a:schemeClr val="bg1"/>
-              </a:solidFill>
-              <a:cs typeface="Arial" pitchFamily="34" charset="0"/>
-            </a:endParaRPr>
-          </a:p>
-        </p:txBody>
-      </p:sp>
-      <p:sp>
-        <p:nvSpPr>
-          <p:cNvPr id="10" name="ZoneTexte 9"/>
-          <p:cNvSpPr txBox="1"/>
-          <p:nvPr/>
-        </p:nvSpPr>
-        <p:spPr bwMode="auto">
-          <a:xfrm>
-            <a:off x="6744069" y="1106489"/>
-            <a:ext cx="2384703" cy="276999"/>
-          </a:xfrm>
-          <a:prstGeom prst="rect">
-            <a:avLst/>
-          </a:prstGeom>
-          <a:noFill/>
-          <a:ln w="9525" algn="ctr">
-            <a:noFill/>
-            <a:miter lim="800000"/>
-            <a:headEnd/>
-            <a:tailEnd/>
-          </a:ln>
-          <a:effectLst/>
-        </p:spPr>
-        <p:txBody>
-          <a:bodyPr wrap="square" lIns="0" tIns="0" rIns="0" bIns="0" rtlCol="0">
-            <a:spAutoFit/>
-          </a:bodyPr>
-          <a:lstStyle/>
-          <a:p>
-            <a:pPr algn="ctr"/>
-            <a:r>
-              <a:rPr lang="fr-FR" b="1" strike="sngStrike" dirty="0">
-                <a:latin typeface="Courier New" panose="02070309020205020404" pitchFamily="49" charset="0"/>
-                <a:cs typeface="Courier New" panose="02070309020205020404" pitchFamily="49" charset="0"/>
-              </a:rPr>
-              <a:t>new </a:t>
-            </a:r>
-            <a:r>
-              <a:rPr lang="fr-FR" b="1" strike="sngStrike" dirty="0" err="1">
-                <a:latin typeface="Courier New" panose="02070309020205020404" pitchFamily="49" charset="0"/>
-                <a:cs typeface="Courier New" panose="02070309020205020404" pitchFamily="49" charset="0"/>
-              </a:rPr>
-              <a:t>MovieFinder</a:t>
-            </a:r>
-            <a:endParaRPr lang="fr-FR" b="1" strike="sngStrike" dirty="0">
-              <a:latin typeface="Courier New" panose="02070309020205020404" pitchFamily="49" charset="0"/>
-              <a:cs typeface="Courier New" panose="02070309020205020404" pitchFamily="49" charset="0"/>
-            </a:endParaRPr>
-          </a:p>
-        </p:txBody>
-      </p:sp>
-      <p:cxnSp>
-        <p:nvCxnSpPr>
-          <p:cNvPr id="16" name="Connecteur en angle 15"/>
-          <p:cNvCxnSpPr>
-            <a:stCxn id="10" idx="3"/>
-          </p:cNvCxnSpPr>
-          <p:nvPr/>
-        </p:nvCxnSpPr>
-        <p:spPr bwMode="gray">
-          <a:xfrm flipH="1">
-            <a:off x="6168008" y="1244989"/>
-            <a:ext cx="2960764" cy="1391923"/>
-          </a:xfrm>
-          <a:prstGeom prst="bentConnector3">
-            <a:avLst>
-              <a:gd name="adj1" fmla="val -7721"/>
-            </a:avLst>
-          </a:prstGeom>
-          <a:noFill/>
-          <a:ln w="12700">
-            <a:solidFill>
-              <a:schemeClr val="accent1"/>
-            </a:solidFill>
-            <a:round/>
-            <a:headEnd/>
-            <a:tailEnd type="triangle"/>
-          </a:ln>
-          <a:effectLst/>
-        </p:spPr>
-      </p:cxnSp>
-    </p:spTree>
-    <p:extLst>
-      <p:ext uri="{BB962C8B-B14F-4D97-AF65-F5344CB8AC3E}">
-        <p14:creationId xmlns:p14="http://schemas.microsoft.com/office/powerpoint/2010/main" val="2380049451"/>
-      </p:ext>
-    </p:extLst>
-  </p:cSld>
-  <p:clrMapOvr>
-    <a:masterClrMapping/>
-  </p:clrMapOvr>
-  <p:timing>
-    <p:tnLst>
-      <p:par>
-        <p:cTn id="1" dur="indefinite" restart="never" nodeType="tmRoot">
-          <p:childTnLst>
-            <p:seq concurrent="1" nextAc="seek">
-              <p:cTn id="2" dur="indefinite" nodeType="mainSeq">
-                <p:childTnLst>
-                  <p:par>
-                    <p:cTn id="3" fill="hold">
-                      <p:stCondLst>
-                        <p:cond delay="indefinite"/>
-                      </p:stCondLst>
-                      <p:childTnLst>
-                        <p:par>
-                          <p:cTn id="4" fill="hold">
-                            <p:stCondLst>
-                              <p:cond delay="0"/>
-                            </p:stCondLst>
-                            <p:childTnLst>
-                              <p:par>
-                                <p:cTn id="5" presetID="1" presetClass="entr" presetSubtype="0" fill="hold" grpId="0" nodeType="clickEffect">
-                                  <p:stCondLst>
-                                    <p:cond delay="0"/>
-                                  </p:stCondLst>
-                                  <p:childTnLst>
-                                    <p:set>
-                                      <p:cBhvr>
-                                        <p:cTn id="6" dur="1" fill="hold">
-                                          <p:stCondLst>
-                                            <p:cond delay="0"/>
-                                          </p:stCondLst>
-                                        </p:cTn>
-                                        <p:tgtEl>
-                                          <p:spTgt spid="10"/>
-                                        </p:tgtEl>
-                                        <p:attrNameLst>
-                                          <p:attrName>style.visibility</p:attrName>
-                                        </p:attrNameLst>
-                                      </p:cBhvr>
-                                      <p:to>
-                                        <p:strVal val="visible"/>
-                                      </p:to>
-                                    </p:set>
-                                  </p:childTnLst>
-                                </p:cTn>
-                              </p:par>
-                              <p:par>
-                                <p:cTn id="7" presetID="1" presetClass="entr" presetSubtype="0" fill="hold" nodeType="withEffect">
-                                  <p:stCondLst>
-                                    <p:cond delay="0"/>
-                                  </p:stCondLst>
-                                  <p:childTnLst>
-                                    <p:set>
-                                      <p:cBhvr>
-                                        <p:cTn id="8" dur="1" fill="hold">
-                                          <p:stCondLst>
-                                            <p:cond delay="0"/>
-                                          </p:stCondLst>
-                                        </p:cTn>
-                                        <p:tgtEl>
-                                          <p:spTgt spid="16"/>
-                                        </p:tgtEl>
-                                        <p:attrNameLst>
-                                          <p:attrName>style.visibility</p:attrName>
-                                        </p:attrNameLst>
-                                      </p:cBhvr>
-                                      <p:to>
-                                        <p:strVal val="visible"/>
-                                      </p:to>
-                                    </p:set>
-                                  </p:childTnLst>
-                                </p:cTn>
-                              </p:par>
-                            </p:childTnLst>
-                          </p:cTn>
-                        </p:par>
-                      </p:childTnLst>
-                    </p:cTn>
-                  </p:par>
-                </p:childTnLst>
-              </p:cTn>
-              <p:prevCondLst>
-                <p:cond evt="onPrev" delay="0">
-                  <p:tgtEl>
-                    <p:sldTgt/>
-                  </p:tgtEl>
-                </p:cond>
-              </p:prevCondLst>
-              <p:nextCondLst>
-                <p:cond evt="onNext" delay="0">
-                  <p:tgtEl>
-                    <p:sldTgt/>
-                  </p:tgtEl>
-                </p:cond>
-              </p:nextCondLst>
-            </p:seq>
-          </p:childTnLst>
-        </p:cTn>
-      </p:par>
-    </p:tnLst>
-    <p:bldLst>
-      <p:bldP spid="10" grpId="0"/>
-    </p:bldLst>
-  </p:timing>
 </p:sld>
 </file>
 
@@ -33423,15 +40032,6 @@
 </file>
 
 <file path=customXml/item1.xml><?xml version="1.0" encoding="utf-8"?>
-<?mso-contentType ?>
-<FormTemplates xmlns="http://schemas.microsoft.com/sharepoint/v3/contenttype/forms">
-  <Display>DocumentLibraryForm</Display>
-  <Edit>DocumentLibraryForm</Edit>
-  <New>DocumentLibraryForm</New>
-</FormTemplates>
-</file>
-
-<file path=customXml/item2.xml><?xml version="1.0" encoding="utf-8"?>
 <p:properties xmlns:p="http://schemas.microsoft.com/office/2006/metadata/properties" xmlns:xsi="http://www.w3.org/2001/XMLSchema-instance">
   <documentManagement>
     <c5aebc35b3e840e5912c276ffe755dcf xmlns="d95a5b16-1b8d-4c7c-9ebf-89c0983b6970">
@@ -33512,7 +40112,152 @@
 </p:properties>
 </file>
 
+<file path=customXml/item2.xml><?xml version="1.0" encoding="utf-8"?>
+<?mso-contentType ?>
+<FormTemplates xmlns="http://schemas.microsoft.com/sharepoint/v3/contenttype/forms">
+  <Display>DocumentLibraryForm</Display>
+  <Edit>DocumentLibraryForm</Edit>
+  <New>DocumentLibraryForm</New>
+</FormTemplates>
+</file>
+
 <file path=customXml/item3.xml><?xml version="1.0" encoding="utf-8"?>
+<?mso-contentType ?>
+<spe:Receivers xmlns:spe="http://schemas.microsoft.com/sharepoint/events">
+  <Receiver>
+    <Name>ItemUpdatedEventHandlerForConceptSearch</Name>
+    <Synchronization>Default</Synchronization>
+    <Type>10002</Type>
+    <SequenceNumber>10001</SequenceNumber>
+    <Assembly>conceptSearching.Sharepoint.ContentTypes, Version=1.0.0.0, Culture=neutral, PublicKeyToken=858f8f13980e4745</Assembly>
+    <Class>conceptSearching.Sharepoint.ContentTypes.CSHandleEvent</Class>
+    <Data/>
+    <Filter/>
+  </Receiver>
+  <Receiver>
+    <Name>ItemCheckedInEventHandlerForConceptSearch</Name>
+    <Synchronization>Default</Synchronization>
+    <Type>10004</Type>
+    <SequenceNumber>10002</SequenceNumber>
+    <Assembly>conceptSearching.Sharepoint.ContentTypes, Version=1.0.0.0, Culture=neutral, PublicKeyToken=858f8f13980e4745</Assembly>
+    <Class>conceptSearching.Sharepoint.ContentTypes.CSHandleEvent</Class>
+    <Data/>
+    <Filter/>
+  </Receiver>
+  <Receiver>
+    <Name>ItemUncheckedOutEventHandlerForConceptSearch</Name>
+    <Synchronization>Default</Synchronization>
+    <Type>10006</Type>
+    <SequenceNumber>10003</SequenceNumber>
+    <Assembly>conceptSearching.Sharepoint.ContentTypes, Version=1.0.0.0, Culture=neutral, PublicKeyToken=858f8f13980e4745</Assembly>
+    <Class>conceptSearching.Sharepoint.ContentTypes.CSHandleEvent</Class>
+    <Data/>
+    <Filter/>
+  </Receiver>
+  <Receiver>
+    <Name>ItemAddedEventHandlerForConceptSearch</Name>
+    <Synchronization>Default</Synchronization>
+    <Type>10001</Type>
+    <SequenceNumber>10004</SequenceNumber>
+    <Assembly>conceptSearching.Sharepoint.ContentTypes, Version=1.0.0.0, Culture=neutral, PublicKeyToken=858f8f13980e4745</Assembly>
+    <Class>conceptSearching.Sharepoint.ContentTypes.CSHandleEvent</Class>
+    <Data/>
+    <Filter/>
+  </Receiver>
+  <Receiver>
+    <Name>ItemFileMovedEventHandlerForConceptSearch</Name>
+    <Synchronization>Default</Synchronization>
+    <Type>10009</Type>
+    <SequenceNumber>10005</SequenceNumber>
+    <Assembly>conceptSearching.Sharepoint.ContentTypes, Version=1.0.0.0, Culture=neutral, PublicKeyToken=858f8f13980e4745</Assembly>
+    <Class>conceptSearching.Sharepoint.ContentTypes.CSHandleEvent</Class>
+    <Data/>
+    <Filter/>
+  </Receiver>
+  <Receiver>
+    <Name>ItemDeletedEventHandlerForConceptSearch</Name>
+    <Synchronization>Default</Synchronization>
+    <Type>10003</Type>
+    <SequenceNumber>10006</SequenceNumber>
+    <Assembly>conceptSearching.Sharepoint.ContentTypes, Version=1.0.0.0, Culture=neutral, PublicKeyToken=858f8f13980e4745</Assembly>
+    <Class>conceptSearching.Sharepoint.ContentTypes.CSHandleEvent</Class>
+    <Data/>
+    <Filter/>
+  </Receiver>
+  <Receiver>
+    <Name>ItemUpdatedEventHandlerForConceptSearch</Name>
+    <Synchronization>Asynchronous</Synchronization>
+    <Type>10002</Type>
+    <SequenceNumber>10001</SequenceNumber>
+    <Assembly>conceptSearching.Sharepoint.ContentTypes2010, Version=1.0.0.0, Culture=neutral, PublicKeyToken=858f8f13980e4745</Assembly>
+    <Class>conceptSearching.Sharepoint.ContentTypes2010.CSHandleEvent</Class>
+    <Data/>
+    <Filter/>
+  </Receiver>
+  <Receiver>
+    <Name>ItemUpdatingEventHandlerForConceptSearch</Name>
+    <Synchronization>Synchronous</Synchronization>
+    <Type>2</Type>
+    <SequenceNumber>10001</SequenceNumber>
+    <Assembly>conceptSearching.Sharepoint.ContentTypes2010, Version=1.0.0.0, Culture=neutral, PublicKeyToken=858f8f13980e4745</Assembly>
+    <Class>conceptSearching.Sharepoint.ContentTypes2010.CSHandleEvent</Class>
+    <Data/>
+    <Filter/>
+  </Receiver>
+  <Receiver>
+    <Name>ItemCheckedInEventHandlerForConceptSearch</Name>
+    <Synchronization>Asynchronous</Synchronization>
+    <Type>10004</Type>
+    <SequenceNumber>10002</SequenceNumber>
+    <Assembly>conceptSearching.Sharepoint.ContentTypes2010, Version=1.0.0.0, Culture=neutral, PublicKeyToken=858f8f13980e4745</Assembly>
+    <Class>conceptSearching.Sharepoint.ContentTypes2010.CSHandleEvent</Class>
+    <Data/>
+    <Filter/>
+  </Receiver>
+  <Receiver>
+    <Name>ItemUncheckedOutEventHandlerForConceptSearch</Name>
+    <Synchronization>Asynchronous</Synchronization>
+    <Type>10006</Type>
+    <SequenceNumber>10003</SequenceNumber>
+    <Assembly>conceptSearching.Sharepoint.ContentTypes2010, Version=1.0.0.0, Culture=neutral, PublicKeyToken=858f8f13980e4745</Assembly>
+    <Class>conceptSearching.Sharepoint.ContentTypes2010.CSHandleEvent</Class>
+    <Data/>
+    <Filter/>
+  </Receiver>
+  <Receiver>
+    <Name>ItemAddedEventHandlerForConceptSearch</Name>
+    <Synchronization>Asynchronous</Synchronization>
+    <Type>10001</Type>
+    <SequenceNumber>10004</SequenceNumber>
+    <Assembly>conceptSearching.Sharepoint.ContentTypes2010, Version=1.0.0.0, Culture=neutral, PublicKeyToken=858f8f13980e4745</Assembly>
+    <Class>conceptSearching.Sharepoint.ContentTypes2010.CSHandleEvent</Class>
+    <Data/>
+    <Filter/>
+  </Receiver>
+  <Receiver>
+    <Name>ItemFileMovedEventHandlerForConceptSearch</Name>
+    <Synchronization>Asynchronous</Synchronization>
+    <Type>10009</Type>
+    <SequenceNumber>10005</SequenceNumber>
+    <Assembly>conceptSearching.Sharepoint.ContentTypes2010, Version=1.0.0.0, Culture=neutral, PublicKeyToken=858f8f13980e4745</Assembly>
+    <Class>conceptSearching.Sharepoint.ContentTypes2010.CSHandleEvent</Class>
+    <Data/>
+    <Filter/>
+  </Receiver>
+  <Receiver>
+    <Name>ItemDeletedEventHandlerForConceptSearch</Name>
+    <Synchronization>Asynchronous</Synchronization>
+    <Type>10003</Type>
+    <SequenceNumber>10006</SequenceNumber>
+    <Assembly>conceptSearching.Sharepoint.ContentTypes2010, Version=1.0.0.0, Culture=neutral, PublicKeyToken=858f8f13980e4745</Assembly>
+    <Class>conceptSearching.Sharepoint.ContentTypes2010.CSHandleEvent</Class>
+    <Data/>
+    <Filter/>
+  </Receiver>
+</spe:Receivers>
+</file>
+
+<file path=customXml/item4.xml><?xml version="1.0" encoding="utf-8"?>
 <ct:contentTypeSchema xmlns:ct="http://schemas.microsoft.com/office/2006/metadata/contentType" xmlns:ma="http://schemas.microsoft.com/office/2006/metadata/properties/metaAttributes" ct:_="" ma:_="" ma:contentTypeName="Business Support" ma:contentTypeID="0x010100DCE5D5DBCBA6844C95AAA11EB3A32719002FF8385B8572694FA7ACC1CC37F60277" ma:contentTypeVersion="85" ma:contentTypeDescription="" ma:contentTypeScope="" ma:versionID="2e185370c66e36c56dd232e65dd02ed3">
   <xsd:schema xmlns:xsd="http://www.w3.org/2001/XMLSchema" xmlns:xs="http://www.w3.org/2001/XMLSchema" xmlns:p="http://schemas.microsoft.com/office/2006/metadata/properties" xmlns:ns1="http://schemas.microsoft.com/sharepoint/v3" xmlns:ns2="d95a5b16-1b8d-4c7c-9ebf-89c0983b6970" targetNamespace="http://schemas.microsoft.com/office/2006/metadata/properties" ma:root="true" ma:fieldsID="83532d8de379e40041d3a9288ce2e015" ns1:_="" ns2:_="">
     <xsd:import namespace="http://schemas.microsoft.com/sharepoint/v3"/>
@@ -33960,151 +40705,7 @@
 </ct:contentTypeSchema>
 </file>
 
-<file path=customXml/item4.xml><?xml version="1.0" encoding="utf-8"?>
-<?mso-contentType ?>
-<spe:Receivers xmlns:spe="http://schemas.microsoft.com/sharepoint/events">
-  <Receiver>
-    <Name>ItemUpdatedEventHandlerForConceptSearch</Name>
-    <Synchronization>Default</Synchronization>
-    <Type>10002</Type>
-    <SequenceNumber>10001</SequenceNumber>
-    <Assembly>conceptSearching.Sharepoint.ContentTypes, Version=1.0.0.0, Culture=neutral, PublicKeyToken=858f8f13980e4745</Assembly>
-    <Class>conceptSearching.Sharepoint.ContentTypes.CSHandleEvent</Class>
-    <Data/>
-    <Filter/>
-  </Receiver>
-  <Receiver>
-    <Name>ItemCheckedInEventHandlerForConceptSearch</Name>
-    <Synchronization>Default</Synchronization>
-    <Type>10004</Type>
-    <SequenceNumber>10002</SequenceNumber>
-    <Assembly>conceptSearching.Sharepoint.ContentTypes, Version=1.0.0.0, Culture=neutral, PublicKeyToken=858f8f13980e4745</Assembly>
-    <Class>conceptSearching.Sharepoint.ContentTypes.CSHandleEvent</Class>
-    <Data/>
-    <Filter/>
-  </Receiver>
-  <Receiver>
-    <Name>ItemUncheckedOutEventHandlerForConceptSearch</Name>
-    <Synchronization>Default</Synchronization>
-    <Type>10006</Type>
-    <SequenceNumber>10003</SequenceNumber>
-    <Assembly>conceptSearching.Sharepoint.ContentTypes, Version=1.0.0.0, Culture=neutral, PublicKeyToken=858f8f13980e4745</Assembly>
-    <Class>conceptSearching.Sharepoint.ContentTypes.CSHandleEvent</Class>
-    <Data/>
-    <Filter/>
-  </Receiver>
-  <Receiver>
-    <Name>ItemAddedEventHandlerForConceptSearch</Name>
-    <Synchronization>Default</Synchronization>
-    <Type>10001</Type>
-    <SequenceNumber>10004</SequenceNumber>
-    <Assembly>conceptSearching.Sharepoint.ContentTypes, Version=1.0.0.0, Culture=neutral, PublicKeyToken=858f8f13980e4745</Assembly>
-    <Class>conceptSearching.Sharepoint.ContentTypes.CSHandleEvent</Class>
-    <Data/>
-    <Filter/>
-  </Receiver>
-  <Receiver>
-    <Name>ItemFileMovedEventHandlerForConceptSearch</Name>
-    <Synchronization>Default</Synchronization>
-    <Type>10009</Type>
-    <SequenceNumber>10005</SequenceNumber>
-    <Assembly>conceptSearching.Sharepoint.ContentTypes, Version=1.0.0.0, Culture=neutral, PublicKeyToken=858f8f13980e4745</Assembly>
-    <Class>conceptSearching.Sharepoint.ContentTypes.CSHandleEvent</Class>
-    <Data/>
-    <Filter/>
-  </Receiver>
-  <Receiver>
-    <Name>ItemDeletedEventHandlerForConceptSearch</Name>
-    <Synchronization>Default</Synchronization>
-    <Type>10003</Type>
-    <SequenceNumber>10006</SequenceNumber>
-    <Assembly>conceptSearching.Sharepoint.ContentTypes, Version=1.0.0.0, Culture=neutral, PublicKeyToken=858f8f13980e4745</Assembly>
-    <Class>conceptSearching.Sharepoint.ContentTypes.CSHandleEvent</Class>
-    <Data/>
-    <Filter/>
-  </Receiver>
-  <Receiver>
-    <Name>ItemUpdatedEventHandlerForConceptSearch</Name>
-    <Synchronization>Asynchronous</Synchronization>
-    <Type>10002</Type>
-    <SequenceNumber>10001</SequenceNumber>
-    <Assembly>conceptSearching.Sharepoint.ContentTypes2010, Version=1.0.0.0, Culture=neutral, PublicKeyToken=858f8f13980e4745</Assembly>
-    <Class>conceptSearching.Sharepoint.ContentTypes2010.CSHandleEvent</Class>
-    <Data/>
-    <Filter/>
-  </Receiver>
-  <Receiver>
-    <Name>ItemUpdatingEventHandlerForConceptSearch</Name>
-    <Synchronization>Synchronous</Synchronization>
-    <Type>2</Type>
-    <SequenceNumber>10001</SequenceNumber>
-    <Assembly>conceptSearching.Sharepoint.ContentTypes2010, Version=1.0.0.0, Culture=neutral, PublicKeyToken=858f8f13980e4745</Assembly>
-    <Class>conceptSearching.Sharepoint.ContentTypes2010.CSHandleEvent</Class>
-    <Data/>
-    <Filter/>
-  </Receiver>
-  <Receiver>
-    <Name>ItemCheckedInEventHandlerForConceptSearch</Name>
-    <Synchronization>Asynchronous</Synchronization>
-    <Type>10004</Type>
-    <SequenceNumber>10002</SequenceNumber>
-    <Assembly>conceptSearching.Sharepoint.ContentTypes2010, Version=1.0.0.0, Culture=neutral, PublicKeyToken=858f8f13980e4745</Assembly>
-    <Class>conceptSearching.Sharepoint.ContentTypes2010.CSHandleEvent</Class>
-    <Data/>
-    <Filter/>
-  </Receiver>
-  <Receiver>
-    <Name>ItemUncheckedOutEventHandlerForConceptSearch</Name>
-    <Synchronization>Asynchronous</Synchronization>
-    <Type>10006</Type>
-    <SequenceNumber>10003</SequenceNumber>
-    <Assembly>conceptSearching.Sharepoint.ContentTypes2010, Version=1.0.0.0, Culture=neutral, PublicKeyToken=858f8f13980e4745</Assembly>
-    <Class>conceptSearching.Sharepoint.ContentTypes2010.CSHandleEvent</Class>
-    <Data/>
-    <Filter/>
-  </Receiver>
-  <Receiver>
-    <Name>ItemAddedEventHandlerForConceptSearch</Name>
-    <Synchronization>Asynchronous</Synchronization>
-    <Type>10001</Type>
-    <SequenceNumber>10004</SequenceNumber>
-    <Assembly>conceptSearching.Sharepoint.ContentTypes2010, Version=1.0.0.0, Culture=neutral, PublicKeyToken=858f8f13980e4745</Assembly>
-    <Class>conceptSearching.Sharepoint.ContentTypes2010.CSHandleEvent</Class>
-    <Data/>
-    <Filter/>
-  </Receiver>
-  <Receiver>
-    <Name>ItemFileMovedEventHandlerForConceptSearch</Name>
-    <Synchronization>Asynchronous</Synchronization>
-    <Type>10009</Type>
-    <SequenceNumber>10005</SequenceNumber>
-    <Assembly>conceptSearching.Sharepoint.ContentTypes2010, Version=1.0.0.0, Culture=neutral, PublicKeyToken=858f8f13980e4745</Assembly>
-    <Class>conceptSearching.Sharepoint.ContentTypes2010.CSHandleEvent</Class>
-    <Data/>
-    <Filter/>
-  </Receiver>
-  <Receiver>
-    <Name>ItemDeletedEventHandlerForConceptSearch</Name>
-    <Synchronization>Asynchronous</Synchronization>
-    <Type>10003</Type>
-    <SequenceNumber>10006</SequenceNumber>
-    <Assembly>conceptSearching.Sharepoint.ContentTypes2010, Version=1.0.0.0, Culture=neutral, PublicKeyToken=858f8f13980e4745</Assembly>
-    <Class>conceptSearching.Sharepoint.ContentTypes2010.CSHandleEvent</Class>
-    <Data/>
-    <Filter/>
-  </Receiver>
-</spe:Receivers>
-</file>
-
 <file path=customXml/itemProps1.xml><?xml version="1.0" encoding="utf-8"?>
-<ds:datastoreItem xmlns:ds="http://schemas.openxmlformats.org/officeDocument/2006/customXml" ds:itemID="{ADA5D674-9920-4D2F-B065-BC24FD29F86D}">
-  <ds:schemaRefs>
-    <ds:schemaRef ds:uri="http://schemas.microsoft.com/sharepoint/v3/contenttype/forms"/>
-  </ds:schemaRefs>
-</ds:datastoreItem>
-</file>
-
-<file path=customXml/itemProps2.xml><?xml version="1.0" encoding="utf-8"?>
 <ds:datastoreItem xmlns:ds="http://schemas.openxmlformats.org/officeDocument/2006/customXml" ds:itemID="{2F4C4F6A-F6A5-45C8-BAAA-52FB70E387C7}">
   <ds:schemaRefs>
     <ds:schemaRef ds:uri="http://purl.org/dc/elements/1.1/"/>
@@ -34121,7 +40722,23 @@
 </ds:datastoreItem>
 </file>
 
+<file path=customXml/itemProps2.xml><?xml version="1.0" encoding="utf-8"?>
+<ds:datastoreItem xmlns:ds="http://schemas.openxmlformats.org/officeDocument/2006/customXml" ds:itemID="{ADA5D674-9920-4D2F-B065-BC24FD29F86D}">
+  <ds:schemaRefs>
+    <ds:schemaRef ds:uri="http://schemas.microsoft.com/sharepoint/v3/contenttype/forms"/>
+  </ds:schemaRefs>
+</ds:datastoreItem>
+</file>
+
 <file path=customXml/itemProps3.xml><?xml version="1.0" encoding="utf-8"?>
+<ds:datastoreItem xmlns:ds="http://schemas.openxmlformats.org/officeDocument/2006/customXml" ds:itemID="{B6223829-22B6-4242-8D82-2D6B02106581}">
+  <ds:schemaRefs>
+    <ds:schemaRef ds:uri="http://schemas.microsoft.com/sharepoint/events"/>
+  </ds:schemaRefs>
+</ds:datastoreItem>
+</file>
+
+<file path=customXml/itemProps4.xml><?xml version="1.0" encoding="utf-8"?>
 <ds:datastoreItem xmlns:ds="http://schemas.openxmlformats.org/officeDocument/2006/customXml" ds:itemID="{987FA55F-5903-479D-BDD5-BC336782B1C6}">
   <ds:schemaRefs>
     <ds:schemaRef ds:uri="http://schemas.microsoft.com/office/2006/metadata/contentType"/>
@@ -34138,12 +40755,4 @@
     <ds:schemaRef ds:uri="http://schemas.microsoft.com/internal/obd"/>
   </ds:schemaRefs>
 </ds:datastoreItem>
-</file>
-
-<file path=customXml/itemProps4.xml><?xml version="1.0" encoding="utf-8"?>
-<ds:datastoreItem xmlns:ds="http://schemas.openxmlformats.org/officeDocument/2006/customXml" ds:itemID="{B6223829-22B6-4242-8D82-2D6B02106581}">
-  <ds:schemaRefs>
-    <ds:schemaRef ds:uri="http://schemas.microsoft.com/sharepoint/events"/>
-  </ds:schemaRefs>
-</ds:datastoreItem>
 </file>
--- a/U_DEV_Journées_Java_Formation-v2.pptx
+++ b/U_DEV_Journées_Java_Formation-v2.pptx
@@ -1485,6 +1485,13 @@
         </dgm:presLayoutVars>
       </dgm:prSet>
       <dgm:spPr/>
+      <dgm:t>
+        <a:bodyPr/>
+        <a:lstStyle/>
+        <a:p>
+          <a:endParaRPr lang="fr-FR"/>
+        </a:p>
+      </dgm:t>
     </dgm:pt>
     <dgm:pt modelId="{63005BE7-3469-43AD-8513-7909B56C13B4}" type="pres">
       <dgm:prSet presAssocID="{0A22175F-9E50-4726-A201-531B05BDD5B6}" presName="Name1" presStyleCnt="0"/>
@@ -1501,6 +1508,13 @@
     <dgm:pt modelId="{B710228F-41CA-41E4-A072-038F184BFE0A}" type="pres">
       <dgm:prSet presAssocID="{0A22175F-9E50-4726-A201-531B05BDD5B6}" presName="conn" presStyleLbl="parChTrans1D2" presStyleIdx="0" presStyleCnt="1"/>
       <dgm:spPr/>
+      <dgm:t>
+        <a:bodyPr/>
+        <a:lstStyle/>
+        <a:p>
+          <a:endParaRPr lang="fr-FR"/>
+        </a:p>
+      </dgm:t>
     </dgm:pt>
     <dgm:pt modelId="{44DA68F0-2BB6-4E75-9469-F307418057B0}" type="pres">
       <dgm:prSet presAssocID="{0A22175F-9E50-4726-A201-531B05BDD5B6}" presName="extraNode" presStyleLbl="node1" presStyleIdx="0" presStyleCnt="5"/>
@@ -1517,6 +1531,13 @@
         </dgm:presLayoutVars>
       </dgm:prSet>
       <dgm:spPr/>
+      <dgm:t>
+        <a:bodyPr/>
+        <a:lstStyle/>
+        <a:p>
+          <a:endParaRPr lang="fr-FR"/>
+        </a:p>
+      </dgm:t>
     </dgm:pt>
     <dgm:pt modelId="{83E6BF79-68CA-4B32-834F-CF7588D76792}" type="pres">
       <dgm:prSet presAssocID="{E720B028-D74C-4248-8004-CA63C7B0E3CB}" presName="accent_1" presStyleCnt="0"/>
@@ -1533,6 +1554,13 @@
         </dgm:presLayoutVars>
       </dgm:prSet>
       <dgm:spPr/>
+      <dgm:t>
+        <a:bodyPr/>
+        <a:lstStyle/>
+        <a:p>
+          <a:endParaRPr lang="fr-FR"/>
+        </a:p>
+      </dgm:t>
     </dgm:pt>
     <dgm:pt modelId="{7923A887-BC23-4E41-A053-6569017E0CD5}" type="pres">
       <dgm:prSet presAssocID="{6DCFE96D-80DA-46BF-A725-6CFB410E9828}" presName="accent_2" presStyleCnt="0"/>
@@ -1549,6 +1577,13 @@
         </dgm:presLayoutVars>
       </dgm:prSet>
       <dgm:spPr/>
+      <dgm:t>
+        <a:bodyPr/>
+        <a:lstStyle/>
+        <a:p>
+          <a:endParaRPr lang="fr-FR"/>
+        </a:p>
+      </dgm:t>
     </dgm:pt>
     <dgm:pt modelId="{B86D93A1-6D2F-4359-B82B-31158A6CB807}" type="pres">
       <dgm:prSet presAssocID="{5E44BE74-7BDB-4CD1-85D7-157A768B6599}" presName="accent_3" presStyleCnt="0"/>
@@ -1565,6 +1600,13 @@
         </dgm:presLayoutVars>
       </dgm:prSet>
       <dgm:spPr/>
+      <dgm:t>
+        <a:bodyPr/>
+        <a:lstStyle/>
+        <a:p>
+          <a:endParaRPr lang="fr-FR"/>
+        </a:p>
+      </dgm:t>
     </dgm:pt>
     <dgm:pt modelId="{DDDEB27D-59A0-445A-BA55-CBA8AAA7D414}" type="pres">
       <dgm:prSet presAssocID="{3D9F95B1-9E41-4B89-A74A-18D8958B5368}" presName="accent_4" presStyleCnt="0"/>
@@ -1581,6 +1623,13 @@
         </dgm:presLayoutVars>
       </dgm:prSet>
       <dgm:spPr/>
+      <dgm:t>
+        <a:bodyPr/>
+        <a:lstStyle/>
+        <a:p>
+          <a:endParaRPr lang="fr-FR"/>
+        </a:p>
+      </dgm:t>
     </dgm:pt>
     <dgm:pt modelId="{63037F71-2F9C-4941-B9BD-972E798A4752}" type="pres">
       <dgm:prSet presAssocID="{C1583B5F-B658-4636-A601-4357E8D5315D}" presName="accent_5" presStyleCnt="0"/>
@@ -1592,18 +1641,18 @@
     </dgm:pt>
   </dgm:ptLst>
   <dgm:cxnLst>
+    <dgm:cxn modelId="{11A4BB34-7391-466E-B258-C401B186171C}" type="presOf" srcId="{3D9F95B1-9E41-4B89-A74A-18D8958B5368}" destId="{23A5D521-006E-4CB2-BCA9-EC3BE9A1188B}" srcOrd="0" destOrd="0" presId="urn:microsoft.com/office/officeart/2008/layout/VerticalCurvedList"/>
+    <dgm:cxn modelId="{A259F24D-7109-408B-A0EE-7521ECE6C59F}" srcId="{0A22175F-9E50-4726-A201-531B05BDD5B6}" destId="{5E44BE74-7BDB-4CD1-85D7-157A768B6599}" srcOrd="2" destOrd="0" parTransId="{D5639A8C-0944-4765-A207-89A9F449FB58}" sibTransId="{95061DE8-40B6-492F-92B5-809BCDFD685D}"/>
+    <dgm:cxn modelId="{F9F4C943-FEA2-48AB-99D4-EE74BCB0BD8D}" type="presOf" srcId="{E720B028-D74C-4248-8004-CA63C7B0E3CB}" destId="{30D3C256-CFB7-480A-A966-7B86A386D68F}" srcOrd="0" destOrd="0" presId="urn:microsoft.com/office/officeart/2008/layout/VerticalCurvedList"/>
+    <dgm:cxn modelId="{23BCDEDB-812F-453B-8C62-1613B6288CD0}" srcId="{0A22175F-9E50-4726-A201-531B05BDD5B6}" destId="{6DCFE96D-80DA-46BF-A725-6CFB410E9828}" srcOrd="1" destOrd="0" parTransId="{381B9D29-08F8-4CE7-A193-010DEFB6053D}" sibTransId="{FB3B235A-AFDF-473B-8886-5E00CAEC9AF8}"/>
+    <dgm:cxn modelId="{1AB3FC43-842B-417B-855D-90D0647ED524}" srcId="{0A22175F-9E50-4726-A201-531B05BDD5B6}" destId="{E720B028-D74C-4248-8004-CA63C7B0E3CB}" srcOrd="0" destOrd="0" parTransId="{7D892449-47AD-40E4-8943-8FB7AD92C8A6}" sibTransId="{058B1AC4-673E-41D8-83E3-E3BD46E24871}"/>
+    <dgm:cxn modelId="{698C34F1-16CC-472A-9675-F721FE9B9E5E}" srcId="{0A22175F-9E50-4726-A201-531B05BDD5B6}" destId="{C1583B5F-B658-4636-A601-4357E8D5315D}" srcOrd="4" destOrd="0" parTransId="{4174C859-F47D-45B6-BD36-FF92AD4185F1}" sibTransId="{D64CB2E0-8133-4AF3-BE54-8943F8095AE9}"/>
+    <dgm:cxn modelId="{0208A5D3-848E-4EEE-92C1-143E217871E3}" type="presOf" srcId="{6DCFE96D-80DA-46BF-A725-6CFB410E9828}" destId="{CF124B02-E0ED-4DE1-8EC9-EC9D50CBB9B8}" srcOrd="0" destOrd="0" presId="urn:microsoft.com/office/officeart/2008/layout/VerticalCurvedList"/>
+    <dgm:cxn modelId="{16DDDD6E-3BBB-4F4E-AD80-0B5809C99847}" type="presOf" srcId="{0A22175F-9E50-4726-A201-531B05BDD5B6}" destId="{5C57B3EE-E7F9-49CE-835D-EF74F2DCB7CC}" srcOrd="0" destOrd="0" presId="urn:microsoft.com/office/officeart/2008/layout/VerticalCurvedList"/>
+    <dgm:cxn modelId="{E19FF7B7-B39D-4EFA-A773-9FD0C286B1A2}" type="presOf" srcId="{C1583B5F-B658-4636-A601-4357E8D5315D}" destId="{9F96E16C-BD40-4AF9-AFBC-9C01FC40DDC2}" srcOrd="0" destOrd="0" presId="urn:microsoft.com/office/officeart/2008/layout/VerticalCurvedList"/>
+    <dgm:cxn modelId="{3B08EA29-0DC5-4E1F-BF00-841FA67C853E}" type="presOf" srcId="{5E44BE74-7BDB-4CD1-85D7-157A768B6599}" destId="{F48BC0AB-2842-41B2-98EC-4C85F15D140C}" srcOrd="0" destOrd="0" presId="urn:microsoft.com/office/officeart/2008/layout/VerticalCurvedList"/>
+    <dgm:cxn modelId="{1AFC318B-91FD-41D8-88FA-F3B517EC0022}" srcId="{0A22175F-9E50-4726-A201-531B05BDD5B6}" destId="{3D9F95B1-9E41-4B89-A74A-18D8958B5368}" srcOrd="3" destOrd="0" parTransId="{45B5EB23-9E64-4A1C-A4BD-C676D38EB973}" sibTransId="{4E755FB8-62F4-4729-9A9B-50B431452079}"/>
     <dgm:cxn modelId="{FB10B419-1D3A-4EFF-9769-58363C8877E8}" type="presOf" srcId="{058B1AC4-673E-41D8-83E3-E3BD46E24871}" destId="{B710228F-41CA-41E4-A072-038F184BFE0A}" srcOrd="0" destOrd="0" presId="urn:microsoft.com/office/officeart/2008/layout/VerticalCurvedList"/>
-    <dgm:cxn modelId="{3B08EA29-0DC5-4E1F-BF00-841FA67C853E}" type="presOf" srcId="{5E44BE74-7BDB-4CD1-85D7-157A768B6599}" destId="{F48BC0AB-2842-41B2-98EC-4C85F15D140C}" srcOrd="0" destOrd="0" presId="urn:microsoft.com/office/officeart/2008/layout/VerticalCurvedList"/>
-    <dgm:cxn modelId="{11A4BB34-7391-466E-B258-C401B186171C}" type="presOf" srcId="{3D9F95B1-9E41-4B89-A74A-18D8958B5368}" destId="{23A5D521-006E-4CB2-BCA9-EC3BE9A1188B}" srcOrd="0" destOrd="0" presId="urn:microsoft.com/office/officeart/2008/layout/VerticalCurvedList"/>
-    <dgm:cxn modelId="{F9F4C943-FEA2-48AB-99D4-EE74BCB0BD8D}" type="presOf" srcId="{E720B028-D74C-4248-8004-CA63C7B0E3CB}" destId="{30D3C256-CFB7-480A-A966-7B86A386D68F}" srcOrd="0" destOrd="0" presId="urn:microsoft.com/office/officeart/2008/layout/VerticalCurvedList"/>
-    <dgm:cxn modelId="{1AB3FC43-842B-417B-855D-90D0647ED524}" srcId="{0A22175F-9E50-4726-A201-531B05BDD5B6}" destId="{E720B028-D74C-4248-8004-CA63C7B0E3CB}" srcOrd="0" destOrd="0" parTransId="{7D892449-47AD-40E4-8943-8FB7AD92C8A6}" sibTransId="{058B1AC4-673E-41D8-83E3-E3BD46E24871}"/>
-    <dgm:cxn modelId="{A259F24D-7109-408B-A0EE-7521ECE6C59F}" srcId="{0A22175F-9E50-4726-A201-531B05BDD5B6}" destId="{5E44BE74-7BDB-4CD1-85D7-157A768B6599}" srcOrd="2" destOrd="0" parTransId="{D5639A8C-0944-4765-A207-89A9F449FB58}" sibTransId="{95061DE8-40B6-492F-92B5-809BCDFD685D}"/>
-    <dgm:cxn modelId="{16DDDD6E-3BBB-4F4E-AD80-0B5809C99847}" type="presOf" srcId="{0A22175F-9E50-4726-A201-531B05BDD5B6}" destId="{5C57B3EE-E7F9-49CE-835D-EF74F2DCB7CC}" srcOrd="0" destOrd="0" presId="urn:microsoft.com/office/officeart/2008/layout/VerticalCurvedList"/>
-    <dgm:cxn modelId="{1AFC318B-91FD-41D8-88FA-F3B517EC0022}" srcId="{0A22175F-9E50-4726-A201-531B05BDD5B6}" destId="{3D9F95B1-9E41-4B89-A74A-18D8958B5368}" srcOrd="3" destOrd="0" parTransId="{45B5EB23-9E64-4A1C-A4BD-C676D38EB973}" sibTransId="{4E755FB8-62F4-4729-9A9B-50B431452079}"/>
-    <dgm:cxn modelId="{E19FF7B7-B39D-4EFA-A773-9FD0C286B1A2}" type="presOf" srcId="{C1583B5F-B658-4636-A601-4357E8D5315D}" destId="{9F96E16C-BD40-4AF9-AFBC-9C01FC40DDC2}" srcOrd="0" destOrd="0" presId="urn:microsoft.com/office/officeart/2008/layout/VerticalCurvedList"/>
-    <dgm:cxn modelId="{0208A5D3-848E-4EEE-92C1-143E217871E3}" type="presOf" srcId="{6DCFE96D-80DA-46BF-A725-6CFB410E9828}" destId="{CF124B02-E0ED-4DE1-8EC9-EC9D50CBB9B8}" srcOrd="0" destOrd="0" presId="urn:microsoft.com/office/officeart/2008/layout/VerticalCurvedList"/>
-    <dgm:cxn modelId="{23BCDEDB-812F-453B-8C62-1613B6288CD0}" srcId="{0A22175F-9E50-4726-A201-531B05BDD5B6}" destId="{6DCFE96D-80DA-46BF-A725-6CFB410E9828}" srcOrd="1" destOrd="0" parTransId="{381B9D29-08F8-4CE7-A193-010DEFB6053D}" sibTransId="{FB3B235A-AFDF-473B-8886-5E00CAEC9AF8}"/>
-    <dgm:cxn modelId="{698C34F1-16CC-472A-9675-F721FE9B9E5E}" srcId="{0A22175F-9E50-4726-A201-531B05BDD5B6}" destId="{C1583B5F-B658-4636-A601-4357E8D5315D}" srcOrd="4" destOrd="0" parTransId="{4174C859-F47D-45B6-BD36-FF92AD4185F1}" sibTransId="{D64CB2E0-8133-4AF3-BE54-8943F8095AE9}"/>
     <dgm:cxn modelId="{D19C3EB7-42AF-4D96-9FD8-9970F41E48E8}" type="presParOf" srcId="{5C57B3EE-E7F9-49CE-835D-EF74F2DCB7CC}" destId="{63005BE7-3469-43AD-8513-7909B56C13B4}" srcOrd="0" destOrd="0" presId="urn:microsoft.com/office/officeart/2008/layout/VerticalCurvedList"/>
     <dgm:cxn modelId="{B16599C9-6BC7-40D9-B470-3F001A147D6E}" type="presParOf" srcId="{63005BE7-3469-43AD-8513-7909B56C13B4}" destId="{A55325B9-F140-4749-B248-BDA4897718C3}" srcOrd="0" destOrd="0" presId="urn:microsoft.com/office/officeart/2008/layout/VerticalCurvedList"/>
     <dgm:cxn modelId="{A7743560-D2F3-4DD0-B5C8-D07CCE50C3D5}" type="presParOf" srcId="{A55325B9-F140-4749-B248-BDA4897718C3}" destId="{FF5FD416-8277-4821-B15C-39EFD75502F7}" srcOrd="0" destOrd="0" presId="urn:microsoft.com/office/officeart/2008/layout/VerticalCurvedList"/>
@@ -1747,7 +1796,7 @@
         </a:bodyPr>
         <a:lstStyle/>
         <a:p>
-          <a:pPr marL="0" lvl="0" indent="0" algn="just" defTabSz="711200">
+          <a:pPr lvl="0" algn="just" defTabSz="711200">
             <a:lnSpc>
               <a:spcPct val="90000"/>
             </a:lnSpc>
@@ -1757,7 +1806,6 @@
             <a:spcAft>
               <a:spcPts val="0"/>
             </a:spcAft>
-            <a:buNone/>
           </a:pPr>
           <a:r>
             <a:rPr lang="fr-FR" sz="1600" b="1" kern="1200" dirty="0">
@@ -1895,7 +1943,7 @@
         </a:bodyPr>
         <a:lstStyle/>
         <a:p>
-          <a:pPr marL="0" lvl="0" indent="0" algn="l" defTabSz="711200">
+          <a:pPr lvl="0" algn="l" defTabSz="711200">
             <a:lnSpc>
               <a:spcPct val="90000"/>
             </a:lnSpc>
@@ -1905,7 +1953,6 @@
             <a:spcAft>
               <a:spcPct val="35000"/>
             </a:spcAft>
-            <a:buNone/>
           </a:pPr>
           <a:r>
             <a:rPr lang="fr-FR" sz="1600" b="1" kern="1200" dirty="0">
@@ -2078,7 +2125,7 @@
         </a:bodyPr>
         <a:lstStyle/>
         <a:p>
-          <a:pPr marL="0" lvl="0" indent="0" algn="l" defTabSz="711200">
+          <a:pPr lvl="0" algn="l" defTabSz="711200">
             <a:lnSpc>
               <a:spcPct val="90000"/>
             </a:lnSpc>
@@ -2088,7 +2135,6 @@
             <a:spcAft>
               <a:spcPct val="35000"/>
             </a:spcAft>
-            <a:buNone/>
           </a:pPr>
           <a:r>
             <a:rPr lang="fr-FR" sz="1600" b="1" kern="1200" dirty="0">
@@ -2299,7 +2345,7 @@
         </a:bodyPr>
         <a:lstStyle/>
         <a:p>
-          <a:pPr marL="0" lvl="0" indent="0" algn="just" defTabSz="711200">
+          <a:pPr lvl="0" algn="just" defTabSz="711200">
             <a:lnSpc>
               <a:spcPct val="90000"/>
             </a:lnSpc>
@@ -2309,7 +2355,6 @@
             <a:spcAft>
               <a:spcPts val="0"/>
             </a:spcAft>
-            <a:buNone/>
           </a:pPr>
           <a:r>
             <a:rPr lang="fr-FR" sz="1600" b="1" kern="1200" dirty="0">
@@ -2499,7 +2544,7 @@
         </a:bodyPr>
         <a:lstStyle/>
         <a:p>
-          <a:pPr marL="0" lvl="0" indent="0" algn="just" defTabSz="711200">
+          <a:pPr lvl="0" algn="just" defTabSz="711200">
             <a:lnSpc>
               <a:spcPct val="90000"/>
             </a:lnSpc>
@@ -2509,7 +2554,6 @@
             <a:spcAft>
               <a:spcPts val="0"/>
             </a:spcAft>
-            <a:buNone/>
           </a:pPr>
           <a:r>
             <a:rPr lang="fr-FR" sz="1600" b="1" kern="1200" dirty="0">
@@ -5014,7 +5058,7 @@
                 <a:latin typeface="Arial" pitchFamily="34" charset="0"/>
               </a:rPr>
               <a:pPr/>
-              <a:t>12/11/2019</a:t>
+              <a:t>12/12/2019</a:t>
             </a:fld>
             <a:endParaRPr lang="en-US" dirty="0">
               <a:latin typeface="Arial" pitchFamily="34" charset="0"/>
@@ -5193,7 +5237,7 @@
             <a:fld id="{B5D7A87D-1CDA-443F-BAE3-82C9C05446C3}" type="datetimeFigureOut">
               <a:rPr lang="en-US" smtClean="0"/>
               <a:pPr/>
-              <a:t>12/11/2019</a:t>
+              <a:t>12/12/2019</a:t>
             </a:fld>
             <a:endParaRPr lang="en-US" dirty="0"/>
           </a:p>
@@ -29381,6 +29425,13 @@
   <p:transition>
     <p:fade/>
   </p:transition>
+  <p:timing>
+    <p:tnLst>
+      <p:par>
+        <p:cTn id="1" dur="indefinite" restart="never" nodeType="tmRoot"/>
+      </p:par>
+    </p:tnLst>
+  </p:timing>
 </p:sld>
 </file>
 
@@ -29584,6 +29635,13 @@
   <p:clrMapOvr>
     <a:masterClrMapping/>
   </p:clrMapOvr>
+  <p:timing>
+    <p:tnLst>
+      <p:par>
+        <p:cTn id="1" dur="indefinite" restart="never" nodeType="tmRoot"/>
+      </p:par>
+    </p:tnLst>
+  </p:timing>
 </p:sld>
 </file>
 
@@ -32194,6 +32252,13 @@
   <p:clrMapOvr>
     <a:masterClrMapping/>
   </p:clrMapOvr>
+  <p:timing>
+    <p:tnLst>
+      <p:par>
+        <p:cTn id="1" dur="indefinite" restart="never" nodeType="tmRoot"/>
+      </p:par>
+    </p:tnLst>
+  </p:timing>
 </p:sld>
 </file>
 
@@ -32307,6 +32372,13 @@
   <p:clrMapOvr>
     <a:masterClrMapping/>
   </p:clrMapOvr>
+  <p:timing>
+    <p:tnLst>
+      <p:par>
+        <p:cTn id="1" dur="indefinite" restart="never" nodeType="tmRoot"/>
+      </p:par>
+    </p:tnLst>
+  </p:timing>
 </p:sld>
 </file>
 
@@ -32462,6 +32534,13 @@
   <p:clrMapOvr>
     <a:masterClrMapping/>
   </p:clrMapOvr>
+  <p:timing>
+    <p:tnLst>
+      <p:par>
+        <p:cTn id="1" dur="indefinite" restart="never" nodeType="tmRoot"/>
+      </p:par>
+    </p:tnLst>
+  </p:timing>
 </p:sld>
 </file>
 
@@ -34207,6 +34286,13 @@
   <p:clrMapOvr>
     <a:masterClrMapping/>
   </p:clrMapOvr>
+  <p:timing>
+    <p:tnLst>
+      <p:par>
+        <p:cTn id="1" dur="indefinite" restart="never" nodeType="tmRoot"/>
+      </p:par>
+    </p:tnLst>
+  </p:timing>
 </p:sld>
 </file>
 
@@ -34869,9 +34955,7 @@
               <a:t>Opinionated </a:t>
             </a:r>
             <a:r>
-              <a:rPr lang="en-US" dirty="0">
-                <a:hlinkClick r:id="rId3"/>
-              </a:rPr>
+              <a:rPr lang="en-US" dirty="0"/>
               <a:t>starter</a:t>
             </a:r>
             <a:r>
@@ -35079,6 +35163,13 @@
   <p:clrMapOvr>
     <a:masterClrMapping/>
   </p:clrMapOvr>
+  <p:timing>
+    <p:tnLst>
+      <p:par>
+        <p:cTn id="1" dur="indefinite" restart="never" nodeType="tmRoot"/>
+      </p:par>
+    </p:tnLst>
+  </p:timing>
 </p:sld>
 </file>
 
@@ -35315,6 +35406,13 @@
   <p:clrMapOvr>
     <a:masterClrMapping/>
   </p:clrMapOvr>
+  <p:timing>
+    <p:tnLst>
+      <p:par>
+        <p:cTn id="1" dur="indefinite" restart="never" nodeType="tmRoot"/>
+      </p:par>
+    </p:tnLst>
+  </p:timing>
 </p:sld>
 </file>
 
@@ -35775,6 +35873,13 @@
   <p:clrMapOvr>
     <a:masterClrMapping/>
   </p:clrMapOvr>
+  <p:timing>
+    <p:tnLst>
+      <p:par>
+        <p:cTn id="1" dur="indefinite" restart="never" nodeType="tmRoot"/>
+      </p:par>
+    </p:tnLst>
+  </p:timing>
 </p:sld>
 </file>
 
@@ -36239,6 +36344,13 @@
   <p:clrMapOvr>
     <a:masterClrMapping/>
   </p:clrMapOvr>
+  <p:timing>
+    <p:tnLst>
+      <p:par>
+        <p:cTn id="1" dur="indefinite" restart="never" nodeType="tmRoot"/>
+      </p:par>
+    </p:tnLst>
+  </p:timing>
 </p:sld>
 </file>
 
@@ -37183,6 +37295,13 @@
   <p:clrMapOvr>
     <a:masterClrMapping/>
   </p:clrMapOvr>
+  <p:timing>
+    <p:tnLst>
+      <p:par>
+        <p:cTn id="1" dur="indefinite" restart="never" nodeType="tmRoot"/>
+      </p:par>
+    </p:tnLst>
+  </p:timing>
 </p:sld>
 </file>
 
@@ -37706,6 +37825,13 @@
   <p:clrMapOvr>
     <a:masterClrMapping/>
   </p:clrMapOvr>
+  <p:timing>
+    <p:tnLst>
+      <p:par>
+        <p:cTn id="1" dur="indefinite" restart="never" nodeType="tmRoot"/>
+      </p:par>
+    </p:tnLst>
+  </p:timing>
 </p:sld>
 </file>
 
@@ -37930,6 +38056,13 @@
   <p:clrMapOvr>
     <a:masterClrMapping/>
   </p:clrMapOvr>
+  <p:timing>
+    <p:tnLst>
+      <p:par>
+        <p:cTn id="1" dur="indefinite" restart="never" nodeType="tmRoot"/>
+      </p:par>
+    </p:tnLst>
+  </p:timing>
 </p:sld>
 </file>
 
@@ -38359,6 +38492,13 @@
   <p:clrMapOvr>
     <a:masterClrMapping/>
   </p:clrMapOvr>
+  <p:timing>
+    <p:tnLst>
+      <p:par>
+        <p:cTn id="1" dur="indefinite" restart="never" nodeType="tmRoot"/>
+      </p:par>
+    </p:tnLst>
+  </p:timing>
 </p:sld>
 </file>
 
@@ -38997,6 +39137,13 @@
   <p:clrMapOvr>
     <a:masterClrMapping/>
   </p:clrMapOvr>
+  <p:timing>
+    <p:tnLst>
+      <p:par>
+        <p:cTn id="1" dur="indefinite" restart="never" nodeType="tmRoot"/>
+      </p:par>
+    </p:tnLst>
+  </p:timing>
 </p:sld>
 </file>
 
@@ -40032,6 +40179,15 @@
 </file>
 
 <file path=customXml/item1.xml><?xml version="1.0" encoding="utf-8"?>
+<?mso-contentType ?>
+<FormTemplates xmlns="http://schemas.microsoft.com/sharepoint/v3/contenttype/forms">
+  <Display>DocumentLibraryForm</Display>
+  <Edit>DocumentLibraryForm</Edit>
+  <New>DocumentLibraryForm</New>
+</FormTemplates>
+</file>
+
+<file path=customXml/item2.xml><?xml version="1.0" encoding="utf-8"?>
 <p:properties xmlns:p="http://schemas.microsoft.com/office/2006/metadata/properties" xmlns:xsi="http://www.w3.org/2001/XMLSchema-instance">
   <documentManagement>
     <c5aebc35b3e840e5912c276ffe755dcf xmlns="d95a5b16-1b8d-4c7c-9ebf-89c0983b6970">
@@ -40112,152 +40268,7 @@
 </p:properties>
 </file>
 
-<file path=customXml/item2.xml><?xml version="1.0" encoding="utf-8"?>
-<?mso-contentType ?>
-<FormTemplates xmlns="http://schemas.microsoft.com/sharepoint/v3/contenttype/forms">
-  <Display>DocumentLibraryForm</Display>
-  <Edit>DocumentLibraryForm</Edit>
-  <New>DocumentLibraryForm</New>
-</FormTemplates>
-</file>
-
 <file path=customXml/item3.xml><?xml version="1.0" encoding="utf-8"?>
-<?mso-contentType ?>
-<spe:Receivers xmlns:spe="http://schemas.microsoft.com/sharepoint/events">
-  <Receiver>
-    <Name>ItemUpdatedEventHandlerForConceptSearch</Name>
-    <Synchronization>Default</Synchronization>
-    <Type>10002</Type>
-    <SequenceNumber>10001</SequenceNumber>
-    <Assembly>conceptSearching.Sharepoint.ContentTypes, Version=1.0.0.0, Culture=neutral, PublicKeyToken=858f8f13980e4745</Assembly>
-    <Class>conceptSearching.Sharepoint.ContentTypes.CSHandleEvent</Class>
-    <Data/>
-    <Filter/>
-  </Receiver>
-  <Receiver>
-    <Name>ItemCheckedInEventHandlerForConceptSearch</Name>
-    <Synchronization>Default</Synchronization>
-    <Type>10004</Type>
-    <SequenceNumber>10002</SequenceNumber>
-    <Assembly>conceptSearching.Sharepoint.ContentTypes, Version=1.0.0.0, Culture=neutral, PublicKeyToken=858f8f13980e4745</Assembly>
-    <Class>conceptSearching.Sharepoint.ContentTypes.CSHandleEvent</Class>
-    <Data/>
-    <Filter/>
-  </Receiver>
-  <Receiver>
-    <Name>ItemUncheckedOutEventHandlerForConceptSearch</Name>
-    <Synchronization>Default</Synchronization>
-    <Type>10006</Type>
-    <SequenceNumber>10003</SequenceNumber>
-    <Assembly>conceptSearching.Sharepoint.ContentTypes, Version=1.0.0.0, Culture=neutral, PublicKeyToken=858f8f13980e4745</Assembly>
-    <Class>conceptSearching.Sharepoint.ContentTypes.CSHandleEvent</Class>
-    <Data/>
-    <Filter/>
-  </Receiver>
-  <Receiver>
-    <Name>ItemAddedEventHandlerForConceptSearch</Name>
-    <Synchronization>Default</Synchronization>
-    <Type>10001</Type>
-    <SequenceNumber>10004</SequenceNumber>
-    <Assembly>conceptSearching.Sharepoint.ContentTypes, Version=1.0.0.0, Culture=neutral, PublicKeyToken=858f8f13980e4745</Assembly>
-    <Class>conceptSearching.Sharepoint.ContentTypes.CSHandleEvent</Class>
-    <Data/>
-    <Filter/>
-  </Receiver>
-  <Receiver>
-    <Name>ItemFileMovedEventHandlerForConceptSearch</Name>
-    <Synchronization>Default</Synchronization>
-    <Type>10009</Type>
-    <SequenceNumber>10005</SequenceNumber>
-    <Assembly>conceptSearching.Sharepoint.ContentTypes, Version=1.0.0.0, Culture=neutral, PublicKeyToken=858f8f13980e4745</Assembly>
-    <Class>conceptSearching.Sharepoint.ContentTypes.CSHandleEvent</Class>
-    <Data/>
-    <Filter/>
-  </Receiver>
-  <Receiver>
-    <Name>ItemDeletedEventHandlerForConceptSearch</Name>
-    <Synchronization>Default</Synchronization>
-    <Type>10003</Type>
-    <SequenceNumber>10006</SequenceNumber>
-    <Assembly>conceptSearching.Sharepoint.ContentTypes, Version=1.0.0.0, Culture=neutral, PublicKeyToken=858f8f13980e4745</Assembly>
-    <Class>conceptSearching.Sharepoint.ContentTypes.CSHandleEvent</Class>
-    <Data/>
-    <Filter/>
-  </Receiver>
-  <Receiver>
-    <Name>ItemUpdatedEventHandlerForConceptSearch</Name>
-    <Synchronization>Asynchronous</Synchronization>
-    <Type>10002</Type>
-    <SequenceNumber>10001</SequenceNumber>
-    <Assembly>conceptSearching.Sharepoint.ContentTypes2010, Version=1.0.0.0, Culture=neutral, PublicKeyToken=858f8f13980e4745</Assembly>
-    <Class>conceptSearching.Sharepoint.ContentTypes2010.CSHandleEvent</Class>
-    <Data/>
-    <Filter/>
-  </Receiver>
-  <Receiver>
-    <Name>ItemUpdatingEventHandlerForConceptSearch</Name>
-    <Synchronization>Synchronous</Synchronization>
-    <Type>2</Type>
-    <SequenceNumber>10001</SequenceNumber>
-    <Assembly>conceptSearching.Sharepoint.ContentTypes2010, Version=1.0.0.0, Culture=neutral, PublicKeyToken=858f8f13980e4745</Assembly>
-    <Class>conceptSearching.Sharepoint.ContentTypes2010.CSHandleEvent</Class>
-    <Data/>
-    <Filter/>
-  </Receiver>
-  <Receiver>
-    <Name>ItemCheckedInEventHandlerForConceptSearch</Name>
-    <Synchronization>Asynchronous</Synchronization>
-    <Type>10004</Type>
-    <SequenceNumber>10002</SequenceNumber>
-    <Assembly>conceptSearching.Sharepoint.ContentTypes2010, Version=1.0.0.0, Culture=neutral, PublicKeyToken=858f8f13980e4745</Assembly>
-    <Class>conceptSearching.Sharepoint.ContentTypes2010.CSHandleEvent</Class>
-    <Data/>
-    <Filter/>
-  </Receiver>
-  <Receiver>
-    <Name>ItemUncheckedOutEventHandlerForConceptSearch</Name>
-    <Synchronization>Asynchronous</Synchronization>
-    <Type>10006</Type>
-    <SequenceNumber>10003</SequenceNumber>
-    <Assembly>conceptSearching.Sharepoint.ContentTypes2010, Version=1.0.0.0, Culture=neutral, PublicKeyToken=858f8f13980e4745</Assembly>
-    <Class>conceptSearching.Sharepoint.ContentTypes2010.CSHandleEvent</Class>
-    <Data/>
-    <Filter/>
-  </Receiver>
-  <Receiver>
-    <Name>ItemAddedEventHandlerForConceptSearch</Name>
-    <Synchronization>Asynchronous</Synchronization>
-    <Type>10001</Type>
-    <SequenceNumber>10004</SequenceNumber>
-    <Assembly>conceptSearching.Sharepoint.ContentTypes2010, Version=1.0.0.0, Culture=neutral, PublicKeyToken=858f8f13980e4745</Assembly>
-    <Class>conceptSearching.Sharepoint.ContentTypes2010.CSHandleEvent</Class>
-    <Data/>
-    <Filter/>
-  </Receiver>
-  <Receiver>
-    <Name>ItemFileMovedEventHandlerForConceptSearch</Name>
-    <Synchronization>Asynchronous</Synchronization>
-    <Type>10009</Type>
-    <SequenceNumber>10005</SequenceNumber>
-    <Assembly>conceptSearching.Sharepoint.ContentTypes2010, Version=1.0.0.0, Culture=neutral, PublicKeyToken=858f8f13980e4745</Assembly>
-    <Class>conceptSearching.Sharepoint.ContentTypes2010.CSHandleEvent</Class>
-    <Data/>
-    <Filter/>
-  </Receiver>
-  <Receiver>
-    <Name>ItemDeletedEventHandlerForConceptSearch</Name>
-    <Synchronization>Asynchronous</Synchronization>
-    <Type>10003</Type>
-    <SequenceNumber>10006</SequenceNumber>
-    <Assembly>conceptSearching.Sharepoint.ContentTypes2010, Version=1.0.0.0, Culture=neutral, PublicKeyToken=858f8f13980e4745</Assembly>
-    <Class>conceptSearching.Sharepoint.ContentTypes2010.CSHandleEvent</Class>
-    <Data/>
-    <Filter/>
-  </Receiver>
-</spe:Receivers>
-</file>
-
-<file path=customXml/item4.xml><?xml version="1.0" encoding="utf-8"?>
 <ct:contentTypeSchema xmlns:ct="http://schemas.microsoft.com/office/2006/metadata/contentType" xmlns:ma="http://schemas.microsoft.com/office/2006/metadata/properties/metaAttributes" ct:_="" ma:_="" ma:contentTypeName="Business Support" ma:contentTypeID="0x010100DCE5D5DBCBA6844C95AAA11EB3A32719002FF8385B8572694FA7ACC1CC37F60277" ma:contentTypeVersion="85" ma:contentTypeDescription="" ma:contentTypeScope="" ma:versionID="2e185370c66e36c56dd232e65dd02ed3">
   <xsd:schema xmlns:xsd="http://www.w3.org/2001/XMLSchema" xmlns:xs="http://www.w3.org/2001/XMLSchema" xmlns:p="http://schemas.microsoft.com/office/2006/metadata/properties" xmlns:ns1="http://schemas.microsoft.com/sharepoint/v3" xmlns:ns2="d95a5b16-1b8d-4c7c-9ebf-89c0983b6970" targetNamespace="http://schemas.microsoft.com/office/2006/metadata/properties" ma:root="true" ma:fieldsID="83532d8de379e40041d3a9288ce2e015" ns1:_="" ns2:_="">
     <xsd:import namespace="http://schemas.microsoft.com/sharepoint/v3"/>
@@ -40705,7 +40716,151 @@
 </ct:contentTypeSchema>
 </file>
 
+<file path=customXml/item4.xml><?xml version="1.0" encoding="utf-8"?>
+<?mso-contentType ?>
+<spe:Receivers xmlns:spe="http://schemas.microsoft.com/sharepoint/events">
+  <Receiver>
+    <Name>ItemUpdatedEventHandlerForConceptSearch</Name>
+    <Synchronization>Default</Synchronization>
+    <Type>10002</Type>
+    <SequenceNumber>10001</SequenceNumber>
+    <Assembly>conceptSearching.Sharepoint.ContentTypes, Version=1.0.0.0, Culture=neutral, PublicKeyToken=858f8f13980e4745</Assembly>
+    <Class>conceptSearching.Sharepoint.ContentTypes.CSHandleEvent</Class>
+    <Data/>
+    <Filter/>
+  </Receiver>
+  <Receiver>
+    <Name>ItemCheckedInEventHandlerForConceptSearch</Name>
+    <Synchronization>Default</Synchronization>
+    <Type>10004</Type>
+    <SequenceNumber>10002</SequenceNumber>
+    <Assembly>conceptSearching.Sharepoint.ContentTypes, Version=1.0.0.0, Culture=neutral, PublicKeyToken=858f8f13980e4745</Assembly>
+    <Class>conceptSearching.Sharepoint.ContentTypes.CSHandleEvent</Class>
+    <Data/>
+    <Filter/>
+  </Receiver>
+  <Receiver>
+    <Name>ItemUncheckedOutEventHandlerForConceptSearch</Name>
+    <Synchronization>Default</Synchronization>
+    <Type>10006</Type>
+    <SequenceNumber>10003</SequenceNumber>
+    <Assembly>conceptSearching.Sharepoint.ContentTypes, Version=1.0.0.0, Culture=neutral, PublicKeyToken=858f8f13980e4745</Assembly>
+    <Class>conceptSearching.Sharepoint.ContentTypes.CSHandleEvent</Class>
+    <Data/>
+    <Filter/>
+  </Receiver>
+  <Receiver>
+    <Name>ItemAddedEventHandlerForConceptSearch</Name>
+    <Synchronization>Default</Synchronization>
+    <Type>10001</Type>
+    <SequenceNumber>10004</SequenceNumber>
+    <Assembly>conceptSearching.Sharepoint.ContentTypes, Version=1.0.0.0, Culture=neutral, PublicKeyToken=858f8f13980e4745</Assembly>
+    <Class>conceptSearching.Sharepoint.ContentTypes.CSHandleEvent</Class>
+    <Data/>
+    <Filter/>
+  </Receiver>
+  <Receiver>
+    <Name>ItemFileMovedEventHandlerForConceptSearch</Name>
+    <Synchronization>Default</Synchronization>
+    <Type>10009</Type>
+    <SequenceNumber>10005</SequenceNumber>
+    <Assembly>conceptSearching.Sharepoint.ContentTypes, Version=1.0.0.0, Culture=neutral, PublicKeyToken=858f8f13980e4745</Assembly>
+    <Class>conceptSearching.Sharepoint.ContentTypes.CSHandleEvent</Class>
+    <Data/>
+    <Filter/>
+  </Receiver>
+  <Receiver>
+    <Name>ItemDeletedEventHandlerForConceptSearch</Name>
+    <Synchronization>Default</Synchronization>
+    <Type>10003</Type>
+    <SequenceNumber>10006</SequenceNumber>
+    <Assembly>conceptSearching.Sharepoint.ContentTypes, Version=1.0.0.0, Culture=neutral, PublicKeyToken=858f8f13980e4745</Assembly>
+    <Class>conceptSearching.Sharepoint.ContentTypes.CSHandleEvent</Class>
+    <Data/>
+    <Filter/>
+  </Receiver>
+  <Receiver>
+    <Name>ItemUpdatedEventHandlerForConceptSearch</Name>
+    <Synchronization>Asynchronous</Synchronization>
+    <Type>10002</Type>
+    <SequenceNumber>10001</SequenceNumber>
+    <Assembly>conceptSearching.Sharepoint.ContentTypes2010, Version=1.0.0.0, Culture=neutral, PublicKeyToken=858f8f13980e4745</Assembly>
+    <Class>conceptSearching.Sharepoint.ContentTypes2010.CSHandleEvent</Class>
+    <Data/>
+    <Filter/>
+  </Receiver>
+  <Receiver>
+    <Name>ItemUpdatingEventHandlerForConceptSearch</Name>
+    <Synchronization>Synchronous</Synchronization>
+    <Type>2</Type>
+    <SequenceNumber>10001</SequenceNumber>
+    <Assembly>conceptSearching.Sharepoint.ContentTypes2010, Version=1.0.0.0, Culture=neutral, PublicKeyToken=858f8f13980e4745</Assembly>
+    <Class>conceptSearching.Sharepoint.ContentTypes2010.CSHandleEvent</Class>
+    <Data/>
+    <Filter/>
+  </Receiver>
+  <Receiver>
+    <Name>ItemCheckedInEventHandlerForConceptSearch</Name>
+    <Synchronization>Asynchronous</Synchronization>
+    <Type>10004</Type>
+    <SequenceNumber>10002</SequenceNumber>
+    <Assembly>conceptSearching.Sharepoint.ContentTypes2010, Version=1.0.0.0, Culture=neutral, PublicKeyToken=858f8f13980e4745</Assembly>
+    <Class>conceptSearching.Sharepoint.ContentTypes2010.CSHandleEvent</Class>
+    <Data/>
+    <Filter/>
+  </Receiver>
+  <Receiver>
+    <Name>ItemUncheckedOutEventHandlerForConceptSearch</Name>
+    <Synchronization>Asynchronous</Synchronization>
+    <Type>10006</Type>
+    <SequenceNumber>10003</SequenceNumber>
+    <Assembly>conceptSearching.Sharepoint.ContentTypes2010, Version=1.0.0.0, Culture=neutral, PublicKeyToken=858f8f13980e4745</Assembly>
+    <Class>conceptSearching.Sharepoint.ContentTypes2010.CSHandleEvent</Class>
+    <Data/>
+    <Filter/>
+  </Receiver>
+  <Receiver>
+    <Name>ItemAddedEventHandlerForConceptSearch</Name>
+    <Synchronization>Asynchronous</Synchronization>
+    <Type>10001</Type>
+    <SequenceNumber>10004</SequenceNumber>
+    <Assembly>conceptSearching.Sharepoint.ContentTypes2010, Version=1.0.0.0, Culture=neutral, PublicKeyToken=858f8f13980e4745</Assembly>
+    <Class>conceptSearching.Sharepoint.ContentTypes2010.CSHandleEvent</Class>
+    <Data/>
+    <Filter/>
+  </Receiver>
+  <Receiver>
+    <Name>ItemFileMovedEventHandlerForConceptSearch</Name>
+    <Synchronization>Asynchronous</Synchronization>
+    <Type>10009</Type>
+    <SequenceNumber>10005</SequenceNumber>
+    <Assembly>conceptSearching.Sharepoint.ContentTypes2010, Version=1.0.0.0, Culture=neutral, PublicKeyToken=858f8f13980e4745</Assembly>
+    <Class>conceptSearching.Sharepoint.ContentTypes2010.CSHandleEvent</Class>
+    <Data/>
+    <Filter/>
+  </Receiver>
+  <Receiver>
+    <Name>ItemDeletedEventHandlerForConceptSearch</Name>
+    <Synchronization>Asynchronous</Synchronization>
+    <Type>10003</Type>
+    <SequenceNumber>10006</SequenceNumber>
+    <Assembly>conceptSearching.Sharepoint.ContentTypes2010, Version=1.0.0.0, Culture=neutral, PublicKeyToken=858f8f13980e4745</Assembly>
+    <Class>conceptSearching.Sharepoint.ContentTypes2010.CSHandleEvent</Class>
+    <Data/>
+    <Filter/>
+  </Receiver>
+</spe:Receivers>
+</file>
+
 <file path=customXml/itemProps1.xml><?xml version="1.0" encoding="utf-8"?>
+<ds:datastoreItem xmlns:ds="http://schemas.openxmlformats.org/officeDocument/2006/customXml" ds:itemID="{ADA5D674-9920-4D2F-B065-BC24FD29F86D}">
+  <ds:schemaRefs>
+    <ds:schemaRef ds:uri="http://schemas.microsoft.com/sharepoint/v3/contenttype/forms"/>
+  </ds:schemaRefs>
+</ds:datastoreItem>
+</file>
+
+<file path=customXml/itemProps2.xml><?xml version="1.0" encoding="utf-8"?>
 <ds:datastoreItem xmlns:ds="http://schemas.openxmlformats.org/officeDocument/2006/customXml" ds:itemID="{2F4C4F6A-F6A5-45C8-BAAA-52FB70E387C7}">
   <ds:schemaRefs>
     <ds:schemaRef ds:uri="http://purl.org/dc/elements/1.1/"/>
@@ -40722,23 +40877,7 @@
 </ds:datastoreItem>
 </file>
 
-<file path=customXml/itemProps2.xml><?xml version="1.0" encoding="utf-8"?>
-<ds:datastoreItem xmlns:ds="http://schemas.openxmlformats.org/officeDocument/2006/customXml" ds:itemID="{ADA5D674-9920-4D2F-B065-BC24FD29F86D}">
-  <ds:schemaRefs>
-    <ds:schemaRef ds:uri="http://schemas.microsoft.com/sharepoint/v3/contenttype/forms"/>
-  </ds:schemaRefs>
-</ds:datastoreItem>
-</file>
-
 <file path=customXml/itemProps3.xml><?xml version="1.0" encoding="utf-8"?>
-<ds:datastoreItem xmlns:ds="http://schemas.openxmlformats.org/officeDocument/2006/customXml" ds:itemID="{B6223829-22B6-4242-8D82-2D6B02106581}">
-  <ds:schemaRefs>
-    <ds:schemaRef ds:uri="http://schemas.microsoft.com/sharepoint/events"/>
-  </ds:schemaRefs>
-</ds:datastoreItem>
-</file>
-
-<file path=customXml/itemProps4.xml><?xml version="1.0" encoding="utf-8"?>
 <ds:datastoreItem xmlns:ds="http://schemas.openxmlformats.org/officeDocument/2006/customXml" ds:itemID="{987FA55F-5903-479D-BDD5-BC336782B1C6}">
   <ds:schemaRefs>
     <ds:schemaRef ds:uri="http://schemas.microsoft.com/office/2006/metadata/contentType"/>
@@ -40755,4 +40894,12 @@
     <ds:schemaRef ds:uri="http://schemas.microsoft.com/internal/obd"/>
   </ds:schemaRefs>
 </ds:datastoreItem>
+</file>
+
+<file path=customXml/itemProps4.xml><?xml version="1.0" encoding="utf-8"?>
+<ds:datastoreItem xmlns:ds="http://schemas.openxmlformats.org/officeDocument/2006/customXml" ds:itemID="{B6223829-22B6-4242-8D82-2D6B02106581}">
+  <ds:schemaRefs>
+    <ds:schemaRef ds:uri="http://schemas.microsoft.com/sharepoint/events"/>
+  </ds:schemaRefs>
+</ds:datastoreItem>
 </file>